--- a/ILE Design overview.pptx
+++ b/ILE Design overview.pptx
@@ -12,6 +12,8 @@
     <p:sldId id="273" r:id="rId6"/>
     <p:sldId id="274" r:id="rId7"/>
     <p:sldId id="276" r:id="rId8"/>
+    <p:sldId id="278" r:id="rId9"/>
+    <p:sldId id="277" r:id="rId10"/>
   </p:sldIdLst>
   <p:sldSz cx="12192000" cy="6858000"/>
   <p:notesSz cx="6858000" cy="9144000"/>
@@ -2150,7 +2152,7 @@
           <a:p>
             <a:fld id="{D295580B-757C-48FD-B0DC-1213978BC34C}" type="datetimeFigureOut">
               <a:rPr lang="en-GB" smtClean="0"/>
-              <a:t>08/07/2022</a:t>
+              <a:t>13/07/2022</a:t>
             </a:fld>
             <a:endParaRPr lang="en-GB"/>
           </a:p>
@@ -2348,7 +2350,7 @@
           <a:p>
             <a:fld id="{D295580B-757C-48FD-B0DC-1213978BC34C}" type="datetimeFigureOut">
               <a:rPr lang="en-GB" smtClean="0"/>
-              <a:t>08/07/2022</a:t>
+              <a:t>13/07/2022</a:t>
             </a:fld>
             <a:endParaRPr lang="en-GB"/>
           </a:p>
@@ -2556,7 +2558,7 @@
           <a:p>
             <a:fld id="{D295580B-757C-48FD-B0DC-1213978BC34C}" type="datetimeFigureOut">
               <a:rPr lang="en-GB" smtClean="0"/>
-              <a:t>08/07/2022</a:t>
+              <a:t>13/07/2022</a:t>
             </a:fld>
             <a:endParaRPr lang="en-GB"/>
           </a:p>
@@ -2754,7 +2756,7 @@
           <a:p>
             <a:fld id="{D295580B-757C-48FD-B0DC-1213978BC34C}" type="datetimeFigureOut">
               <a:rPr lang="en-GB" smtClean="0"/>
-              <a:t>08/07/2022</a:t>
+              <a:t>13/07/2022</a:t>
             </a:fld>
             <a:endParaRPr lang="en-GB"/>
           </a:p>
@@ -3029,7 +3031,7 @@
           <a:p>
             <a:fld id="{D295580B-757C-48FD-B0DC-1213978BC34C}" type="datetimeFigureOut">
               <a:rPr lang="en-GB" smtClean="0"/>
-              <a:t>08/07/2022</a:t>
+              <a:t>13/07/2022</a:t>
             </a:fld>
             <a:endParaRPr lang="en-GB"/>
           </a:p>
@@ -3294,7 +3296,7 @@
           <a:p>
             <a:fld id="{D295580B-757C-48FD-B0DC-1213978BC34C}" type="datetimeFigureOut">
               <a:rPr lang="en-GB" smtClean="0"/>
-              <a:t>08/07/2022</a:t>
+              <a:t>13/07/2022</a:t>
             </a:fld>
             <a:endParaRPr lang="en-GB"/>
           </a:p>
@@ -3706,7 +3708,7 @@
           <a:p>
             <a:fld id="{D295580B-757C-48FD-B0DC-1213978BC34C}" type="datetimeFigureOut">
               <a:rPr lang="en-GB" smtClean="0"/>
-              <a:t>08/07/2022</a:t>
+              <a:t>13/07/2022</a:t>
             </a:fld>
             <a:endParaRPr lang="en-GB"/>
           </a:p>
@@ -3847,7 +3849,7 @@
           <a:p>
             <a:fld id="{D295580B-757C-48FD-B0DC-1213978BC34C}" type="datetimeFigureOut">
               <a:rPr lang="en-GB" smtClean="0"/>
-              <a:t>08/07/2022</a:t>
+              <a:t>13/07/2022</a:t>
             </a:fld>
             <a:endParaRPr lang="en-GB"/>
           </a:p>
@@ -3960,7 +3962,7 @@
           <a:p>
             <a:fld id="{D295580B-757C-48FD-B0DC-1213978BC34C}" type="datetimeFigureOut">
               <a:rPr lang="en-GB" smtClean="0"/>
-              <a:t>08/07/2022</a:t>
+              <a:t>13/07/2022</a:t>
             </a:fld>
             <a:endParaRPr lang="en-GB"/>
           </a:p>
@@ -4271,7 +4273,7 @@
           <a:p>
             <a:fld id="{D295580B-757C-48FD-B0DC-1213978BC34C}" type="datetimeFigureOut">
               <a:rPr lang="en-GB" smtClean="0"/>
-              <a:t>08/07/2022</a:t>
+              <a:t>13/07/2022</a:t>
             </a:fld>
             <a:endParaRPr lang="en-GB"/>
           </a:p>
@@ -4559,7 +4561,7 @@
           <a:p>
             <a:fld id="{D295580B-757C-48FD-B0DC-1213978BC34C}" type="datetimeFigureOut">
               <a:rPr lang="en-GB" smtClean="0"/>
-              <a:t>08/07/2022</a:t>
+              <a:t>13/07/2022</a:t>
             </a:fld>
             <a:endParaRPr lang="en-GB"/>
           </a:p>
@@ -4800,7 +4802,7 @@
           <a:p>
             <a:fld id="{D295580B-757C-48FD-B0DC-1213978BC34C}" type="datetimeFigureOut">
               <a:rPr lang="en-GB" smtClean="0"/>
-              <a:t>08/07/2022</a:t>
+              <a:t>13/07/2022</a:t>
             </a:fld>
             <a:endParaRPr lang="en-GB"/>
           </a:p>
@@ -10712,6 +10714,2451 @@
 </p:sld>
 </file>
 
+<file path=ppt/slides/slide8.xml><?xml version="1.0" encoding="utf-8"?>
+<p:sld xmlns:a="http://schemas.openxmlformats.org/drawingml/2006/main" xmlns:r="http://schemas.openxmlformats.org/officeDocument/2006/relationships" xmlns:p="http://schemas.openxmlformats.org/presentationml/2006/main">
+  <p:cSld>
+    <p:spTree>
+      <p:nvGrpSpPr>
+        <p:cNvPr id="1" name=""/>
+        <p:cNvGrpSpPr/>
+        <p:nvPr/>
+      </p:nvGrpSpPr>
+      <p:grpSpPr>
+        <a:xfrm>
+          <a:off x="0" y="0"/>
+          <a:ext cx="0" cy="0"/>
+          <a:chOff x="0" y="0"/>
+          <a:chExt cx="0" cy="0"/>
+        </a:xfrm>
+      </p:grpSpPr>
+      <p:sp>
+        <p:nvSpPr>
+          <p:cNvPr id="2" name="TextBox 1">
+            <a:extLst>
+              <a:ext uri="{FF2B5EF4-FFF2-40B4-BE49-F238E27FC236}">
+                <a16:creationId xmlns:a16="http://schemas.microsoft.com/office/drawing/2014/main" id="{C6CC619C-71D4-0914-9732-8F9EE664659A}"/>
+              </a:ext>
+            </a:extLst>
+          </p:cNvPr>
+          <p:cNvSpPr txBox="1"/>
+          <p:nvPr/>
+        </p:nvSpPr>
+        <p:spPr>
+          <a:xfrm>
+            <a:off x="508959" y="1055690"/>
+            <a:ext cx="11090695" cy="523220"/>
+          </a:xfrm>
+          <a:prstGeom prst="rect">
+            <a:avLst/>
+          </a:prstGeom>
+          <a:solidFill>
+            <a:schemeClr val="accent1">
+              <a:lumMod val="20000"/>
+              <a:lumOff val="80000"/>
+            </a:schemeClr>
+          </a:solidFill>
+          <a:ln w="28575">
+            <a:solidFill>
+              <a:schemeClr val="accent1"/>
+            </a:solidFill>
+          </a:ln>
+        </p:spPr>
+        <p:txBody>
+          <a:bodyPr wrap="square" rtlCol="0">
+            <a:spAutoFit/>
+          </a:bodyPr>
+          <a:lstStyle/>
+          <a:p>
+            <a:r>
+              <a:rPr lang="en-GB" sz="1400" dirty="0"/>
+              <a:t>Generic client framework</a:t>
+            </a:r>
+          </a:p>
+          <a:p>
+            <a:pPr marL="285750" indent="-285750">
+              <a:buFont typeface="Arial" panose="020B0604020202020204" pitchFamily="34" charset="0"/>
+              <a:buChar char="•"/>
+            </a:pPr>
+            <a:r>
+              <a:rPr lang="en-GB" sz="1400" dirty="0"/>
+              <a:t>Loads complete Task set-up</a:t>
+            </a:r>
+          </a:p>
+        </p:txBody>
+      </p:sp>
+      <p:sp>
+        <p:nvSpPr>
+          <p:cNvPr id="3" name="TextBox 2">
+            <a:extLst>
+              <a:ext uri="{FF2B5EF4-FFF2-40B4-BE49-F238E27FC236}">
+                <a16:creationId xmlns:a16="http://schemas.microsoft.com/office/drawing/2014/main" id="{584DAE65-AE3F-A331-F2A5-0A79F4DD8E8C}"/>
+              </a:ext>
+            </a:extLst>
+          </p:cNvPr>
+          <p:cNvSpPr txBox="1"/>
+          <p:nvPr/>
+        </p:nvSpPr>
+        <p:spPr>
+          <a:xfrm>
+            <a:off x="508959" y="6110713"/>
+            <a:ext cx="2950234" cy="307777"/>
+          </a:xfrm>
+          <a:prstGeom prst="rect">
+            <a:avLst/>
+          </a:prstGeom>
+          <a:solidFill>
+            <a:schemeClr val="accent6">
+              <a:lumMod val="20000"/>
+              <a:lumOff val="80000"/>
+            </a:schemeClr>
+          </a:solidFill>
+          <a:ln w="28575">
+            <a:solidFill>
+              <a:srgbClr val="00B050"/>
+            </a:solidFill>
+          </a:ln>
+        </p:spPr>
+        <p:txBody>
+          <a:bodyPr wrap="square" rtlCol="0">
+            <a:spAutoFit/>
+          </a:bodyPr>
+          <a:lstStyle/>
+          <a:p>
+            <a:r>
+              <a:rPr lang="en-GB" sz="1400" dirty="0"/>
+              <a:t>User-defined functions</a:t>
+            </a:r>
+          </a:p>
+        </p:txBody>
+      </p:sp>
+      <p:sp>
+        <p:nvSpPr>
+          <p:cNvPr id="4" name="TextBox 3">
+            <a:extLst>
+              <a:ext uri="{FF2B5EF4-FFF2-40B4-BE49-F238E27FC236}">
+                <a16:creationId xmlns:a16="http://schemas.microsoft.com/office/drawing/2014/main" id="{2AB1C9AF-3BE0-6C89-C826-C6FC557A15D0}"/>
+              </a:ext>
+            </a:extLst>
+          </p:cNvPr>
+          <p:cNvSpPr txBox="1"/>
+          <p:nvPr/>
+        </p:nvSpPr>
+        <p:spPr>
+          <a:xfrm>
+            <a:off x="8273869" y="6098875"/>
+            <a:ext cx="3292415" cy="307777"/>
+          </a:xfrm>
+          <a:prstGeom prst="rect">
+            <a:avLst/>
+          </a:prstGeom>
+          <a:solidFill>
+            <a:schemeClr val="accent6">
+              <a:lumMod val="20000"/>
+              <a:lumOff val="80000"/>
+            </a:schemeClr>
+          </a:solidFill>
+          <a:ln w="28575">
+            <a:solidFill>
+              <a:srgbClr val="00B050"/>
+            </a:solidFill>
+          </a:ln>
+        </p:spPr>
+        <p:txBody>
+          <a:bodyPr wrap="square" rtlCol="0">
+            <a:spAutoFit/>
+          </a:bodyPr>
+          <a:lstStyle/>
+          <a:p>
+            <a:r>
+              <a:rPr lang="en-GB" sz="1400" dirty="0"/>
+              <a:t>Expression</a:t>
+            </a:r>
+          </a:p>
+        </p:txBody>
+      </p:sp>
+      <p:grpSp>
+        <p:nvGrpSpPr>
+          <p:cNvPr id="45" name="Group 44">
+            <a:extLst>
+              <a:ext uri="{FF2B5EF4-FFF2-40B4-BE49-F238E27FC236}">
+                <a16:creationId xmlns:a16="http://schemas.microsoft.com/office/drawing/2014/main" id="{C9277A06-4109-4C67-F957-52D0F9973229}"/>
+              </a:ext>
+            </a:extLst>
+          </p:cNvPr>
+          <p:cNvGrpSpPr/>
+          <p:nvPr/>
+        </p:nvGrpSpPr>
+        <p:grpSpPr>
+          <a:xfrm>
+            <a:off x="8273869" y="4111540"/>
+            <a:ext cx="3331950" cy="1456689"/>
+            <a:chOff x="7392838" y="3910806"/>
+            <a:chExt cx="3331950" cy="1456689"/>
+          </a:xfrm>
+          <a:solidFill>
+            <a:schemeClr val="accent2">
+              <a:lumMod val="20000"/>
+              <a:lumOff val="80000"/>
+            </a:schemeClr>
+          </a:solidFill>
+        </p:grpSpPr>
+        <p:sp>
+          <p:nvSpPr>
+            <p:cNvPr id="39" name="TextBox 38">
+              <a:extLst>
+                <a:ext uri="{FF2B5EF4-FFF2-40B4-BE49-F238E27FC236}">
+                  <a16:creationId xmlns:a16="http://schemas.microsoft.com/office/drawing/2014/main" id="{7F49C38C-E36C-F72F-E4A2-41156D3F95A8}"/>
+                </a:ext>
+              </a:extLst>
+            </p:cNvPr>
+            <p:cNvSpPr txBox="1"/>
+            <p:nvPr/>
+          </p:nvSpPr>
+          <p:spPr>
+            <a:xfrm>
+              <a:off x="7432373" y="3951723"/>
+              <a:ext cx="3292415" cy="1415772"/>
+            </a:xfrm>
+            <a:prstGeom prst="rect">
+              <a:avLst/>
+            </a:prstGeom>
+            <a:solidFill>
+              <a:schemeClr val="bg1"/>
+            </a:solidFill>
+            <a:ln w="28575">
+              <a:solidFill>
+                <a:schemeClr val="accent2">
+                  <a:lumMod val="75000"/>
+                </a:schemeClr>
+              </a:solidFill>
+            </a:ln>
+          </p:spPr>
+          <p:txBody>
+            <a:bodyPr wrap="square" rtlCol="0">
+              <a:spAutoFit/>
+            </a:bodyPr>
+            <a:lstStyle/>
+            <a:p>
+              <a:r>
+                <a:rPr lang="en-GB" sz="1400" b="1" dirty="0"/>
+                <a:t>White list </a:t>
+              </a:r>
+              <a:r>
+                <a:rPr lang="en-GB" sz="1400" dirty="0"/>
+                <a:t>of usable functions</a:t>
+              </a:r>
+            </a:p>
+            <a:p>
+              <a:pPr marL="285750" indent="-285750">
+                <a:buFont typeface="Arial" panose="020B0604020202020204" pitchFamily="34" charset="0"/>
+                <a:buChar char="•"/>
+              </a:pPr>
+              <a:r>
+                <a:rPr lang="en-GB" sz="1200" dirty="0"/>
+                <a:t>Applies to both expression and UDF panes</a:t>
+              </a:r>
+            </a:p>
+            <a:p>
+              <a:pPr marL="285750" indent="-285750">
+                <a:buFont typeface="Arial" panose="020B0604020202020204" pitchFamily="34" charset="0"/>
+                <a:buChar char="•"/>
+              </a:pPr>
+              <a:r>
+                <a:rPr lang="en-GB" sz="1200" dirty="0"/>
+                <a:t>May be individual fully-qualified functions and/or complete namespace</a:t>
+              </a:r>
+            </a:p>
+            <a:p>
+              <a:pPr marL="285750" indent="-285750">
+                <a:buFont typeface="Arial" panose="020B0604020202020204" pitchFamily="34" charset="0"/>
+                <a:buChar char="•"/>
+              </a:pPr>
+              <a:r>
+                <a:rPr lang="en-GB" sz="1200" dirty="0"/>
+                <a:t>User-defined functions will be wrapped transparently in a defined namespace (or static class), which is always in the whitelist</a:t>
+              </a:r>
+            </a:p>
+          </p:txBody>
+        </p:sp>
+        <p:sp>
+          <p:nvSpPr>
+            <p:cNvPr id="5" name="TextBox 4">
+              <a:extLst>
+                <a:ext uri="{FF2B5EF4-FFF2-40B4-BE49-F238E27FC236}">
+                  <a16:creationId xmlns:a16="http://schemas.microsoft.com/office/drawing/2014/main" id="{6B719F22-AB5D-8781-2DCE-1453FDCA1179}"/>
+                </a:ext>
+              </a:extLst>
+            </p:cNvPr>
+            <p:cNvSpPr txBox="1"/>
+            <p:nvPr/>
+          </p:nvSpPr>
+          <p:spPr>
+            <a:xfrm>
+              <a:off x="7392838" y="3910806"/>
+              <a:ext cx="3292415" cy="1415772"/>
+            </a:xfrm>
+            <a:prstGeom prst="rect">
+              <a:avLst/>
+            </a:prstGeom>
+            <a:grpFill/>
+            <a:ln w="28575">
+              <a:solidFill>
+                <a:schemeClr val="accent2">
+                  <a:lumMod val="75000"/>
+                </a:schemeClr>
+              </a:solidFill>
+            </a:ln>
+          </p:spPr>
+          <p:txBody>
+            <a:bodyPr wrap="square" rtlCol="0">
+              <a:spAutoFit/>
+            </a:bodyPr>
+            <a:lstStyle/>
+            <a:p>
+              <a:r>
+                <a:rPr lang="en-GB" sz="1400" b="1" dirty="0"/>
+                <a:t>White list </a:t>
+              </a:r>
+              <a:r>
+                <a:rPr lang="en-GB" sz="1400" dirty="0"/>
+                <a:t>of usable functions</a:t>
+              </a:r>
+            </a:p>
+            <a:p>
+              <a:pPr marL="285750" indent="-285750">
+                <a:buFont typeface="Arial" panose="020B0604020202020204" pitchFamily="34" charset="0"/>
+                <a:buChar char="•"/>
+              </a:pPr>
+              <a:r>
+                <a:rPr lang="en-GB" sz="1200" dirty="0"/>
+                <a:t>Applies to both expression and UDF panes</a:t>
+              </a:r>
+            </a:p>
+            <a:p>
+              <a:pPr marL="285750" indent="-285750">
+                <a:buFont typeface="Arial" panose="020B0604020202020204" pitchFamily="34" charset="0"/>
+                <a:buChar char="•"/>
+              </a:pPr>
+              <a:r>
+                <a:rPr lang="en-GB" sz="1200" dirty="0"/>
+                <a:t>May be individual fully-qualified functions and/or complete namespace</a:t>
+              </a:r>
+            </a:p>
+            <a:p>
+              <a:pPr marL="285750" indent="-285750">
+                <a:buFont typeface="Arial" panose="020B0604020202020204" pitchFamily="34" charset="0"/>
+                <a:buChar char="•"/>
+              </a:pPr>
+              <a:r>
+                <a:rPr lang="en-GB" sz="1200" dirty="0"/>
+                <a:t>User-defined functions will be wrapped transparently in a defined namespace (or static class), which is always in the whitelist</a:t>
+              </a:r>
+            </a:p>
+          </p:txBody>
+        </p:sp>
+      </p:grpSp>
+      <p:cxnSp>
+        <p:nvCxnSpPr>
+          <p:cNvPr id="7" name="Straight Connector 6">
+            <a:extLst>
+              <a:ext uri="{FF2B5EF4-FFF2-40B4-BE49-F238E27FC236}">
+                <a16:creationId xmlns:a16="http://schemas.microsoft.com/office/drawing/2014/main" id="{7C419894-3809-37AA-036C-53E684B20ADD}"/>
+              </a:ext>
+            </a:extLst>
+          </p:cNvPr>
+          <p:cNvCxnSpPr/>
+          <p:nvPr/>
+        </p:nvCxnSpPr>
+        <p:spPr>
+          <a:xfrm>
+            <a:off x="0" y="5819012"/>
+            <a:ext cx="12192000" cy="0"/>
+          </a:xfrm>
+          <a:prstGeom prst="line">
+            <a:avLst/>
+          </a:prstGeom>
+          <a:ln w="28575">
+            <a:solidFill>
+              <a:schemeClr val="bg2">
+                <a:lumMod val="50000"/>
+              </a:schemeClr>
+            </a:solidFill>
+            <a:prstDash val="dash"/>
+          </a:ln>
+        </p:spPr>
+        <p:style>
+          <a:lnRef idx="1">
+            <a:schemeClr val="accent1"/>
+          </a:lnRef>
+          <a:fillRef idx="0">
+            <a:schemeClr val="accent1"/>
+          </a:fillRef>
+          <a:effectRef idx="0">
+            <a:schemeClr val="accent1"/>
+          </a:effectRef>
+          <a:fontRef idx="minor">
+            <a:schemeClr val="tx1"/>
+          </a:fontRef>
+        </p:style>
+      </p:cxnSp>
+      <p:cxnSp>
+        <p:nvCxnSpPr>
+          <p:cNvPr id="8" name="Straight Connector 7">
+            <a:extLst>
+              <a:ext uri="{FF2B5EF4-FFF2-40B4-BE49-F238E27FC236}">
+                <a16:creationId xmlns:a16="http://schemas.microsoft.com/office/drawing/2014/main" id="{2B5054A2-BA65-D22C-084C-9A5F5906CFE0}"/>
+              </a:ext>
+            </a:extLst>
+          </p:cNvPr>
+          <p:cNvCxnSpPr/>
+          <p:nvPr/>
+        </p:nvCxnSpPr>
+        <p:spPr>
+          <a:xfrm>
+            <a:off x="-90010" y="3717949"/>
+            <a:ext cx="12192000" cy="0"/>
+          </a:xfrm>
+          <a:prstGeom prst="line">
+            <a:avLst/>
+          </a:prstGeom>
+          <a:ln w="28575">
+            <a:solidFill>
+              <a:schemeClr val="bg2">
+                <a:lumMod val="50000"/>
+              </a:schemeClr>
+            </a:solidFill>
+            <a:prstDash val="dash"/>
+          </a:ln>
+        </p:spPr>
+        <p:style>
+          <a:lnRef idx="1">
+            <a:schemeClr val="accent1"/>
+          </a:lnRef>
+          <a:fillRef idx="0">
+            <a:schemeClr val="accent1"/>
+          </a:fillRef>
+          <a:effectRef idx="0">
+            <a:schemeClr val="accent1"/>
+          </a:effectRef>
+          <a:fontRef idx="minor">
+            <a:schemeClr val="tx1"/>
+          </a:fontRef>
+        </p:style>
+      </p:cxnSp>
+      <p:sp>
+        <p:nvSpPr>
+          <p:cNvPr id="9" name="TextBox 8">
+            <a:extLst>
+              <a:ext uri="{FF2B5EF4-FFF2-40B4-BE49-F238E27FC236}">
+                <a16:creationId xmlns:a16="http://schemas.microsoft.com/office/drawing/2014/main" id="{05667663-E43B-B90B-300F-72CAF9956BD2}"/>
+              </a:ext>
+            </a:extLst>
+          </p:cNvPr>
+          <p:cNvSpPr txBox="1"/>
+          <p:nvPr/>
+        </p:nvSpPr>
+        <p:spPr>
+          <a:xfrm>
+            <a:off x="5106667" y="6032021"/>
+            <a:ext cx="1639360" cy="369332"/>
+          </a:xfrm>
+          <a:prstGeom prst="rect">
+            <a:avLst/>
+          </a:prstGeom>
+          <a:noFill/>
+        </p:spPr>
+        <p:txBody>
+          <a:bodyPr wrap="none" rtlCol="0">
+            <a:spAutoFit/>
+          </a:bodyPr>
+          <a:lstStyle/>
+          <a:p>
+            <a:pPr algn="ctr"/>
+            <a:r>
+              <a:rPr lang="en-GB" dirty="0">
+                <a:solidFill>
+                  <a:schemeClr val="bg2">
+                    <a:lumMod val="75000"/>
+                  </a:schemeClr>
+                </a:solidFill>
+              </a:rPr>
+              <a:t>Written by user</a:t>
+            </a:r>
+          </a:p>
+        </p:txBody>
+      </p:sp>
+      <p:sp>
+        <p:nvSpPr>
+          <p:cNvPr id="10" name="TextBox 9">
+            <a:extLst>
+              <a:ext uri="{FF2B5EF4-FFF2-40B4-BE49-F238E27FC236}">
+                <a16:creationId xmlns:a16="http://schemas.microsoft.com/office/drawing/2014/main" id="{80592663-C782-6A75-C8CD-B0EB23EE2DE5}"/>
+              </a:ext>
+            </a:extLst>
+          </p:cNvPr>
+          <p:cNvSpPr txBox="1"/>
+          <p:nvPr/>
+        </p:nvSpPr>
+        <p:spPr>
+          <a:xfrm>
+            <a:off x="4777859" y="3832117"/>
+            <a:ext cx="2296975" cy="369332"/>
+          </a:xfrm>
+          <a:prstGeom prst="rect">
+            <a:avLst/>
+          </a:prstGeom>
+          <a:noFill/>
+        </p:spPr>
+        <p:txBody>
+          <a:bodyPr wrap="none" rtlCol="0">
+            <a:spAutoFit/>
+          </a:bodyPr>
+          <a:lstStyle/>
+          <a:p>
+            <a:pPr algn="ctr"/>
+            <a:r>
+              <a:rPr lang="en-GB" dirty="0">
+                <a:solidFill>
+                  <a:schemeClr val="bg2">
+                    <a:lumMod val="75000"/>
+                  </a:schemeClr>
+                </a:solidFill>
+              </a:rPr>
+              <a:t>Written by task author</a:t>
+            </a:r>
+          </a:p>
+        </p:txBody>
+      </p:sp>
+      <p:sp>
+        <p:nvSpPr>
+          <p:cNvPr id="11" name="TextBox 10">
+            <a:extLst>
+              <a:ext uri="{FF2B5EF4-FFF2-40B4-BE49-F238E27FC236}">
+                <a16:creationId xmlns:a16="http://schemas.microsoft.com/office/drawing/2014/main" id="{04E86EF0-201A-176D-8305-6B0B2549B966}"/>
+              </a:ext>
+            </a:extLst>
+          </p:cNvPr>
+          <p:cNvSpPr txBox="1"/>
+          <p:nvPr/>
+        </p:nvSpPr>
+        <p:spPr>
+          <a:xfrm>
+            <a:off x="4255954" y="627456"/>
+            <a:ext cx="3340786" cy="369332"/>
+          </a:xfrm>
+          <a:prstGeom prst="rect">
+            <a:avLst/>
+          </a:prstGeom>
+          <a:noFill/>
+        </p:spPr>
+        <p:txBody>
+          <a:bodyPr wrap="none" rtlCol="0">
+            <a:spAutoFit/>
+          </a:bodyPr>
+          <a:lstStyle/>
+          <a:p>
+            <a:pPr algn="ctr"/>
+            <a:r>
+              <a:rPr lang="en-GB" dirty="0">
+                <a:solidFill>
+                  <a:schemeClr val="bg2">
+                    <a:lumMod val="75000"/>
+                  </a:schemeClr>
+                </a:solidFill>
+              </a:rPr>
+              <a:t>Written by framework developers</a:t>
+            </a:r>
+          </a:p>
+        </p:txBody>
+      </p:sp>
+      <p:grpSp>
+        <p:nvGrpSpPr>
+          <p:cNvPr id="35" name="Group 34">
+            <a:extLst>
+              <a:ext uri="{FF2B5EF4-FFF2-40B4-BE49-F238E27FC236}">
+                <a16:creationId xmlns:a16="http://schemas.microsoft.com/office/drawing/2014/main" id="{1943E8B4-E5BA-52C3-F456-F88763BDBCE9}"/>
+              </a:ext>
+            </a:extLst>
+          </p:cNvPr>
+          <p:cNvGrpSpPr/>
+          <p:nvPr/>
+        </p:nvGrpSpPr>
+        <p:grpSpPr>
+          <a:xfrm>
+            <a:off x="501375" y="1771366"/>
+            <a:ext cx="3884042" cy="566986"/>
+            <a:chOff x="508959" y="1781467"/>
+            <a:chExt cx="3884042" cy="566986"/>
+          </a:xfrm>
+          <a:solidFill>
+            <a:schemeClr val="accent2">
+              <a:lumMod val="20000"/>
+              <a:lumOff val="80000"/>
+            </a:schemeClr>
+          </a:solidFill>
+        </p:grpSpPr>
+        <p:sp>
+          <p:nvSpPr>
+            <p:cNvPr id="32" name="TextBox 31">
+              <a:extLst>
+                <a:ext uri="{FF2B5EF4-FFF2-40B4-BE49-F238E27FC236}">
+                  <a16:creationId xmlns:a16="http://schemas.microsoft.com/office/drawing/2014/main" id="{72A8EFC4-E534-D00E-C5EC-830955AAC74F}"/>
+                </a:ext>
+              </a:extLst>
+            </p:cNvPr>
+            <p:cNvSpPr txBox="1"/>
+            <p:nvPr/>
+          </p:nvSpPr>
+          <p:spPr>
+            <a:xfrm>
+              <a:off x="554246" y="1825233"/>
+              <a:ext cx="3838755" cy="523220"/>
+            </a:xfrm>
+            <a:prstGeom prst="rect">
+              <a:avLst/>
+            </a:prstGeom>
+            <a:grpFill/>
+            <a:ln w="28575">
+              <a:solidFill>
+                <a:schemeClr val="accent2">
+                  <a:lumMod val="75000"/>
+                </a:schemeClr>
+              </a:solidFill>
+            </a:ln>
+          </p:spPr>
+          <p:txBody>
+            <a:bodyPr wrap="square" rtlCol="0">
+              <a:spAutoFit/>
+            </a:bodyPr>
+            <a:lstStyle/>
+            <a:p>
+              <a:r>
+                <a:rPr lang="en-GB" sz="1400" dirty="0"/>
+                <a:t>Wrappers for expression and/or function definitions – to submit to JOBE</a:t>
+              </a:r>
+            </a:p>
+          </p:txBody>
+        </p:sp>
+        <p:sp>
+          <p:nvSpPr>
+            <p:cNvPr id="12" name="TextBox 11">
+              <a:extLst>
+                <a:ext uri="{FF2B5EF4-FFF2-40B4-BE49-F238E27FC236}">
+                  <a16:creationId xmlns:a16="http://schemas.microsoft.com/office/drawing/2014/main" id="{98139DF0-FAF6-BE2C-C7B6-255E011ECC2C}"/>
+                </a:ext>
+              </a:extLst>
+            </p:cNvPr>
+            <p:cNvSpPr txBox="1"/>
+            <p:nvPr/>
+          </p:nvSpPr>
+          <p:spPr>
+            <a:xfrm>
+              <a:off x="508959" y="1781467"/>
+              <a:ext cx="3838755" cy="523220"/>
+            </a:xfrm>
+            <a:prstGeom prst="rect">
+              <a:avLst/>
+            </a:prstGeom>
+            <a:grpFill/>
+            <a:ln w="28575">
+              <a:solidFill>
+                <a:schemeClr val="accent2">
+                  <a:lumMod val="75000"/>
+                </a:schemeClr>
+              </a:solidFill>
+            </a:ln>
+          </p:spPr>
+          <p:txBody>
+            <a:bodyPr wrap="square" rtlCol="0">
+              <a:spAutoFit/>
+            </a:bodyPr>
+            <a:lstStyle/>
+            <a:p>
+              <a:r>
+                <a:rPr lang="en-GB" sz="1400" dirty="0"/>
+                <a:t>Wrapper code for expression and/or function definitions – to submit to JOBE</a:t>
+              </a:r>
+            </a:p>
+          </p:txBody>
+        </p:sp>
+      </p:grpSp>
+      <p:grpSp>
+        <p:nvGrpSpPr>
+          <p:cNvPr id="34" name="Group 33">
+            <a:extLst>
+              <a:ext uri="{FF2B5EF4-FFF2-40B4-BE49-F238E27FC236}">
+                <a16:creationId xmlns:a16="http://schemas.microsoft.com/office/drawing/2014/main" id="{00E7E075-B91F-3E65-F12C-BE9A2EA70B8B}"/>
+              </a:ext>
+            </a:extLst>
+          </p:cNvPr>
+          <p:cNvGrpSpPr/>
+          <p:nvPr/>
+        </p:nvGrpSpPr>
+        <p:grpSpPr>
+          <a:xfrm>
+            <a:off x="508959" y="2465009"/>
+            <a:ext cx="3889162" cy="987460"/>
+            <a:chOff x="508959" y="2465009"/>
+            <a:chExt cx="3889162" cy="987460"/>
+          </a:xfrm>
+          <a:solidFill>
+            <a:schemeClr val="accent1">
+              <a:lumMod val="20000"/>
+              <a:lumOff val="80000"/>
+            </a:schemeClr>
+          </a:solidFill>
+        </p:grpSpPr>
+        <p:sp>
+          <p:nvSpPr>
+            <p:cNvPr id="33" name="TextBox 32">
+              <a:extLst>
+                <a:ext uri="{FF2B5EF4-FFF2-40B4-BE49-F238E27FC236}">
+                  <a16:creationId xmlns:a16="http://schemas.microsoft.com/office/drawing/2014/main" id="{FA58D9AF-3CB3-34C5-4E7C-BEBB4107C07C}"/>
+                </a:ext>
+              </a:extLst>
+            </p:cNvPr>
+            <p:cNvSpPr txBox="1"/>
+            <p:nvPr/>
+          </p:nvSpPr>
+          <p:spPr>
+            <a:xfrm>
+              <a:off x="552154" y="2498362"/>
+              <a:ext cx="3845967" cy="954107"/>
+            </a:xfrm>
+            <a:prstGeom prst="rect">
+              <a:avLst/>
+            </a:prstGeom>
+            <a:solidFill>
+              <a:schemeClr val="bg1"/>
+            </a:solidFill>
+            <a:ln w="28575">
+              <a:solidFill>
+                <a:schemeClr val="accent1"/>
+              </a:solidFill>
+            </a:ln>
+          </p:spPr>
+          <p:txBody>
+            <a:bodyPr wrap="square" rtlCol="0">
+              <a:spAutoFit/>
+            </a:bodyPr>
+            <a:lstStyle/>
+            <a:p>
+              <a:r>
+                <a:rPr lang="en-GB" sz="1400" dirty="0"/>
+                <a:t>Parsers for return messages from JOBE:</a:t>
+              </a:r>
+            </a:p>
+            <a:p>
+              <a:pPr marL="285750" indent="-285750">
+                <a:buFont typeface="Arial" panose="020B0604020202020204" pitchFamily="34" charset="0"/>
+                <a:buChar char="•"/>
+              </a:pPr>
+              <a:r>
+                <a:rPr lang="en-GB" sz="1400" dirty="0"/>
+                <a:t>Extract/reformat/transform text elements</a:t>
+              </a:r>
+            </a:p>
+            <a:p>
+              <a:pPr marL="285750" indent="-285750">
+                <a:buFont typeface="Arial" panose="020B0604020202020204" pitchFamily="34" charset="0"/>
+                <a:buChar char="•"/>
+              </a:pPr>
+              <a:r>
+                <a:rPr lang="en-GB" sz="1400" dirty="0"/>
+                <a:t>P</a:t>
+              </a:r>
+            </a:p>
+            <a:p>
+              <a:pPr marL="285750" indent="-285750">
+                <a:buFont typeface="Arial" panose="020B0604020202020204" pitchFamily="34" charset="0"/>
+                <a:buChar char="•"/>
+              </a:pPr>
+              <a:endParaRPr lang="en-GB" sz="1400" dirty="0"/>
+            </a:p>
+          </p:txBody>
+        </p:sp>
+        <p:sp>
+          <p:nvSpPr>
+            <p:cNvPr id="13" name="TextBox 12">
+              <a:extLst>
+                <a:ext uri="{FF2B5EF4-FFF2-40B4-BE49-F238E27FC236}">
+                  <a16:creationId xmlns:a16="http://schemas.microsoft.com/office/drawing/2014/main" id="{2C952FE3-628C-E435-1B8B-FC0B1392A6B5}"/>
+                </a:ext>
+              </a:extLst>
+            </p:cNvPr>
+            <p:cNvSpPr txBox="1"/>
+            <p:nvPr/>
+          </p:nvSpPr>
+          <p:spPr>
+            <a:xfrm>
+              <a:off x="508959" y="2465009"/>
+              <a:ext cx="3838755" cy="954107"/>
+            </a:xfrm>
+            <a:prstGeom prst="rect">
+              <a:avLst/>
+            </a:prstGeom>
+            <a:grpFill/>
+            <a:ln w="28575">
+              <a:solidFill>
+                <a:schemeClr val="accent1"/>
+              </a:solidFill>
+            </a:ln>
+          </p:spPr>
+          <p:txBody>
+            <a:bodyPr wrap="square" rtlCol="0">
+              <a:spAutoFit/>
+            </a:bodyPr>
+            <a:lstStyle/>
+            <a:p>
+              <a:r>
+                <a:rPr lang="en-GB" sz="1400" dirty="0"/>
+                <a:t>Parsers for return messages from JOBE:</a:t>
+              </a:r>
+            </a:p>
+            <a:p>
+              <a:pPr marL="285750" indent="-285750">
+                <a:buFont typeface="Arial" panose="020B0604020202020204" pitchFamily="34" charset="0"/>
+                <a:buChar char="•"/>
+              </a:pPr>
+              <a:r>
+                <a:rPr lang="en-GB" sz="1400" dirty="0"/>
+                <a:t>Extract/reformat/transform text elements</a:t>
+              </a:r>
+            </a:p>
+            <a:p>
+              <a:pPr marL="285750" indent="-285750">
+                <a:buFont typeface="Arial" panose="020B0604020202020204" pitchFamily="34" charset="0"/>
+                <a:buChar char="•"/>
+              </a:pPr>
+              <a:r>
+                <a:rPr lang="en-GB" sz="1400" dirty="0"/>
+                <a:t>Post into Evaluator or Feedback panes</a:t>
+              </a:r>
+            </a:p>
+            <a:p>
+              <a:pPr marL="285750" indent="-285750">
+                <a:buFont typeface="Arial" panose="020B0604020202020204" pitchFamily="34" charset="0"/>
+                <a:buChar char="•"/>
+              </a:pPr>
+              <a:r>
+                <a:rPr lang="en-GB" sz="1400" dirty="0"/>
+                <a:t>Set client states (control various buttons)</a:t>
+              </a:r>
+            </a:p>
+          </p:txBody>
+        </p:sp>
+      </p:grpSp>
+      <p:sp>
+        <p:nvSpPr>
+          <p:cNvPr id="14" name="TextBox 13">
+            <a:extLst>
+              <a:ext uri="{FF2B5EF4-FFF2-40B4-BE49-F238E27FC236}">
+                <a16:creationId xmlns:a16="http://schemas.microsoft.com/office/drawing/2014/main" id="{E3FEC5D4-F2AE-1EF9-767B-78E06218E1D9}"/>
+              </a:ext>
+            </a:extLst>
+          </p:cNvPr>
+          <p:cNvSpPr txBox="1"/>
+          <p:nvPr/>
+        </p:nvSpPr>
+        <p:spPr>
+          <a:xfrm>
+            <a:off x="7760899" y="1763838"/>
+            <a:ext cx="3838755" cy="307777"/>
+          </a:xfrm>
+          <a:prstGeom prst="rect">
+            <a:avLst/>
+          </a:prstGeom>
+          <a:solidFill>
+            <a:schemeClr val="accent1">
+              <a:lumMod val="20000"/>
+              <a:lumOff val="80000"/>
+            </a:schemeClr>
+          </a:solidFill>
+          <a:ln w="28575">
+            <a:solidFill>
+              <a:schemeClr val="accent1"/>
+            </a:solidFill>
+          </a:ln>
+        </p:spPr>
+        <p:txBody>
+          <a:bodyPr wrap="square" rtlCol="0">
+            <a:spAutoFit/>
+          </a:bodyPr>
+          <a:lstStyle/>
+          <a:p>
+            <a:r>
+              <a:rPr lang="en-GB" sz="1400" dirty="0"/>
+              <a:t>Test runner</a:t>
+            </a:r>
+          </a:p>
+        </p:txBody>
+      </p:sp>
+      <p:sp>
+        <p:nvSpPr>
+          <p:cNvPr id="15" name="TextBox 14">
+            <a:extLst>
+              <a:ext uri="{FF2B5EF4-FFF2-40B4-BE49-F238E27FC236}">
+                <a16:creationId xmlns:a16="http://schemas.microsoft.com/office/drawing/2014/main" id="{E454BF1E-9954-9900-A3F5-9FF381BB82EA}"/>
+              </a:ext>
+            </a:extLst>
+          </p:cNvPr>
+          <p:cNvSpPr txBox="1"/>
+          <p:nvPr/>
+        </p:nvSpPr>
+        <p:spPr>
+          <a:xfrm>
+            <a:off x="7760899" y="2670142"/>
+            <a:ext cx="3838755" cy="307777"/>
+          </a:xfrm>
+          <a:prstGeom prst="rect">
+            <a:avLst/>
+          </a:prstGeom>
+          <a:solidFill>
+            <a:schemeClr val="accent1">
+              <a:lumMod val="20000"/>
+              <a:lumOff val="80000"/>
+            </a:schemeClr>
+          </a:solidFill>
+          <a:ln w="28575">
+            <a:solidFill>
+              <a:schemeClr val="accent1"/>
+            </a:solidFill>
+          </a:ln>
+        </p:spPr>
+        <p:txBody>
+          <a:bodyPr wrap="square" rtlCol="0">
+            <a:spAutoFit/>
+          </a:bodyPr>
+          <a:lstStyle/>
+          <a:p>
+            <a:r>
+              <a:rPr lang="en-GB" sz="1400" dirty="0"/>
+              <a:t>Application runner</a:t>
+            </a:r>
+          </a:p>
+        </p:txBody>
+      </p:sp>
+      <p:sp>
+        <p:nvSpPr>
+          <p:cNvPr id="16" name="TextBox 15">
+            <a:extLst>
+              <a:ext uri="{FF2B5EF4-FFF2-40B4-BE49-F238E27FC236}">
+                <a16:creationId xmlns:a16="http://schemas.microsoft.com/office/drawing/2014/main" id="{3881B485-40C2-1DC4-CFC6-9D9066CFB355}"/>
+              </a:ext>
+            </a:extLst>
+          </p:cNvPr>
+          <p:cNvSpPr txBox="1"/>
+          <p:nvPr/>
+        </p:nvSpPr>
+        <p:spPr>
+          <a:xfrm>
+            <a:off x="7760899" y="2209635"/>
+            <a:ext cx="3838755" cy="307777"/>
+          </a:xfrm>
+          <a:prstGeom prst="rect">
+            <a:avLst/>
+          </a:prstGeom>
+          <a:solidFill>
+            <a:schemeClr val="accent1">
+              <a:lumMod val="20000"/>
+              <a:lumOff val="80000"/>
+            </a:schemeClr>
+          </a:solidFill>
+          <a:ln w="28575">
+            <a:solidFill>
+              <a:schemeClr val="accent1"/>
+            </a:solidFill>
+          </a:ln>
+        </p:spPr>
+        <p:txBody>
+          <a:bodyPr wrap="square" rtlCol="0">
+            <a:spAutoFit/>
+          </a:bodyPr>
+          <a:lstStyle/>
+          <a:p>
+            <a:r>
+              <a:rPr lang="en-GB" sz="1400" dirty="0"/>
+              <a:t>Hint and Marks management</a:t>
+            </a:r>
+          </a:p>
+        </p:txBody>
+      </p:sp>
+      <p:grpSp>
+        <p:nvGrpSpPr>
+          <p:cNvPr id="47" name="Group 46">
+            <a:extLst>
+              <a:ext uri="{FF2B5EF4-FFF2-40B4-BE49-F238E27FC236}">
+                <a16:creationId xmlns:a16="http://schemas.microsoft.com/office/drawing/2014/main" id="{A58356A1-6709-94BD-3027-956EE8A44E5B}"/>
+              </a:ext>
+            </a:extLst>
+          </p:cNvPr>
+          <p:cNvGrpSpPr/>
+          <p:nvPr/>
+        </p:nvGrpSpPr>
+        <p:grpSpPr>
+          <a:xfrm>
+            <a:off x="512619" y="5066598"/>
+            <a:ext cx="3638620" cy="354740"/>
+            <a:chOff x="514711" y="3883887"/>
+            <a:chExt cx="3638620" cy="354740"/>
+          </a:xfrm>
+          <a:solidFill>
+            <a:schemeClr val="accent6">
+              <a:lumMod val="20000"/>
+              <a:lumOff val="80000"/>
+            </a:schemeClr>
+          </a:solidFill>
+        </p:grpSpPr>
+        <p:sp>
+          <p:nvSpPr>
+            <p:cNvPr id="38" name="TextBox 37">
+              <a:extLst>
+                <a:ext uri="{FF2B5EF4-FFF2-40B4-BE49-F238E27FC236}">
+                  <a16:creationId xmlns:a16="http://schemas.microsoft.com/office/drawing/2014/main" id="{F83606AE-82F3-434A-7056-E43B379FC085}"/>
+                </a:ext>
+              </a:extLst>
+            </p:cNvPr>
+            <p:cNvSpPr txBox="1"/>
+            <p:nvPr/>
+          </p:nvSpPr>
+          <p:spPr>
+            <a:xfrm>
+              <a:off x="554246" y="3930850"/>
+              <a:ext cx="3599085" cy="307777"/>
+            </a:xfrm>
+            <a:prstGeom prst="rect">
+              <a:avLst/>
+            </a:prstGeom>
+            <a:solidFill>
+              <a:schemeClr val="bg1"/>
+            </a:solidFill>
+            <a:ln w="28575">
+              <a:solidFill>
+                <a:srgbClr val="00B050"/>
+              </a:solidFill>
+            </a:ln>
+          </p:spPr>
+          <p:txBody>
+            <a:bodyPr wrap="square" rtlCol="0">
+              <a:spAutoFit/>
+            </a:bodyPr>
+            <a:lstStyle/>
+            <a:p>
+              <a:r>
+                <a:rPr lang="en-GB" sz="1400" dirty="0"/>
+                <a:t>Starter code for Function definitions (optional)</a:t>
+              </a:r>
+              <a:endParaRPr lang="en-GB" sz="1200" dirty="0"/>
+            </a:p>
+          </p:txBody>
+        </p:sp>
+        <p:sp>
+          <p:nvSpPr>
+            <p:cNvPr id="17" name="TextBox 16">
+              <a:extLst>
+                <a:ext uri="{FF2B5EF4-FFF2-40B4-BE49-F238E27FC236}">
+                  <a16:creationId xmlns:a16="http://schemas.microsoft.com/office/drawing/2014/main" id="{E0021FB8-A244-2D77-5A91-87AED3F220A2}"/>
+                </a:ext>
+              </a:extLst>
+            </p:cNvPr>
+            <p:cNvSpPr txBox="1"/>
+            <p:nvPr/>
+          </p:nvSpPr>
+          <p:spPr>
+            <a:xfrm>
+              <a:off x="514711" y="3883887"/>
+              <a:ext cx="3599085" cy="307777"/>
+            </a:xfrm>
+            <a:prstGeom prst="rect">
+              <a:avLst/>
+            </a:prstGeom>
+            <a:grpFill/>
+            <a:ln w="28575">
+              <a:solidFill>
+                <a:srgbClr val="00B050"/>
+              </a:solidFill>
+            </a:ln>
+          </p:spPr>
+          <p:txBody>
+            <a:bodyPr wrap="square" rtlCol="0">
+              <a:spAutoFit/>
+            </a:bodyPr>
+            <a:lstStyle/>
+            <a:p>
+              <a:r>
+                <a:rPr lang="en-GB" sz="1400" dirty="0"/>
+                <a:t>Starter code for Function definitions (optional)</a:t>
+              </a:r>
+              <a:endParaRPr lang="en-GB" sz="1200" dirty="0"/>
+            </a:p>
+          </p:txBody>
+        </p:sp>
+      </p:grpSp>
+      <p:grpSp>
+        <p:nvGrpSpPr>
+          <p:cNvPr id="37" name="Group 36">
+            <a:extLst>
+              <a:ext uri="{FF2B5EF4-FFF2-40B4-BE49-F238E27FC236}">
+                <a16:creationId xmlns:a16="http://schemas.microsoft.com/office/drawing/2014/main" id="{E30FD1F8-CF6F-1203-A72F-4DF635251717}"/>
+              </a:ext>
+            </a:extLst>
+          </p:cNvPr>
+          <p:cNvGrpSpPr/>
+          <p:nvPr/>
+        </p:nvGrpSpPr>
+        <p:grpSpPr>
+          <a:xfrm>
+            <a:off x="4684305" y="1761336"/>
+            <a:ext cx="2823389" cy="1815882"/>
+            <a:chOff x="4546122" y="1763838"/>
+            <a:chExt cx="2823389" cy="1815882"/>
+          </a:xfrm>
+        </p:grpSpPr>
+        <p:sp>
+          <p:nvSpPr>
+            <p:cNvPr id="36" name="TextBox 35">
+              <a:extLst>
+                <a:ext uri="{FF2B5EF4-FFF2-40B4-BE49-F238E27FC236}">
+                  <a16:creationId xmlns:a16="http://schemas.microsoft.com/office/drawing/2014/main" id="{8317A058-33E4-13D4-D3DD-F320597DEA11}"/>
+                </a:ext>
+              </a:extLst>
+            </p:cNvPr>
+            <p:cNvSpPr txBox="1"/>
+            <p:nvPr/>
+          </p:nvSpPr>
+          <p:spPr>
+            <a:xfrm>
+              <a:off x="4591805" y="1807103"/>
+              <a:ext cx="2777706" cy="1600438"/>
+            </a:xfrm>
+            <a:prstGeom prst="rect">
+              <a:avLst/>
+            </a:prstGeom>
+            <a:solidFill>
+              <a:schemeClr val="bg1"/>
+            </a:solidFill>
+            <a:ln w="28575">
+              <a:solidFill>
+                <a:schemeClr val="accent1"/>
+              </a:solidFill>
+            </a:ln>
+          </p:spPr>
+          <p:txBody>
+            <a:bodyPr wrap="square" rtlCol="0">
+              <a:spAutoFit/>
+            </a:bodyPr>
+            <a:lstStyle/>
+            <a:p>
+              <a:r>
+                <a:rPr lang="en-GB" sz="1400" dirty="0"/>
+                <a:t>Interfaces for invoking user-defined functions with arguments</a:t>
+              </a:r>
+            </a:p>
+            <a:p>
+              <a:pPr marL="285750" indent="-285750">
+                <a:buFont typeface="Arial" panose="020B0604020202020204" pitchFamily="34" charset="0"/>
+                <a:buChar char="•"/>
+              </a:pPr>
+              <a:r>
+                <a:rPr lang="en-GB" sz="1400" dirty="0"/>
+                <a:t>Each invocation is via JOBE, recompiling the functions and passing in the invocation as an expression</a:t>
+              </a:r>
+            </a:p>
+            <a:p>
+              <a:pPr marL="285750" indent="-285750">
+                <a:buFont typeface="Arial" panose="020B0604020202020204" pitchFamily="34" charset="0"/>
+                <a:buChar char="•"/>
+              </a:pPr>
+              <a:r>
+                <a:rPr lang="en-GB" sz="1400" dirty="0"/>
+                <a:t>Parses the returned value into s</a:t>
+              </a:r>
+            </a:p>
+          </p:txBody>
+        </p:sp>
+        <p:sp>
+          <p:nvSpPr>
+            <p:cNvPr id="19" name="TextBox 18">
+              <a:extLst>
+                <a:ext uri="{FF2B5EF4-FFF2-40B4-BE49-F238E27FC236}">
+                  <a16:creationId xmlns:a16="http://schemas.microsoft.com/office/drawing/2014/main" id="{8EDD5DF3-21D1-EB52-739D-490BE3A48C8A}"/>
+                </a:ext>
+              </a:extLst>
+            </p:cNvPr>
+            <p:cNvSpPr txBox="1"/>
+            <p:nvPr/>
+          </p:nvSpPr>
+          <p:spPr>
+            <a:xfrm>
+              <a:off x="4546122" y="1763838"/>
+              <a:ext cx="2777706" cy="1815882"/>
+            </a:xfrm>
+            <a:prstGeom prst="rect">
+              <a:avLst/>
+            </a:prstGeom>
+            <a:solidFill>
+              <a:schemeClr val="accent1">
+                <a:lumMod val="20000"/>
+                <a:lumOff val="80000"/>
+              </a:schemeClr>
+            </a:solidFill>
+            <a:ln w="28575">
+              <a:solidFill>
+                <a:schemeClr val="accent1"/>
+              </a:solidFill>
+            </a:ln>
+          </p:spPr>
+          <p:txBody>
+            <a:bodyPr wrap="square" rtlCol="0">
+              <a:spAutoFit/>
+            </a:bodyPr>
+            <a:lstStyle/>
+            <a:p>
+              <a:r>
+                <a:rPr lang="en-GB" sz="1400" dirty="0"/>
+                <a:t>Glue code for invoking user-defined functions with arguments from Tests or Application</a:t>
+              </a:r>
+            </a:p>
+            <a:p>
+              <a:pPr marL="285750" indent="-285750">
+                <a:buFont typeface="Arial" panose="020B0604020202020204" pitchFamily="34" charset="0"/>
+                <a:buChar char="•"/>
+              </a:pPr>
+              <a:r>
+                <a:rPr lang="en-GB" sz="1400" dirty="0"/>
+                <a:t>Each invocation is via JOBE, with functions and invocation as an expression</a:t>
+              </a:r>
+            </a:p>
+            <a:p>
+              <a:pPr marL="285750" indent="-285750">
+                <a:buFont typeface="Arial" panose="020B0604020202020204" pitchFamily="34" charset="0"/>
+                <a:buChar char="•"/>
+              </a:pPr>
+              <a:r>
+                <a:rPr lang="en-GB" sz="1400" dirty="0"/>
+                <a:t>Parses the returned value into suitable TypeScript type</a:t>
+              </a:r>
+            </a:p>
+          </p:txBody>
+        </p:sp>
+      </p:grpSp>
+      <p:grpSp>
+        <p:nvGrpSpPr>
+          <p:cNvPr id="48" name="Group 47">
+            <a:extLst>
+              <a:ext uri="{FF2B5EF4-FFF2-40B4-BE49-F238E27FC236}">
+                <a16:creationId xmlns:a16="http://schemas.microsoft.com/office/drawing/2014/main" id="{12C7526D-D9D4-40C1-42C0-F346FB77DA4A}"/>
+              </a:ext>
+            </a:extLst>
+          </p:cNvPr>
+          <p:cNvGrpSpPr/>
+          <p:nvPr/>
+        </p:nvGrpSpPr>
+        <p:grpSpPr>
+          <a:xfrm>
+            <a:off x="5926346" y="91023"/>
+            <a:ext cx="6124857" cy="501549"/>
+            <a:chOff x="1832254" y="41085"/>
+            <a:chExt cx="6124857" cy="501549"/>
+          </a:xfrm>
+          <a:solidFill>
+            <a:schemeClr val="accent2">
+              <a:lumMod val="20000"/>
+              <a:lumOff val="80000"/>
+            </a:schemeClr>
+          </a:solidFill>
+        </p:grpSpPr>
+        <p:sp>
+          <p:nvSpPr>
+            <p:cNvPr id="20" name="TextBox 19">
+              <a:extLst>
+                <a:ext uri="{FF2B5EF4-FFF2-40B4-BE49-F238E27FC236}">
+                  <a16:creationId xmlns:a16="http://schemas.microsoft.com/office/drawing/2014/main" id="{4C2E6C1D-2500-1098-51DB-B184D1353EAF}"/>
+                </a:ext>
+              </a:extLst>
+            </p:cNvPr>
+            <p:cNvSpPr txBox="1"/>
+            <p:nvPr/>
+          </p:nvSpPr>
+          <p:spPr>
+            <a:xfrm>
+              <a:off x="1832254" y="41085"/>
+              <a:ext cx="862641" cy="369332"/>
+            </a:xfrm>
+            <a:prstGeom prst="rect">
+              <a:avLst/>
+            </a:prstGeom>
+            <a:noFill/>
+            <a:ln>
+              <a:noFill/>
+            </a:ln>
+          </p:spPr>
+          <p:txBody>
+            <a:bodyPr wrap="square" rtlCol="0">
+              <a:spAutoFit/>
+            </a:bodyPr>
+            <a:lstStyle/>
+            <a:p>
+              <a:r>
+                <a:rPr lang="en-GB" dirty="0"/>
+                <a:t>Key: </a:t>
+              </a:r>
+            </a:p>
+          </p:txBody>
+        </p:sp>
+        <p:sp>
+          <p:nvSpPr>
+            <p:cNvPr id="21" name="TextBox 20">
+              <a:extLst>
+                <a:ext uri="{FF2B5EF4-FFF2-40B4-BE49-F238E27FC236}">
+                  <a16:creationId xmlns:a16="http://schemas.microsoft.com/office/drawing/2014/main" id="{C1E4737F-D708-772E-6A63-59B22B971FAB}"/>
+                </a:ext>
+              </a:extLst>
+            </p:cNvPr>
+            <p:cNvSpPr txBox="1"/>
+            <p:nvPr/>
+          </p:nvSpPr>
+          <p:spPr>
+            <a:xfrm>
+              <a:off x="2569040" y="106002"/>
+              <a:ext cx="1040920" cy="246221"/>
+            </a:xfrm>
+            <a:prstGeom prst="rect">
+              <a:avLst/>
+            </a:prstGeom>
+            <a:solidFill>
+              <a:schemeClr val="accent1">
+                <a:lumMod val="20000"/>
+                <a:lumOff val="80000"/>
+              </a:schemeClr>
+            </a:solidFill>
+            <a:ln w="28575">
+              <a:solidFill>
+                <a:schemeClr val="accent1"/>
+              </a:solidFill>
+            </a:ln>
+          </p:spPr>
+          <p:txBody>
+            <a:bodyPr wrap="square" rtlCol="0">
+              <a:spAutoFit/>
+            </a:bodyPr>
+            <a:lstStyle/>
+            <a:p>
+              <a:r>
+                <a:rPr lang="en-GB" sz="1000" dirty="0"/>
+                <a:t>TypeScript</a:t>
+              </a:r>
+            </a:p>
+          </p:txBody>
+        </p:sp>
+        <p:grpSp>
+          <p:nvGrpSpPr>
+            <p:cNvPr id="29" name="Group 28">
+              <a:extLst>
+                <a:ext uri="{FF2B5EF4-FFF2-40B4-BE49-F238E27FC236}">
+                  <a16:creationId xmlns:a16="http://schemas.microsoft.com/office/drawing/2014/main" id="{13FA3864-8466-E42B-1CD9-70795CF30BAA}"/>
+                </a:ext>
+              </a:extLst>
+            </p:cNvPr>
+            <p:cNvGrpSpPr/>
+            <p:nvPr/>
+          </p:nvGrpSpPr>
+          <p:grpSpPr>
+            <a:xfrm>
+              <a:off x="6639762" y="89776"/>
+              <a:ext cx="1317349" cy="452858"/>
+              <a:chOff x="6639762" y="89776"/>
+              <a:chExt cx="1317349" cy="452858"/>
+            </a:xfrm>
+            <a:grpFill/>
+          </p:grpSpPr>
+          <p:sp>
+            <p:nvSpPr>
+              <p:cNvPr id="26" name="TextBox 25">
+                <a:extLst>
+                  <a:ext uri="{FF2B5EF4-FFF2-40B4-BE49-F238E27FC236}">
+                    <a16:creationId xmlns:a16="http://schemas.microsoft.com/office/drawing/2014/main" id="{A3CCF344-7EF7-483A-48B3-BD70CE8CFF06}"/>
+                  </a:ext>
+                </a:extLst>
+              </p:cNvPr>
+              <p:cNvSpPr txBox="1"/>
+              <p:nvPr/>
+            </p:nvSpPr>
+            <p:spPr>
+              <a:xfrm>
+                <a:off x="6690546" y="142524"/>
+                <a:ext cx="1266565" cy="400110"/>
+              </a:xfrm>
+              <a:prstGeom prst="rect">
+                <a:avLst/>
+              </a:prstGeom>
+              <a:solidFill>
+                <a:schemeClr val="bg1"/>
+              </a:solidFill>
+              <a:ln w="28575">
+                <a:solidFill>
+                  <a:schemeClr val="bg2">
+                    <a:lumMod val="50000"/>
+                  </a:schemeClr>
+                </a:solidFill>
+              </a:ln>
+            </p:spPr>
+            <p:txBody>
+              <a:bodyPr wrap="square" rtlCol="0">
+                <a:spAutoFit/>
+              </a:bodyPr>
+              <a:lstStyle/>
+              <a:p>
+                <a:r>
+                  <a:rPr lang="en-GB" sz="1000" dirty="0"/>
+                  <a:t>Separate version for each User Language</a:t>
+                </a:r>
+              </a:p>
+            </p:txBody>
+          </p:sp>
+          <p:sp>
+            <p:nvSpPr>
+              <p:cNvPr id="22" name="TextBox 21">
+                <a:extLst>
+                  <a:ext uri="{FF2B5EF4-FFF2-40B4-BE49-F238E27FC236}">
+                    <a16:creationId xmlns:a16="http://schemas.microsoft.com/office/drawing/2014/main" id="{8364B005-DAA3-A218-6C76-B3C5990B89CE}"/>
+                  </a:ext>
+                </a:extLst>
+              </p:cNvPr>
+              <p:cNvSpPr txBox="1"/>
+              <p:nvPr/>
+            </p:nvSpPr>
+            <p:spPr>
+              <a:xfrm>
+                <a:off x="6639762" y="89776"/>
+                <a:ext cx="1266565" cy="400110"/>
+              </a:xfrm>
+              <a:prstGeom prst="rect">
+                <a:avLst/>
+              </a:prstGeom>
+              <a:solidFill>
+                <a:schemeClr val="bg2"/>
+              </a:solidFill>
+              <a:ln w="28575">
+                <a:solidFill>
+                  <a:schemeClr val="bg2">
+                    <a:lumMod val="50000"/>
+                  </a:schemeClr>
+                </a:solidFill>
+              </a:ln>
+            </p:spPr>
+            <p:txBody>
+              <a:bodyPr wrap="square" rtlCol="0">
+                <a:spAutoFit/>
+              </a:bodyPr>
+              <a:lstStyle/>
+              <a:p>
+                <a:r>
+                  <a:rPr lang="en-GB" sz="1000" dirty="0"/>
+                  <a:t>Separate version for each User Language</a:t>
+                </a:r>
+              </a:p>
+            </p:txBody>
+          </p:sp>
+        </p:grpSp>
+        <p:sp>
+          <p:nvSpPr>
+            <p:cNvPr id="24" name="TextBox 23">
+              <a:extLst>
+                <a:ext uri="{FF2B5EF4-FFF2-40B4-BE49-F238E27FC236}">
+                  <a16:creationId xmlns:a16="http://schemas.microsoft.com/office/drawing/2014/main" id="{57F6A526-4E4D-F854-92ED-41A1749CEB50}"/>
+                </a:ext>
+              </a:extLst>
+            </p:cNvPr>
+            <p:cNvSpPr txBox="1"/>
+            <p:nvPr/>
+          </p:nvSpPr>
+          <p:spPr>
+            <a:xfrm>
+              <a:off x="3925947" y="106003"/>
+              <a:ext cx="1040920" cy="246221"/>
+            </a:xfrm>
+            <a:prstGeom prst="rect">
+              <a:avLst/>
+            </a:prstGeom>
+            <a:solidFill>
+              <a:schemeClr val="accent6">
+                <a:lumMod val="20000"/>
+                <a:lumOff val="80000"/>
+              </a:schemeClr>
+            </a:solidFill>
+            <a:ln w="28575">
+              <a:solidFill>
+                <a:srgbClr val="00B050"/>
+              </a:solidFill>
+            </a:ln>
+          </p:spPr>
+          <p:txBody>
+            <a:bodyPr wrap="square" rtlCol="0">
+              <a:spAutoFit/>
+            </a:bodyPr>
+            <a:lstStyle/>
+            <a:p>
+              <a:r>
+                <a:rPr lang="en-GB" sz="1000" dirty="0"/>
+                <a:t>User Language</a:t>
+              </a:r>
+            </a:p>
+          </p:txBody>
+        </p:sp>
+        <p:sp>
+          <p:nvSpPr>
+            <p:cNvPr id="25" name="TextBox 24">
+              <a:extLst>
+                <a:ext uri="{FF2B5EF4-FFF2-40B4-BE49-F238E27FC236}">
+                  <a16:creationId xmlns:a16="http://schemas.microsoft.com/office/drawing/2014/main" id="{0C4E9E14-66A3-68F9-5F90-9B3A2B719D59}"/>
+                </a:ext>
+              </a:extLst>
+            </p:cNvPr>
+            <p:cNvSpPr txBox="1"/>
+            <p:nvPr/>
+          </p:nvSpPr>
+          <p:spPr>
+            <a:xfrm>
+              <a:off x="5282854" y="101954"/>
+              <a:ext cx="1040920" cy="246221"/>
+            </a:xfrm>
+            <a:prstGeom prst="rect">
+              <a:avLst/>
+            </a:prstGeom>
+            <a:grpFill/>
+            <a:ln w="28575">
+              <a:solidFill>
+                <a:schemeClr val="accent2">
+                  <a:lumMod val="75000"/>
+                </a:schemeClr>
+              </a:solidFill>
+            </a:ln>
+          </p:spPr>
+          <p:txBody>
+            <a:bodyPr wrap="square" rtlCol="0">
+              <a:spAutoFit/>
+            </a:bodyPr>
+            <a:lstStyle/>
+            <a:p>
+              <a:r>
+                <a:rPr lang="en-GB" sz="1000" dirty="0"/>
+                <a:t>Text or html</a:t>
+              </a:r>
+            </a:p>
+          </p:txBody>
+        </p:sp>
+      </p:grpSp>
+      <p:cxnSp>
+        <p:nvCxnSpPr>
+          <p:cNvPr id="27" name="Straight Connector 26">
+            <a:extLst>
+              <a:ext uri="{FF2B5EF4-FFF2-40B4-BE49-F238E27FC236}">
+                <a16:creationId xmlns:a16="http://schemas.microsoft.com/office/drawing/2014/main" id="{88ECEBA5-275B-3CC0-C212-BEF5A119BE5C}"/>
+              </a:ext>
+            </a:extLst>
+          </p:cNvPr>
+          <p:cNvCxnSpPr/>
+          <p:nvPr/>
+        </p:nvCxnSpPr>
+        <p:spPr>
+          <a:xfrm>
+            <a:off x="0" y="651242"/>
+            <a:ext cx="12192000" cy="0"/>
+          </a:xfrm>
+          <a:prstGeom prst="line">
+            <a:avLst/>
+          </a:prstGeom>
+          <a:ln w="28575">
+            <a:solidFill>
+              <a:schemeClr val="bg2">
+                <a:lumMod val="50000"/>
+              </a:schemeClr>
+            </a:solidFill>
+            <a:prstDash val="dash"/>
+          </a:ln>
+        </p:spPr>
+        <p:style>
+          <a:lnRef idx="1">
+            <a:schemeClr val="accent1"/>
+          </a:lnRef>
+          <a:fillRef idx="0">
+            <a:schemeClr val="accent1"/>
+          </a:fillRef>
+          <a:effectRef idx="0">
+            <a:schemeClr val="accent1"/>
+          </a:effectRef>
+          <a:fontRef idx="minor">
+            <a:schemeClr val="tx1"/>
+          </a:fontRef>
+        </p:style>
+      </p:cxnSp>
+      <p:sp>
+        <p:nvSpPr>
+          <p:cNvPr id="40" name="TextBox 39">
+            <a:extLst>
+              <a:ext uri="{FF2B5EF4-FFF2-40B4-BE49-F238E27FC236}">
+                <a16:creationId xmlns:a16="http://schemas.microsoft.com/office/drawing/2014/main" id="{5C809C7E-7AB2-DE4D-0EA1-17D057AF6B41}"/>
+              </a:ext>
+            </a:extLst>
+          </p:cNvPr>
+          <p:cNvSpPr txBox="1"/>
+          <p:nvPr/>
+        </p:nvSpPr>
+        <p:spPr>
+          <a:xfrm>
+            <a:off x="521101" y="4115624"/>
+            <a:ext cx="3582657" cy="276999"/>
+          </a:xfrm>
+          <a:prstGeom prst="rect">
+            <a:avLst/>
+          </a:prstGeom>
+          <a:solidFill>
+            <a:schemeClr val="accent2">
+              <a:lumMod val="20000"/>
+              <a:lumOff val="80000"/>
+            </a:schemeClr>
+          </a:solidFill>
+          <a:ln w="28575">
+            <a:solidFill>
+              <a:schemeClr val="accent2">
+                <a:lumMod val="75000"/>
+              </a:schemeClr>
+            </a:solidFill>
+          </a:ln>
+        </p:spPr>
+        <p:txBody>
+          <a:bodyPr wrap="square" rtlCol="0">
+            <a:spAutoFit/>
+          </a:bodyPr>
+          <a:lstStyle/>
+          <a:p>
+            <a:r>
+              <a:rPr lang="en-GB" sz="1200" dirty="0"/>
+              <a:t>Task description</a:t>
+            </a:r>
+          </a:p>
+        </p:txBody>
+      </p:sp>
+      <p:grpSp>
+        <p:nvGrpSpPr>
+          <p:cNvPr id="43" name="Group 42">
+            <a:extLst>
+              <a:ext uri="{FF2B5EF4-FFF2-40B4-BE49-F238E27FC236}">
+                <a16:creationId xmlns:a16="http://schemas.microsoft.com/office/drawing/2014/main" id="{805B89BF-0F9E-2E84-2CFC-EB3AE174AA36}"/>
+              </a:ext>
+            </a:extLst>
+          </p:cNvPr>
+          <p:cNvGrpSpPr/>
+          <p:nvPr/>
+        </p:nvGrpSpPr>
+        <p:grpSpPr>
+          <a:xfrm>
+            <a:off x="512619" y="4546568"/>
+            <a:ext cx="3622192" cy="327574"/>
+            <a:chOff x="531139" y="5408048"/>
+            <a:chExt cx="3622192" cy="327574"/>
+          </a:xfrm>
+          <a:solidFill>
+            <a:schemeClr val="accent2">
+              <a:lumMod val="20000"/>
+              <a:lumOff val="80000"/>
+            </a:schemeClr>
+          </a:solidFill>
+        </p:grpSpPr>
+        <p:sp>
+          <p:nvSpPr>
+            <p:cNvPr id="42" name="TextBox 41">
+              <a:extLst>
+                <a:ext uri="{FF2B5EF4-FFF2-40B4-BE49-F238E27FC236}">
+                  <a16:creationId xmlns:a16="http://schemas.microsoft.com/office/drawing/2014/main" id="{44123558-496D-4BBA-587D-599CFC5CBE52}"/>
+                </a:ext>
+              </a:extLst>
+            </p:cNvPr>
+            <p:cNvSpPr txBox="1"/>
+            <p:nvPr/>
+          </p:nvSpPr>
+          <p:spPr>
+            <a:xfrm>
+              <a:off x="570674" y="5458623"/>
+              <a:ext cx="3582657" cy="276999"/>
+            </a:xfrm>
+            <a:prstGeom prst="rect">
+              <a:avLst/>
+            </a:prstGeom>
+            <a:grpFill/>
+            <a:ln w="28575">
+              <a:solidFill>
+                <a:schemeClr val="accent2">
+                  <a:lumMod val="75000"/>
+                </a:schemeClr>
+              </a:solidFill>
+            </a:ln>
+          </p:spPr>
+          <p:txBody>
+            <a:bodyPr wrap="square" rtlCol="0">
+              <a:spAutoFit/>
+            </a:bodyPr>
+            <a:lstStyle/>
+            <a:p>
+              <a:r>
+                <a:rPr lang="en-GB" sz="1200" dirty="0"/>
+                <a:t>Hints</a:t>
+              </a:r>
+            </a:p>
+          </p:txBody>
+        </p:sp>
+        <p:sp>
+          <p:nvSpPr>
+            <p:cNvPr id="41" name="TextBox 40">
+              <a:extLst>
+                <a:ext uri="{FF2B5EF4-FFF2-40B4-BE49-F238E27FC236}">
+                  <a16:creationId xmlns:a16="http://schemas.microsoft.com/office/drawing/2014/main" id="{612A96A7-6BC3-8AB8-E111-98FF9BDE92FA}"/>
+                </a:ext>
+              </a:extLst>
+            </p:cNvPr>
+            <p:cNvSpPr txBox="1"/>
+            <p:nvPr/>
+          </p:nvSpPr>
+          <p:spPr>
+            <a:xfrm>
+              <a:off x="531139" y="5408048"/>
+              <a:ext cx="3582657" cy="276999"/>
+            </a:xfrm>
+            <a:prstGeom prst="rect">
+              <a:avLst/>
+            </a:prstGeom>
+            <a:grpFill/>
+            <a:ln w="28575">
+              <a:solidFill>
+                <a:schemeClr val="accent2">
+                  <a:lumMod val="75000"/>
+                </a:schemeClr>
+              </a:solidFill>
+            </a:ln>
+          </p:spPr>
+          <p:txBody>
+            <a:bodyPr wrap="square" rtlCol="0">
+              <a:spAutoFit/>
+            </a:bodyPr>
+            <a:lstStyle/>
+            <a:p>
+              <a:r>
+                <a:rPr lang="en-GB" sz="1200" dirty="0"/>
+                <a:t>Hints (optional)</a:t>
+              </a:r>
+            </a:p>
+          </p:txBody>
+        </p:sp>
+      </p:grpSp>
+      <p:sp>
+        <p:nvSpPr>
+          <p:cNvPr id="44" name="TextBox 43">
+            <a:extLst>
+              <a:ext uri="{FF2B5EF4-FFF2-40B4-BE49-F238E27FC236}">
+                <a16:creationId xmlns:a16="http://schemas.microsoft.com/office/drawing/2014/main" id="{98A9C0A7-901A-AF79-39FD-4247A206BC2A}"/>
+              </a:ext>
+            </a:extLst>
+          </p:cNvPr>
+          <p:cNvSpPr txBox="1"/>
+          <p:nvPr/>
+        </p:nvSpPr>
+        <p:spPr>
+          <a:xfrm>
+            <a:off x="4408562" y="4546568"/>
+            <a:ext cx="3599085" cy="307777"/>
+          </a:xfrm>
+          <a:prstGeom prst="rect">
+            <a:avLst/>
+          </a:prstGeom>
+          <a:solidFill>
+            <a:schemeClr val="accent1">
+              <a:lumMod val="20000"/>
+              <a:lumOff val="80000"/>
+            </a:schemeClr>
+          </a:solidFill>
+          <a:ln w="28575">
+            <a:solidFill>
+              <a:schemeClr val="accent1"/>
+            </a:solidFill>
+          </a:ln>
+        </p:spPr>
+        <p:txBody>
+          <a:bodyPr wrap="square" rtlCol="0">
+            <a:spAutoFit/>
+          </a:bodyPr>
+          <a:lstStyle/>
+          <a:p>
+            <a:r>
+              <a:rPr lang="en-GB" sz="1400" dirty="0"/>
+              <a:t>Tests (optional)</a:t>
+            </a:r>
+            <a:endParaRPr lang="en-GB" sz="1200" dirty="0"/>
+          </a:p>
+        </p:txBody>
+      </p:sp>
+      <p:sp>
+        <p:nvSpPr>
+          <p:cNvPr id="46" name="TextBox 45">
+            <a:extLst>
+              <a:ext uri="{FF2B5EF4-FFF2-40B4-BE49-F238E27FC236}">
+                <a16:creationId xmlns:a16="http://schemas.microsoft.com/office/drawing/2014/main" id="{D510E293-D9A4-B630-182C-2648A1ED8B95}"/>
+              </a:ext>
+            </a:extLst>
+          </p:cNvPr>
+          <p:cNvSpPr txBox="1"/>
+          <p:nvPr/>
+        </p:nvSpPr>
+        <p:spPr>
+          <a:xfrm>
+            <a:off x="4404433" y="5078981"/>
+            <a:ext cx="3599085" cy="307777"/>
+          </a:xfrm>
+          <a:prstGeom prst="rect">
+            <a:avLst/>
+          </a:prstGeom>
+          <a:solidFill>
+            <a:schemeClr val="accent1">
+              <a:lumMod val="20000"/>
+              <a:lumOff val="80000"/>
+            </a:schemeClr>
+          </a:solidFill>
+          <a:ln w="28575">
+            <a:solidFill>
+              <a:schemeClr val="accent1"/>
+            </a:solidFill>
+          </a:ln>
+        </p:spPr>
+        <p:txBody>
+          <a:bodyPr wrap="square" rtlCol="0">
+            <a:spAutoFit/>
+          </a:bodyPr>
+          <a:lstStyle/>
+          <a:p>
+            <a:r>
+              <a:rPr lang="en-GB" sz="1400" dirty="0"/>
+              <a:t>Application code (optional)</a:t>
+            </a:r>
+            <a:endParaRPr lang="en-GB" sz="1200" dirty="0"/>
+          </a:p>
+        </p:txBody>
+      </p:sp>
+      <p:sp>
+        <p:nvSpPr>
+          <p:cNvPr id="49" name="TextBox 48">
+            <a:extLst>
+              <a:ext uri="{FF2B5EF4-FFF2-40B4-BE49-F238E27FC236}">
+                <a16:creationId xmlns:a16="http://schemas.microsoft.com/office/drawing/2014/main" id="{9C73F731-E325-0940-17F8-A7EEE9ED7D40}"/>
+              </a:ext>
+            </a:extLst>
+          </p:cNvPr>
+          <p:cNvSpPr txBox="1"/>
+          <p:nvPr/>
+        </p:nvSpPr>
+        <p:spPr>
+          <a:xfrm>
+            <a:off x="458064" y="64185"/>
+            <a:ext cx="3582712" cy="461665"/>
+          </a:xfrm>
+          <a:prstGeom prst="rect">
+            <a:avLst/>
+          </a:prstGeom>
+          <a:noFill/>
+        </p:spPr>
+        <p:txBody>
+          <a:bodyPr wrap="none" rtlCol="0">
+            <a:spAutoFit/>
+          </a:bodyPr>
+          <a:lstStyle/>
+          <a:p>
+            <a:r>
+              <a:rPr lang="en-GB" sz="2400" dirty="0"/>
+              <a:t>Client: main code elements</a:t>
+            </a:r>
+          </a:p>
+        </p:txBody>
+      </p:sp>
+    </p:spTree>
+    <p:extLst>
+      <p:ext uri="{BB962C8B-B14F-4D97-AF65-F5344CB8AC3E}">
+        <p14:creationId xmlns:p14="http://schemas.microsoft.com/office/powerpoint/2010/main" val="2915037303"/>
+      </p:ext>
+    </p:extLst>
+  </p:cSld>
+  <p:clrMapOvr>
+    <a:masterClrMapping/>
+  </p:clrMapOvr>
+</p:sld>
+</file>
+
+<file path=ppt/slides/slide9.xml><?xml version="1.0" encoding="utf-8"?>
+<p:sld xmlns:a="http://schemas.openxmlformats.org/drawingml/2006/main" xmlns:r="http://schemas.openxmlformats.org/officeDocument/2006/relationships" xmlns:p="http://schemas.openxmlformats.org/presentationml/2006/main">
+  <p:cSld>
+    <p:spTree>
+      <p:nvGrpSpPr>
+        <p:cNvPr id="1" name=""/>
+        <p:cNvGrpSpPr/>
+        <p:nvPr/>
+      </p:nvGrpSpPr>
+      <p:grpSpPr>
+        <a:xfrm>
+          <a:off x="0" y="0"/>
+          <a:ext cx="0" cy="0"/>
+          <a:chOff x="0" y="0"/>
+          <a:chExt cx="0" cy="0"/>
+        </a:xfrm>
+      </p:grpSpPr>
+      <p:grpSp>
+        <p:nvGrpSpPr>
+          <p:cNvPr id="7" name="Group 6">
+            <a:extLst>
+              <a:ext uri="{FF2B5EF4-FFF2-40B4-BE49-F238E27FC236}">
+                <a16:creationId xmlns:a16="http://schemas.microsoft.com/office/drawing/2014/main" id="{97FB0461-A60F-3AF3-1109-58CF86A2D938}"/>
+              </a:ext>
+            </a:extLst>
+          </p:cNvPr>
+          <p:cNvGrpSpPr/>
+          <p:nvPr/>
+        </p:nvGrpSpPr>
+        <p:grpSpPr>
+          <a:xfrm>
+            <a:off x="1449236" y="697250"/>
+            <a:ext cx="4209693" cy="2632546"/>
+            <a:chOff x="1397477" y="2267258"/>
+            <a:chExt cx="4416727" cy="2977602"/>
+          </a:xfrm>
+        </p:grpSpPr>
+        <p:sp>
+          <p:nvSpPr>
+            <p:cNvPr id="4" name="Rectangle 3">
+              <a:extLst>
+                <a:ext uri="{FF2B5EF4-FFF2-40B4-BE49-F238E27FC236}">
+                  <a16:creationId xmlns:a16="http://schemas.microsoft.com/office/drawing/2014/main" id="{E4A54570-2FE8-102B-5CBA-883C3D09B41D}"/>
+                </a:ext>
+              </a:extLst>
+            </p:cNvPr>
+            <p:cNvSpPr/>
+            <p:nvPr/>
+          </p:nvSpPr>
+          <p:spPr>
+            <a:xfrm>
+              <a:off x="1397479" y="2320506"/>
+              <a:ext cx="4416725" cy="2924354"/>
+            </a:xfrm>
+            <a:prstGeom prst="rect">
+              <a:avLst/>
+            </a:prstGeom>
+            <a:noFill/>
+            <a:ln w="28575">
+              <a:solidFill>
+                <a:schemeClr val="accent1"/>
+              </a:solidFill>
+            </a:ln>
+          </p:spPr>
+          <p:style>
+            <a:lnRef idx="2">
+              <a:schemeClr val="accent1">
+                <a:shade val="50000"/>
+              </a:schemeClr>
+            </a:lnRef>
+            <a:fillRef idx="1">
+              <a:schemeClr val="accent1"/>
+            </a:fillRef>
+            <a:effectRef idx="0">
+              <a:schemeClr val="accent1"/>
+            </a:effectRef>
+            <a:fontRef idx="minor">
+              <a:schemeClr val="lt1"/>
+            </a:fontRef>
+          </p:style>
+          <p:txBody>
+            <a:bodyPr rtlCol="0" anchor="ctr"/>
+            <a:lstStyle/>
+            <a:p>
+              <a:pPr algn="ctr"/>
+              <a:endParaRPr lang="en-GB">
+                <a:noFill/>
+              </a:endParaRPr>
+            </a:p>
+          </p:txBody>
+        </p:sp>
+        <p:sp>
+          <p:nvSpPr>
+            <p:cNvPr id="6" name="Rectangle 5">
+              <a:extLst>
+                <a:ext uri="{FF2B5EF4-FFF2-40B4-BE49-F238E27FC236}">
+                  <a16:creationId xmlns:a16="http://schemas.microsoft.com/office/drawing/2014/main" id="{B768FF91-6136-C48B-649F-4B7585A74A67}"/>
+                </a:ext>
+              </a:extLst>
+            </p:cNvPr>
+            <p:cNvSpPr/>
+            <p:nvPr/>
+          </p:nvSpPr>
+          <p:spPr>
+            <a:xfrm>
+              <a:off x="1397478" y="2320506"/>
+              <a:ext cx="4416725" cy="201283"/>
+            </a:xfrm>
+            <a:prstGeom prst="rect">
+              <a:avLst/>
+            </a:prstGeom>
+            <a:solidFill>
+              <a:schemeClr val="accent1"/>
+            </a:solidFill>
+            <a:ln w="28575">
+              <a:solidFill>
+                <a:schemeClr val="accent1"/>
+              </a:solidFill>
+            </a:ln>
+          </p:spPr>
+          <p:style>
+            <a:lnRef idx="2">
+              <a:schemeClr val="accent1">
+                <a:shade val="50000"/>
+              </a:schemeClr>
+            </a:lnRef>
+            <a:fillRef idx="1">
+              <a:schemeClr val="accent1"/>
+            </a:fillRef>
+            <a:effectRef idx="0">
+              <a:schemeClr val="accent1"/>
+            </a:effectRef>
+            <a:fontRef idx="minor">
+              <a:schemeClr val="lt1"/>
+            </a:fontRef>
+          </p:style>
+          <p:txBody>
+            <a:bodyPr rtlCol="0" anchor="ctr"/>
+            <a:lstStyle/>
+            <a:p>
+              <a:pPr algn="ctr"/>
+              <a:endParaRPr lang="en-GB">
+                <a:noFill/>
+              </a:endParaRPr>
+            </a:p>
+          </p:txBody>
+        </p:sp>
+        <p:sp>
+          <p:nvSpPr>
+            <p:cNvPr id="5" name="TextBox 4">
+              <a:extLst>
+                <a:ext uri="{FF2B5EF4-FFF2-40B4-BE49-F238E27FC236}">
+                  <a16:creationId xmlns:a16="http://schemas.microsoft.com/office/drawing/2014/main" id="{9FA1F2C8-D9EF-E181-5B57-292108BEE69B}"/>
+                </a:ext>
+              </a:extLst>
+            </p:cNvPr>
+            <p:cNvSpPr txBox="1"/>
+            <p:nvPr/>
+          </p:nvSpPr>
+          <p:spPr>
+            <a:xfrm>
+              <a:off x="1397477" y="2267258"/>
+              <a:ext cx="1569660" cy="307777"/>
+            </a:xfrm>
+            <a:prstGeom prst="rect">
+              <a:avLst/>
+            </a:prstGeom>
+            <a:noFill/>
+          </p:spPr>
+          <p:txBody>
+            <a:bodyPr wrap="none" rtlCol="0">
+              <a:spAutoFit/>
+            </a:bodyPr>
+            <a:lstStyle/>
+            <a:p>
+              <a:r>
+                <a:rPr lang="en-GB" sz="1400" dirty="0">
+                  <a:solidFill>
+                    <a:schemeClr val="bg1"/>
+                  </a:solidFill>
+                </a:rPr>
+                <a:t>Function definition</a:t>
+              </a:r>
+            </a:p>
+          </p:txBody>
+        </p:sp>
+      </p:grpSp>
+      <p:sp>
+        <p:nvSpPr>
+          <p:cNvPr id="49" name="TextBox 48">
+            <a:extLst>
+              <a:ext uri="{FF2B5EF4-FFF2-40B4-BE49-F238E27FC236}">
+                <a16:creationId xmlns:a16="http://schemas.microsoft.com/office/drawing/2014/main" id="{60D24960-FB04-A6D9-CE73-D453E912FB77}"/>
+              </a:ext>
+            </a:extLst>
+          </p:cNvPr>
+          <p:cNvSpPr txBox="1"/>
+          <p:nvPr/>
+        </p:nvSpPr>
+        <p:spPr>
+          <a:xfrm>
+            <a:off x="4963652" y="2973282"/>
+            <a:ext cx="587020" cy="261610"/>
+          </a:xfrm>
+          <a:prstGeom prst="rect">
+            <a:avLst/>
+          </a:prstGeom>
+          <a:solidFill>
+            <a:schemeClr val="accent1">
+              <a:lumMod val="40000"/>
+              <a:lumOff val="60000"/>
+            </a:schemeClr>
+          </a:solidFill>
+        </p:spPr>
+        <p:txBody>
+          <a:bodyPr wrap="none" rtlCol="0">
+            <a:spAutoFit/>
+          </a:bodyPr>
+          <a:lstStyle/>
+          <a:p>
+            <a:r>
+              <a:rPr lang="en-GB" sz="1100" dirty="0"/>
+              <a:t>Submit</a:t>
+            </a:r>
+          </a:p>
+        </p:txBody>
+      </p:sp>
+      <p:sp>
+        <p:nvSpPr>
+          <p:cNvPr id="50" name="TextBox 49">
+            <a:extLst>
+              <a:ext uri="{FF2B5EF4-FFF2-40B4-BE49-F238E27FC236}">
+                <a16:creationId xmlns:a16="http://schemas.microsoft.com/office/drawing/2014/main" id="{9F69A319-3308-C42F-1AF9-1FA1EEB09B7D}"/>
+              </a:ext>
+            </a:extLst>
+          </p:cNvPr>
+          <p:cNvSpPr txBox="1"/>
+          <p:nvPr/>
+        </p:nvSpPr>
+        <p:spPr>
+          <a:xfrm>
+            <a:off x="1498120" y="1023452"/>
+            <a:ext cx="1338828" cy="261610"/>
+          </a:xfrm>
+          <a:prstGeom prst="rect">
+            <a:avLst/>
+          </a:prstGeom>
+          <a:noFill/>
+        </p:spPr>
+        <p:txBody>
+          <a:bodyPr wrap="none" rtlCol="0">
+            <a:spAutoFit/>
+          </a:bodyPr>
+          <a:lstStyle/>
+          <a:p>
+            <a:r>
+              <a:rPr lang="en-GB" sz="1100" dirty="0">
+                <a:latin typeface="Consolas" panose="020B0609020204030204" pitchFamily="49" charset="0"/>
+              </a:rPr>
+              <a:t>int Square(int </a:t>
+            </a:r>
+          </a:p>
+        </p:txBody>
+      </p:sp>
+      <p:sp>
+        <p:nvSpPr>
+          <p:cNvPr id="30" name="TextBox 29">
+            <a:extLst>
+              <a:ext uri="{FF2B5EF4-FFF2-40B4-BE49-F238E27FC236}">
+                <a16:creationId xmlns:a16="http://schemas.microsoft.com/office/drawing/2014/main" id="{F6B612AB-3912-AB69-CEBB-81664706E978}"/>
+              </a:ext>
+            </a:extLst>
+          </p:cNvPr>
+          <p:cNvSpPr txBox="1"/>
+          <p:nvPr/>
+        </p:nvSpPr>
+        <p:spPr>
+          <a:xfrm>
+            <a:off x="6351362" y="289679"/>
+            <a:ext cx="5244860" cy="4985980"/>
+          </a:xfrm>
+          <a:prstGeom prst="rect">
+            <a:avLst/>
+          </a:prstGeom>
+          <a:noFill/>
+        </p:spPr>
+        <p:txBody>
+          <a:bodyPr wrap="square" rtlCol="0">
+            <a:spAutoFit/>
+          </a:bodyPr>
+          <a:lstStyle/>
+          <a:p>
+            <a:r>
+              <a:rPr lang="en-GB" sz="2400" b="1" dirty="0"/>
+              <a:t>State management</a:t>
+            </a:r>
+          </a:p>
+          <a:p>
+            <a:pPr marL="285750" indent="-285750">
+              <a:buFont typeface="Arial" panose="020B0604020202020204" pitchFamily="34" charset="0"/>
+              <a:buChar char="•"/>
+            </a:pPr>
+            <a:r>
+              <a:rPr lang="en-GB" sz="1400" b="1" dirty="0"/>
+              <a:t>Function definition </a:t>
+            </a:r>
+            <a:r>
+              <a:rPr lang="en-GB" sz="1400" dirty="0"/>
+              <a:t>pane knows:</a:t>
+            </a:r>
+          </a:p>
+          <a:p>
+            <a:pPr marL="742950" lvl="1" indent="-285750">
+              <a:buFont typeface="Arial" panose="020B0604020202020204" pitchFamily="34" charset="0"/>
+              <a:buChar char="•"/>
+            </a:pPr>
+            <a:r>
+              <a:rPr lang="en-GB" sz="1400" dirty="0"/>
+              <a:t>whether or not current code has been submitted (to compiler)</a:t>
+            </a:r>
+          </a:p>
+          <a:p>
+            <a:pPr marL="742950" lvl="1" indent="-285750">
+              <a:buFont typeface="Arial" panose="020B0604020202020204" pitchFamily="34" charset="0"/>
+              <a:buChar char="•"/>
+            </a:pPr>
+            <a:r>
+              <a:rPr lang="en-GB" sz="1400" dirty="0"/>
+              <a:t>if submitted, whether or not it has compiled successfully. (Might add a visual state indicator e.g. colour of code)</a:t>
+            </a:r>
+          </a:p>
+          <a:p>
+            <a:pPr marL="742950" lvl="1" indent="-285750">
+              <a:buFont typeface="Arial" panose="020B0604020202020204" pitchFamily="34" charset="0"/>
+              <a:buChar char="•"/>
+            </a:pPr>
+            <a:r>
+              <a:rPr lang="en-GB" sz="1400" dirty="0"/>
+              <a:t>if compiled, whether or not any tests have all passed.</a:t>
+            </a:r>
+          </a:p>
+          <a:p>
+            <a:pPr marL="285750" indent="-285750">
+              <a:buFont typeface="Arial" panose="020B0604020202020204" pitchFamily="34" charset="0"/>
+              <a:buChar char="•"/>
+            </a:pPr>
+            <a:endParaRPr lang="en-GB" sz="1400" dirty="0"/>
+          </a:p>
+          <a:p>
+            <a:pPr marL="285750" indent="-285750">
+              <a:buFont typeface="Arial" panose="020B0604020202020204" pitchFamily="34" charset="0"/>
+              <a:buChar char="•"/>
+            </a:pPr>
+            <a:r>
+              <a:rPr lang="en-GB" sz="1400" dirty="0"/>
+              <a:t>Upon successful </a:t>
+            </a:r>
+            <a:r>
+              <a:rPr lang="en-GB" sz="1400" i="1" dirty="0"/>
+              <a:t>compilation</a:t>
+            </a:r>
+            <a:r>
+              <a:rPr lang="en-GB" sz="1400" dirty="0"/>
+              <a:t>:</a:t>
+            </a:r>
+          </a:p>
+          <a:p>
+            <a:pPr marL="742950" lvl="1" indent="-285750">
+              <a:buFont typeface="Arial" panose="020B0604020202020204" pitchFamily="34" charset="0"/>
+              <a:buChar char="•"/>
+            </a:pPr>
+            <a:r>
+              <a:rPr lang="en-GB" sz="1400" dirty="0"/>
+              <a:t>The functions may be used within expressions (before that any calls will be </a:t>
+            </a:r>
+            <a:r>
+              <a:rPr lang="en-GB" sz="1400" i="1" dirty="0"/>
+              <a:t>rejected by compiler</a:t>
+            </a:r>
+            <a:r>
+              <a:rPr lang="en-GB" sz="1400" dirty="0"/>
+              <a:t>)</a:t>
+            </a:r>
+          </a:p>
+          <a:p>
+            <a:pPr marL="742950" lvl="1" indent="-285750">
+              <a:buFont typeface="Arial" panose="020B0604020202020204" pitchFamily="34" charset="0"/>
+              <a:buChar char="•"/>
+            </a:pPr>
+            <a:r>
+              <a:rPr lang="en-GB" sz="1400" dirty="0"/>
+              <a:t>if the Task defines any Tests (which are defined in </a:t>
+            </a:r>
+            <a:r>
+              <a:rPr lang="en-GB" sz="1400" i="1" dirty="0"/>
+              <a:t>TypeScript </a:t>
+            </a:r>
+            <a:r>
+              <a:rPr lang="en-GB" sz="1400" dirty="0"/>
+              <a:t>and independent of user language) then the </a:t>
+            </a:r>
+            <a:r>
+              <a:rPr lang="en-GB" sz="1400" b="1" dirty="0"/>
+              <a:t>Run Tests</a:t>
+            </a:r>
+            <a:r>
+              <a:rPr lang="en-GB" sz="1400" b="1" i="1" dirty="0"/>
+              <a:t> </a:t>
+            </a:r>
+            <a:r>
+              <a:rPr lang="en-GB" sz="1400" dirty="0"/>
+              <a:t>button appears (not sure whether in function pane or task pane). Run Tests disappears only if all tests have passed or if code has been edited</a:t>
+            </a:r>
+          </a:p>
+          <a:p>
+            <a:pPr marL="742950" lvl="1" indent="-285750">
+              <a:buFont typeface="Arial" panose="020B0604020202020204" pitchFamily="34" charset="0"/>
+              <a:buChar char="•"/>
+            </a:pPr>
+            <a:endParaRPr lang="en-GB" sz="1400" dirty="0"/>
+          </a:p>
+          <a:p>
+            <a:pPr marL="285750" indent="-285750">
+              <a:buFont typeface="Arial" panose="020B0604020202020204" pitchFamily="34" charset="0"/>
+              <a:buChar char="•"/>
+            </a:pPr>
+            <a:r>
+              <a:rPr lang="en-GB" sz="1400" dirty="0"/>
+              <a:t>Upon successful </a:t>
+            </a:r>
+            <a:r>
+              <a:rPr lang="en-GB" sz="1400" i="1" dirty="0"/>
+              <a:t>test run</a:t>
+            </a:r>
+            <a:r>
+              <a:rPr lang="en-GB" sz="1400" dirty="0"/>
+              <a:t>:</a:t>
+            </a:r>
+          </a:p>
+          <a:p>
+            <a:pPr marL="742950" lvl="1" indent="-285750">
+              <a:buFont typeface="Arial" panose="020B0604020202020204" pitchFamily="34" charset="0"/>
+              <a:buChar char="•"/>
+            </a:pPr>
+            <a:r>
+              <a:rPr lang="en-GB" sz="1400" i="1" dirty="0"/>
+              <a:t>if</a:t>
+            </a:r>
+            <a:r>
+              <a:rPr lang="en-GB" sz="1400" dirty="0"/>
+              <a:t> the Task defines an application, a </a:t>
+            </a:r>
+            <a:r>
+              <a:rPr lang="en-GB" sz="1400" b="1" dirty="0"/>
+              <a:t>Launch Application </a:t>
+            </a:r>
+            <a:r>
+              <a:rPr lang="en-GB" sz="1400" dirty="0"/>
+              <a:t>button will appear, which will launch the application code (which is written in TypeScript) and which will interface through calling routines to the user-defined functions.</a:t>
+            </a:r>
+          </a:p>
+        </p:txBody>
+      </p:sp>
+      <p:sp>
+        <p:nvSpPr>
+          <p:cNvPr id="51" name="TextBox 50">
+            <a:extLst>
+              <a:ext uri="{FF2B5EF4-FFF2-40B4-BE49-F238E27FC236}">
+                <a16:creationId xmlns:a16="http://schemas.microsoft.com/office/drawing/2014/main" id="{94A37555-066E-BBF9-19D2-01E4E1A6CA1A}"/>
+              </a:ext>
+            </a:extLst>
+          </p:cNvPr>
+          <p:cNvSpPr txBox="1"/>
+          <p:nvPr/>
+        </p:nvSpPr>
+        <p:spPr>
+          <a:xfrm>
+            <a:off x="1449236" y="3626014"/>
+            <a:ext cx="736099" cy="261610"/>
+          </a:xfrm>
+          <a:prstGeom prst="rect">
+            <a:avLst/>
+          </a:prstGeom>
+          <a:solidFill>
+            <a:schemeClr val="accent1">
+              <a:lumMod val="20000"/>
+              <a:lumOff val="80000"/>
+            </a:schemeClr>
+          </a:solidFill>
+        </p:spPr>
+        <p:txBody>
+          <a:bodyPr wrap="none" rtlCol="0">
+            <a:spAutoFit/>
+          </a:bodyPr>
+          <a:lstStyle/>
+          <a:p>
+            <a:r>
+              <a:rPr lang="en-GB" sz="1100" dirty="0">
+                <a:solidFill>
+                  <a:schemeClr val="bg2">
+                    <a:lumMod val="75000"/>
+                  </a:schemeClr>
+                </a:solidFill>
+              </a:rPr>
+              <a:t>Run Tests</a:t>
+            </a:r>
+          </a:p>
+        </p:txBody>
+      </p:sp>
+      <p:sp>
+        <p:nvSpPr>
+          <p:cNvPr id="52" name="TextBox 51">
+            <a:extLst>
+              <a:ext uri="{FF2B5EF4-FFF2-40B4-BE49-F238E27FC236}">
+                <a16:creationId xmlns:a16="http://schemas.microsoft.com/office/drawing/2014/main" id="{06EF7278-144A-3509-CD96-37E5D82384CF}"/>
+              </a:ext>
+            </a:extLst>
+          </p:cNvPr>
+          <p:cNvSpPr txBox="1"/>
+          <p:nvPr/>
+        </p:nvSpPr>
+        <p:spPr>
+          <a:xfrm>
+            <a:off x="1461178" y="4090553"/>
+            <a:ext cx="1255472" cy="261610"/>
+          </a:xfrm>
+          <a:prstGeom prst="rect">
+            <a:avLst/>
+          </a:prstGeom>
+          <a:solidFill>
+            <a:schemeClr val="accent1">
+              <a:lumMod val="20000"/>
+              <a:lumOff val="80000"/>
+            </a:schemeClr>
+          </a:solidFill>
+        </p:spPr>
+        <p:txBody>
+          <a:bodyPr wrap="none" rtlCol="0">
+            <a:spAutoFit/>
+          </a:bodyPr>
+          <a:lstStyle/>
+          <a:p>
+            <a:r>
+              <a:rPr lang="en-GB" sz="1100" dirty="0">
+                <a:solidFill>
+                  <a:schemeClr val="bg2">
+                    <a:lumMod val="75000"/>
+                  </a:schemeClr>
+                </a:solidFill>
+              </a:rPr>
+              <a:t>Launch application</a:t>
+            </a:r>
+          </a:p>
+        </p:txBody>
+      </p:sp>
+    </p:spTree>
+    <p:extLst>
+      <p:ext uri="{BB962C8B-B14F-4D97-AF65-F5344CB8AC3E}">
+        <p14:creationId xmlns:p14="http://schemas.microsoft.com/office/powerpoint/2010/main" val="2471174407"/>
+      </p:ext>
+    </p:extLst>
+  </p:cSld>
+  <p:clrMapOvr>
+    <a:masterClrMapping/>
+  </p:clrMapOvr>
+</p:sld>
+</file>
+
 <file path=ppt/theme/theme1.xml><?xml version="1.0" encoding="utf-8"?>
 <a:theme xmlns:a="http://schemas.openxmlformats.org/drawingml/2006/main" name="Office Theme">
   <a:themeElements>

--- a/ILE Design overview.pptx
+++ b/ILE Design overview.pptx
@@ -10733,6 +10733,68 @@
       </p:grpSpPr>
       <p:sp>
         <p:nvSpPr>
+          <p:cNvPr id="51" name="TextBox 50">
+            <a:extLst>
+              <a:ext uri="{FF2B5EF4-FFF2-40B4-BE49-F238E27FC236}">
+                <a16:creationId xmlns:a16="http://schemas.microsoft.com/office/drawing/2014/main" id="{F955C338-0AF7-F8C2-8D12-6E4A10881DDC}"/>
+              </a:ext>
+            </a:extLst>
+          </p:cNvPr>
+          <p:cNvSpPr txBox="1"/>
+          <p:nvPr/>
+        </p:nvSpPr>
+        <p:spPr>
+          <a:xfrm>
+            <a:off x="4572242" y="1808775"/>
+            <a:ext cx="3498991" cy="1384995"/>
+          </a:xfrm>
+          <a:prstGeom prst="rect">
+            <a:avLst/>
+          </a:prstGeom>
+          <a:solidFill>
+            <a:schemeClr val="bg1"/>
+          </a:solidFill>
+          <a:ln w="28575">
+            <a:solidFill>
+              <a:schemeClr val="accent1"/>
+            </a:solidFill>
+          </a:ln>
+        </p:spPr>
+        <p:txBody>
+          <a:bodyPr wrap="square" rtlCol="0">
+            <a:spAutoFit/>
+          </a:bodyPr>
+          <a:lstStyle/>
+          <a:p>
+            <a:r>
+              <a:rPr lang="en-GB" sz="1400" dirty="0"/>
+              <a:t>Glue code for invoking user-defined functions with arguments from Tests or Application</a:t>
+            </a:r>
+          </a:p>
+          <a:p>
+            <a:pPr marL="285750" indent="-285750">
+              <a:buFont typeface="Arial" panose="020B0604020202020204" pitchFamily="34" charset="0"/>
+              <a:buChar char="•"/>
+            </a:pPr>
+            <a:r>
+              <a:rPr lang="en-GB" sz="1400" dirty="0"/>
+              <a:t>Each invocation is via JOBE, with functions and invocation as an expression</a:t>
+            </a:r>
+          </a:p>
+          <a:p>
+            <a:pPr marL="285750" indent="-285750">
+              <a:buFont typeface="Arial" panose="020B0604020202020204" pitchFamily="34" charset="0"/>
+              <a:buChar char="•"/>
+            </a:pPr>
+            <a:r>
+              <a:rPr lang="en-GB" sz="1400" dirty="0"/>
+              <a:t>Parses the returned value into suitable TypeScript type</a:t>
+            </a:r>
+          </a:p>
+        </p:txBody>
+      </p:sp>
+      <p:sp>
+        <p:nvSpPr>
           <p:cNvPr id="2" name="TextBox 1">
             <a:extLst>
               <a:ext uri="{FF2B5EF4-FFF2-40B4-BE49-F238E27FC236}">
@@ -10800,8 +10862,8 @@
         </p:nvSpPr>
         <p:spPr>
           <a:xfrm>
-            <a:off x="508959" y="6110713"/>
-            <a:ext cx="2950234" cy="307777"/>
+            <a:off x="508958" y="6110713"/>
+            <a:ext cx="3586317" cy="307777"/>
           </a:xfrm>
           <a:prstGeom prst="rect">
             <a:avLst/>
@@ -10871,7 +10933,7 @@
           <a:p>
             <a:r>
               <a:rPr lang="en-GB" sz="1400" dirty="0"/>
-              <a:t>Expression</a:t>
+              <a:t>Expressions</a:t>
             </a:r>
           </a:p>
         </p:txBody>
@@ -11286,9 +11348,9 @@
         <p:grpSpPr>
           <a:xfrm>
             <a:off x="501375" y="1771366"/>
-            <a:ext cx="3884042" cy="566986"/>
+            <a:ext cx="3644374" cy="566986"/>
             <a:chOff x="508959" y="1781467"/>
-            <a:chExt cx="3884042" cy="566986"/>
+            <a:chExt cx="3644374" cy="566986"/>
           </a:xfrm>
           <a:solidFill>
             <a:schemeClr val="accent2">
@@ -11311,13 +11373,15 @@
           </p:nvSpPr>
           <p:spPr>
             <a:xfrm>
-              <a:off x="554246" y="1825233"/>
-              <a:ext cx="3838755" cy="523220"/>
+              <a:off x="554247" y="1825233"/>
+              <a:ext cx="3599086" cy="523220"/>
             </a:xfrm>
             <a:prstGeom prst="rect">
               <a:avLst/>
             </a:prstGeom>
-            <a:grpFill/>
+            <a:solidFill>
+              <a:schemeClr val="bg1"/>
+            </a:solidFill>
             <a:ln w="28575">
               <a:solidFill>
                 <a:schemeClr val="accent2">
@@ -11354,7 +11418,7 @@
           <p:spPr>
             <a:xfrm>
               <a:off x="508959" y="1781467"/>
-              <a:ext cx="3838755" cy="523220"/>
+              <a:ext cx="3602383" cy="523220"/>
             </a:xfrm>
             <a:prstGeom prst="rect">
               <a:avLst/>
@@ -11396,10 +11460,10 @@
         </p:nvGrpSpPr>
         <p:grpSpPr>
           <a:xfrm>
-            <a:off x="508959" y="2465009"/>
-            <a:ext cx="3889162" cy="987460"/>
-            <a:chOff x="508959" y="2465009"/>
-            <a:chExt cx="3889162" cy="987460"/>
+            <a:off x="508960" y="2465009"/>
+            <a:ext cx="3642279" cy="987460"/>
+            <a:chOff x="508960" y="2465009"/>
+            <a:chExt cx="3642279" cy="987460"/>
           </a:xfrm>
           <a:solidFill>
             <a:schemeClr val="accent1">
@@ -11423,7 +11487,7 @@
           <p:spPr>
             <a:xfrm>
               <a:off x="552154" y="2498362"/>
-              <a:ext cx="3845967" cy="954107"/>
+              <a:ext cx="3599085" cy="954107"/>
             </a:xfrm>
             <a:prstGeom prst="rect">
               <a:avLst/>
@@ -11491,8 +11555,8 @@
           </p:nvSpPr>
           <p:spPr>
             <a:xfrm>
-              <a:off x="508959" y="2465009"/>
-              <a:ext cx="3838755" cy="954107"/>
+              <a:off x="508960" y="2465009"/>
+              <a:ext cx="3586316" cy="954107"/>
             </a:xfrm>
             <a:prstGeom prst="rect">
               <a:avLst/>
@@ -11562,8 +11626,8 @@
         </p:nvSpPr>
         <p:spPr>
           <a:xfrm>
-            <a:off x="7760899" y="1763838"/>
-            <a:ext cx="3838755" cy="307777"/>
+            <a:off x="8273869" y="1763838"/>
+            <a:ext cx="3325785" cy="307777"/>
           </a:xfrm>
           <a:prstGeom prst="rect">
             <a:avLst/>
@@ -11607,8 +11671,8 @@
         </p:nvSpPr>
         <p:spPr>
           <a:xfrm>
-            <a:off x="7760899" y="2670142"/>
-            <a:ext cx="3838755" cy="307777"/>
+            <a:off x="8273869" y="2670142"/>
+            <a:ext cx="3325785" cy="307777"/>
           </a:xfrm>
           <a:prstGeom prst="rect">
             <a:avLst/>
@@ -11652,8 +11716,8 @@
         </p:nvSpPr>
         <p:spPr>
           <a:xfrm>
-            <a:off x="7760899" y="2209635"/>
-            <a:ext cx="3838755" cy="307777"/>
+            <a:off x="8273869" y="2209635"/>
+            <a:ext cx="3325785" cy="307777"/>
           </a:xfrm>
           <a:prstGeom prst="rect">
             <a:avLst/>
@@ -11794,154 +11858,71 @@
           </p:txBody>
         </p:sp>
       </p:grpSp>
-      <p:grpSp>
-        <p:nvGrpSpPr>
-          <p:cNvPr id="37" name="Group 36">
+      <p:sp>
+        <p:nvSpPr>
+          <p:cNvPr id="19" name="TextBox 18">
             <a:extLst>
               <a:ext uri="{FF2B5EF4-FFF2-40B4-BE49-F238E27FC236}">
-                <a16:creationId xmlns:a16="http://schemas.microsoft.com/office/drawing/2014/main" id="{E30FD1F8-CF6F-1203-A72F-4DF635251717}"/>
+                <a16:creationId xmlns:a16="http://schemas.microsoft.com/office/drawing/2014/main" id="{8EDD5DF3-21D1-EB52-739D-490BE3A48C8A}"/>
               </a:ext>
             </a:extLst>
           </p:cNvPr>
-          <p:cNvGrpSpPr/>
+          <p:cNvSpPr txBox="1"/>
           <p:nvPr/>
-        </p:nvGrpSpPr>
-        <p:grpSpPr>
+        </p:nvSpPr>
+        <p:spPr>
           <a:xfrm>
-            <a:off x="4684305" y="1761336"/>
-            <a:ext cx="2823389" cy="1815882"/>
-            <a:chOff x="4546122" y="1763838"/>
-            <a:chExt cx="2823389" cy="1815882"/>
+            <a:off x="4511098" y="1761336"/>
+            <a:ext cx="3498991" cy="1384995"/>
           </a:xfrm>
-        </p:grpSpPr>
-        <p:sp>
-          <p:nvSpPr>
-            <p:cNvPr id="36" name="TextBox 35">
-              <a:extLst>
-                <a:ext uri="{FF2B5EF4-FFF2-40B4-BE49-F238E27FC236}">
-                  <a16:creationId xmlns:a16="http://schemas.microsoft.com/office/drawing/2014/main" id="{8317A058-33E4-13D4-D3DD-F320597DEA11}"/>
-                </a:ext>
-              </a:extLst>
-            </p:cNvPr>
-            <p:cNvSpPr txBox="1"/>
-            <p:nvPr/>
-          </p:nvSpPr>
-          <p:spPr>
-            <a:xfrm>
-              <a:off x="4591805" y="1807103"/>
-              <a:ext cx="2777706" cy="1600438"/>
-            </a:xfrm>
-            <a:prstGeom prst="rect">
-              <a:avLst/>
-            </a:prstGeom>
+          <a:prstGeom prst="rect">
+            <a:avLst/>
+          </a:prstGeom>
+          <a:solidFill>
+            <a:schemeClr val="accent1">
+              <a:lumMod val="20000"/>
+              <a:lumOff val="80000"/>
+            </a:schemeClr>
+          </a:solidFill>
+          <a:ln w="28575">
             <a:solidFill>
-              <a:schemeClr val="bg1"/>
+              <a:schemeClr val="accent1"/>
             </a:solidFill>
-            <a:ln w="28575">
-              <a:solidFill>
-                <a:schemeClr val="accent1"/>
-              </a:solidFill>
-            </a:ln>
-          </p:spPr>
-          <p:txBody>
-            <a:bodyPr wrap="square" rtlCol="0">
-              <a:spAutoFit/>
-            </a:bodyPr>
-            <a:lstStyle/>
-            <a:p>
-              <a:r>
-                <a:rPr lang="en-GB" sz="1400" dirty="0"/>
-                <a:t>Interfaces for invoking user-defined functions with arguments</a:t>
-              </a:r>
-            </a:p>
-            <a:p>
-              <a:pPr marL="285750" indent="-285750">
-                <a:buFont typeface="Arial" panose="020B0604020202020204" pitchFamily="34" charset="0"/>
-                <a:buChar char="•"/>
-              </a:pPr>
-              <a:r>
-                <a:rPr lang="en-GB" sz="1400" dirty="0"/>
-                <a:t>Each invocation is via JOBE, recompiling the functions and passing in the invocation as an expression</a:t>
-              </a:r>
-            </a:p>
-            <a:p>
-              <a:pPr marL="285750" indent="-285750">
-                <a:buFont typeface="Arial" panose="020B0604020202020204" pitchFamily="34" charset="0"/>
-                <a:buChar char="•"/>
-              </a:pPr>
-              <a:r>
-                <a:rPr lang="en-GB" sz="1400" dirty="0"/>
-                <a:t>Parses the returned value into s</a:t>
-              </a:r>
-            </a:p>
-          </p:txBody>
-        </p:sp>
-        <p:sp>
-          <p:nvSpPr>
-            <p:cNvPr id="19" name="TextBox 18">
-              <a:extLst>
-                <a:ext uri="{FF2B5EF4-FFF2-40B4-BE49-F238E27FC236}">
-                  <a16:creationId xmlns:a16="http://schemas.microsoft.com/office/drawing/2014/main" id="{8EDD5DF3-21D1-EB52-739D-490BE3A48C8A}"/>
-                </a:ext>
-              </a:extLst>
-            </p:cNvPr>
-            <p:cNvSpPr txBox="1"/>
-            <p:nvPr/>
-          </p:nvSpPr>
-          <p:spPr>
-            <a:xfrm>
-              <a:off x="4546122" y="1763838"/>
-              <a:ext cx="2777706" cy="1815882"/>
-            </a:xfrm>
-            <a:prstGeom prst="rect">
-              <a:avLst/>
-            </a:prstGeom>
-            <a:solidFill>
-              <a:schemeClr val="accent1">
-                <a:lumMod val="20000"/>
-                <a:lumOff val="80000"/>
-              </a:schemeClr>
-            </a:solidFill>
-            <a:ln w="28575">
-              <a:solidFill>
-                <a:schemeClr val="accent1"/>
-              </a:solidFill>
-            </a:ln>
-          </p:spPr>
-          <p:txBody>
-            <a:bodyPr wrap="square" rtlCol="0">
-              <a:spAutoFit/>
-            </a:bodyPr>
-            <a:lstStyle/>
-            <a:p>
-              <a:r>
-                <a:rPr lang="en-GB" sz="1400" dirty="0"/>
-                <a:t>Glue code for invoking user-defined functions with arguments from Tests or Application</a:t>
-              </a:r>
-            </a:p>
-            <a:p>
-              <a:pPr marL="285750" indent="-285750">
-                <a:buFont typeface="Arial" panose="020B0604020202020204" pitchFamily="34" charset="0"/>
-                <a:buChar char="•"/>
-              </a:pPr>
-              <a:r>
-                <a:rPr lang="en-GB" sz="1400" dirty="0"/>
-                <a:t>Each invocation is via JOBE, with functions and invocation as an expression</a:t>
-              </a:r>
-            </a:p>
-            <a:p>
-              <a:pPr marL="285750" indent="-285750">
-                <a:buFont typeface="Arial" panose="020B0604020202020204" pitchFamily="34" charset="0"/>
-                <a:buChar char="•"/>
-              </a:pPr>
-              <a:r>
-                <a:rPr lang="en-GB" sz="1400" dirty="0"/>
-                <a:t>Parses the returned value into suitable TypeScript type</a:t>
-              </a:r>
-            </a:p>
-          </p:txBody>
-        </p:sp>
-      </p:grpSp>
+          </a:ln>
+        </p:spPr>
+        <p:txBody>
+          <a:bodyPr wrap="square" rtlCol="0">
+            <a:spAutoFit/>
+          </a:bodyPr>
+          <a:lstStyle/>
+          <a:p>
+            <a:r>
+              <a:rPr lang="en-GB" sz="1400" dirty="0"/>
+              <a:t>Glue code for invoking user-defined functions with arguments from Tests or Application</a:t>
+            </a:r>
+          </a:p>
+          <a:p>
+            <a:pPr marL="285750" indent="-285750">
+              <a:buFont typeface="Arial" panose="020B0604020202020204" pitchFamily="34" charset="0"/>
+              <a:buChar char="•"/>
+            </a:pPr>
+            <a:r>
+              <a:rPr lang="en-GB" sz="1400" dirty="0"/>
+              <a:t>Each invocation is via JOBE, with functions and invocation as an expression</a:t>
+            </a:r>
+          </a:p>
+          <a:p>
+            <a:pPr marL="285750" indent="-285750">
+              <a:buFont typeface="Arial" panose="020B0604020202020204" pitchFamily="34" charset="0"/>
+              <a:buChar char="•"/>
+            </a:pPr>
+            <a:r>
+              <a:rPr lang="en-GB" sz="1400" dirty="0"/>
+              <a:t>Parses the returned value into suitable TypeScript type</a:t>
+            </a:r>
+          </a:p>
+        </p:txBody>
+      </p:sp>
       <p:grpSp>
         <p:nvGrpSpPr>
           <p:cNvPr id="48" name="Group 47">
@@ -11956,7 +11937,7 @@
         </p:nvGrpSpPr>
         <p:grpSpPr>
           <a:xfrm>
-            <a:off x="5926346" y="91023"/>
+            <a:off x="5543809" y="38938"/>
             <a:ext cx="6124857" cy="501549"/>
             <a:chOff x="1832254" y="41085"/>
             <a:chExt cx="6124857" cy="501549"/>
@@ -12386,7 +12367,9 @@
             <a:prstGeom prst="rect">
               <a:avLst/>
             </a:prstGeom>
-            <a:grpFill/>
+            <a:solidFill>
+              <a:schemeClr val="bg1"/>
+            </a:solidFill>
             <a:ln w="28575">
               <a:solidFill>
                 <a:schemeClr val="accent2">
@@ -12465,8 +12448,8 @@
         </p:nvSpPr>
         <p:spPr>
           <a:xfrm>
-            <a:off x="4408562" y="4546568"/>
-            <a:ext cx="3599085" cy="307777"/>
+            <a:off x="4511098" y="4546568"/>
+            <a:ext cx="3496549" cy="307777"/>
           </a:xfrm>
           <a:prstGeom prst="rect">
             <a:avLst/>
@@ -12511,8 +12494,8 @@
         </p:nvSpPr>
         <p:spPr>
           <a:xfrm>
-            <a:off x="4404433" y="5078981"/>
-            <a:ext cx="3599085" cy="307777"/>
+            <a:off x="4506971" y="5078981"/>
+            <a:ext cx="3496548" cy="307777"/>
           </a:xfrm>
           <a:prstGeom prst="rect">
             <a:avLst/>
@@ -12870,7 +12853,7 @@
         <p:spPr>
           <a:xfrm>
             <a:off x="6351362" y="289679"/>
-            <a:ext cx="5244860" cy="4985980"/>
+            <a:ext cx="5244860" cy="4555093"/>
           </a:xfrm>
           <a:prstGeom prst="rect">
             <a:avLst/>
@@ -12964,15 +12947,7 @@
             </a:pPr>
             <a:r>
               <a:rPr lang="en-GB" sz="1400" dirty="0"/>
-              <a:t>The functions may be used within expressions (before that any calls will be </a:t>
-            </a:r>
-            <a:r>
-              <a:rPr lang="en-GB" sz="1400" i="1" dirty="0"/>
-              <a:t>rejected by compiler</a:t>
-            </a:r>
-            <a:r>
-              <a:rPr lang="en-GB" sz="1400" dirty="0"/>
-              <a:t>)</a:t>
+              <a:t>The functions may be used within expressions </a:t>
             </a:r>
           </a:p>
           <a:p>
@@ -12982,15 +12957,7 @@
             </a:pPr>
             <a:r>
               <a:rPr lang="en-GB" sz="1400" dirty="0"/>
-              <a:t>if the Task defines any Tests (which are defined in </a:t>
-            </a:r>
-            <a:r>
-              <a:rPr lang="en-GB" sz="1400" i="1" dirty="0"/>
-              <a:t>TypeScript </a:t>
-            </a:r>
-            <a:r>
-              <a:rPr lang="en-GB" sz="1400" dirty="0"/>
-              <a:t>and independent of user language) then the </a:t>
+              <a:t>if the Task defines any Tests then the </a:t>
             </a:r>
             <a:r>
               <a:rPr lang="en-GB" sz="1400" b="1" dirty="0"/>
@@ -13002,7 +12969,15 @@
             </a:r>
             <a:r>
               <a:rPr lang="en-GB" sz="1400" dirty="0"/>
-              <a:t>button appears (not sure whether in function pane or task pane). Run Tests disappears only if all tests have passed or if code has been edited</a:t>
+              <a:t>button appears (not sure whether in function pane or task pane). </a:t>
+            </a:r>
+            <a:r>
+              <a:rPr lang="en-GB" sz="1400" b="1" dirty="0"/>
+              <a:t>Run Tests </a:t>
+            </a:r>
+            <a:r>
+              <a:rPr lang="en-GB" sz="1400" dirty="0"/>
+              <a:t>disappears only if all tests have passed or if code has been edited</a:t>
             </a:r>
           </a:p>
           <a:p>

--- a/ILE Design overview.pptx
+++ b/ILE Design overview.pptx
@@ -10733,68 +10733,6 @@
       </p:grpSpPr>
       <p:sp>
         <p:nvSpPr>
-          <p:cNvPr id="51" name="TextBox 50">
-            <a:extLst>
-              <a:ext uri="{FF2B5EF4-FFF2-40B4-BE49-F238E27FC236}">
-                <a16:creationId xmlns:a16="http://schemas.microsoft.com/office/drawing/2014/main" id="{F955C338-0AF7-F8C2-8D12-6E4A10881DDC}"/>
-              </a:ext>
-            </a:extLst>
-          </p:cNvPr>
-          <p:cNvSpPr txBox="1"/>
-          <p:nvPr/>
-        </p:nvSpPr>
-        <p:spPr>
-          <a:xfrm>
-            <a:off x="4572242" y="1808775"/>
-            <a:ext cx="3498991" cy="1384995"/>
-          </a:xfrm>
-          <a:prstGeom prst="rect">
-            <a:avLst/>
-          </a:prstGeom>
-          <a:solidFill>
-            <a:schemeClr val="bg1"/>
-          </a:solidFill>
-          <a:ln w="28575">
-            <a:solidFill>
-              <a:schemeClr val="accent1"/>
-            </a:solidFill>
-          </a:ln>
-        </p:spPr>
-        <p:txBody>
-          <a:bodyPr wrap="square" rtlCol="0">
-            <a:spAutoFit/>
-          </a:bodyPr>
-          <a:lstStyle/>
-          <a:p>
-            <a:r>
-              <a:rPr lang="en-GB" sz="1400" dirty="0"/>
-              <a:t>Glue code for invoking user-defined functions with arguments from Tests or Application</a:t>
-            </a:r>
-          </a:p>
-          <a:p>
-            <a:pPr marL="285750" indent="-285750">
-              <a:buFont typeface="Arial" panose="020B0604020202020204" pitchFamily="34" charset="0"/>
-              <a:buChar char="•"/>
-            </a:pPr>
-            <a:r>
-              <a:rPr lang="en-GB" sz="1400" dirty="0"/>
-              <a:t>Each invocation is via JOBE, with functions and invocation as an expression</a:t>
-            </a:r>
-          </a:p>
-          <a:p>
-            <a:pPr marL="285750" indent="-285750">
-              <a:buFont typeface="Arial" panose="020B0604020202020204" pitchFamily="34" charset="0"/>
-              <a:buChar char="•"/>
-            </a:pPr>
-            <a:r>
-              <a:rPr lang="en-GB" sz="1400" dirty="0"/>
-              <a:t>Parses the returned value into suitable TypeScript type</a:t>
-            </a:r>
-          </a:p>
-        </p:txBody>
-      </p:sp>
-      <p:sp>
-        <p:nvSpPr>
           <p:cNvPr id="2" name="TextBox 1">
             <a:extLst>
               <a:ext uri="{FF2B5EF4-FFF2-40B4-BE49-F238E27FC236}">
@@ -11440,7 +11378,15 @@
             <a:p>
               <a:r>
                 <a:rPr lang="en-GB" sz="1400" dirty="0"/>
-                <a:t>Wrapper code for expression and/or function definitions – to submit to JOBE</a:t>
+                <a:t>Wrapper code for expression, function </a:t>
+              </a:r>
+              <a:r>
+                <a:rPr lang="en-GB" sz="1400" dirty="0" err="1"/>
+                <a:t>defs</a:t>
+              </a:r>
+              <a:r>
+                <a:rPr lang="en-GB" sz="1400" dirty="0"/>
+                <a:t>, tests (as appropriate) – to submit to JOBE</a:t>
               </a:r>
             </a:p>
           </p:txBody>
@@ -11897,8 +11843,20 @@
           <a:lstStyle/>
           <a:p>
             <a:r>
+              <a:rPr lang="en-GB" sz="1400" dirty="0" err="1">
+                <a:latin typeface="Consolas" panose="020B0609020204030204" pitchFamily="49" charset="0"/>
+              </a:rPr>
+              <a:t>callUDF</a:t>
+            </a:r>
+            <a:r>
+              <a:rPr lang="en-GB" sz="1400" dirty="0">
+                <a:latin typeface="Consolas" panose="020B0609020204030204" pitchFamily="49" charset="0"/>
+              </a:rPr>
+              <a:t>&lt;T&gt; </a:t>
+            </a:r>
+            <a:r>
               <a:rPr lang="en-GB" sz="1400" dirty="0"/>
-              <a:t>Glue code for invoking user-defined functions with arguments from Tests or Application</a:t>
+              <a:t>and various type-rendering helper methods for invoking user-defined function with arguments from App</a:t>
             </a:r>
           </a:p>
           <a:p>
@@ -11918,7 +11876,13 @@
             </a:pPr>
             <a:r>
               <a:rPr lang="en-GB" sz="1400" dirty="0"/>
-              <a:t>Parses the returned value into suitable TypeScript type</a:t>
+              <a:t>Parses the returned value into type </a:t>
+            </a:r>
+            <a:r>
+              <a:rPr lang="en-GB" sz="1400" dirty="0">
+                <a:latin typeface="Consolas" panose="020B0609020204030204" pitchFamily="49" charset="0"/>
+              </a:rPr>
+              <a:t>T</a:t>
             </a:r>
           </a:p>
         </p:txBody>
@@ -12455,14 +12419,14 @@
             <a:avLst/>
           </a:prstGeom>
           <a:solidFill>
-            <a:schemeClr val="accent1">
+            <a:schemeClr val="accent6">
               <a:lumMod val="20000"/>
               <a:lumOff val="80000"/>
             </a:schemeClr>
           </a:solidFill>
           <a:ln w="28575">
             <a:solidFill>
-              <a:schemeClr val="accent1"/>
+              <a:srgbClr val="00B050"/>
             </a:solidFill>
           </a:ln>
         </p:spPr>
@@ -12520,7 +12484,7 @@
           <a:p>
             <a:r>
               <a:rPr lang="en-GB" sz="1400" dirty="0"/>
-              <a:t>Application code (optional)</a:t>
+              <a:t>App code (optional)</a:t>
             </a:r>
             <a:endParaRPr lang="en-GB" sz="1200" dirty="0"/>
           </a:p>

--- a/ILE Design overview.pptx
+++ b/ILE Design overview.pptx
@@ -2152,7 +2152,7 @@
           <a:p>
             <a:fld id="{D295580B-757C-48FD-B0DC-1213978BC34C}" type="datetimeFigureOut">
               <a:rPr lang="en-GB" smtClean="0"/>
-              <a:t>13/07/2022</a:t>
+              <a:t>14/07/2022</a:t>
             </a:fld>
             <a:endParaRPr lang="en-GB"/>
           </a:p>
@@ -2350,7 +2350,7 @@
           <a:p>
             <a:fld id="{D295580B-757C-48FD-B0DC-1213978BC34C}" type="datetimeFigureOut">
               <a:rPr lang="en-GB" smtClean="0"/>
-              <a:t>13/07/2022</a:t>
+              <a:t>14/07/2022</a:t>
             </a:fld>
             <a:endParaRPr lang="en-GB"/>
           </a:p>
@@ -2558,7 +2558,7 @@
           <a:p>
             <a:fld id="{D295580B-757C-48FD-B0DC-1213978BC34C}" type="datetimeFigureOut">
               <a:rPr lang="en-GB" smtClean="0"/>
-              <a:t>13/07/2022</a:t>
+              <a:t>14/07/2022</a:t>
             </a:fld>
             <a:endParaRPr lang="en-GB"/>
           </a:p>
@@ -2756,7 +2756,7 @@
           <a:p>
             <a:fld id="{D295580B-757C-48FD-B0DC-1213978BC34C}" type="datetimeFigureOut">
               <a:rPr lang="en-GB" smtClean="0"/>
-              <a:t>13/07/2022</a:t>
+              <a:t>14/07/2022</a:t>
             </a:fld>
             <a:endParaRPr lang="en-GB"/>
           </a:p>
@@ -3031,7 +3031,7 @@
           <a:p>
             <a:fld id="{D295580B-757C-48FD-B0DC-1213978BC34C}" type="datetimeFigureOut">
               <a:rPr lang="en-GB" smtClean="0"/>
-              <a:t>13/07/2022</a:t>
+              <a:t>14/07/2022</a:t>
             </a:fld>
             <a:endParaRPr lang="en-GB"/>
           </a:p>
@@ -3296,7 +3296,7 @@
           <a:p>
             <a:fld id="{D295580B-757C-48FD-B0DC-1213978BC34C}" type="datetimeFigureOut">
               <a:rPr lang="en-GB" smtClean="0"/>
-              <a:t>13/07/2022</a:t>
+              <a:t>14/07/2022</a:t>
             </a:fld>
             <a:endParaRPr lang="en-GB"/>
           </a:p>
@@ -3708,7 +3708,7 @@
           <a:p>
             <a:fld id="{D295580B-757C-48FD-B0DC-1213978BC34C}" type="datetimeFigureOut">
               <a:rPr lang="en-GB" smtClean="0"/>
-              <a:t>13/07/2022</a:t>
+              <a:t>14/07/2022</a:t>
             </a:fld>
             <a:endParaRPr lang="en-GB"/>
           </a:p>
@@ -3849,7 +3849,7 @@
           <a:p>
             <a:fld id="{D295580B-757C-48FD-B0DC-1213978BC34C}" type="datetimeFigureOut">
               <a:rPr lang="en-GB" smtClean="0"/>
-              <a:t>13/07/2022</a:t>
+              <a:t>14/07/2022</a:t>
             </a:fld>
             <a:endParaRPr lang="en-GB"/>
           </a:p>
@@ -3962,7 +3962,7 @@
           <a:p>
             <a:fld id="{D295580B-757C-48FD-B0DC-1213978BC34C}" type="datetimeFigureOut">
               <a:rPr lang="en-GB" smtClean="0"/>
-              <a:t>13/07/2022</a:t>
+              <a:t>14/07/2022</a:t>
             </a:fld>
             <a:endParaRPr lang="en-GB"/>
           </a:p>
@@ -4273,7 +4273,7 @@
           <a:p>
             <a:fld id="{D295580B-757C-48FD-B0DC-1213978BC34C}" type="datetimeFigureOut">
               <a:rPr lang="en-GB" smtClean="0"/>
-              <a:t>13/07/2022</a:t>
+              <a:t>14/07/2022</a:t>
             </a:fld>
             <a:endParaRPr lang="en-GB"/>
           </a:p>
@@ -4561,7 +4561,7 @@
           <a:p>
             <a:fld id="{D295580B-757C-48FD-B0DC-1213978BC34C}" type="datetimeFigureOut">
               <a:rPr lang="en-GB" smtClean="0"/>
-              <a:t>13/07/2022</a:t>
+              <a:t>14/07/2022</a:t>
             </a:fld>
             <a:endParaRPr lang="en-GB"/>
           </a:p>
@@ -4802,7 +4802,7 @@
           <a:p>
             <a:fld id="{D295580B-757C-48FD-B0DC-1213978BC34C}" type="datetimeFigureOut">
               <a:rPr lang="en-GB" smtClean="0"/>
-              <a:t>13/07/2022</a:t>
+              <a:t>14/07/2022</a:t>
             </a:fld>
             <a:endParaRPr lang="en-GB"/>
           </a:p>
@@ -10891,9 +10891,9 @@
         <p:grpSpPr>
           <a:xfrm>
             <a:off x="8273869" y="4111540"/>
-            <a:ext cx="3331950" cy="1456689"/>
+            <a:ext cx="3331950" cy="718025"/>
             <a:chOff x="7392838" y="3910806"/>
-            <a:chExt cx="3331950" cy="1456689"/>
+            <a:chExt cx="3331950" cy="718025"/>
           </a:xfrm>
           <a:solidFill>
             <a:schemeClr val="accent2">
@@ -10917,7 +10917,7 @@
           <p:spPr>
             <a:xfrm>
               <a:off x="7432373" y="3951723"/>
-              <a:ext cx="3292415" cy="1415772"/>
+              <a:ext cx="3292415" cy="677108"/>
             </a:xfrm>
             <a:prstGeom prst="rect">
               <a:avLst/>
@@ -10965,17 +10965,7 @@
               </a:pPr>
               <a:r>
                 <a:rPr lang="en-GB" sz="1200" dirty="0"/>
-                <a:t>May be individual fully-qualified functions and/or complete namespace</a:t>
-              </a:r>
-            </a:p>
-            <a:p>
-              <a:pPr marL="285750" indent="-285750">
-                <a:buFont typeface="Arial" panose="020B0604020202020204" pitchFamily="34" charset="0"/>
-                <a:buChar char="•"/>
-              </a:pPr>
-              <a:r>
-                <a:rPr lang="en-GB" sz="1200" dirty="0"/>
-                <a:t>User-defined functions will be wrapped transparently in a defined namespace (or static class), which is always in the whitelist</a:t>
+                <a:t>May be individual fully-qualified functions</a:t>
               </a:r>
             </a:p>
           </p:txBody>
@@ -10995,7 +10985,7 @@
           <p:spPr>
             <a:xfrm>
               <a:off x="7392838" y="3910806"/>
-              <a:ext cx="3292415" cy="1415772"/>
+              <a:ext cx="3292415" cy="677108"/>
             </a:xfrm>
             <a:prstGeom prst="rect">
               <a:avLst/>
@@ -11017,41 +11007,35 @@
             <a:p>
               <a:r>
                 <a:rPr lang="en-GB" sz="1400" b="1" dirty="0"/>
-                <a:t>White list </a:t>
-              </a:r>
-              <a:r>
-                <a:rPr lang="en-GB" sz="1400" dirty="0"/>
-                <a:t>of usable functions</a:t>
+                <a:t>List of disallowed functions/patterns</a:t>
               </a:r>
             </a:p>
             <a:p>
-              <a:pPr marL="285750" indent="-285750">
+              <a:pPr marL="171450" indent="-171450">
                 <a:buFont typeface="Arial" panose="020B0604020202020204" pitchFamily="34" charset="0"/>
                 <a:buChar char="•"/>
               </a:pPr>
               <a:r>
                 <a:rPr lang="en-GB" sz="1200" dirty="0"/>
-                <a:t>Applies to both expression and UDF panes</a:t>
+                <a:t>Applies to both expression and UDF pane</a:t>
               </a:r>
             </a:p>
             <a:p>
-              <a:pPr marL="285750" indent="-285750">
+              <a:pPr marL="171450" indent="-171450">
                 <a:buFont typeface="Arial" panose="020B0604020202020204" pitchFamily="34" charset="0"/>
                 <a:buChar char="•"/>
               </a:pPr>
               <a:r>
                 <a:rPr lang="en-GB" sz="1200" dirty="0"/>
-                <a:t>May be individual fully-qualified functions and/or complete namespace</a:t>
+                <a:t>Implemented as </a:t>
               </a:r>
-            </a:p>
-            <a:p>
-              <a:pPr marL="285750" indent="-285750">
-                <a:buFont typeface="Arial" panose="020B0604020202020204" pitchFamily="34" charset="0"/>
-                <a:buChar char="•"/>
-              </a:pPr>
+              <a:r>
+                <a:rPr lang="en-GB" sz="1200" dirty="0" err="1"/>
+                <a:t>RegEx</a:t>
+              </a:r>
               <a:r>
                 <a:rPr lang="en-GB" sz="1200" dirty="0"/>
-                <a:t>User-defined functions will be wrapped transparently in a defined namespace (or static class), which is always in the whitelist</a:t>
+                <a:t> patterns</a:t>
               </a:r>
             </a:p>
           </p:txBody>

--- a/ILE Design overview.pptx
+++ b/ILE Design overview.pptx
@@ -6,14 +6,11 @@
   </p:sldMasterIdLst>
   <p:sldIdLst>
     <p:sldId id="256" r:id="rId2"/>
-    <p:sldId id="257" r:id="rId3"/>
-    <p:sldId id="270" r:id="rId4"/>
-    <p:sldId id="271" r:id="rId5"/>
-    <p:sldId id="273" r:id="rId6"/>
-    <p:sldId id="274" r:id="rId7"/>
-    <p:sldId id="276" r:id="rId8"/>
-    <p:sldId id="278" r:id="rId9"/>
-    <p:sldId id="277" r:id="rId10"/>
+    <p:sldId id="280" r:id="rId3"/>
+    <p:sldId id="281" r:id="rId4"/>
+    <p:sldId id="276" r:id="rId5"/>
+    <p:sldId id="278" r:id="rId6"/>
+    <p:sldId id="277" r:id="rId7"/>
   </p:sldIdLst>
   <p:sldSz cx="12192000" cy="6858000"/>
   <p:notesSz cx="6858000" cy="9144000"/>
@@ -2152,7 +2149,7 @@
           <a:p>
             <a:fld id="{D295580B-757C-48FD-B0DC-1213978BC34C}" type="datetimeFigureOut">
               <a:rPr lang="en-GB" smtClean="0"/>
-              <a:t>14/07/2022</a:t>
+              <a:t>20/07/2022</a:t>
             </a:fld>
             <a:endParaRPr lang="en-GB"/>
           </a:p>
@@ -2350,7 +2347,7 @@
           <a:p>
             <a:fld id="{D295580B-757C-48FD-B0DC-1213978BC34C}" type="datetimeFigureOut">
               <a:rPr lang="en-GB" smtClean="0"/>
-              <a:t>14/07/2022</a:t>
+              <a:t>20/07/2022</a:t>
             </a:fld>
             <a:endParaRPr lang="en-GB"/>
           </a:p>
@@ -2558,7 +2555,7 @@
           <a:p>
             <a:fld id="{D295580B-757C-48FD-B0DC-1213978BC34C}" type="datetimeFigureOut">
               <a:rPr lang="en-GB" smtClean="0"/>
-              <a:t>14/07/2022</a:t>
+              <a:t>20/07/2022</a:t>
             </a:fld>
             <a:endParaRPr lang="en-GB"/>
           </a:p>
@@ -2756,7 +2753,7 @@
           <a:p>
             <a:fld id="{D295580B-757C-48FD-B0DC-1213978BC34C}" type="datetimeFigureOut">
               <a:rPr lang="en-GB" smtClean="0"/>
-              <a:t>14/07/2022</a:t>
+              <a:t>20/07/2022</a:t>
             </a:fld>
             <a:endParaRPr lang="en-GB"/>
           </a:p>
@@ -3031,7 +3028,7 @@
           <a:p>
             <a:fld id="{D295580B-757C-48FD-B0DC-1213978BC34C}" type="datetimeFigureOut">
               <a:rPr lang="en-GB" smtClean="0"/>
-              <a:t>14/07/2022</a:t>
+              <a:t>20/07/2022</a:t>
             </a:fld>
             <a:endParaRPr lang="en-GB"/>
           </a:p>
@@ -3296,7 +3293,7 @@
           <a:p>
             <a:fld id="{D295580B-757C-48FD-B0DC-1213978BC34C}" type="datetimeFigureOut">
               <a:rPr lang="en-GB" smtClean="0"/>
-              <a:t>14/07/2022</a:t>
+              <a:t>20/07/2022</a:t>
             </a:fld>
             <a:endParaRPr lang="en-GB"/>
           </a:p>
@@ -3708,7 +3705,7 @@
           <a:p>
             <a:fld id="{D295580B-757C-48FD-B0DC-1213978BC34C}" type="datetimeFigureOut">
               <a:rPr lang="en-GB" smtClean="0"/>
-              <a:t>14/07/2022</a:t>
+              <a:t>20/07/2022</a:t>
             </a:fld>
             <a:endParaRPr lang="en-GB"/>
           </a:p>
@@ -3849,7 +3846,7 @@
           <a:p>
             <a:fld id="{D295580B-757C-48FD-B0DC-1213978BC34C}" type="datetimeFigureOut">
               <a:rPr lang="en-GB" smtClean="0"/>
-              <a:t>14/07/2022</a:t>
+              <a:t>20/07/2022</a:t>
             </a:fld>
             <a:endParaRPr lang="en-GB"/>
           </a:p>
@@ -3962,7 +3959,7 @@
           <a:p>
             <a:fld id="{D295580B-757C-48FD-B0DC-1213978BC34C}" type="datetimeFigureOut">
               <a:rPr lang="en-GB" smtClean="0"/>
-              <a:t>14/07/2022</a:t>
+              <a:t>20/07/2022</a:t>
             </a:fld>
             <a:endParaRPr lang="en-GB"/>
           </a:p>
@@ -4273,7 +4270,7 @@
           <a:p>
             <a:fld id="{D295580B-757C-48FD-B0DC-1213978BC34C}" type="datetimeFigureOut">
               <a:rPr lang="en-GB" smtClean="0"/>
-              <a:t>14/07/2022</a:t>
+              <a:t>20/07/2022</a:t>
             </a:fld>
             <a:endParaRPr lang="en-GB"/>
           </a:p>
@@ -4561,7 +4558,7 @@
           <a:p>
             <a:fld id="{D295580B-757C-48FD-B0DC-1213978BC34C}" type="datetimeFigureOut">
               <a:rPr lang="en-GB" smtClean="0"/>
-              <a:t>14/07/2022</a:t>
+              <a:t>20/07/2022</a:t>
             </a:fld>
             <a:endParaRPr lang="en-GB"/>
           </a:p>
@@ -4802,7 +4799,7 @@
           <a:p>
             <a:fld id="{D295580B-757C-48FD-B0DC-1213978BC34C}" type="datetimeFigureOut">
               <a:rPr lang="en-GB" smtClean="0"/>
-              <a:t>14/07/2022</a:t>
+              <a:t>20/07/2022</a:t>
             </a:fld>
             <a:endParaRPr lang="en-GB"/>
           </a:p>
@@ -5295,10 +5292,10 @@
       </p:grpSpPr>
       <p:grpSp>
         <p:nvGrpSpPr>
-          <p:cNvPr id="36" name="Group 35">
-            <a:extLst>
-              <a:ext uri="{FF2B5EF4-FFF2-40B4-BE49-F238E27FC236}">
-                <a16:creationId xmlns:a16="http://schemas.microsoft.com/office/drawing/2014/main" id="{EE9A3DFF-0602-72C1-4DC1-8103C699CC30}"/>
+          <p:cNvPr id="2" name="Group 1">
+            <a:extLst>
+              <a:ext uri="{FF2B5EF4-FFF2-40B4-BE49-F238E27FC236}">
+                <a16:creationId xmlns:a16="http://schemas.microsoft.com/office/drawing/2014/main" id="{B1083898-9868-E1D8-1C5C-1EEB64A91BCB}"/>
               </a:ext>
             </a:extLst>
           </p:cNvPr>
@@ -5307,7 +5304,2718 @@
         </p:nvGrpSpPr>
         <p:grpSpPr>
           <a:xfrm>
-            <a:off x="1449236" y="697250"/>
+            <a:off x="5880334" y="746112"/>
+            <a:ext cx="4209693" cy="5061004"/>
+            <a:chOff x="1449236" y="3528205"/>
+            <a:chExt cx="4209693" cy="6068479"/>
+          </a:xfrm>
+        </p:grpSpPr>
+        <p:grpSp>
+          <p:nvGrpSpPr>
+            <p:cNvPr id="12" name="Group 11">
+              <a:extLst>
+                <a:ext uri="{FF2B5EF4-FFF2-40B4-BE49-F238E27FC236}">
+                  <a16:creationId xmlns:a16="http://schemas.microsoft.com/office/drawing/2014/main" id="{62C12198-93BB-DF69-55A5-6477F8A948B9}"/>
+                </a:ext>
+              </a:extLst>
+            </p:cNvPr>
+            <p:cNvGrpSpPr/>
+            <p:nvPr/>
+          </p:nvGrpSpPr>
+          <p:grpSpPr>
+            <a:xfrm>
+              <a:off x="1449236" y="3528205"/>
+              <a:ext cx="4209693" cy="2632546"/>
+              <a:chOff x="1397477" y="2267258"/>
+              <a:chExt cx="4416727" cy="2977602"/>
+            </a:xfrm>
+          </p:grpSpPr>
+          <p:sp>
+            <p:nvSpPr>
+              <p:cNvPr id="13" name="Rectangle 12">
+                <a:extLst>
+                  <a:ext uri="{FF2B5EF4-FFF2-40B4-BE49-F238E27FC236}">
+                    <a16:creationId xmlns:a16="http://schemas.microsoft.com/office/drawing/2014/main" id="{919DCA3C-E2C6-06A5-0DCD-D962994FAB09}"/>
+                  </a:ext>
+                </a:extLst>
+              </p:cNvPr>
+              <p:cNvSpPr/>
+              <p:nvPr/>
+            </p:nvSpPr>
+            <p:spPr>
+              <a:xfrm>
+                <a:off x="1397479" y="2320506"/>
+                <a:ext cx="4416725" cy="2924354"/>
+              </a:xfrm>
+              <a:prstGeom prst="rect">
+                <a:avLst/>
+              </a:prstGeom>
+              <a:noFill/>
+              <a:ln w="28575">
+                <a:solidFill>
+                  <a:schemeClr val="accent1"/>
+                </a:solidFill>
+              </a:ln>
+            </p:spPr>
+            <p:style>
+              <a:lnRef idx="2">
+                <a:schemeClr val="accent1">
+                  <a:shade val="50000"/>
+                </a:schemeClr>
+              </a:lnRef>
+              <a:fillRef idx="1">
+                <a:schemeClr val="accent1"/>
+              </a:fillRef>
+              <a:effectRef idx="0">
+                <a:schemeClr val="accent1"/>
+              </a:effectRef>
+              <a:fontRef idx="minor">
+                <a:schemeClr val="lt1"/>
+              </a:fontRef>
+            </p:style>
+            <p:txBody>
+              <a:bodyPr rtlCol="0" anchor="ctr"/>
+              <a:lstStyle/>
+              <a:p>
+                <a:pPr algn="ctr"/>
+                <a:endParaRPr lang="en-GB">
+                  <a:noFill/>
+                </a:endParaRPr>
+              </a:p>
+            </p:txBody>
+          </p:sp>
+          <p:sp>
+            <p:nvSpPr>
+              <p:cNvPr id="14" name="Rectangle 13">
+                <a:extLst>
+                  <a:ext uri="{FF2B5EF4-FFF2-40B4-BE49-F238E27FC236}">
+                    <a16:creationId xmlns:a16="http://schemas.microsoft.com/office/drawing/2014/main" id="{52ADCCBA-0B34-1AB1-CE76-578BD2A8639E}"/>
+                  </a:ext>
+                </a:extLst>
+              </p:cNvPr>
+              <p:cNvSpPr/>
+              <p:nvPr/>
+            </p:nvSpPr>
+            <p:spPr>
+              <a:xfrm>
+                <a:off x="1397478" y="2320506"/>
+                <a:ext cx="4416725" cy="251951"/>
+              </a:xfrm>
+              <a:prstGeom prst="rect">
+                <a:avLst/>
+              </a:prstGeom>
+              <a:solidFill>
+                <a:schemeClr val="accent1"/>
+              </a:solidFill>
+              <a:ln w="28575">
+                <a:solidFill>
+                  <a:schemeClr val="accent1"/>
+                </a:solidFill>
+              </a:ln>
+            </p:spPr>
+            <p:style>
+              <a:lnRef idx="2">
+                <a:schemeClr val="accent1">
+                  <a:shade val="50000"/>
+                </a:schemeClr>
+              </a:lnRef>
+              <a:fillRef idx="1">
+                <a:schemeClr val="accent1"/>
+              </a:fillRef>
+              <a:effectRef idx="0">
+                <a:schemeClr val="accent1"/>
+              </a:effectRef>
+              <a:fontRef idx="minor">
+                <a:schemeClr val="lt1"/>
+              </a:fontRef>
+            </p:style>
+            <p:txBody>
+              <a:bodyPr rtlCol="0" anchor="ctr"/>
+              <a:lstStyle/>
+              <a:p>
+                <a:pPr algn="ctr"/>
+                <a:endParaRPr lang="en-GB">
+                  <a:noFill/>
+                </a:endParaRPr>
+              </a:p>
+            </p:txBody>
+          </p:sp>
+          <p:sp>
+            <p:nvSpPr>
+              <p:cNvPr id="15" name="TextBox 14">
+                <a:extLst>
+                  <a:ext uri="{FF2B5EF4-FFF2-40B4-BE49-F238E27FC236}">
+                    <a16:creationId xmlns:a16="http://schemas.microsoft.com/office/drawing/2014/main" id="{6C38BB48-B180-9C4B-CB6E-9EB4D9369B49}"/>
+                  </a:ext>
+                </a:extLst>
+              </p:cNvPr>
+              <p:cNvSpPr txBox="1"/>
+              <p:nvPr/>
+            </p:nvSpPr>
+            <p:spPr>
+              <a:xfrm>
+                <a:off x="1397477" y="2267258"/>
+                <a:ext cx="1083845" cy="348118"/>
+              </a:xfrm>
+              <a:prstGeom prst="rect">
+                <a:avLst/>
+              </a:prstGeom>
+              <a:noFill/>
+            </p:spPr>
+            <p:txBody>
+              <a:bodyPr wrap="none" rtlCol="0">
+                <a:spAutoFit/>
+              </a:bodyPr>
+              <a:lstStyle/>
+              <a:p>
+                <a:r>
+                  <a:rPr lang="en-GB" sz="1400" dirty="0">
+                    <a:solidFill>
+                      <a:schemeClr val="bg1"/>
+                    </a:solidFill>
+                  </a:rPr>
+                  <a:t>Task – 1372</a:t>
+                </a:r>
+              </a:p>
+            </p:txBody>
+          </p:sp>
+        </p:grpSp>
+        <p:sp>
+          <p:nvSpPr>
+            <p:cNvPr id="25" name="TextBox 24">
+              <a:extLst>
+                <a:ext uri="{FF2B5EF4-FFF2-40B4-BE49-F238E27FC236}">
+                  <a16:creationId xmlns:a16="http://schemas.microsoft.com/office/drawing/2014/main" id="{A8E5BA4B-4B49-9D10-43BA-52360D3F87A2}"/>
+                </a:ext>
+              </a:extLst>
+            </p:cNvPr>
+            <p:cNvSpPr txBox="1"/>
+            <p:nvPr/>
+          </p:nvSpPr>
+          <p:spPr>
+            <a:xfrm>
+              <a:off x="1618937" y="3854598"/>
+              <a:ext cx="3953727" cy="1277273"/>
+            </a:xfrm>
+            <a:prstGeom prst="rect">
+              <a:avLst/>
+            </a:prstGeom>
+            <a:noFill/>
+          </p:spPr>
+          <p:txBody>
+            <a:bodyPr wrap="square" rtlCol="0">
+              <a:spAutoFit/>
+            </a:bodyPr>
+            <a:lstStyle/>
+            <a:p>
+              <a:r>
+                <a:rPr lang="en-GB" sz="1100" dirty="0"/>
+                <a:t>Define a function named </a:t>
+              </a:r>
+              <a:r>
+                <a:rPr lang="en-GB" sz="1100" dirty="0">
+                  <a:latin typeface="Consolas" panose="020B0609020204030204" pitchFamily="49" charset="0"/>
+                </a:rPr>
+                <a:t>Square</a:t>
+              </a:r>
+              <a:r>
+                <a:rPr lang="en-GB" sz="1100" dirty="0"/>
+                <a:t> which takes in an integer number and returns the square of that number.</a:t>
+              </a:r>
+            </a:p>
+            <a:p>
+              <a:endParaRPr lang="en-GB" sz="1100" dirty="0"/>
+            </a:p>
+            <a:p>
+              <a:r>
+                <a:rPr lang="en-GB" sz="1100" dirty="0"/>
+                <a:t>For this task you may use any arithmetic operators, but no ready-made functions.</a:t>
+              </a:r>
+            </a:p>
+            <a:p>
+              <a:endParaRPr lang="en-GB" sz="1100" dirty="0"/>
+            </a:p>
+            <a:p>
+              <a:r>
+                <a:rPr lang="en-GB" sz="1100" b="1" dirty="0"/>
+                <a:t>4 marks available</a:t>
+              </a:r>
+            </a:p>
+          </p:txBody>
+        </p:sp>
+        <p:sp>
+          <p:nvSpPr>
+            <p:cNvPr id="27" name="TextBox 26">
+              <a:extLst>
+                <a:ext uri="{FF2B5EF4-FFF2-40B4-BE49-F238E27FC236}">
+                  <a16:creationId xmlns:a16="http://schemas.microsoft.com/office/drawing/2014/main" id="{AE784E84-1915-CAF3-26CF-89662418C462}"/>
+                </a:ext>
+              </a:extLst>
+            </p:cNvPr>
+            <p:cNvSpPr txBox="1"/>
+            <p:nvPr/>
+          </p:nvSpPr>
+          <p:spPr>
+            <a:xfrm>
+              <a:off x="1618937" y="5745445"/>
+              <a:ext cx="1495922" cy="313688"/>
+            </a:xfrm>
+            <a:prstGeom prst="rect">
+              <a:avLst/>
+            </a:prstGeom>
+            <a:solidFill>
+              <a:schemeClr val="accent1">
+                <a:lumMod val="40000"/>
+                <a:lumOff val="60000"/>
+              </a:schemeClr>
+            </a:solidFill>
+          </p:spPr>
+          <p:txBody>
+            <a:bodyPr wrap="none" rtlCol="0">
+              <a:spAutoFit/>
+            </a:bodyPr>
+            <a:lstStyle/>
+            <a:p>
+              <a:r>
+                <a:rPr lang="en-GB" sz="1100" dirty="0">
+                  <a:solidFill>
+                    <a:schemeClr val="bg2">
+                      <a:lumMod val="75000"/>
+                    </a:schemeClr>
+                  </a:solidFill>
+                </a:rPr>
+                <a:t>Submit completed task</a:t>
+              </a:r>
+            </a:p>
+          </p:txBody>
+        </p:sp>
+        <p:sp>
+          <p:nvSpPr>
+            <p:cNvPr id="28" name="TextBox 27">
+              <a:extLst>
+                <a:ext uri="{FF2B5EF4-FFF2-40B4-BE49-F238E27FC236}">
+                  <a16:creationId xmlns:a16="http://schemas.microsoft.com/office/drawing/2014/main" id="{880D4307-B7FD-C7AE-B0C1-8808709736D8}"/>
+                </a:ext>
+              </a:extLst>
+            </p:cNvPr>
+            <p:cNvSpPr txBox="1"/>
+            <p:nvPr/>
+          </p:nvSpPr>
+          <p:spPr>
+            <a:xfrm>
+              <a:off x="3873670" y="5754534"/>
+              <a:ext cx="1709122" cy="313688"/>
+            </a:xfrm>
+            <a:prstGeom prst="rect">
+              <a:avLst/>
+            </a:prstGeom>
+            <a:solidFill>
+              <a:schemeClr val="accent1">
+                <a:lumMod val="40000"/>
+                <a:lumOff val="60000"/>
+              </a:schemeClr>
+            </a:solidFill>
+          </p:spPr>
+          <p:txBody>
+            <a:bodyPr wrap="none" rtlCol="0">
+              <a:spAutoFit/>
+            </a:bodyPr>
+            <a:lstStyle/>
+            <a:p>
+              <a:r>
+                <a:rPr lang="en-GB" sz="1100" dirty="0">
+                  <a:solidFill>
+                    <a:schemeClr val="bg2">
+                      <a:lumMod val="75000"/>
+                    </a:schemeClr>
+                  </a:solidFill>
+                </a:rPr>
+                <a:t>Request next hint (1 mark)</a:t>
+              </a:r>
+            </a:p>
+          </p:txBody>
+        </p:sp>
+        <p:sp>
+          <p:nvSpPr>
+            <p:cNvPr id="72" name="TextBox 71">
+              <a:extLst>
+                <a:ext uri="{FF2B5EF4-FFF2-40B4-BE49-F238E27FC236}">
+                  <a16:creationId xmlns:a16="http://schemas.microsoft.com/office/drawing/2014/main" id="{C89B361C-3B27-16EB-7164-A6DCF48C54B4}"/>
+                </a:ext>
+              </a:extLst>
+            </p:cNvPr>
+            <p:cNvSpPr txBox="1"/>
+            <p:nvPr/>
+          </p:nvSpPr>
+          <p:spPr>
+            <a:xfrm>
+              <a:off x="1577218" y="7072233"/>
+              <a:ext cx="3953727" cy="516662"/>
+            </a:xfrm>
+            <a:prstGeom prst="rect">
+              <a:avLst/>
+            </a:prstGeom>
+            <a:noFill/>
+          </p:spPr>
+          <p:txBody>
+            <a:bodyPr wrap="square" rtlCol="0">
+              <a:spAutoFit/>
+            </a:bodyPr>
+            <a:lstStyle/>
+            <a:p>
+              <a:r>
+                <a:rPr lang="en-GB" sz="1100" dirty="0"/>
+                <a:t>Copy this code template but replace the highlighted text with the code </a:t>
+              </a:r>
+            </a:p>
+          </p:txBody>
+        </p:sp>
+        <p:sp>
+          <p:nvSpPr>
+            <p:cNvPr id="80" name="TextBox 79">
+              <a:extLst>
+                <a:ext uri="{FF2B5EF4-FFF2-40B4-BE49-F238E27FC236}">
+                  <a16:creationId xmlns:a16="http://schemas.microsoft.com/office/drawing/2014/main" id="{39EE5E17-C2D9-A021-176F-3F349A72C7A2}"/>
+                </a:ext>
+              </a:extLst>
+            </p:cNvPr>
+            <p:cNvSpPr txBox="1"/>
+            <p:nvPr/>
+          </p:nvSpPr>
+          <p:spPr>
+            <a:xfrm>
+              <a:off x="1577218" y="8674073"/>
+              <a:ext cx="3953727" cy="922611"/>
+            </a:xfrm>
+            <a:prstGeom prst="rect">
+              <a:avLst/>
+            </a:prstGeom>
+            <a:noFill/>
+          </p:spPr>
+          <p:txBody>
+            <a:bodyPr wrap="square" rtlCol="0">
+              <a:spAutoFit/>
+            </a:bodyPr>
+            <a:lstStyle/>
+            <a:p>
+              <a:r>
+                <a:rPr lang="en-GB" sz="1100" dirty="0"/>
+                <a:t>This task defines automated tests, which must all pass before the task may be submitted. The Run Tests button is enabled only once function definition(s) have been written, submitted, and successfully compiled.</a:t>
+              </a:r>
+            </a:p>
+          </p:txBody>
+        </p:sp>
+      </p:grpSp>
+      <p:grpSp>
+        <p:nvGrpSpPr>
+          <p:cNvPr id="29" name="Group 28">
+            <a:extLst>
+              <a:ext uri="{FF2B5EF4-FFF2-40B4-BE49-F238E27FC236}">
+                <a16:creationId xmlns:a16="http://schemas.microsoft.com/office/drawing/2014/main" id="{3CD1CE6A-1641-453B-FBDE-ED6D4014AF68}"/>
+              </a:ext>
+            </a:extLst>
+          </p:cNvPr>
+          <p:cNvGrpSpPr/>
+          <p:nvPr/>
+        </p:nvGrpSpPr>
+        <p:grpSpPr>
+          <a:xfrm>
+            <a:off x="1442856" y="236964"/>
+            <a:ext cx="4216071" cy="307777"/>
+            <a:chOff x="1442856" y="210950"/>
+            <a:chExt cx="4216071" cy="307777"/>
+          </a:xfrm>
+        </p:grpSpPr>
+        <p:sp>
+          <p:nvSpPr>
+            <p:cNvPr id="41" name="Rectangle 40">
+              <a:extLst>
+                <a:ext uri="{FF2B5EF4-FFF2-40B4-BE49-F238E27FC236}">
+                  <a16:creationId xmlns:a16="http://schemas.microsoft.com/office/drawing/2014/main" id="{F024A6A3-3543-1FF4-2855-68A8C6E8B12B}"/>
+                </a:ext>
+              </a:extLst>
+            </p:cNvPr>
+            <p:cNvSpPr/>
+            <p:nvPr/>
+          </p:nvSpPr>
+          <p:spPr>
+            <a:xfrm>
+              <a:off x="1449236" y="253126"/>
+              <a:ext cx="4209691" cy="225034"/>
+            </a:xfrm>
+            <a:prstGeom prst="rect">
+              <a:avLst/>
+            </a:prstGeom>
+            <a:noFill/>
+            <a:ln w="28575">
+              <a:solidFill>
+                <a:schemeClr val="accent1">
+                  <a:lumMod val="20000"/>
+                  <a:lumOff val="80000"/>
+                </a:schemeClr>
+              </a:solidFill>
+            </a:ln>
+          </p:spPr>
+          <p:style>
+            <a:lnRef idx="2">
+              <a:schemeClr val="accent1">
+                <a:shade val="50000"/>
+              </a:schemeClr>
+            </a:lnRef>
+            <a:fillRef idx="1">
+              <a:schemeClr val="accent1"/>
+            </a:fillRef>
+            <a:effectRef idx="0">
+              <a:schemeClr val="accent1"/>
+            </a:effectRef>
+            <a:fontRef idx="minor">
+              <a:schemeClr val="lt1"/>
+            </a:fontRef>
+          </p:style>
+          <p:txBody>
+            <a:bodyPr rtlCol="0" anchor="ctr"/>
+            <a:lstStyle/>
+            <a:p>
+              <a:pPr algn="ctr"/>
+              <a:endParaRPr lang="en-GB">
+                <a:noFill/>
+              </a:endParaRPr>
+            </a:p>
+          </p:txBody>
+        </p:sp>
+        <p:sp>
+          <p:nvSpPr>
+            <p:cNvPr id="42" name="Rectangle 41">
+              <a:extLst>
+                <a:ext uri="{FF2B5EF4-FFF2-40B4-BE49-F238E27FC236}">
+                  <a16:creationId xmlns:a16="http://schemas.microsoft.com/office/drawing/2014/main" id="{7F957707-AECD-9FF4-0A58-5B2F548E156F}"/>
+                </a:ext>
+              </a:extLst>
+            </p:cNvPr>
+            <p:cNvSpPr/>
+            <p:nvPr/>
+          </p:nvSpPr>
+          <p:spPr>
+            <a:xfrm>
+              <a:off x="1463797" y="252322"/>
+              <a:ext cx="522900" cy="225034"/>
+            </a:xfrm>
+            <a:prstGeom prst="rect">
+              <a:avLst/>
+            </a:prstGeom>
+            <a:solidFill>
+              <a:schemeClr val="accent1">
+                <a:lumMod val="20000"/>
+                <a:lumOff val="80000"/>
+              </a:schemeClr>
+            </a:solidFill>
+            <a:ln w="28575">
+              <a:solidFill>
+                <a:schemeClr val="accent1">
+                  <a:lumMod val="20000"/>
+                  <a:lumOff val="80000"/>
+                </a:schemeClr>
+              </a:solidFill>
+            </a:ln>
+          </p:spPr>
+          <p:style>
+            <a:lnRef idx="2">
+              <a:schemeClr val="accent1">
+                <a:shade val="50000"/>
+              </a:schemeClr>
+            </a:lnRef>
+            <a:fillRef idx="1">
+              <a:schemeClr val="accent1"/>
+            </a:fillRef>
+            <a:effectRef idx="0">
+              <a:schemeClr val="accent1"/>
+            </a:effectRef>
+            <a:fontRef idx="minor">
+              <a:schemeClr val="lt1"/>
+            </a:fontRef>
+          </p:style>
+          <p:txBody>
+            <a:bodyPr rtlCol="0" anchor="ctr"/>
+            <a:lstStyle/>
+            <a:p>
+              <a:pPr algn="ctr"/>
+              <a:endParaRPr lang="en-GB">
+                <a:noFill/>
+              </a:endParaRPr>
+            </a:p>
+          </p:txBody>
+        </p:sp>
+        <p:sp>
+          <p:nvSpPr>
+            <p:cNvPr id="43" name="TextBox 42">
+              <a:extLst>
+                <a:ext uri="{FF2B5EF4-FFF2-40B4-BE49-F238E27FC236}">
+                  <a16:creationId xmlns:a16="http://schemas.microsoft.com/office/drawing/2014/main" id="{DF854F22-5998-436B-1678-74E65652DAC0}"/>
+                </a:ext>
+              </a:extLst>
+            </p:cNvPr>
+            <p:cNvSpPr txBox="1"/>
+            <p:nvPr/>
+          </p:nvSpPr>
+          <p:spPr>
+            <a:xfrm>
+              <a:off x="1442856" y="210950"/>
+              <a:ext cx="522900" cy="307777"/>
+            </a:xfrm>
+            <a:prstGeom prst="rect">
+              <a:avLst/>
+            </a:prstGeom>
+            <a:noFill/>
+          </p:spPr>
+          <p:txBody>
+            <a:bodyPr wrap="none" rtlCol="0">
+              <a:spAutoFit/>
+            </a:bodyPr>
+            <a:lstStyle/>
+            <a:p>
+              <a:r>
+                <a:rPr lang="en-GB" sz="1400" dirty="0">
+                  <a:solidFill>
+                    <a:schemeClr val="bg1"/>
+                  </a:solidFill>
+                </a:rPr>
+                <a:t>User</a:t>
+              </a:r>
+            </a:p>
+          </p:txBody>
+        </p:sp>
+      </p:grpSp>
+      <p:sp>
+        <p:nvSpPr>
+          <p:cNvPr id="45" name="Rectangle 44">
+            <a:extLst>
+              <a:ext uri="{FF2B5EF4-FFF2-40B4-BE49-F238E27FC236}">
+                <a16:creationId xmlns:a16="http://schemas.microsoft.com/office/drawing/2014/main" id="{488B4A62-A4C2-DD67-BA75-001D7A84DEB8}"/>
+              </a:ext>
+            </a:extLst>
+          </p:cNvPr>
+          <p:cNvSpPr/>
+          <p:nvPr/>
+        </p:nvSpPr>
+        <p:spPr>
+          <a:xfrm>
+            <a:off x="5880336" y="279140"/>
+            <a:ext cx="4209691" cy="225034"/>
+          </a:xfrm>
+          <a:prstGeom prst="rect">
+            <a:avLst/>
+          </a:prstGeom>
+          <a:noFill/>
+          <a:ln w="28575">
+            <a:solidFill>
+              <a:schemeClr val="accent1"/>
+            </a:solidFill>
+          </a:ln>
+        </p:spPr>
+        <p:style>
+          <a:lnRef idx="2">
+            <a:schemeClr val="accent1">
+              <a:shade val="50000"/>
+            </a:schemeClr>
+          </a:lnRef>
+          <a:fillRef idx="1">
+            <a:schemeClr val="accent1"/>
+          </a:fillRef>
+          <a:effectRef idx="0">
+            <a:schemeClr val="accent1"/>
+          </a:effectRef>
+          <a:fontRef idx="minor">
+            <a:schemeClr val="lt1"/>
+          </a:fontRef>
+        </p:style>
+        <p:txBody>
+          <a:bodyPr rtlCol="0" anchor="ctr"/>
+          <a:lstStyle/>
+          <a:p>
+            <a:pPr algn="ctr"/>
+            <a:endParaRPr lang="en-GB">
+              <a:noFill/>
+            </a:endParaRPr>
+          </a:p>
+        </p:txBody>
+      </p:sp>
+      <p:sp>
+        <p:nvSpPr>
+          <p:cNvPr id="46" name="Rectangle 45">
+            <a:extLst>
+              <a:ext uri="{FF2B5EF4-FFF2-40B4-BE49-F238E27FC236}">
+                <a16:creationId xmlns:a16="http://schemas.microsoft.com/office/drawing/2014/main" id="{28B90973-3A48-4478-D7D0-2BB4E2446DDC}"/>
+              </a:ext>
+            </a:extLst>
+          </p:cNvPr>
+          <p:cNvSpPr/>
+          <p:nvPr/>
+        </p:nvSpPr>
+        <p:spPr>
+          <a:xfrm>
+            <a:off x="5894896" y="278336"/>
+            <a:ext cx="1472062" cy="225034"/>
+          </a:xfrm>
+          <a:prstGeom prst="rect">
+            <a:avLst/>
+          </a:prstGeom>
+          <a:solidFill>
+            <a:schemeClr val="accent1"/>
+          </a:solidFill>
+          <a:ln w="28575">
+            <a:solidFill>
+              <a:schemeClr val="accent1"/>
+            </a:solidFill>
+          </a:ln>
+        </p:spPr>
+        <p:style>
+          <a:lnRef idx="2">
+            <a:schemeClr val="accent1">
+              <a:shade val="50000"/>
+            </a:schemeClr>
+          </a:lnRef>
+          <a:fillRef idx="1">
+            <a:schemeClr val="accent1"/>
+          </a:fillRef>
+          <a:effectRef idx="0">
+            <a:schemeClr val="accent1"/>
+          </a:effectRef>
+          <a:fontRef idx="minor">
+            <a:schemeClr val="lt1"/>
+          </a:fontRef>
+        </p:style>
+        <p:txBody>
+          <a:bodyPr rtlCol="0" anchor="ctr"/>
+          <a:lstStyle/>
+          <a:p>
+            <a:pPr algn="ctr"/>
+            <a:endParaRPr lang="en-GB">
+              <a:noFill/>
+            </a:endParaRPr>
+          </a:p>
+        </p:txBody>
+      </p:sp>
+      <p:sp>
+        <p:nvSpPr>
+          <p:cNvPr id="47" name="TextBox 46">
+            <a:extLst>
+              <a:ext uri="{FF2B5EF4-FFF2-40B4-BE49-F238E27FC236}">
+                <a16:creationId xmlns:a16="http://schemas.microsoft.com/office/drawing/2014/main" id="{411826B8-74A4-4191-3144-B6CD780D2D51}"/>
+              </a:ext>
+            </a:extLst>
+          </p:cNvPr>
+          <p:cNvSpPr txBox="1"/>
+          <p:nvPr/>
+        </p:nvSpPr>
+        <p:spPr>
+          <a:xfrm>
+            <a:off x="5880336" y="222955"/>
+            <a:ext cx="2375143" cy="307777"/>
+          </a:xfrm>
+          <a:prstGeom prst="rect">
+            <a:avLst/>
+          </a:prstGeom>
+          <a:noFill/>
+        </p:spPr>
+        <p:txBody>
+          <a:bodyPr wrap="square" rtlCol="0">
+            <a:spAutoFit/>
+          </a:bodyPr>
+          <a:lstStyle/>
+          <a:p>
+            <a:r>
+              <a:rPr lang="en-GB" sz="1400" dirty="0">
+                <a:solidFill>
+                  <a:schemeClr val="bg1"/>
+                </a:solidFill>
+              </a:rPr>
+              <a:t>Selected Language</a:t>
+            </a:r>
+          </a:p>
+        </p:txBody>
+      </p:sp>
+      <p:sp>
+        <p:nvSpPr>
+          <p:cNvPr id="48" name="TextBox 47">
+            <a:extLst>
+              <a:ext uri="{FF2B5EF4-FFF2-40B4-BE49-F238E27FC236}">
+                <a16:creationId xmlns:a16="http://schemas.microsoft.com/office/drawing/2014/main" id="{D3342CDC-29D2-7EBA-990C-404DFC687457}"/>
+              </a:ext>
+            </a:extLst>
+          </p:cNvPr>
+          <p:cNvSpPr txBox="1"/>
+          <p:nvPr/>
+        </p:nvSpPr>
+        <p:spPr>
+          <a:xfrm>
+            <a:off x="7381518" y="252352"/>
+            <a:ext cx="614271" cy="276999"/>
+          </a:xfrm>
+          <a:prstGeom prst="rect">
+            <a:avLst/>
+          </a:prstGeom>
+          <a:noFill/>
+        </p:spPr>
+        <p:txBody>
+          <a:bodyPr wrap="none" rtlCol="0">
+            <a:spAutoFit/>
+          </a:bodyPr>
+          <a:lstStyle/>
+          <a:p>
+            <a:r>
+              <a:rPr lang="en-GB" sz="1200" dirty="0" err="1"/>
+              <a:t>Csharp</a:t>
+            </a:r>
+            <a:endParaRPr lang="en-GB" sz="1200" dirty="0"/>
+          </a:p>
+        </p:txBody>
+      </p:sp>
+      <p:grpSp>
+        <p:nvGrpSpPr>
+          <p:cNvPr id="20" name="Group 19">
+            <a:extLst>
+              <a:ext uri="{FF2B5EF4-FFF2-40B4-BE49-F238E27FC236}">
+                <a16:creationId xmlns:a16="http://schemas.microsoft.com/office/drawing/2014/main" id="{F23EED5B-9422-2FF5-17F5-986505456D19}"/>
+              </a:ext>
+            </a:extLst>
+          </p:cNvPr>
+          <p:cNvGrpSpPr/>
+          <p:nvPr/>
+        </p:nvGrpSpPr>
+        <p:grpSpPr>
+          <a:xfrm>
+            <a:off x="1384569" y="3551743"/>
+            <a:ext cx="4209693" cy="2632546"/>
+            <a:chOff x="1449236" y="697250"/>
+            <a:chExt cx="4209693" cy="2632546"/>
+          </a:xfrm>
+        </p:grpSpPr>
+        <p:grpSp>
+          <p:nvGrpSpPr>
+            <p:cNvPr id="36" name="Group 35">
+              <a:extLst>
+                <a:ext uri="{FF2B5EF4-FFF2-40B4-BE49-F238E27FC236}">
+                  <a16:creationId xmlns:a16="http://schemas.microsoft.com/office/drawing/2014/main" id="{EE9A3DFF-0602-72C1-4DC1-8103C699CC30}"/>
+                </a:ext>
+              </a:extLst>
+            </p:cNvPr>
+            <p:cNvGrpSpPr/>
+            <p:nvPr/>
+          </p:nvGrpSpPr>
+          <p:grpSpPr>
+            <a:xfrm>
+              <a:off x="1449236" y="697250"/>
+              <a:ext cx="4209693" cy="2632546"/>
+              <a:chOff x="1449236" y="697250"/>
+              <a:chExt cx="4209693" cy="2632546"/>
+            </a:xfrm>
+          </p:grpSpPr>
+          <p:grpSp>
+            <p:nvGrpSpPr>
+              <p:cNvPr id="7" name="Group 6">
+                <a:extLst>
+                  <a:ext uri="{FF2B5EF4-FFF2-40B4-BE49-F238E27FC236}">
+                    <a16:creationId xmlns:a16="http://schemas.microsoft.com/office/drawing/2014/main" id="{97FB0461-A60F-3AF3-1109-58CF86A2D938}"/>
+                  </a:ext>
+                </a:extLst>
+              </p:cNvPr>
+              <p:cNvGrpSpPr/>
+              <p:nvPr/>
+            </p:nvGrpSpPr>
+            <p:grpSpPr>
+              <a:xfrm>
+                <a:off x="1449236" y="697250"/>
+                <a:ext cx="4209693" cy="2632546"/>
+                <a:chOff x="1397477" y="2267258"/>
+                <a:chExt cx="4416727" cy="2977602"/>
+              </a:xfrm>
+            </p:grpSpPr>
+            <p:sp>
+              <p:nvSpPr>
+                <p:cNvPr id="4" name="Rectangle 3">
+                  <a:extLst>
+                    <a:ext uri="{FF2B5EF4-FFF2-40B4-BE49-F238E27FC236}">
+                      <a16:creationId xmlns:a16="http://schemas.microsoft.com/office/drawing/2014/main" id="{E4A54570-2FE8-102B-5CBA-883C3D09B41D}"/>
+                    </a:ext>
+                  </a:extLst>
+                </p:cNvPr>
+                <p:cNvSpPr/>
+                <p:nvPr/>
+              </p:nvSpPr>
+              <p:spPr>
+                <a:xfrm>
+                  <a:off x="1397479" y="2320506"/>
+                  <a:ext cx="4416725" cy="2924354"/>
+                </a:xfrm>
+                <a:prstGeom prst="rect">
+                  <a:avLst/>
+                </a:prstGeom>
+                <a:noFill/>
+                <a:ln w="28575">
+                  <a:solidFill>
+                    <a:schemeClr val="accent1"/>
+                  </a:solidFill>
+                </a:ln>
+              </p:spPr>
+              <p:style>
+                <a:lnRef idx="2">
+                  <a:schemeClr val="accent1">
+                    <a:shade val="50000"/>
+                  </a:schemeClr>
+                </a:lnRef>
+                <a:fillRef idx="1">
+                  <a:schemeClr val="accent1"/>
+                </a:fillRef>
+                <a:effectRef idx="0">
+                  <a:schemeClr val="accent1"/>
+                </a:effectRef>
+                <a:fontRef idx="minor">
+                  <a:schemeClr val="lt1"/>
+                </a:fontRef>
+              </p:style>
+              <p:txBody>
+                <a:bodyPr rtlCol="0" anchor="ctr"/>
+                <a:lstStyle/>
+                <a:p>
+                  <a:pPr algn="ctr"/>
+                  <a:endParaRPr lang="en-GB">
+                    <a:noFill/>
+                  </a:endParaRPr>
+                </a:p>
+              </p:txBody>
+            </p:sp>
+            <p:sp>
+              <p:nvSpPr>
+                <p:cNvPr id="6" name="Rectangle 5">
+                  <a:extLst>
+                    <a:ext uri="{FF2B5EF4-FFF2-40B4-BE49-F238E27FC236}">
+                      <a16:creationId xmlns:a16="http://schemas.microsoft.com/office/drawing/2014/main" id="{B768FF91-6136-C48B-649F-4B7585A74A67}"/>
+                    </a:ext>
+                  </a:extLst>
+                </p:cNvPr>
+                <p:cNvSpPr/>
+                <p:nvPr/>
+              </p:nvSpPr>
+              <p:spPr>
+                <a:xfrm>
+                  <a:off x="1397478" y="2320506"/>
+                  <a:ext cx="4416725" cy="201283"/>
+                </a:xfrm>
+                <a:prstGeom prst="rect">
+                  <a:avLst/>
+                </a:prstGeom>
+                <a:solidFill>
+                  <a:schemeClr val="accent1"/>
+                </a:solidFill>
+                <a:ln w="28575">
+                  <a:solidFill>
+                    <a:schemeClr val="accent1"/>
+                  </a:solidFill>
+                </a:ln>
+              </p:spPr>
+              <p:style>
+                <a:lnRef idx="2">
+                  <a:schemeClr val="accent1">
+                    <a:shade val="50000"/>
+                  </a:schemeClr>
+                </a:lnRef>
+                <a:fillRef idx="1">
+                  <a:schemeClr val="accent1"/>
+                </a:fillRef>
+                <a:effectRef idx="0">
+                  <a:schemeClr val="accent1"/>
+                </a:effectRef>
+                <a:fontRef idx="minor">
+                  <a:schemeClr val="lt1"/>
+                </a:fontRef>
+              </p:style>
+              <p:txBody>
+                <a:bodyPr rtlCol="0" anchor="ctr"/>
+                <a:lstStyle/>
+                <a:p>
+                  <a:pPr algn="ctr"/>
+                  <a:endParaRPr lang="en-GB">
+                    <a:noFill/>
+                  </a:endParaRPr>
+                </a:p>
+              </p:txBody>
+            </p:sp>
+            <p:sp>
+              <p:nvSpPr>
+                <p:cNvPr id="5" name="TextBox 4">
+                  <a:extLst>
+                    <a:ext uri="{FF2B5EF4-FFF2-40B4-BE49-F238E27FC236}">
+                      <a16:creationId xmlns:a16="http://schemas.microsoft.com/office/drawing/2014/main" id="{9FA1F2C8-D9EF-E181-5B57-292108BEE69B}"/>
+                    </a:ext>
+                  </a:extLst>
+                </p:cNvPr>
+                <p:cNvSpPr txBox="1"/>
+                <p:nvPr/>
+              </p:nvSpPr>
+              <p:spPr>
+                <a:xfrm>
+                  <a:off x="1397477" y="2267258"/>
+                  <a:ext cx="1569660" cy="307777"/>
+                </a:xfrm>
+                <a:prstGeom prst="rect">
+                  <a:avLst/>
+                </a:prstGeom>
+                <a:noFill/>
+              </p:spPr>
+              <p:txBody>
+                <a:bodyPr wrap="none" rtlCol="0">
+                  <a:spAutoFit/>
+                </a:bodyPr>
+                <a:lstStyle/>
+                <a:p>
+                  <a:r>
+                    <a:rPr lang="en-GB" sz="1400" dirty="0">
+                      <a:solidFill>
+                        <a:schemeClr val="bg1"/>
+                      </a:solidFill>
+                    </a:rPr>
+                    <a:t>Function definition</a:t>
+                  </a:r>
+                </a:p>
+              </p:txBody>
+            </p:sp>
+          </p:grpSp>
+          <p:sp>
+            <p:nvSpPr>
+              <p:cNvPr id="22" name="TextBox 21">
+                <a:extLst>
+                  <a:ext uri="{FF2B5EF4-FFF2-40B4-BE49-F238E27FC236}">
+                    <a16:creationId xmlns:a16="http://schemas.microsoft.com/office/drawing/2014/main" id="{25883A86-DF63-9811-90C5-752B1EFDD097}"/>
+                  </a:ext>
+                </a:extLst>
+              </p:cNvPr>
+              <p:cNvSpPr txBox="1"/>
+              <p:nvPr/>
+            </p:nvSpPr>
+            <p:spPr>
+              <a:xfrm>
+                <a:off x="1498120" y="1023452"/>
+                <a:ext cx="2262158" cy="261610"/>
+              </a:xfrm>
+              <a:prstGeom prst="rect">
+                <a:avLst/>
+              </a:prstGeom>
+              <a:noFill/>
+            </p:spPr>
+            <p:txBody>
+              <a:bodyPr wrap="none" rtlCol="0">
+                <a:spAutoFit/>
+              </a:bodyPr>
+              <a:lstStyle/>
+              <a:p>
+                <a:r>
+                  <a:rPr lang="en-GB" sz="1100" dirty="0">
+                    <a:latin typeface="Consolas" panose="020B0609020204030204" pitchFamily="49" charset="0"/>
+                  </a:rPr>
+                  <a:t>int Square(int n) =&gt; n * n;</a:t>
+                </a:r>
+              </a:p>
+            </p:txBody>
+          </p:sp>
+        </p:grpSp>
+        <p:sp>
+          <p:nvSpPr>
+            <p:cNvPr id="40" name="TextBox 39">
+              <a:extLst>
+                <a:ext uri="{FF2B5EF4-FFF2-40B4-BE49-F238E27FC236}">
+                  <a16:creationId xmlns:a16="http://schemas.microsoft.com/office/drawing/2014/main" id="{F360A7F2-590A-336A-205D-7B5F595EED78}"/>
+                </a:ext>
+              </a:extLst>
+            </p:cNvPr>
+            <p:cNvSpPr txBox="1"/>
+            <p:nvPr/>
+          </p:nvSpPr>
+          <p:spPr>
+            <a:xfrm>
+              <a:off x="4963652" y="2973282"/>
+              <a:ext cx="587020" cy="261610"/>
+            </a:xfrm>
+            <a:prstGeom prst="rect">
+              <a:avLst/>
+            </a:prstGeom>
+            <a:solidFill>
+              <a:schemeClr val="accent1">
+                <a:lumMod val="40000"/>
+                <a:lumOff val="60000"/>
+              </a:schemeClr>
+            </a:solidFill>
+          </p:spPr>
+          <p:txBody>
+            <a:bodyPr wrap="none" rtlCol="0">
+              <a:spAutoFit/>
+            </a:bodyPr>
+            <a:lstStyle/>
+            <a:p>
+              <a:r>
+                <a:rPr lang="en-GB" sz="1100" dirty="0">
+                  <a:solidFill>
+                    <a:schemeClr val="bg2">
+                      <a:lumMod val="75000"/>
+                    </a:schemeClr>
+                  </a:solidFill>
+                </a:rPr>
+                <a:t>Submit</a:t>
+              </a:r>
+            </a:p>
+          </p:txBody>
+        </p:sp>
+      </p:grpSp>
+      <p:grpSp>
+        <p:nvGrpSpPr>
+          <p:cNvPr id="55" name="Group 54">
+            <a:extLst>
+              <a:ext uri="{FF2B5EF4-FFF2-40B4-BE49-F238E27FC236}">
+                <a16:creationId xmlns:a16="http://schemas.microsoft.com/office/drawing/2014/main" id="{346263EA-533C-F05B-D18E-048CBA529DBC}"/>
+              </a:ext>
+            </a:extLst>
+          </p:cNvPr>
+          <p:cNvGrpSpPr/>
+          <p:nvPr/>
+        </p:nvGrpSpPr>
+        <p:grpSpPr>
+          <a:xfrm>
+            <a:off x="1384569" y="746112"/>
+            <a:ext cx="4209694" cy="2632546"/>
+            <a:chOff x="5880336" y="697250"/>
+            <a:chExt cx="4209694" cy="2632546"/>
+          </a:xfrm>
+        </p:grpSpPr>
+        <p:sp>
+          <p:nvSpPr>
+            <p:cNvPr id="56" name="TextBox 55">
+              <a:extLst>
+                <a:ext uri="{FF2B5EF4-FFF2-40B4-BE49-F238E27FC236}">
+                  <a16:creationId xmlns:a16="http://schemas.microsoft.com/office/drawing/2014/main" id="{55C4D3B7-583D-76BB-8B04-4417DE7465C9}"/>
+                </a:ext>
+              </a:extLst>
+            </p:cNvPr>
+            <p:cNvSpPr txBox="1"/>
+            <p:nvPr/>
+          </p:nvSpPr>
+          <p:spPr>
+            <a:xfrm>
+              <a:off x="5880336" y="2065632"/>
+              <a:ext cx="4209693" cy="1107996"/>
+            </a:xfrm>
+            <a:prstGeom prst="rect">
+              <a:avLst/>
+            </a:prstGeom>
+            <a:solidFill>
+              <a:schemeClr val="bg1"/>
+            </a:solidFill>
+            <a:ln>
+              <a:noFill/>
+            </a:ln>
+          </p:spPr>
+          <p:txBody>
+            <a:bodyPr wrap="square" rtlCol="0">
+              <a:spAutoFit/>
+            </a:bodyPr>
+            <a:lstStyle/>
+            <a:p>
+              <a:r>
+                <a:rPr lang="en-GB" sz="1100" dirty="0">
+                  <a:latin typeface="Consolas" panose="020B0609020204030204" pitchFamily="49" charset="0"/>
+                </a:rPr>
+                <a:t>&gt; </a:t>
+              </a:r>
+            </a:p>
+            <a:p>
+              <a:endParaRPr lang="en-GB" sz="1100" dirty="0">
+                <a:latin typeface="Consolas" panose="020B0609020204030204" pitchFamily="49" charset="0"/>
+              </a:endParaRPr>
+            </a:p>
+            <a:p>
+              <a:endParaRPr lang="en-GB" sz="1100" dirty="0">
+                <a:latin typeface="Consolas" panose="020B0609020204030204" pitchFamily="49" charset="0"/>
+              </a:endParaRPr>
+            </a:p>
+            <a:p>
+              <a:endParaRPr lang="en-GB" sz="1100" dirty="0">
+                <a:latin typeface="Consolas" panose="020B0609020204030204" pitchFamily="49" charset="0"/>
+              </a:endParaRPr>
+            </a:p>
+            <a:p>
+              <a:endParaRPr lang="en-GB" sz="1100" dirty="0">
+                <a:latin typeface="Consolas" panose="020B0609020204030204" pitchFamily="49" charset="0"/>
+              </a:endParaRPr>
+            </a:p>
+            <a:p>
+              <a:endParaRPr lang="en-GB" sz="1100" dirty="0">
+                <a:latin typeface="Consolas" panose="020B0609020204030204" pitchFamily="49" charset="0"/>
+              </a:endParaRPr>
+            </a:p>
+          </p:txBody>
+        </p:sp>
+        <p:sp>
+          <p:nvSpPr>
+            <p:cNvPr id="57" name="TextBox 56">
+              <a:extLst>
+                <a:ext uri="{FF2B5EF4-FFF2-40B4-BE49-F238E27FC236}">
+                  <a16:creationId xmlns:a16="http://schemas.microsoft.com/office/drawing/2014/main" id="{6A429991-EF8F-7178-A06C-234EF4E1F2E3}"/>
+                </a:ext>
+              </a:extLst>
+            </p:cNvPr>
+            <p:cNvSpPr txBox="1"/>
+            <p:nvPr/>
+          </p:nvSpPr>
+          <p:spPr>
+            <a:xfrm>
+              <a:off x="5880336" y="957636"/>
+              <a:ext cx="4209693" cy="1107996"/>
+            </a:xfrm>
+            <a:prstGeom prst="rect">
+              <a:avLst/>
+            </a:prstGeom>
+            <a:solidFill>
+              <a:schemeClr val="accent1">
+                <a:lumMod val="20000"/>
+                <a:lumOff val="80000"/>
+              </a:schemeClr>
+            </a:solidFill>
+            <a:ln>
+              <a:noFill/>
+            </a:ln>
+          </p:spPr>
+          <p:txBody>
+            <a:bodyPr wrap="square" rtlCol="0">
+              <a:spAutoFit/>
+            </a:bodyPr>
+            <a:lstStyle/>
+            <a:p>
+              <a:endParaRPr lang="en-GB" sz="1100" dirty="0">
+                <a:latin typeface="Consolas" panose="020B0609020204030204" pitchFamily="49" charset="0"/>
+              </a:endParaRPr>
+            </a:p>
+            <a:p>
+              <a:endParaRPr lang="en-GB" sz="1100" dirty="0">
+                <a:latin typeface="Consolas" panose="020B0609020204030204" pitchFamily="49" charset="0"/>
+              </a:endParaRPr>
+            </a:p>
+            <a:p>
+              <a:endParaRPr lang="en-GB" sz="1100" dirty="0">
+                <a:latin typeface="Consolas" panose="020B0609020204030204" pitchFamily="49" charset="0"/>
+              </a:endParaRPr>
+            </a:p>
+            <a:p>
+              <a:endParaRPr lang="en-GB" sz="1100" dirty="0">
+                <a:latin typeface="Consolas" panose="020B0609020204030204" pitchFamily="49" charset="0"/>
+              </a:endParaRPr>
+            </a:p>
+            <a:p>
+              <a:endParaRPr lang="en-GB" sz="1100" dirty="0">
+                <a:latin typeface="Consolas" panose="020B0609020204030204" pitchFamily="49" charset="0"/>
+              </a:endParaRPr>
+            </a:p>
+            <a:p>
+              <a:endParaRPr lang="en-GB" sz="1100" dirty="0">
+                <a:latin typeface="Consolas" panose="020B0609020204030204" pitchFamily="49" charset="0"/>
+              </a:endParaRPr>
+            </a:p>
+          </p:txBody>
+        </p:sp>
+        <p:sp>
+          <p:nvSpPr>
+            <p:cNvPr id="58" name="TextBox 57">
+              <a:extLst>
+                <a:ext uri="{FF2B5EF4-FFF2-40B4-BE49-F238E27FC236}">
+                  <a16:creationId xmlns:a16="http://schemas.microsoft.com/office/drawing/2014/main" id="{D4749DA0-4252-97FF-5ABE-08C0AB645EA4}"/>
+                </a:ext>
+              </a:extLst>
+            </p:cNvPr>
+            <p:cNvSpPr txBox="1"/>
+            <p:nvPr/>
+          </p:nvSpPr>
+          <p:spPr>
+            <a:xfrm>
+              <a:off x="5880336" y="926648"/>
+              <a:ext cx="4209693" cy="430887"/>
+            </a:xfrm>
+            <a:prstGeom prst="rect">
+              <a:avLst/>
+            </a:prstGeom>
+            <a:solidFill>
+              <a:schemeClr val="accent1">
+                <a:lumMod val="20000"/>
+                <a:lumOff val="80000"/>
+              </a:schemeClr>
+            </a:solidFill>
+            <a:ln>
+              <a:noFill/>
+            </a:ln>
+          </p:spPr>
+          <p:txBody>
+            <a:bodyPr wrap="square" rtlCol="0">
+              <a:spAutoFit/>
+            </a:bodyPr>
+            <a:lstStyle/>
+            <a:p>
+              <a:r>
+                <a:rPr lang="en-GB" sz="1100" dirty="0">
+                  <a:solidFill>
+                    <a:schemeClr val="accent1"/>
+                  </a:solidFill>
+                  <a:latin typeface="Consolas" panose="020B0609020204030204" pitchFamily="49" charset="0"/>
+                </a:rPr>
+                <a:t>&gt; Square(3 + 4)</a:t>
+              </a:r>
+            </a:p>
+            <a:p>
+              <a:r>
+                <a:rPr lang="en-GB" sz="1100" dirty="0">
+                  <a:solidFill>
+                    <a:schemeClr val="accent1"/>
+                  </a:solidFill>
+                  <a:latin typeface="Consolas" panose="020B0609020204030204" pitchFamily="49" charset="0"/>
+                </a:rPr>
+                <a:t>49</a:t>
+              </a:r>
+            </a:p>
+          </p:txBody>
+        </p:sp>
+        <p:grpSp>
+          <p:nvGrpSpPr>
+            <p:cNvPr id="59" name="Group 58">
+              <a:extLst>
+                <a:ext uri="{FF2B5EF4-FFF2-40B4-BE49-F238E27FC236}">
+                  <a16:creationId xmlns:a16="http://schemas.microsoft.com/office/drawing/2014/main" id="{B3BDE372-7CE6-7567-9665-D863BF554EEC}"/>
+                </a:ext>
+              </a:extLst>
+            </p:cNvPr>
+            <p:cNvGrpSpPr/>
+            <p:nvPr/>
+          </p:nvGrpSpPr>
+          <p:grpSpPr>
+            <a:xfrm>
+              <a:off x="5880337" y="697250"/>
+              <a:ext cx="4209693" cy="2632546"/>
+              <a:chOff x="1397477" y="2267258"/>
+              <a:chExt cx="4416727" cy="2977602"/>
+            </a:xfrm>
+          </p:grpSpPr>
+          <p:sp>
+            <p:nvSpPr>
+              <p:cNvPr id="60" name="Rectangle 59">
+                <a:extLst>
+                  <a:ext uri="{FF2B5EF4-FFF2-40B4-BE49-F238E27FC236}">
+                    <a16:creationId xmlns:a16="http://schemas.microsoft.com/office/drawing/2014/main" id="{9400654C-2635-7F74-A2EE-539349982BDA}"/>
+                  </a:ext>
+                </a:extLst>
+              </p:cNvPr>
+              <p:cNvSpPr/>
+              <p:nvPr/>
+            </p:nvSpPr>
+            <p:spPr>
+              <a:xfrm>
+                <a:off x="1397479" y="2320506"/>
+                <a:ext cx="4416725" cy="2924354"/>
+              </a:xfrm>
+              <a:prstGeom prst="rect">
+                <a:avLst/>
+              </a:prstGeom>
+              <a:noFill/>
+              <a:ln w="28575">
+                <a:solidFill>
+                  <a:schemeClr val="accent1"/>
+                </a:solidFill>
+              </a:ln>
+            </p:spPr>
+            <p:style>
+              <a:lnRef idx="2">
+                <a:schemeClr val="accent1">
+                  <a:shade val="50000"/>
+                </a:schemeClr>
+              </a:lnRef>
+              <a:fillRef idx="1">
+                <a:schemeClr val="accent1"/>
+              </a:fillRef>
+              <a:effectRef idx="0">
+                <a:schemeClr val="accent1"/>
+              </a:effectRef>
+              <a:fontRef idx="minor">
+                <a:schemeClr val="lt1"/>
+              </a:fontRef>
+            </p:style>
+            <p:txBody>
+              <a:bodyPr rtlCol="0" anchor="ctr"/>
+              <a:lstStyle/>
+              <a:p>
+                <a:pPr algn="ctr"/>
+                <a:endParaRPr lang="en-GB">
+                  <a:noFill/>
+                </a:endParaRPr>
+              </a:p>
+            </p:txBody>
+          </p:sp>
+          <p:sp>
+            <p:nvSpPr>
+              <p:cNvPr id="61" name="Rectangle 60">
+                <a:extLst>
+                  <a:ext uri="{FF2B5EF4-FFF2-40B4-BE49-F238E27FC236}">
+                    <a16:creationId xmlns:a16="http://schemas.microsoft.com/office/drawing/2014/main" id="{DE383ECE-D307-5879-30FE-47C3828B03E4}"/>
+                  </a:ext>
+                </a:extLst>
+              </p:cNvPr>
+              <p:cNvSpPr/>
+              <p:nvPr/>
+            </p:nvSpPr>
+            <p:spPr>
+              <a:xfrm>
+                <a:off x="1397478" y="2320505"/>
+                <a:ext cx="4416725" cy="201284"/>
+              </a:xfrm>
+              <a:prstGeom prst="rect">
+                <a:avLst/>
+              </a:prstGeom>
+              <a:solidFill>
+                <a:schemeClr val="accent1"/>
+              </a:solidFill>
+              <a:ln w="28575">
+                <a:solidFill>
+                  <a:schemeClr val="accent1"/>
+                </a:solidFill>
+              </a:ln>
+            </p:spPr>
+            <p:style>
+              <a:lnRef idx="2">
+                <a:schemeClr val="accent1">
+                  <a:shade val="50000"/>
+                </a:schemeClr>
+              </a:lnRef>
+              <a:fillRef idx="1">
+                <a:schemeClr val="accent1"/>
+              </a:fillRef>
+              <a:effectRef idx="0">
+                <a:schemeClr val="accent1"/>
+              </a:effectRef>
+              <a:fontRef idx="minor">
+                <a:schemeClr val="lt1"/>
+              </a:fontRef>
+            </p:style>
+            <p:txBody>
+              <a:bodyPr rtlCol="0" anchor="ctr"/>
+              <a:lstStyle/>
+              <a:p>
+                <a:pPr algn="ctr"/>
+                <a:endParaRPr lang="en-GB" dirty="0">
+                  <a:noFill/>
+                </a:endParaRPr>
+              </a:p>
+            </p:txBody>
+          </p:sp>
+          <p:sp>
+            <p:nvSpPr>
+              <p:cNvPr id="62" name="TextBox 61">
+                <a:extLst>
+                  <a:ext uri="{FF2B5EF4-FFF2-40B4-BE49-F238E27FC236}">
+                    <a16:creationId xmlns:a16="http://schemas.microsoft.com/office/drawing/2014/main" id="{0C9BBA1E-2889-B8FC-C3CF-377F11EE3757}"/>
+                  </a:ext>
+                </a:extLst>
+              </p:cNvPr>
+              <p:cNvSpPr txBox="1"/>
+              <p:nvPr/>
+            </p:nvSpPr>
+            <p:spPr>
+              <a:xfrm>
+                <a:off x="1397477" y="2267258"/>
+                <a:ext cx="1862604" cy="348118"/>
+              </a:xfrm>
+              <a:prstGeom prst="rect">
+                <a:avLst/>
+              </a:prstGeom>
+              <a:noFill/>
+            </p:spPr>
+            <p:txBody>
+              <a:bodyPr wrap="none" rtlCol="0">
+                <a:spAutoFit/>
+              </a:bodyPr>
+              <a:lstStyle/>
+              <a:p>
+                <a:r>
+                  <a:rPr lang="en-GB" sz="1400" dirty="0">
+                    <a:solidFill>
+                      <a:schemeClr val="bg1"/>
+                    </a:solidFill>
+                  </a:rPr>
+                  <a:t>Expression evaluation</a:t>
+                </a:r>
+              </a:p>
+            </p:txBody>
+          </p:sp>
+        </p:grpSp>
+      </p:grpSp>
+      <p:grpSp>
+        <p:nvGrpSpPr>
+          <p:cNvPr id="63" name="Group 62">
+            <a:extLst>
+              <a:ext uri="{FF2B5EF4-FFF2-40B4-BE49-F238E27FC236}">
+                <a16:creationId xmlns:a16="http://schemas.microsoft.com/office/drawing/2014/main" id="{61DAA5AD-E95B-816D-FB15-39D940CB1C82}"/>
+              </a:ext>
+            </a:extLst>
+          </p:cNvPr>
+          <p:cNvGrpSpPr/>
+          <p:nvPr/>
+        </p:nvGrpSpPr>
+        <p:grpSpPr>
+          <a:xfrm>
+            <a:off x="5922051" y="3106874"/>
+            <a:ext cx="4209693" cy="1466418"/>
+            <a:chOff x="1449236" y="3528205"/>
+            <a:chExt cx="4209693" cy="2632546"/>
+          </a:xfrm>
+        </p:grpSpPr>
+        <p:grpSp>
+          <p:nvGrpSpPr>
+            <p:cNvPr id="64" name="Group 63">
+              <a:extLst>
+                <a:ext uri="{FF2B5EF4-FFF2-40B4-BE49-F238E27FC236}">
+                  <a16:creationId xmlns:a16="http://schemas.microsoft.com/office/drawing/2014/main" id="{D6B1AD20-B697-8002-1B33-377AA32976C2}"/>
+                </a:ext>
+              </a:extLst>
+            </p:cNvPr>
+            <p:cNvGrpSpPr/>
+            <p:nvPr/>
+          </p:nvGrpSpPr>
+          <p:grpSpPr>
+            <a:xfrm>
+              <a:off x="1449236" y="3528205"/>
+              <a:ext cx="4209693" cy="2632546"/>
+              <a:chOff x="1397477" y="2267258"/>
+              <a:chExt cx="4416727" cy="2977602"/>
+            </a:xfrm>
+          </p:grpSpPr>
+          <p:sp>
+            <p:nvSpPr>
+              <p:cNvPr id="68" name="Rectangle 67">
+                <a:extLst>
+                  <a:ext uri="{FF2B5EF4-FFF2-40B4-BE49-F238E27FC236}">
+                    <a16:creationId xmlns:a16="http://schemas.microsoft.com/office/drawing/2014/main" id="{EAF079F7-75E1-835A-9FB7-8C52B5E062B0}"/>
+                  </a:ext>
+                </a:extLst>
+              </p:cNvPr>
+              <p:cNvSpPr/>
+              <p:nvPr/>
+            </p:nvSpPr>
+            <p:spPr>
+              <a:xfrm>
+                <a:off x="1397479" y="2320506"/>
+                <a:ext cx="4416725" cy="2924354"/>
+              </a:xfrm>
+              <a:prstGeom prst="rect">
+                <a:avLst/>
+              </a:prstGeom>
+              <a:noFill/>
+              <a:ln w="28575">
+                <a:solidFill>
+                  <a:schemeClr val="accent1"/>
+                </a:solidFill>
+              </a:ln>
+            </p:spPr>
+            <p:style>
+              <a:lnRef idx="2">
+                <a:schemeClr val="accent1">
+                  <a:shade val="50000"/>
+                </a:schemeClr>
+              </a:lnRef>
+              <a:fillRef idx="1">
+                <a:schemeClr val="accent1"/>
+              </a:fillRef>
+              <a:effectRef idx="0">
+                <a:schemeClr val="accent1"/>
+              </a:effectRef>
+              <a:fontRef idx="minor">
+                <a:schemeClr val="lt1"/>
+              </a:fontRef>
+            </p:style>
+            <p:txBody>
+              <a:bodyPr rtlCol="0" anchor="ctr"/>
+              <a:lstStyle/>
+              <a:p>
+                <a:pPr algn="ctr"/>
+                <a:endParaRPr lang="en-GB">
+                  <a:noFill/>
+                </a:endParaRPr>
+              </a:p>
+            </p:txBody>
+          </p:sp>
+          <p:sp>
+            <p:nvSpPr>
+              <p:cNvPr id="69" name="Rectangle 68">
+                <a:extLst>
+                  <a:ext uri="{FF2B5EF4-FFF2-40B4-BE49-F238E27FC236}">
+                    <a16:creationId xmlns:a16="http://schemas.microsoft.com/office/drawing/2014/main" id="{C1F89964-F68A-BB1D-9E92-0841FF67FFA1}"/>
+                  </a:ext>
+                </a:extLst>
+              </p:cNvPr>
+              <p:cNvSpPr/>
+              <p:nvPr/>
+            </p:nvSpPr>
+            <p:spPr>
+              <a:xfrm>
+                <a:off x="1397478" y="2320505"/>
+                <a:ext cx="4416725" cy="420727"/>
+              </a:xfrm>
+              <a:prstGeom prst="rect">
+                <a:avLst/>
+              </a:prstGeom>
+              <a:solidFill>
+                <a:schemeClr val="accent1"/>
+              </a:solidFill>
+              <a:ln w="28575">
+                <a:solidFill>
+                  <a:schemeClr val="accent1"/>
+                </a:solidFill>
+              </a:ln>
+            </p:spPr>
+            <p:style>
+              <a:lnRef idx="2">
+                <a:schemeClr val="accent1">
+                  <a:shade val="50000"/>
+                </a:schemeClr>
+              </a:lnRef>
+              <a:fillRef idx="1">
+                <a:schemeClr val="accent1"/>
+              </a:fillRef>
+              <a:effectRef idx="0">
+                <a:schemeClr val="accent1"/>
+              </a:effectRef>
+              <a:fontRef idx="minor">
+                <a:schemeClr val="lt1"/>
+              </a:fontRef>
+            </p:style>
+            <p:txBody>
+              <a:bodyPr rtlCol="0" anchor="ctr"/>
+              <a:lstStyle/>
+              <a:p>
+                <a:pPr algn="ctr"/>
+                <a:endParaRPr lang="en-GB">
+                  <a:noFill/>
+                </a:endParaRPr>
+              </a:p>
+            </p:txBody>
+          </p:sp>
+          <p:sp>
+            <p:nvSpPr>
+              <p:cNvPr id="70" name="TextBox 69">
+                <a:extLst>
+                  <a:ext uri="{FF2B5EF4-FFF2-40B4-BE49-F238E27FC236}">
+                    <a16:creationId xmlns:a16="http://schemas.microsoft.com/office/drawing/2014/main" id="{BFC4D78A-F4C4-6A61-EB71-12BF493513B3}"/>
+                  </a:ext>
+                </a:extLst>
+              </p:cNvPr>
+              <p:cNvSpPr txBox="1"/>
+              <p:nvPr/>
+            </p:nvSpPr>
+            <p:spPr>
+              <a:xfrm>
+                <a:off x="1397477" y="2267258"/>
+                <a:ext cx="748688" cy="417417"/>
+              </a:xfrm>
+              <a:prstGeom prst="rect">
+                <a:avLst/>
+              </a:prstGeom>
+              <a:noFill/>
+            </p:spPr>
+            <p:txBody>
+              <a:bodyPr wrap="none" rtlCol="0">
+                <a:spAutoFit/>
+              </a:bodyPr>
+              <a:lstStyle/>
+              <a:p>
+                <a:r>
+                  <a:rPr lang="en-GB" sz="1400" dirty="0">
+                    <a:solidFill>
+                      <a:schemeClr val="bg1"/>
+                    </a:solidFill>
+                  </a:rPr>
+                  <a:t>Hint #1</a:t>
+                </a:r>
+              </a:p>
+            </p:txBody>
+          </p:sp>
+        </p:grpSp>
+        <p:sp>
+          <p:nvSpPr>
+            <p:cNvPr id="65" name="TextBox 64">
+              <a:extLst>
+                <a:ext uri="{FF2B5EF4-FFF2-40B4-BE49-F238E27FC236}">
+                  <a16:creationId xmlns:a16="http://schemas.microsoft.com/office/drawing/2014/main" id="{020A2D8E-D41B-AD7D-1871-925050EC5167}"/>
+                </a:ext>
+              </a:extLst>
+            </p:cNvPr>
+            <p:cNvSpPr txBox="1"/>
+            <p:nvPr/>
+          </p:nvSpPr>
+          <p:spPr>
+            <a:xfrm>
+              <a:off x="1618937" y="3854598"/>
+              <a:ext cx="3953727" cy="313688"/>
+            </a:xfrm>
+            <a:prstGeom prst="rect">
+              <a:avLst/>
+            </a:prstGeom>
+            <a:noFill/>
+          </p:spPr>
+          <p:txBody>
+            <a:bodyPr wrap="square" rtlCol="0">
+              <a:spAutoFit/>
+            </a:bodyPr>
+            <a:lstStyle/>
+            <a:p>
+              <a:endParaRPr lang="en-GB" sz="1100" dirty="0"/>
+            </a:p>
+          </p:txBody>
+        </p:sp>
+        <p:sp>
+          <p:nvSpPr>
+            <p:cNvPr id="66" name="TextBox 65">
+              <a:extLst>
+                <a:ext uri="{FF2B5EF4-FFF2-40B4-BE49-F238E27FC236}">
+                  <a16:creationId xmlns:a16="http://schemas.microsoft.com/office/drawing/2014/main" id="{2B6AB9BE-C000-C479-6633-02CA9D182FB2}"/>
+                </a:ext>
+              </a:extLst>
+            </p:cNvPr>
+            <p:cNvSpPr txBox="1"/>
+            <p:nvPr/>
+          </p:nvSpPr>
+          <p:spPr>
+            <a:xfrm>
+              <a:off x="3863542" y="5483907"/>
+              <a:ext cx="1709122" cy="469648"/>
+            </a:xfrm>
+            <a:prstGeom prst="rect">
+              <a:avLst/>
+            </a:prstGeom>
+            <a:solidFill>
+              <a:schemeClr val="accent1">
+                <a:lumMod val="40000"/>
+                <a:lumOff val="60000"/>
+              </a:schemeClr>
+            </a:solidFill>
+          </p:spPr>
+          <p:txBody>
+            <a:bodyPr wrap="none" rtlCol="0">
+              <a:spAutoFit/>
+            </a:bodyPr>
+            <a:lstStyle/>
+            <a:p>
+              <a:r>
+                <a:rPr lang="en-GB" sz="1100" dirty="0"/>
+                <a:t>Request next hint (1 mark)</a:t>
+              </a:r>
+            </a:p>
+          </p:txBody>
+        </p:sp>
+      </p:grpSp>
+      <p:sp>
+        <p:nvSpPr>
+          <p:cNvPr id="71" name="TextBox 70">
+            <a:extLst>
+              <a:ext uri="{FF2B5EF4-FFF2-40B4-BE49-F238E27FC236}">
+                <a16:creationId xmlns:a16="http://schemas.microsoft.com/office/drawing/2014/main" id="{99581F52-7EB8-F7FF-1768-F7B5F668E226}"/>
+              </a:ext>
+            </a:extLst>
+          </p:cNvPr>
+          <p:cNvSpPr txBox="1"/>
+          <p:nvPr/>
+        </p:nvSpPr>
+        <p:spPr>
+          <a:xfrm>
+            <a:off x="6008710" y="3408996"/>
+            <a:ext cx="3502882" cy="253916"/>
+          </a:xfrm>
+          <a:prstGeom prst="rect">
+            <a:avLst/>
+          </a:prstGeom>
+          <a:noFill/>
+        </p:spPr>
+        <p:txBody>
+          <a:bodyPr wrap="none" rtlCol="0">
+            <a:spAutoFit/>
+          </a:bodyPr>
+          <a:lstStyle/>
+          <a:p>
+            <a:r>
+              <a:rPr lang="en-GB" sz="1050" dirty="0">
+                <a:solidFill>
+                  <a:schemeClr val="accent1"/>
+                </a:solidFill>
+                <a:latin typeface="Consolas" panose="020B0609020204030204" pitchFamily="49" charset="0"/>
+              </a:rPr>
+              <a:t>Type</a:t>
+            </a:r>
+            <a:r>
+              <a:rPr lang="en-GB" sz="1050" dirty="0">
+                <a:latin typeface="Consolas" panose="020B0609020204030204" pitchFamily="49" charset="0"/>
+              </a:rPr>
+              <a:t> Square(</a:t>
+            </a:r>
+            <a:r>
+              <a:rPr lang="en-GB" sz="1050" dirty="0">
+                <a:solidFill>
+                  <a:schemeClr val="accent1"/>
+                </a:solidFill>
+                <a:latin typeface="Consolas" panose="020B0609020204030204" pitchFamily="49" charset="0"/>
+              </a:rPr>
+              <a:t>Type</a:t>
+            </a:r>
+            <a:r>
+              <a:rPr lang="en-GB" sz="1050" dirty="0">
+                <a:latin typeface="Consolas" panose="020B0609020204030204" pitchFamily="49" charset="0"/>
+              </a:rPr>
+              <a:t> </a:t>
+            </a:r>
+            <a:r>
+              <a:rPr lang="en-GB" sz="1050" dirty="0" err="1">
+                <a:solidFill>
+                  <a:schemeClr val="accent1"/>
+                </a:solidFill>
+                <a:latin typeface="Consolas" panose="020B0609020204030204" pitchFamily="49" charset="0"/>
+              </a:rPr>
+              <a:t>variableName</a:t>
+            </a:r>
+            <a:r>
+              <a:rPr lang="en-GB" sz="1050" dirty="0">
+                <a:latin typeface="Consolas" panose="020B0609020204030204" pitchFamily="49" charset="0"/>
+              </a:rPr>
+              <a:t>) =&gt; </a:t>
+            </a:r>
+            <a:r>
+              <a:rPr lang="en-GB" sz="1050" dirty="0">
+                <a:solidFill>
+                  <a:schemeClr val="accent1"/>
+                </a:solidFill>
+                <a:latin typeface="Consolas" panose="020B0609020204030204" pitchFamily="49" charset="0"/>
+              </a:rPr>
+              <a:t>expression</a:t>
+            </a:r>
+            <a:r>
+              <a:rPr lang="en-GB" sz="1050" dirty="0">
+                <a:latin typeface="Consolas" panose="020B0609020204030204" pitchFamily="49" charset="0"/>
+              </a:rPr>
+              <a:t>;</a:t>
+            </a:r>
+          </a:p>
+        </p:txBody>
+      </p:sp>
+      <p:grpSp>
+        <p:nvGrpSpPr>
+          <p:cNvPr id="73" name="Group 72">
+            <a:extLst>
+              <a:ext uri="{FF2B5EF4-FFF2-40B4-BE49-F238E27FC236}">
+                <a16:creationId xmlns:a16="http://schemas.microsoft.com/office/drawing/2014/main" id="{C3D470DA-90B0-DD78-7813-974599BBEA42}"/>
+              </a:ext>
+            </a:extLst>
+          </p:cNvPr>
+          <p:cNvGrpSpPr/>
+          <p:nvPr/>
+        </p:nvGrpSpPr>
+        <p:grpSpPr>
+          <a:xfrm>
+            <a:off x="5922050" y="4717871"/>
+            <a:ext cx="4209693" cy="1466418"/>
+            <a:chOff x="1449236" y="3528205"/>
+            <a:chExt cx="4209693" cy="2632546"/>
+          </a:xfrm>
+        </p:grpSpPr>
+        <p:grpSp>
+          <p:nvGrpSpPr>
+            <p:cNvPr id="74" name="Group 73">
+              <a:extLst>
+                <a:ext uri="{FF2B5EF4-FFF2-40B4-BE49-F238E27FC236}">
+                  <a16:creationId xmlns:a16="http://schemas.microsoft.com/office/drawing/2014/main" id="{FCB0A445-7812-CC4B-823E-C710A6B1A452}"/>
+                </a:ext>
+              </a:extLst>
+            </p:cNvPr>
+            <p:cNvGrpSpPr/>
+            <p:nvPr/>
+          </p:nvGrpSpPr>
+          <p:grpSpPr>
+            <a:xfrm>
+              <a:off x="1449236" y="3528205"/>
+              <a:ext cx="4209693" cy="2632546"/>
+              <a:chOff x="1397477" y="2267258"/>
+              <a:chExt cx="4416727" cy="2977602"/>
+            </a:xfrm>
+          </p:grpSpPr>
+          <p:sp>
+            <p:nvSpPr>
+              <p:cNvPr id="77" name="Rectangle 76">
+                <a:extLst>
+                  <a:ext uri="{FF2B5EF4-FFF2-40B4-BE49-F238E27FC236}">
+                    <a16:creationId xmlns:a16="http://schemas.microsoft.com/office/drawing/2014/main" id="{73495EB8-165E-A122-32B2-759F82E29134}"/>
+                  </a:ext>
+                </a:extLst>
+              </p:cNvPr>
+              <p:cNvSpPr/>
+              <p:nvPr/>
+            </p:nvSpPr>
+            <p:spPr>
+              <a:xfrm>
+                <a:off x="1397479" y="2320506"/>
+                <a:ext cx="4416725" cy="2924354"/>
+              </a:xfrm>
+              <a:prstGeom prst="rect">
+                <a:avLst/>
+              </a:prstGeom>
+              <a:noFill/>
+              <a:ln w="28575">
+                <a:solidFill>
+                  <a:schemeClr val="accent1"/>
+                </a:solidFill>
+              </a:ln>
+            </p:spPr>
+            <p:style>
+              <a:lnRef idx="2">
+                <a:schemeClr val="accent1">
+                  <a:shade val="50000"/>
+                </a:schemeClr>
+              </a:lnRef>
+              <a:fillRef idx="1">
+                <a:schemeClr val="accent1"/>
+              </a:fillRef>
+              <a:effectRef idx="0">
+                <a:schemeClr val="accent1"/>
+              </a:effectRef>
+              <a:fontRef idx="minor">
+                <a:schemeClr val="lt1"/>
+              </a:fontRef>
+            </p:style>
+            <p:txBody>
+              <a:bodyPr rtlCol="0" anchor="ctr"/>
+              <a:lstStyle/>
+              <a:p>
+                <a:pPr algn="ctr"/>
+                <a:endParaRPr lang="en-GB">
+                  <a:noFill/>
+                </a:endParaRPr>
+              </a:p>
+            </p:txBody>
+          </p:sp>
+          <p:sp>
+            <p:nvSpPr>
+              <p:cNvPr id="78" name="Rectangle 77">
+                <a:extLst>
+                  <a:ext uri="{FF2B5EF4-FFF2-40B4-BE49-F238E27FC236}">
+                    <a16:creationId xmlns:a16="http://schemas.microsoft.com/office/drawing/2014/main" id="{92288AD4-0155-D1F7-A8F1-43DC735DC43B}"/>
+                  </a:ext>
+                </a:extLst>
+              </p:cNvPr>
+              <p:cNvSpPr/>
+              <p:nvPr/>
+            </p:nvSpPr>
+            <p:spPr>
+              <a:xfrm>
+                <a:off x="1397478" y="2320505"/>
+                <a:ext cx="4416725" cy="420727"/>
+              </a:xfrm>
+              <a:prstGeom prst="rect">
+                <a:avLst/>
+              </a:prstGeom>
+              <a:solidFill>
+                <a:schemeClr val="accent1"/>
+              </a:solidFill>
+              <a:ln w="28575">
+                <a:solidFill>
+                  <a:schemeClr val="accent1"/>
+                </a:solidFill>
+              </a:ln>
+            </p:spPr>
+            <p:style>
+              <a:lnRef idx="2">
+                <a:schemeClr val="accent1">
+                  <a:shade val="50000"/>
+                </a:schemeClr>
+              </a:lnRef>
+              <a:fillRef idx="1">
+                <a:schemeClr val="accent1"/>
+              </a:fillRef>
+              <a:effectRef idx="0">
+                <a:schemeClr val="accent1"/>
+              </a:effectRef>
+              <a:fontRef idx="minor">
+                <a:schemeClr val="lt1"/>
+              </a:fontRef>
+            </p:style>
+            <p:txBody>
+              <a:bodyPr rtlCol="0" anchor="ctr"/>
+              <a:lstStyle/>
+              <a:p>
+                <a:pPr algn="ctr"/>
+                <a:endParaRPr lang="en-GB">
+                  <a:noFill/>
+                </a:endParaRPr>
+              </a:p>
+            </p:txBody>
+          </p:sp>
+          <p:sp>
+            <p:nvSpPr>
+              <p:cNvPr id="79" name="TextBox 78">
+                <a:extLst>
+                  <a:ext uri="{FF2B5EF4-FFF2-40B4-BE49-F238E27FC236}">
+                    <a16:creationId xmlns:a16="http://schemas.microsoft.com/office/drawing/2014/main" id="{6310B84D-9990-F1A1-6D17-0BC87A4B807C}"/>
+                  </a:ext>
+                </a:extLst>
+              </p:cNvPr>
+              <p:cNvSpPr txBox="1"/>
+              <p:nvPr/>
+            </p:nvSpPr>
+            <p:spPr>
+              <a:xfrm>
+                <a:off x="1397477" y="2267258"/>
+                <a:ext cx="731601" cy="624950"/>
+              </a:xfrm>
+              <a:prstGeom prst="rect">
+                <a:avLst/>
+              </a:prstGeom>
+              <a:noFill/>
+            </p:spPr>
+            <p:txBody>
+              <a:bodyPr wrap="none" rtlCol="0">
+                <a:spAutoFit/>
+              </a:bodyPr>
+              <a:lstStyle/>
+              <a:p>
+                <a:r>
+                  <a:rPr lang="en-GB" sz="1400" dirty="0">
+                    <a:solidFill>
+                      <a:schemeClr val="bg1"/>
+                    </a:solidFill>
+                  </a:rPr>
+                  <a:t>Testing</a:t>
+                </a:r>
+              </a:p>
+            </p:txBody>
+          </p:sp>
+        </p:grpSp>
+        <p:sp>
+          <p:nvSpPr>
+            <p:cNvPr id="75" name="TextBox 74">
+              <a:extLst>
+                <a:ext uri="{FF2B5EF4-FFF2-40B4-BE49-F238E27FC236}">
+                  <a16:creationId xmlns:a16="http://schemas.microsoft.com/office/drawing/2014/main" id="{9EBB6419-B5D5-0D3E-283E-9D029544F567}"/>
+                </a:ext>
+              </a:extLst>
+            </p:cNvPr>
+            <p:cNvSpPr txBox="1"/>
+            <p:nvPr/>
+          </p:nvSpPr>
+          <p:spPr>
+            <a:xfrm>
+              <a:off x="1618937" y="3854598"/>
+              <a:ext cx="3953727" cy="313688"/>
+            </a:xfrm>
+            <a:prstGeom prst="rect">
+              <a:avLst/>
+            </a:prstGeom>
+            <a:noFill/>
+          </p:spPr>
+          <p:txBody>
+            <a:bodyPr wrap="square" rtlCol="0">
+              <a:spAutoFit/>
+            </a:bodyPr>
+            <a:lstStyle/>
+            <a:p>
+              <a:endParaRPr lang="en-GB" sz="1100" dirty="0"/>
+            </a:p>
+          </p:txBody>
+        </p:sp>
+        <p:sp>
+          <p:nvSpPr>
+            <p:cNvPr id="76" name="TextBox 75">
+              <a:extLst>
+                <a:ext uri="{FF2B5EF4-FFF2-40B4-BE49-F238E27FC236}">
+                  <a16:creationId xmlns:a16="http://schemas.microsoft.com/office/drawing/2014/main" id="{7560859D-E5CD-1FF7-B05A-13B570B93EE0}"/>
+                </a:ext>
+              </a:extLst>
+            </p:cNvPr>
+            <p:cNvSpPr txBox="1"/>
+            <p:nvPr/>
+          </p:nvSpPr>
+          <p:spPr>
+            <a:xfrm>
+              <a:off x="4836565" y="5490643"/>
+              <a:ext cx="736099" cy="469648"/>
+            </a:xfrm>
+            <a:prstGeom prst="rect">
+              <a:avLst/>
+            </a:prstGeom>
+            <a:solidFill>
+              <a:schemeClr val="accent1">
+                <a:lumMod val="40000"/>
+                <a:lumOff val="60000"/>
+              </a:schemeClr>
+            </a:solidFill>
+          </p:spPr>
+          <p:txBody>
+            <a:bodyPr wrap="none" rtlCol="0">
+              <a:spAutoFit/>
+            </a:bodyPr>
+            <a:lstStyle/>
+            <a:p>
+              <a:r>
+                <a:rPr lang="en-GB" sz="1100" dirty="0">
+                  <a:solidFill>
+                    <a:schemeClr val="bg2">
+                      <a:lumMod val="75000"/>
+                    </a:schemeClr>
+                  </a:solidFill>
+                </a:rPr>
+                <a:t>Run Tests</a:t>
+              </a:r>
+            </a:p>
+          </p:txBody>
+        </p:sp>
+      </p:grpSp>
+    </p:spTree>
+    <p:extLst>
+      <p:ext uri="{BB962C8B-B14F-4D97-AF65-F5344CB8AC3E}">
+        <p14:creationId xmlns:p14="http://schemas.microsoft.com/office/powerpoint/2010/main" val="3914813373"/>
+      </p:ext>
+    </p:extLst>
+  </p:cSld>
+  <p:clrMapOvr>
+    <a:masterClrMapping/>
+  </p:clrMapOvr>
+</p:sld>
+</file>
+
+<file path=ppt/slides/slide3.xml><?xml version="1.0" encoding="utf-8"?>
+<p:sld xmlns:a="http://schemas.openxmlformats.org/drawingml/2006/main" xmlns:r="http://schemas.openxmlformats.org/officeDocument/2006/relationships" xmlns:p="http://schemas.openxmlformats.org/presentationml/2006/main">
+  <p:cSld>
+    <p:spTree>
+      <p:nvGrpSpPr>
+        <p:cNvPr id="1" name=""/>
+        <p:cNvGrpSpPr/>
+        <p:nvPr/>
+      </p:nvGrpSpPr>
+      <p:grpSpPr>
+        <a:xfrm>
+          <a:off x="0" y="0"/>
+          <a:ext cx="0" cy="0"/>
+          <a:chOff x="0" y="0"/>
+          <a:chExt cx="0" cy="0"/>
+        </a:xfrm>
+      </p:grpSpPr>
+      <p:grpSp>
+        <p:nvGrpSpPr>
+          <p:cNvPr id="2" name="Group 1">
+            <a:extLst>
+              <a:ext uri="{FF2B5EF4-FFF2-40B4-BE49-F238E27FC236}">
+                <a16:creationId xmlns:a16="http://schemas.microsoft.com/office/drawing/2014/main" id="{B1083898-9868-E1D8-1C5C-1EEB64A91BCB}"/>
+              </a:ext>
+            </a:extLst>
+          </p:cNvPr>
+          <p:cNvGrpSpPr/>
+          <p:nvPr/>
+        </p:nvGrpSpPr>
+        <p:grpSpPr>
+          <a:xfrm>
+            <a:off x="5880332" y="709911"/>
+            <a:ext cx="4209693" cy="5438177"/>
+            <a:chOff x="1449236" y="3528205"/>
+            <a:chExt cx="4209693" cy="2632546"/>
+          </a:xfrm>
+        </p:grpSpPr>
+        <p:grpSp>
+          <p:nvGrpSpPr>
+            <p:cNvPr id="12" name="Group 11">
+              <a:extLst>
+                <a:ext uri="{FF2B5EF4-FFF2-40B4-BE49-F238E27FC236}">
+                  <a16:creationId xmlns:a16="http://schemas.microsoft.com/office/drawing/2014/main" id="{62C12198-93BB-DF69-55A5-6477F8A948B9}"/>
+                </a:ext>
+              </a:extLst>
+            </p:cNvPr>
+            <p:cNvGrpSpPr/>
+            <p:nvPr/>
+          </p:nvGrpSpPr>
+          <p:grpSpPr>
+            <a:xfrm>
+              <a:off x="1449236" y="3528205"/>
+              <a:ext cx="4209693" cy="2632546"/>
+              <a:chOff x="1397477" y="2267258"/>
+              <a:chExt cx="4416727" cy="2977602"/>
+            </a:xfrm>
+          </p:grpSpPr>
+          <p:sp>
+            <p:nvSpPr>
+              <p:cNvPr id="13" name="Rectangle 12">
+                <a:extLst>
+                  <a:ext uri="{FF2B5EF4-FFF2-40B4-BE49-F238E27FC236}">
+                    <a16:creationId xmlns:a16="http://schemas.microsoft.com/office/drawing/2014/main" id="{919DCA3C-E2C6-06A5-0DCD-D962994FAB09}"/>
+                  </a:ext>
+                </a:extLst>
+              </p:cNvPr>
+              <p:cNvSpPr/>
+              <p:nvPr/>
+            </p:nvSpPr>
+            <p:spPr>
+              <a:xfrm>
+                <a:off x="1397479" y="2320506"/>
+                <a:ext cx="4416725" cy="2924354"/>
+              </a:xfrm>
+              <a:prstGeom prst="rect">
+                <a:avLst/>
+              </a:prstGeom>
+              <a:noFill/>
+              <a:ln w="28575">
+                <a:solidFill>
+                  <a:schemeClr val="accent1"/>
+                </a:solidFill>
+              </a:ln>
+            </p:spPr>
+            <p:style>
+              <a:lnRef idx="2">
+                <a:schemeClr val="accent1">
+                  <a:shade val="50000"/>
+                </a:schemeClr>
+              </a:lnRef>
+              <a:fillRef idx="1">
+                <a:schemeClr val="accent1"/>
+              </a:fillRef>
+              <a:effectRef idx="0">
+                <a:schemeClr val="accent1"/>
+              </a:effectRef>
+              <a:fontRef idx="minor">
+                <a:schemeClr val="lt1"/>
+              </a:fontRef>
+            </p:style>
+            <p:txBody>
+              <a:bodyPr rtlCol="0" anchor="ctr"/>
+              <a:lstStyle/>
+              <a:p>
+                <a:pPr algn="ctr"/>
+                <a:endParaRPr lang="en-GB">
+                  <a:noFill/>
+                </a:endParaRPr>
+              </a:p>
+            </p:txBody>
+          </p:sp>
+          <p:sp>
+            <p:nvSpPr>
+              <p:cNvPr id="14" name="Rectangle 13">
+                <a:extLst>
+                  <a:ext uri="{FF2B5EF4-FFF2-40B4-BE49-F238E27FC236}">
+                    <a16:creationId xmlns:a16="http://schemas.microsoft.com/office/drawing/2014/main" id="{52ADCCBA-0B34-1AB1-CE76-578BD2A8639E}"/>
+                  </a:ext>
+                </a:extLst>
+              </p:cNvPr>
+              <p:cNvSpPr/>
+              <p:nvPr/>
+            </p:nvSpPr>
+            <p:spPr>
+              <a:xfrm>
+                <a:off x="1397478" y="2293034"/>
+                <a:ext cx="4416725" cy="116795"/>
+              </a:xfrm>
+              <a:prstGeom prst="rect">
+                <a:avLst/>
+              </a:prstGeom>
+              <a:solidFill>
+                <a:schemeClr val="accent1"/>
+              </a:solidFill>
+              <a:ln w="28575">
+                <a:solidFill>
+                  <a:schemeClr val="accent1"/>
+                </a:solidFill>
+              </a:ln>
+            </p:spPr>
+            <p:style>
+              <a:lnRef idx="2">
+                <a:schemeClr val="accent1">
+                  <a:shade val="50000"/>
+                </a:schemeClr>
+              </a:lnRef>
+              <a:fillRef idx="1">
+                <a:schemeClr val="accent1"/>
+              </a:fillRef>
+              <a:effectRef idx="0">
+                <a:schemeClr val="accent1"/>
+              </a:effectRef>
+              <a:fontRef idx="minor">
+                <a:schemeClr val="lt1"/>
+              </a:fontRef>
+            </p:style>
+            <p:txBody>
+              <a:bodyPr rtlCol="0" anchor="ctr"/>
+              <a:lstStyle/>
+              <a:p>
+                <a:pPr algn="ctr"/>
+                <a:endParaRPr lang="en-GB">
+                  <a:noFill/>
+                </a:endParaRPr>
+              </a:p>
+            </p:txBody>
+          </p:sp>
+          <p:sp>
+            <p:nvSpPr>
+              <p:cNvPr id="15" name="TextBox 14">
+                <a:extLst>
+                  <a:ext uri="{FF2B5EF4-FFF2-40B4-BE49-F238E27FC236}">
+                    <a16:creationId xmlns:a16="http://schemas.microsoft.com/office/drawing/2014/main" id="{6C38BB48-B180-9C4B-CB6E-9EB4D9369B49}"/>
+                  </a:ext>
+                </a:extLst>
+              </p:cNvPr>
+              <p:cNvSpPr txBox="1"/>
+              <p:nvPr/>
+            </p:nvSpPr>
+            <p:spPr>
+              <a:xfrm>
+                <a:off x="1397477" y="2267258"/>
+                <a:ext cx="2342399" cy="168519"/>
+              </a:xfrm>
+              <a:prstGeom prst="rect">
+                <a:avLst/>
+              </a:prstGeom>
+              <a:noFill/>
+            </p:spPr>
+            <p:txBody>
+              <a:bodyPr wrap="none" rtlCol="0">
+                <a:spAutoFit/>
+              </a:bodyPr>
+              <a:lstStyle/>
+              <a:p>
+                <a:r>
+                  <a:rPr lang="en-GB" sz="1400" dirty="0">
+                    <a:solidFill>
+                      <a:schemeClr val="bg1"/>
+                    </a:solidFill>
+                  </a:rPr>
+                  <a:t>Application – Squares Game</a:t>
+                </a:r>
+              </a:p>
+            </p:txBody>
+          </p:sp>
+        </p:grpSp>
+        <p:sp>
+          <p:nvSpPr>
+            <p:cNvPr id="25" name="TextBox 24">
+              <a:extLst>
+                <a:ext uri="{FF2B5EF4-FFF2-40B4-BE49-F238E27FC236}">
+                  <a16:creationId xmlns:a16="http://schemas.microsoft.com/office/drawing/2014/main" id="{A8E5BA4B-4B49-9D10-43BA-52360D3F87A2}"/>
+                </a:ext>
+              </a:extLst>
+            </p:cNvPr>
+            <p:cNvSpPr txBox="1"/>
+            <p:nvPr/>
+          </p:nvSpPr>
+          <p:spPr>
+            <a:xfrm>
+              <a:off x="1577218" y="3677043"/>
+              <a:ext cx="3953727" cy="290531"/>
+            </a:xfrm>
+            <a:prstGeom prst="rect">
+              <a:avLst/>
+            </a:prstGeom>
+            <a:noFill/>
+          </p:spPr>
+          <p:txBody>
+            <a:bodyPr wrap="square" rtlCol="0">
+              <a:spAutoFit/>
+            </a:bodyPr>
+            <a:lstStyle/>
+            <a:p>
+              <a:r>
+                <a:rPr lang="en-GB" sz="1100" dirty="0"/>
+                <a:t>Now that you have successfully written and tested the Square function, we can use it this application to [blah]. Click </a:t>
+              </a:r>
+              <a:r>
+                <a:rPr lang="en-GB" sz="1100" b="1" dirty="0"/>
+                <a:t>Run</a:t>
+              </a:r>
+              <a:r>
+                <a:rPr lang="en-GB" sz="1100" dirty="0"/>
+                <a:t> and then follow these instructions [blah].</a:t>
+              </a:r>
+              <a:endParaRPr lang="en-GB" sz="1100" b="1" dirty="0"/>
+            </a:p>
+          </p:txBody>
+        </p:sp>
+      </p:grpSp>
+      <p:grpSp>
+        <p:nvGrpSpPr>
+          <p:cNvPr id="29" name="Group 28">
+            <a:extLst>
+              <a:ext uri="{FF2B5EF4-FFF2-40B4-BE49-F238E27FC236}">
+                <a16:creationId xmlns:a16="http://schemas.microsoft.com/office/drawing/2014/main" id="{3CD1CE6A-1641-453B-FBDE-ED6D4014AF68}"/>
+              </a:ext>
+            </a:extLst>
+          </p:cNvPr>
+          <p:cNvGrpSpPr/>
+          <p:nvPr/>
+        </p:nvGrpSpPr>
+        <p:grpSpPr>
+          <a:xfrm>
+            <a:off x="1442856" y="236964"/>
+            <a:ext cx="4216071" cy="307777"/>
+            <a:chOff x="1442856" y="210950"/>
+            <a:chExt cx="4216071" cy="307777"/>
+          </a:xfrm>
+        </p:grpSpPr>
+        <p:sp>
+          <p:nvSpPr>
+            <p:cNvPr id="41" name="Rectangle 40">
+              <a:extLst>
+                <a:ext uri="{FF2B5EF4-FFF2-40B4-BE49-F238E27FC236}">
+                  <a16:creationId xmlns:a16="http://schemas.microsoft.com/office/drawing/2014/main" id="{F024A6A3-3543-1FF4-2855-68A8C6E8B12B}"/>
+                </a:ext>
+              </a:extLst>
+            </p:cNvPr>
+            <p:cNvSpPr/>
+            <p:nvPr/>
+          </p:nvSpPr>
+          <p:spPr>
+            <a:xfrm>
+              <a:off x="1449236" y="253126"/>
+              <a:ext cx="4209691" cy="225034"/>
+            </a:xfrm>
+            <a:prstGeom prst="rect">
+              <a:avLst/>
+            </a:prstGeom>
+            <a:noFill/>
+            <a:ln w="28575">
+              <a:solidFill>
+                <a:schemeClr val="accent1">
+                  <a:lumMod val="20000"/>
+                  <a:lumOff val="80000"/>
+                </a:schemeClr>
+              </a:solidFill>
+            </a:ln>
+          </p:spPr>
+          <p:style>
+            <a:lnRef idx="2">
+              <a:schemeClr val="accent1">
+                <a:shade val="50000"/>
+              </a:schemeClr>
+            </a:lnRef>
+            <a:fillRef idx="1">
+              <a:schemeClr val="accent1"/>
+            </a:fillRef>
+            <a:effectRef idx="0">
+              <a:schemeClr val="accent1"/>
+            </a:effectRef>
+            <a:fontRef idx="minor">
+              <a:schemeClr val="lt1"/>
+            </a:fontRef>
+          </p:style>
+          <p:txBody>
+            <a:bodyPr rtlCol="0" anchor="ctr"/>
+            <a:lstStyle/>
+            <a:p>
+              <a:pPr algn="ctr"/>
+              <a:endParaRPr lang="en-GB">
+                <a:noFill/>
+              </a:endParaRPr>
+            </a:p>
+          </p:txBody>
+        </p:sp>
+        <p:sp>
+          <p:nvSpPr>
+            <p:cNvPr id="42" name="Rectangle 41">
+              <a:extLst>
+                <a:ext uri="{FF2B5EF4-FFF2-40B4-BE49-F238E27FC236}">
+                  <a16:creationId xmlns:a16="http://schemas.microsoft.com/office/drawing/2014/main" id="{7F957707-AECD-9FF4-0A58-5B2F548E156F}"/>
+                </a:ext>
+              </a:extLst>
+            </p:cNvPr>
+            <p:cNvSpPr/>
+            <p:nvPr/>
+          </p:nvSpPr>
+          <p:spPr>
+            <a:xfrm>
+              <a:off x="1463797" y="252322"/>
+              <a:ext cx="522900" cy="225034"/>
+            </a:xfrm>
+            <a:prstGeom prst="rect">
+              <a:avLst/>
+            </a:prstGeom>
+            <a:solidFill>
+              <a:schemeClr val="accent1">
+                <a:lumMod val="20000"/>
+                <a:lumOff val="80000"/>
+              </a:schemeClr>
+            </a:solidFill>
+            <a:ln w="28575">
+              <a:solidFill>
+                <a:schemeClr val="accent1">
+                  <a:lumMod val="20000"/>
+                  <a:lumOff val="80000"/>
+                </a:schemeClr>
+              </a:solidFill>
+            </a:ln>
+          </p:spPr>
+          <p:style>
+            <a:lnRef idx="2">
+              <a:schemeClr val="accent1">
+                <a:shade val="50000"/>
+              </a:schemeClr>
+            </a:lnRef>
+            <a:fillRef idx="1">
+              <a:schemeClr val="accent1"/>
+            </a:fillRef>
+            <a:effectRef idx="0">
+              <a:schemeClr val="accent1"/>
+            </a:effectRef>
+            <a:fontRef idx="minor">
+              <a:schemeClr val="lt1"/>
+            </a:fontRef>
+          </p:style>
+          <p:txBody>
+            <a:bodyPr rtlCol="0" anchor="ctr"/>
+            <a:lstStyle/>
+            <a:p>
+              <a:pPr algn="ctr"/>
+              <a:endParaRPr lang="en-GB">
+                <a:noFill/>
+              </a:endParaRPr>
+            </a:p>
+          </p:txBody>
+        </p:sp>
+        <p:sp>
+          <p:nvSpPr>
+            <p:cNvPr id="43" name="TextBox 42">
+              <a:extLst>
+                <a:ext uri="{FF2B5EF4-FFF2-40B4-BE49-F238E27FC236}">
+                  <a16:creationId xmlns:a16="http://schemas.microsoft.com/office/drawing/2014/main" id="{DF854F22-5998-436B-1678-74E65652DAC0}"/>
+                </a:ext>
+              </a:extLst>
+            </p:cNvPr>
+            <p:cNvSpPr txBox="1"/>
+            <p:nvPr/>
+          </p:nvSpPr>
+          <p:spPr>
+            <a:xfrm>
+              <a:off x="1442856" y="210950"/>
+              <a:ext cx="522900" cy="307777"/>
+            </a:xfrm>
+            <a:prstGeom prst="rect">
+              <a:avLst/>
+            </a:prstGeom>
+            <a:noFill/>
+          </p:spPr>
+          <p:txBody>
+            <a:bodyPr wrap="none" rtlCol="0">
+              <a:spAutoFit/>
+            </a:bodyPr>
+            <a:lstStyle/>
+            <a:p>
+              <a:r>
+                <a:rPr lang="en-GB" sz="1400" dirty="0">
+                  <a:solidFill>
+                    <a:schemeClr val="bg1"/>
+                  </a:solidFill>
+                </a:rPr>
+                <a:t>User</a:t>
+              </a:r>
+            </a:p>
+          </p:txBody>
+        </p:sp>
+      </p:grpSp>
+      <p:sp>
+        <p:nvSpPr>
+          <p:cNvPr id="45" name="Rectangle 44">
+            <a:extLst>
+              <a:ext uri="{FF2B5EF4-FFF2-40B4-BE49-F238E27FC236}">
+                <a16:creationId xmlns:a16="http://schemas.microsoft.com/office/drawing/2014/main" id="{488B4A62-A4C2-DD67-BA75-001D7A84DEB8}"/>
+              </a:ext>
+            </a:extLst>
+          </p:cNvPr>
+          <p:cNvSpPr/>
+          <p:nvPr/>
+        </p:nvSpPr>
+        <p:spPr>
+          <a:xfrm>
+            <a:off x="5880336" y="279140"/>
+            <a:ext cx="4209691" cy="225034"/>
+          </a:xfrm>
+          <a:prstGeom prst="rect">
+            <a:avLst/>
+          </a:prstGeom>
+          <a:noFill/>
+          <a:ln w="28575">
+            <a:solidFill>
+              <a:schemeClr val="accent1"/>
+            </a:solidFill>
+          </a:ln>
+        </p:spPr>
+        <p:style>
+          <a:lnRef idx="2">
+            <a:schemeClr val="accent1">
+              <a:shade val="50000"/>
+            </a:schemeClr>
+          </a:lnRef>
+          <a:fillRef idx="1">
+            <a:schemeClr val="accent1"/>
+          </a:fillRef>
+          <a:effectRef idx="0">
+            <a:schemeClr val="accent1"/>
+          </a:effectRef>
+          <a:fontRef idx="minor">
+            <a:schemeClr val="lt1"/>
+          </a:fontRef>
+        </p:style>
+        <p:txBody>
+          <a:bodyPr rtlCol="0" anchor="ctr"/>
+          <a:lstStyle/>
+          <a:p>
+            <a:pPr algn="ctr"/>
+            <a:endParaRPr lang="en-GB">
+              <a:noFill/>
+            </a:endParaRPr>
+          </a:p>
+        </p:txBody>
+      </p:sp>
+      <p:sp>
+        <p:nvSpPr>
+          <p:cNvPr id="46" name="Rectangle 45">
+            <a:extLst>
+              <a:ext uri="{FF2B5EF4-FFF2-40B4-BE49-F238E27FC236}">
+                <a16:creationId xmlns:a16="http://schemas.microsoft.com/office/drawing/2014/main" id="{28B90973-3A48-4478-D7D0-2BB4E2446DDC}"/>
+              </a:ext>
+            </a:extLst>
+          </p:cNvPr>
+          <p:cNvSpPr/>
+          <p:nvPr/>
+        </p:nvSpPr>
+        <p:spPr>
+          <a:xfrm>
+            <a:off x="5894896" y="278336"/>
+            <a:ext cx="1472062" cy="225034"/>
+          </a:xfrm>
+          <a:prstGeom prst="rect">
+            <a:avLst/>
+          </a:prstGeom>
+          <a:solidFill>
+            <a:schemeClr val="accent1"/>
+          </a:solidFill>
+          <a:ln w="28575">
+            <a:solidFill>
+              <a:schemeClr val="accent1"/>
+            </a:solidFill>
+          </a:ln>
+        </p:spPr>
+        <p:style>
+          <a:lnRef idx="2">
+            <a:schemeClr val="accent1">
+              <a:shade val="50000"/>
+            </a:schemeClr>
+          </a:lnRef>
+          <a:fillRef idx="1">
+            <a:schemeClr val="accent1"/>
+          </a:fillRef>
+          <a:effectRef idx="0">
+            <a:schemeClr val="accent1"/>
+          </a:effectRef>
+          <a:fontRef idx="minor">
+            <a:schemeClr val="lt1"/>
+          </a:fontRef>
+        </p:style>
+        <p:txBody>
+          <a:bodyPr rtlCol="0" anchor="ctr"/>
+          <a:lstStyle/>
+          <a:p>
+            <a:pPr algn="ctr"/>
+            <a:endParaRPr lang="en-GB">
+              <a:noFill/>
+            </a:endParaRPr>
+          </a:p>
+        </p:txBody>
+      </p:sp>
+      <p:sp>
+        <p:nvSpPr>
+          <p:cNvPr id="47" name="TextBox 46">
+            <a:extLst>
+              <a:ext uri="{FF2B5EF4-FFF2-40B4-BE49-F238E27FC236}">
+                <a16:creationId xmlns:a16="http://schemas.microsoft.com/office/drawing/2014/main" id="{411826B8-74A4-4191-3144-B6CD780D2D51}"/>
+              </a:ext>
+            </a:extLst>
+          </p:cNvPr>
+          <p:cNvSpPr txBox="1"/>
+          <p:nvPr/>
+        </p:nvSpPr>
+        <p:spPr>
+          <a:xfrm>
+            <a:off x="5880336" y="222955"/>
+            <a:ext cx="2375143" cy="307777"/>
+          </a:xfrm>
+          <a:prstGeom prst="rect">
+            <a:avLst/>
+          </a:prstGeom>
+          <a:noFill/>
+        </p:spPr>
+        <p:txBody>
+          <a:bodyPr wrap="square" rtlCol="0">
+            <a:spAutoFit/>
+          </a:bodyPr>
+          <a:lstStyle/>
+          <a:p>
+            <a:r>
+              <a:rPr lang="en-GB" sz="1400" dirty="0">
+                <a:solidFill>
+                  <a:schemeClr val="bg1"/>
+                </a:solidFill>
+              </a:rPr>
+              <a:t>Selected Language</a:t>
+            </a:r>
+          </a:p>
+        </p:txBody>
+      </p:sp>
+      <p:sp>
+        <p:nvSpPr>
+          <p:cNvPr id="48" name="TextBox 47">
+            <a:extLst>
+              <a:ext uri="{FF2B5EF4-FFF2-40B4-BE49-F238E27FC236}">
+                <a16:creationId xmlns:a16="http://schemas.microsoft.com/office/drawing/2014/main" id="{D3342CDC-29D2-7EBA-990C-404DFC687457}"/>
+              </a:ext>
+            </a:extLst>
+          </p:cNvPr>
+          <p:cNvSpPr txBox="1"/>
+          <p:nvPr/>
+        </p:nvSpPr>
+        <p:spPr>
+          <a:xfrm>
+            <a:off x="7381518" y="252352"/>
+            <a:ext cx="614271" cy="276999"/>
+          </a:xfrm>
+          <a:prstGeom prst="rect">
+            <a:avLst/>
+          </a:prstGeom>
+          <a:noFill/>
+        </p:spPr>
+        <p:txBody>
+          <a:bodyPr wrap="none" rtlCol="0">
+            <a:spAutoFit/>
+          </a:bodyPr>
+          <a:lstStyle/>
+          <a:p>
+            <a:r>
+              <a:rPr lang="en-GB" sz="1200" dirty="0" err="1"/>
+              <a:t>Csharp</a:t>
+            </a:r>
+            <a:endParaRPr lang="en-GB" sz="1200" dirty="0"/>
+          </a:p>
+        </p:txBody>
+      </p:sp>
+      <p:grpSp>
+        <p:nvGrpSpPr>
+          <p:cNvPr id="36" name="Group 35">
+            <a:extLst>
+              <a:ext uri="{FF2B5EF4-FFF2-40B4-BE49-F238E27FC236}">
+                <a16:creationId xmlns:a16="http://schemas.microsoft.com/office/drawing/2014/main" id="{EE9A3DFF-0602-72C1-4DC1-8103C699CC30}"/>
+              </a:ext>
+            </a:extLst>
+          </p:cNvPr>
+          <p:cNvGrpSpPr/>
+          <p:nvPr/>
+        </p:nvGrpSpPr>
+        <p:grpSpPr>
+          <a:xfrm>
+            <a:off x="1384569" y="3551743"/>
             <a:ext cx="4209693" cy="2632546"/>
             <a:chOff x="1449236" y="697250"/>
             <a:chExt cx="4209693" cy="2632546"/>
@@ -5523,10 +8231,10 @@
       </p:grpSp>
       <p:grpSp>
         <p:nvGrpSpPr>
-          <p:cNvPr id="37" name="Group 36">
-            <a:extLst>
-              <a:ext uri="{FF2B5EF4-FFF2-40B4-BE49-F238E27FC236}">
-                <a16:creationId xmlns:a16="http://schemas.microsoft.com/office/drawing/2014/main" id="{9423F32F-E978-59B8-1121-3E8DFAD01120}"/>
+          <p:cNvPr id="55" name="Group 54">
+            <a:extLst>
+              <a:ext uri="{FF2B5EF4-FFF2-40B4-BE49-F238E27FC236}">
+                <a16:creationId xmlns:a16="http://schemas.microsoft.com/office/drawing/2014/main" id="{346263EA-533C-F05B-D18E-048CBA529DBC}"/>
               </a:ext>
             </a:extLst>
           </p:cNvPr>
@@ -5535,18 +8243,211 @@
         </p:nvGrpSpPr>
         <p:grpSpPr>
           <a:xfrm>
-            <a:off x="5880337" y="697250"/>
-            <a:ext cx="4209693" cy="2632546"/>
-            <a:chOff x="5880337" y="697250"/>
-            <a:chExt cx="4209693" cy="2632546"/>
+            <a:off x="1384569" y="746112"/>
+            <a:ext cx="4209694" cy="2632546"/>
+            <a:chOff x="5880336" y="697250"/>
+            <a:chExt cx="4209694" cy="2632546"/>
           </a:xfrm>
         </p:grpSpPr>
+        <p:sp>
+          <p:nvSpPr>
+            <p:cNvPr id="56" name="TextBox 55">
+              <a:extLst>
+                <a:ext uri="{FF2B5EF4-FFF2-40B4-BE49-F238E27FC236}">
+                  <a16:creationId xmlns:a16="http://schemas.microsoft.com/office/drawing/2014/main" id="{55C4D3B7-583D-76BB-8B04-4417DE7465C9}"/>
+                </a:ext>
+              </a:extLst>
+            </p:cNvPr>
+            <p:cNvSpPr txBox="1"/>
+            <p:nvPr/>
+          </p:nvSpPr>
+          <p:spPr>
+            <a:xfrm>
+              <a:off x="5880336" y="2065632"/>
+              <a:ext cx="4209693" cy="1107996"/>
+            </a:xfrm>
+            <a:prstGeom prst="rect">
+              <a:avLst/>
+            </a:prstGeom>
+            <a:solidFill>
+              <a:schemeClr val="bg1"/>
+            </a:solidFill>
+            <a:ln>
+              <a:noFill/>
+            </a:ln>
+          </p:spPr>
+          <p:txBody>
+            <a:bodyPr wrap="square" rtlCol="0">
+              <a:spAutoFit/>
+            </a:bodyPr>
+            <a:lstStyle/>
+            <a:p>
+              <a:r>
+                <a:rPr lang="en-GB" sz="1100" dirty="0">
+                  <a:latin typeface="Consolas" panose="020B0609020204030204" pitchFamily="49" charset="0"/>
+                </a:rPr>
+                <a:t>&gt; </a:t>
+              </a:r>
+            </a:p>
+            <a:p>
+              <a:endParaRPr lang="en-GB" sz="1100" dirty="0">
+                <a:latin typeface="Consolas" panose="020B0609020204030204" pitchFamily="49" charset="0"/>
+              </a:endParaRPr>
+            </a:p>
+            <a:p>
+              <a:endParaRPr lang="en-GB" sz="1100" dirty="0">
+                <a:latin typeface="Consolas" panose="020B0609020204030204" pitchFamily="49" charset="0"/>
+              </a:endParaRPr>
+            </a:p>
+            <a:p>
+              <a:endParaRPr lang="en-GB" sz="1100" dirty="0">
+                <a:latin typeface="Consolas" panose="020B0609020204030204" pitchFamily="49" charset="0"/>
+              </a:endParaRPr>
+            </a:p>
+            <a:p>
+              <a:endParaRPr lang="en-GB" sz="1100" dirty="0">
+                <a:latin typeface="Consolas" panose="020B0609020204030204" pitchFamily="49" charset="0"/>
+              </a:endParaRPr>
+            </a:p>
+            <a:p>
+              <a:endParaRPr lang="en-GB" sz="1100" dirty="0">
+                <a:latin typeface="Consolas" panose="020B0609020204030204" pitchFamily="49" charset="0"/>
+              </a:endParaRPr>
+            </a:p>
+          </p:txBody>
+        </p:sp>
+        <p:sp>
+          <p:nvSpPr>
+            <p:cNvPr id="57" name="TextBox 56">
+              <a:extLst>
+                <a:ext uri="{FF2B5EF4-FFF2-40B4-BE49-F238E27FC236}">
+                  <a16:creationId xmlns:a16="http://schemas.microsoft.com/office/drawing/2014/main" id="{6A429991-EF8F-7178-A06C-234EF4E1F2E3}"/>
+                </a:ext>
+              </a:extLst>
+            </p:cNvPr>
+            <p:cNvSpPr txBox="1"/>
+            <p:nvPr/>
+          </p:nvSpPr>
+          <p:spPr>
+            <a:xfrm>
+              <a:off x="5880336" y="957636"/>
+              <a:ext cx="4209693" cy="1107996"/>
+            </a:xfrm>
+            <a:prstGeom prst="rect">
+              <a:avLst/>
+            </a:prstGeom>
+            <a:solidFill>
+              <a:schemeClr val="accent1">
+                <a:lumMod val="20000"/>
+                <a:lumOff val="80000"/>
+              </a:schemeClr>
+            </a:solidFill>
+            <a:ln>
+              <a:noFill/>
+            </a:ln>
+          </p:spPr>
+          <p:txBody>
+            <a:bodyPr wrap="square" rtlCol="0">
+              <a:spAutoFit/>
+            </a:bodyPr>
+            <a:lstStyle/>
+            <a:p>
+              <a:endParaRPr lang="en-GB" sz="1100" dirty="0">
+                <a:latin typeface="Consolas" panose="020B0609020204030204" pitchFamily="49" charset="0"/>
+              </a:endParaRPr>
+            </a:p>
+            <a:p>
+              <a:endParaRPr lang="en-GB" sz="1100" dirty="0">
+                <a:latin typeface="Consolas" panose="020B0609020204030204" pitchFamily="49" charset="0"/>
+              </a:endParaRPr>
+            </a:p>
+            <a:p>
+              <a:endParaRPr lang="en-GB" sz="1100" dirty="0">
+                <a:latin typeface="Consolas" panose="020B0609020204030204" pitchFamily="49" charset="0"/>
+              </a:endParaRPr>
+            </a:p>
+            <a:p>
+              <a:endParaRPr lang="en-GB" sz="1100" dirty="0">
+                <a:latin typeface="Consolas" panose="020B0609020204030204" pitchFamily="49" charset="0"/>
+              </a:endParaRPr>
+            </a:p>
+            <a:p>
+              <a:endParaRPr lang="en-GB" sz="1100" dirty="0">
+                <a:latin typeface="Consolas" panose="020B0609020204030204" pitchFamily="49" charset="0"/>
+              </a:endParaRPr>
+            </a:p>
+            <a:p>
+              <a:endParaRPr lang="en-GB" sz="1100" dirty="0">
+                <a:latin typeface="Consolas" panose="020B0609020204030204" pitchFamily="49" charset="0"/>
+              </a:endParaRPr>
+            </a:p>
+          </p:txBody>
+        </p:sp>
+        <p:sp>
+          <p:nvSpPr>
+            <p:cNvPr id="58" name="TextBox 57">
+              <a:extLst>
+                <a:ext uri="{FF2B5EF4-FFF2-40B4-BE49-F238E27FC236}">
+                  <a16:creationId xmlns:a16="http://schemas.microsoft.com/office/drawing/2014/main" id="{D4749DA0-4252-97FF-5ABE-08C0AB645EA4}"/>
+                </a:ext>
+              </a:extLst>
+            </p:cNvPr>
+            <p:cNvSpPr txBox="1"/>
+            <p:nvPr/>
+          </p:nvSpPr>
+          <p:spPr>
+            <a:xfrm>
+              <a:off x="5880336" y="926648"/>
+              <a:ext cx="4209693" cy="430887"/>
+            </a:xfrm>
+            <a:prstGeom prst="rect">
+              <a:avLst/>
+            </a:prstGeom>
+            <a:solidFill>
+              <a:schemeClr val="accent1">
+                <a:lumMod val="20000"/>
+                <a:lumOff val="80000"/>
+              </a:schemeClr>
+            </a:solidFill>
+            <a:ln>
+              <a:noFill/>
+            </a:ln>
+          </p:spPr>
+          <p:txBody>
+            <a:bodyPr wrap="square" rtlCol="0">
+              <a:spAutoFit/>
+            </a:bodyPr>
+            <a:lstStyle/>
+            <a:p>
+              <a:r>
+                <a:rPr lang="en-GB" sz="1100" dirty="0">
+                  <a:solidFill>
+                    <a:schemeClr val="accent1"/>
+                  </a:solidFill>
+                  <a:latin typeface="Consolas" panose="020B0609020204030204" pitchFamily="49" charset="0"/>
+                </a:rPr>
+                <a:t>&gt; Square(3 + 4)</a:t>
+              </a:r>
+            </a:p>
+            <a:p>
+              <a:r>
+                <a:rPr lang="en-GB" sz="1100" dirty="0">
+                  <a:solidFill>
+                    <a:schemeClr val="accent1"/>
+                  </a:solidFill>
+                  <a:latin typeface="Consolas" panose="020B0609020204030204" pitchFamily="49" charset="0"/>
+                </a:rPr>
+                <a:t>49</a:t>
+              </a:r>
+            </a:p>
+          </p:txBody>
+        </p:sp>
         <p:grpSp>
           <p:nvGrpSpPr>
-            <p:cNvPr id="8" name="Group 7">
+            <p:cNvPr id="59" name="Group 58">
               <a:extLst>
                 <a:ext uri="{FF2B5EF4-FFF2-40B4-BE49-F238E27FC236}">
-                  <a16:creationId xmlns:a16="http://schemas.microsoft.com/office/drawing/2014/main" id="{5AF624CD-11C8-9D53-2E6D-BE61C5D8F898}"/>
+                  <a16:creationId xmlns:a16="http://schemas.microsoft.com/office/drawing/2014/main" id="{B3BDE372-7CE6-7567-9665-D863BF554EEC}"/>
                 </a:ext>
               </a:extLst>
             </p:cNvPr>
@@ -5563,10 +8464,10 @@
           </p:grpSpPr>
           <p:sp>
             <p:nvSpPr>
-              <p:cNvPr id="9" name="Rectangle 8">
+              <p:cNvPr id="60" name="Rectangle 59">
                 <a:extLst>
                   <a:ext uri="{FF2B5EF4-FFF2-40B4-BE49-F238E27FC236}">
-                    <a16:creationId xmlns:a16="http://schemas.microsoft.com/office/drawing/2014/main" id="{A10DFA47-D84A-29A1-50A3-18033A4BDE57}"/>
+                    <a16:creationId xmlns:a16="http://schemas.microsoft.com/office/drawing/2014/main" id="{9400654C-2635-7F74-A2EE-539349982BDA}"/>
                   </a:ext>
                 </a:extLst>
               </p:cNvPr>
@@ -5617,10 +8518,10 @@
           </p:sp>
           <p:sp>
             <p:nvSpPr>
-              <p:cNvPr id="10" name="Rectangle 9">
+              <p:cNvPr id="61" name="Rectangle 60">
                 <a:extLst>
                   <a:ext uri="{FF2B5EF4-FFF2-40B4-BE49-F238E27FC236}">
-                    <a16:creationId xmlns:a16="http://schemas.microsoft.com/office/drawing/2014/main" id="{861DBE38-99AE-3F84-5C3D-D4BA64B35E4F}"/>
+                    <a16:creationId xmlns:a16="http://schemas.microsoft.com/office/drawing/2014/main" id="{DE383ECE-D307-5879-30FE-47C3828B03E4}"/>
                   </a:ext>
                 </a:extLst>
               </p:cNvPr>
@@ -5629,2685 +8530,8 @@
             </p:nvSpPr>
             <p:spPr>
               <a:xfrm>
-                <a:off x="1397478" y="2320506"/>
-                <a:ext cx="4416725" cy="201283"/>
-              </a:xfrm>
-              <a:prstGeom prst="rect">
-                <a:avLst/>
-              </a:prstGeom>
-              <a:solidFill>
-                <a:schemeClr val="accent1"/>
-              </a:solidFill>
-              <a:ln w="28575">
-                <a:solidFill>
-                  <a:schemeClr val="accent1"/>
-                </a:solidFill>
-              </a:ln>
-            </p:spPr>
-            <p:style>
-              <a:lnRef idx="2">
-                <a:schemeClr val="accent1">
-                  <a:shade val="50000"/>
-                </a:schemeClr>
-              </a:lnRef>
-              <a:fillRef idx="1">
-                <a:schemeClr val="accent1"/>
-              </a:fillRef>
-              <a:effectRef idx="0">
-                <a:schemeClr val="accent1"/>
-              </a:effectRef>
-              <a:fontRef idx="minor">
-                <a:schemeClr val="lt1"/>
-              </a:fontRef>
-            </p:style>
-            <p:txBody>
-              <a:bodyPr rtlCol="0" anchor="ctr"/>
-              <a:lstStyle/>
-              <a:p>
-                <a:pPr algn="ctr"/>
-                <a:endParaRPr lang="en-GB">
-                  <a:noFill/>
-                </a:endParaRPr>
-              </a:p>
-            </p:txBody>
-          </p:sp>
-          <p:sp>
-            <p:nvSpPr>
-              <p:cNvPr id="11" name="TextBox 10">
-                <a:extLst>
-                  <a:ext uri="{FF2B5EF4-FFF2-40B4-BE49-F238E27FC236}">
-                    <a16:creationId xmlns:a16="http://schemas.microsoft.com/office/drawing/2014/main" id="{8EB7C80D-1B7C-E7D1-3318-BB5A22EF7E87}"/>
-                  </a:ext>
-                </a:extLst>
-              </p:cNvPr>
-              <p:cNvSpPr txBox="1"/>
-              <p:nvPr/>
-            </p:nvSpPr>
-            <p:spPr>
-              <a:xfrm>
-                <a:off x="1397477" y="2267258"/>
-                <a:ext cx="1862604" cy="348118"/>
-              </a:xfrm>
-              <a:prstGeom prst="rect">
-                <a:avLst/>
-              </a:prstGeom>
-              <a:noFill/>
-            </p:spPr>
-            <p:txBody>
-              <a:bodyPr wrap="none" rtlCol="0">
-                <a:spAutoFit/>
-              </a:bodyPr>
-              <a:lstStyle/>
-              <a:p>
-                <a:r>
-                  <a:rPr lang="en-GB" sz="1400" dirty="0">
-                    <a:solidFill>
-                      <a:schemeClr val="bg1"/>
-                    </a:solidFill>
-                  </a:rPr>
-                  <a:t>Expression evaluation</a:t>
-                </a:r>
-              </a:p>
-            </p:txBody>
-          </p:sp>
-        </p:grpSp>
-        <p:sp>
-          <p:nvSpPr>
-            <p:cNvPr id="23" name="TextBox 22">
-              <a:extLst>
-                <a:ext uri="{FF2B5EF4-FFF2-40B4-BE49-F238E27FC236}">
-                  <a16:creationId xmlns:a16="http://schemas.microsoft.com/office/drawing/2014/main" id="{D8751398-2032-77D5-F7EF-FECC4CF9AF36}"/>
-                </a:ext>
-              </a:extLst>
-            </p:cNvPr>
-            <p:cNvSpPr txBox="1"/>
-            <p:nvPr/>
-          </p:nvSpPr>
-          <p:spPr>
-            <a:xfrm>
-              <a:off x="5972354" y="994086"/>
-              <a:ext cx="1204176" cy="769441"/>
-            </a:xfrm>
-            <a:prstGeom prst="rect">
-              <a:avLst/>
-            </a:prstGeom>
-            <a:noFill/>
-          </p:spPr>
-          <p:txBody>
-            <a:bodyPr wrap="none" rtlCol="0">
-              <a:spAutoFit/>
-            </a:bodyPr>
-            <a:lstStyle/>
-            <a:p>
-              <a:pPr marL="171450" indent="-171450">
-                <a:buFont typeface="Wingdings" panose="05000000000000000000" pitchFamily="2" charset="2"/>
-                <a:buChar char="Ø"/>
-              </a:pPr>
-              <a:r>
-                <a:rPr lang="en-GB" sz="1100" dirty="0">
-                  <a:latin typeface="Consolas" panose="020B0609020204030204" pitchFamily="49" charset="0"/>
-                </a:rPr>
-                <a:t>3+4</a:t>
-              </a:r>
-            </a:p>
-            <a:p>
-              <a:pPr marL="171450" indent="-171450">
-                <a:buFont typeface="Wingdings" panose="05000000000000000000" pitchFamily="2" charset="2"/>
-                <a:buChar char="Ø"/>
-              </a:pPr>
-              <a:r>
-                <a:rPr lang="en-GB" sz="1100" dirty="0">
-                  <a:latin typeface="Consolas" panose="020B0609020204030204" pitchFamily="49" charset="0"/>
-                </a:rPr>
-                <a:t>7</a:t>
-              </a:r>
-            </a:p>
-            <a:p>
-              <a:pPr marL="171450" indent="-171450">
-                <a:buFont typeface="Wingdings" panose="05000000000000000000" pitchFamily="2" charset="2"/>
-                <a:buChar char="Ø"/>
-              </a:pPr>
-              <a:r>
-                <a:rPr lang="en-GB" sz="1100" dirty="0">
-                  <a:latin typeface="Consolas" panose="020B0609020204030204" pitchFamily="49" charset="0"/>
-                </a:rPr>
-                <a:t>Square(3+4)</a:t>
-              </a:r>
-            </a:p>
-            <a:p>
-              <a:pPr marL="171450" indent="-171450">
-                <a:buFont typeface="Wingdings" panose="05000000000000000000" pitchFamily="2" charset="2"/>
-                <a:buChar char="Ø"/>
-              </a:pPr>
-              <a:r>
-                <a:rPr lang="en-GB" sz="1100" dirty="0">
-                  <a:latin typeface="Consolas" panose="020B0609020204030204" pitchFamily="49" charset="0"/>
-                </a:rPr>
-                <a:t>49</a:t>
-              </a:r>
-            </a:p>
-          </p:txBody>
-        </p:sp>
-        <p:sp>
-          <p:nvSpPr>
-            <p:cNvPr id="26" name="TextBox 25">
-              <a:extLst>
-                <a:ext uri="{FF2B5EF4-FFF2-40B4-BE49-F238E27FC236}">
-                  <a16:creationId xmlns:a16="http://schemas.microsoft.com/office/drawing/2014/main" id="{6E04CE6C-9CC9-B792-9BAC-DEDF3742F095}"/>
-                </a:ext>
-              </a:extLst>
-            </p:cNvPr>
-            <p:cNvSpPr txBox="1"/>
-            <p:nvPr/>
-          </p:nvSpPr>
-          <p:spPr>
-            <a:xfrm>
-              <a:off x="9489056" y="2973282"/>
-              <a:ext cx="479618" cy="261610"/>
-            </a:xfrm>
-            <a:prstGeom prst="rect">
-              <a:avLst/>
-            </a:prstGeom>
-            <a:solidFill>
-              <a:schemeClr val="accent1">
-                <a:lumMod val="40000"/>
-                <a:lumOff val="60000"/>
-              </a:schemeClr>
-            </a:solidFill>
-          </p:spPr>
-          <p:txBody>
-            <a:bodyPr wrap="none" rtlCol="0">
-              <a:spAutoFit/>
-            </a:bodyPr>
-            <a:lstStyle/>
-            <a:p>
-              <a:r>
-                <a:rPr lang="en-GB" sz="1100" dirty="0"/>
-                <a:t>Clear</a:t>
-              </a:r>
-            </a:p>
-          </p:txBody>
-        </p:sp>
-      </p:grpSp>
-      <p:grpSp>
-        <p:nvGrpSpPr>
-          <p:cNvPr id="2" name="Group 1">
-            <a:extLst>
-              <a:ext uri="{FF2B5EF4-FFF2-40B4-BE49-F238E27FC236}">
-                <a16:creationId xmlns:a16="http://schemas.microsoft.com/office/drawing/2014/main" id="{B1083898-9868-E1D8-1C5C-1EEB64A91BCB}"/>
-              </a:ext>
-            </a:extLst>
-          </p:cNvPr>
-          <p:cNvGrpSpPr/>
-          <p:nvPr/>
-        </p:nvGrpSpPr>
-        <p:grpSpPr>
-          <a:xfrm>
-            <a:off x="1449236" y="3528205"/>
-            <a:ext cx="4209693" cy="2632546"/>
-            <a:chOff x="1449236" y="3528205"/>
-            <a:chExt cx="4209693" cy="2632546"/>
-          </a:xfrm>
-        </p:grpSpPr>
-        <p:grpSp>
-          <p:nvGrpSpPr>
-            <p:cNvPr id="12" name="Group 11">
-              <a:extLst>
-                <a:ext uri="{FF2B5EF4-FFF2-40B4-BE49-F238E27FC236}">
-                  <a16:creationId xmlns:a16="http://schemas.microsoft.com/office/drawing/2014/main" id="{62C12198-93BB-DF69-55A5-6477F8A948B9}"/>
-                </a:ext>
-              </a:extLst>
-            </p:cNvPr>
-            <p:cNvGrpSpPr/>
-            <p:nvPr/>
-          </p:nvGrpSpPr>
-          <p:grpSpPr>
-            <a:xfrm>
-              <a:off x="1449236" y="3528205"/>
-              <a:ext cx="4209693" cy="2632546"/>
-              <a:chOff x="1397477" y="2267258"/>
-              <a:chExt cx="4416727" cy="2977602"/>
-            </a:xfrm>
-          </p:grpSpPr>
-          <p:sp>
-            <p:nvSpPr>
-              <p:cNvPr id="13" name="Rectangle 12">
-                <a:extLst>
-                  <a:ext uri="{FF2B5EF4-FFF2-40B4-BE49-F238E27FC236}">
-                    <a16:creationId xmlns:a16="http://schemas.microsoft.com/office/drawing/2014/main" id="{919DCA3C-E2C6-06A5-0DCD-D962994FAB09}"/>
-                  </a:ext>
-                </a:extLst>
-              </p:cNvPr>
-              <p:cNvSpPr/>
-              <p:nvPr/>
-            </p:nvSpPr>
-            <p:spPr>
-              <a:xfrm>
-                <a:off x="1397479" y="2320506"/>
-                <a:ext cx="4416725" cy="2924354"/>
-              </a:xfrm>
-              <a:prstGeom prst="rect">
-                <a:avLst/>
-              </a:prstGeom>
-              <a:noFill/>
-              <a:ln w="28575">
-                <a:solidFill>
-                  <a:schemeClr val="accent1"/>
-                </a:solidFill>
-              </a:ln>
-            </p:spPr>
-            <p:style>
-              <a:lnRef idx="2">
-                <a:schemeClr val="accent1">
-                  <a:shade val="50000"/>
-                </a:schemeClr>
-              </a:lnRef>
-              <a:fillRef idx="1">
-                <a:schemeClr val="accent1"/>
-              </a:fillRef>
-              <a:effectRef idx="0">
-                <a:schemeClr val="accent1"/>
-              </a:effectRef>
-              <a:fontRef idx="minor">
-                <a:schemeClr val="lt1"/>
-              </a:fontRef>
-            </p:style>
-            <p:txBody>
-              <a:bodyPr rtlCol="0" anchor="ctr"/>
-              <a:lstStyle/>
-              <a:p>
-                <a:pPr algn="ctr"/>
-                <a:endParaRPr lang="en-GB">
-                  <a:noFill/>
-                </a:endParaRPr>
-              </a:p>
-            </p:txBody>
-          </p:sp>
-          <p:sp>
-            <p:nvSpPr>
-              <p:cNvPr id="14" name="Rectangle 13">
-                <a:extLst>
-                  <a:ext uri="{FF2B5EF4-FFF2-40B4-BE49-F238E27FC236}">
-                    <a16:creationId xmlns:a16="http://schemas.microsoft.com/office/drawing/2014/main" id="{52ADCCBA-0B34-1AB1-CE76-578BD2A8639E}"/>
-                  </a:ext>
-                </a:extLst>
-              </p:cNvPr>
-              <p:cNvSpPr/>
-              <p:nvPr/>
-            </p:nvSpPr>
-            <p:spPr>
-              <a:xfrm>
-                <a:off x="1397478" y="2320506"/>
-                <a:ext cx="4416725" cy="201283"/>
-              </a:xfrm>
-              <a:prstGeom prst="rect">
-                <a:avLst/>
-              </a:prstGeom>
-              <a:solidFill>
-                <a:schemeClr val="accent1"/>
-              </a:solidFill>
-              <a:ln w="28575">
-                <a:solidFill>
-                  <a:schemeClr val="accent1"/>
-                </a:solidFill>
-              </a:ln>
-            </p:spPr>
-            <p:style>
-              <a:lnRef idx="2">
-                <a:schemeClr val="accent1">
-                  <a:shade val="50000"/>
-                </a:schemeClr>
-              </a:lnRef>
-              <a:fillRef idx="1">
-                <a:schemeClr val="accent1"/>
-              </a:fillRef>
-              <a:effectRef idx="0">
-                <a:schemeClr val="accent1"/>
-              </a:effectRef>
-              <a:fontRef idx="minor">
-                <a:schemeClr val="lt1"/>
-              </a:fontRef>
-            </p:style>
-            <p:txBody>
-              <a:bodyPr rtlCol="0" anchor="ctr"/>
-              <a:lstStyle/>
-              <a:p>
-                <a:pPr algn="ctr"/>
-                <a:endParaRPr lang="en-GB">
-                  <a:noFill/>
-                </a:endParaRPr>
-              </a:p>
-            </p:txBody>
-          </p:sp>
-          <p:sp>
-            <p:nvSpPr>
-              <p:cNvPr id="15" name="TextBox 14">
-                <a:extLst>
-                  <a:ext uri="{FF2B5EF4-FFF2-40B4-BE49-F238E27FC236}">
-                    <a16:creationId xmlns:a16="http://schemas.microsoft.com/office/drawing/2014/main" id="{6C38BB48-B180-9C4B-CB6E-9EB4D9369B49}"/>
-                  </a:ext>
-                </a:extLst>
-              </p:cNvPr>
-              <p:cNvSpPr txBox="1"/>
-              <p:nvPr/>
-            </p:nvSpPr>
-            <p:spPr>
-              <a:xfrm>
-                <a:off x="1397477" y="2267258"/>
-                <a:ext cx="1083845" cy="348118"/>
-              </a:xfrm>
-              <a:prstGeom prst="rect">
-                <a:avLst/>
-              </a:prstGeom>
-              <a:noFill/>
-            </p:spPr>
-            <p:txBody>
-              <a:bodyPr wrap="none" rtlCol="0">
-                <a:spAutoFit/>
-              </a:bodyPr>
-              <a:lstStyle/>
-              <a:p>
-                <a:r>
-                  <a:rPr lang="en-GB" sz="1400" dirty="0">
-                    <a:solidFill>
-                      <a:schemeClr val="bg1"/>
-                    </a:solidFill>
-                  </a:rPr>
-                  <a:t>Task – 1372</a:t>
-                </a:r>
-              </a:p>
-            </p:txBody>
-          </p:sp>
-        </p:grpSp>
-        <p:sp>
-          <p:nvSpPr>
-            <p:cNvPr id="25" name="TextBox 24">
-              <a:extLst>
-                <a:ext uri="{FF2B5EF4-FFF2-40B4-BE49-F238E27FC236}">
-                  <a16:creationId xmlns:a16="http://schemas.microsoft.com/office/drawing/2014/main" id="{A8E5BA4B-4B49-9D10-43BA-52360D3F87A2}"/>
-                </a:ext>
-              </a:extLst>
-            </p:cNvPr>
-            <p:cNvSpPr txBox="1"/>
-            <p:nvPr/>
-          </p:nvSpPr>
-          <p:spPr>
-            <a:xfrm>
-              <a:off x="1618937" y="3854598"/>
-              <a:ext cx="3953727" cy="1277273"/>
-            </a:xfrm>
-            <a:prstGeom prst="rect">
-              <a:avLst/>
-            </a:prstGeom>
-            <a:noFill/>
-          </p:spPr>
-          <p:txBody>
-            <a:bodyPr wrap="square" rtlCol="0">
-              <a:spAutoFit/>
-            </a:bodyPr>
-            <a:lstStyle/>
-            <a:p>
-              <a:r>
-                <a:rPr lang="en-GB" sz="1100" dirty="0"/>
-                <a:t>Define a function named </a:t>
-              </a:r>
-              <a:r>
-                <a:rPr lang="en-GB" sz="1100" dirty="0">
-                  <a:latin typeface="Consolas" panose="020B0609020204030204" pitchFamily="49" charset="0"/>
-                </a:rPr>
-                <a:t>Square</a:t>
-              </a:r>
-              <a:r>
-                <a:rPr lang="en-GB" sz="1100" dirty="0"/>
-                <a:t> which takes in an integer number and returns the square of that number.</a:t>
-              </a:r>
-            </a:p>
-            <a:p>
-              <a:endParaRPr lang="en-GB" sz="1100" dirty="0"/>
-            </a:p>
-            <a:p>
-              <a:r>
-                <a:rPr lang="en-GB" sz="1100" dirty="0"/>
-                <a:t>For this task you may use any arithmetic operators, but no ready-made functions.</a:t>
-              </a:r>
-            </a:p>
-            <a:p>
-              <a:endParaRPr lang="en-GB" sz="1100" dirty="0"/>
-            </a:p>
-            <a:p>
-              <a:r>
-                <a:rPr lang="en-GB" sz="1100" b="1" dirty="0"/>
-                <a:t>4 marks available</a:t>
-              </a:r>
-            </a:p>
-          </p:txBody>
-        </p:sp>
-        <p:sp>
-          <p:nvSpPr>
-            <p:cNvPr id="27" name="TextBox 26">
-              <a:extLst>
-                <a:ext uri="{FF2B5EF4-FFF2-40B4-BE49-F238E27FC236}">
-                  <a16:creationId xmlns:a16="http://schemas.microsoft.com/office/drawing/2014/main" id="{AE784E84-1915-CAF3-26CF-89662418C462}"/>
-                </a:ext>
-              </a:extLst>
-            </p:cNvPr>
-            <p:cNvSpPr txBox="1"/>
-            <p:nvPr/>
-          </p:nvSpPr>
-          <p:spPr>
-            <a:xfrm>
-              <a:off x="4076742" y="5809707"/>
-              <a:ext cx="1495922" cy="261610"/>
-            </a:xfrm>
-            <a:prstGeom prst="rect">
-              <a:avLst/>
-            </a:prstGeom>
-            <a:solidFill>
-              <a:schemeClr val="accent1">
-                <a:lumMod val="40000"/>
-                <a:lumOff val="60000"/>
-              </a:schemeClr>
-            </a:solidFill>
-          </p:spPr>
-          <p:txBody>
-            <a:bodyPr wrap="none" rtlCol="0">
-              <a:spAutoFit/>
-            </a:bodyPr>
-            <a:lstStyle/>
-            <a:p>
-              <a:r>
-                <a:rPr lang="en-GB" sz="1100" dirty="0"/>
-                <a:t>Submit completed task</a:t>
-              </a:r>
-            </a:p>
-          </p:txBody>
-        </p:sp>
-        <p:sp>
-          <p:nvSpPr>
-            <p:cNvPr id="28" name="TextBox 27">
-              <a:extLst>
-                <a:ext uri="{FF2B5EF4-FFF2-40B4-BE49-F238E27FC236}">
-                  <a16:creationId xmlns:a16="http://schemas.microsoft.com/office/drawing/2014/main" id="{880D4307-B7FD-C7AE-B0C1-8808709736D8}"/>
-                </a:ext>
-              </a:extLst>
-            </p:cNvPr>
-            <p:cNvSpPr txBox="1"/>
-            <p:nvPr/>
-          </p:nvSpPr>
-          <p:spPr>
-            <a:xfrm>
-              <a:off x="1618937" y="5809707"/>
-              <a:ext cx="1709122" cy="261610"/>
-            </a:xfrm>
-            <a:prstGeom prst="rect">
-              <a:avLst/>
-            </a:prstGeom>
-            <a:solidFill>
-              <a:schemeClr val="accent1">
-                <a:lumMod val="40000"/>
-                <a:lumOff val="60000"/>
-              </a:schemeClr>
-            </a:solidFill>
-          </p:spPr>
-          <p:txBody>
-            <a:bodyPr wrap="none" rtlCol="0">
-              <a:spAutoFit/>
-            </a:bodyPr>
-            <a:lstStyle/>
-            <a:p>
-              <a:r>
-                <a:rPr lang="en-GB" sz="1100" dirty="0">
-                  <a:solidFill>
-                    <a:schemeClr val="bg2">
-                      <a:lumMod val="75000"/>
-                    </a:schemeClr>
-                  </a:solidFill>
-                </a:rPr>
-                <a:t>Request next hint (1 mark)</a:t>
-              </a:r>
-            </a:p>
-          </p:txBody>
-        </p:sp>
-      </p:grpSp>
-      <p:grpSp>
-        <p:nvGrpSpPr>
-          <p:cNvPr id="3" name="Group 2">
-            <a:extLst>
-              <a:ext uri="{FF2B5EF4-FFF2-40B4-BE49-F238E27FC236}">
-                <a16:creationId xmlns:a16="http://schemas.microsoft.com/office/drawing/2014/main" id="{3E6F1A31-5B15-2285-700C-A42A19759AC0}"/>
-              </a:ext>
-            </a:extLst>
-          </p:cNvPr>
-          <p:cNvGrpSpPr/>
-          <p:nvPr/>
-        </p:nvGrpSpPr>
-        <p:grpSpPr>
-          <a:xfrm>
-            <a:off x="5880336" y="3528205"/>
-            <a:ext cx="4209693" cy="2632546"/>
-            <a:chOff x="5880336" y="3528205"/>
-            <a:chExt cx="4209693" cy="2632546"/>
-          </a:xfrm>
-        </p:grpSpPr>
-        <p:grpSp>
-          <p:nvGrpSpPr>
-            <p:cNvPr id="16" name="Group 15">
-              <a:extLst>
-                <a:ext uri="{FF2B5EF4-FFF2-40B4-BE49-F238E27FC236}">
-                  <a16:creationId xmlns:a16="http://schemas.microsoft.com/office/drawing/2014/main" id="{8E1C860A-DE8E-3446-EC24-845AFBA88E13}"/>
-                </a:ext>
-              </a:extLst>
-            </p:cNvPr>
-            <p:cNvGrpSpPr/>
-            <p:nvPr/>
-          </p:nvGrpSpPr>
-          <p:grpSpPr>
-            <a:xfrm>
-              <a:off x="5880336" y="3528205"/>
-              <a:ext cx="4209693" cy="2632546"/>
-              <a:chOff x="1397477" y="2267258"/>
-              <a:chExt cx="4416727" cy="2977602"/>
-            </a:xfrm>
-          </p:grpSpPr>
-          <p:sp>
-            <p:nvSpPr>
-              <p:cNvPr id="17" name="Rectangle 16">
-                <a:extLst>
-                  <a:ext uri="{FF2B5EF4-FFF2-40B4-BE49-F238E27FC236}">
-                    <a16:creationId xmlns:a16="http://schemas.microsoft.com/office/drawing/2014/main" id="{D5CCCB07-2B74-1256-DCD9-C95314A9FEA2}"/>
-                  </a:ext>
-                </a:extLst>
-              </p:cNvPr>
-              <p:cNvSpPr/>
-              <p:nvPr/>
-            </p:nvSpPr>
-            <p:spPr>
-              <a:xfrm>
-                <a:off x="1397479" y="2320506"/>
-                <a:ext cx="4416725" cy="2924354"/>
-              </a:xfrm>
-              <a:prstGeom prst="rect">
-                <a:avLst/>
-              </a:prstGeom>
-              <a:noFill/>
-              <a:ln w="28575">
-                <a:solidFill>
-                  <a:schemeClr val="accent1"/>
-                </a:solidFill>
-              </a:ln>
-            </p:spPr>
-            <p:style>
-              <a:lnRef idx="2">
-                <a:schemeClr val="accent1">
-                  <a:shade val="50000"/>
-                </a:schemeClr>
-              </a:lnRef>
-              <a:fillRef idx="1">
-                <a:schemeClr val="accent1"/>
-              </a:fillRef>
-              <a:effectRef idx="0">
-                <a:schemeClr val="accent1"/>
-              </a:effectRef>
-              <a:fontRef idx="minor">
-                <a:schemeClr val="lt1"/>
-              </a:fontRef>
-            </p:style>
-            <p:txBody>
-              <a:bodyPr rtlCol="0" anchor="ctr"/>
-              <a:lstStyle/>
-              <a:p>
-                <a:pPr algn="ctr"/>
-                <a:endParaRPr lang="en-GB">
-                  <a:noFill/>
-                </a:endParaRPr>
-              </a:p>
-            </p:txBody>
-          </p:sp>
-          <p:sp>
-            <p:nvSpPr>
-              <p:cNvPr id="18" name="Rectangle 17">
-                <a:extLst>
-                  <a:ext uri="{FF2B5EF4-FFF2-40B4-BE49-F238E27FC236}">
-                    <a16:creationId xmlns:a16="http://schemas.microsoft.com/office/drawing/2014/main" id="{1DA1CA72-D228-5B2B-B287-E79FD9D0453A}"/>
-                  </a:ext>
-                </a:extLst>
-              </p:cNvPr>
-              <p:cNvSpPr/>
-              <p:nvPr/>
-            </p:nvSpPr>
-            <p:spPr>
-              <a:xfrm>
-                <a:off x="1397478" y="2320506"/>
-                <a:ext cx="4416725" cy="201283"/>
-              </a:xfrm>
-              <a:prstGeom prst="rect">
-                <a:avLst/>
-              </a:prstGeom>
-              <a:solidFill>
-                <a:schemeClr val="accent1"/>
-              </a:solidFill>
-              <a:ln w="28575">
-                <a:solidFill>
-                  <a:schemeClr val="accent1"/>
-                </a:solidFill>
-              </a:ln>
-            </p:spPr>
-            <p:style>
-              <a:lnRef idx="2">
-                <a:schemeClr val="accent1">
-                  <a:shade val="50000"/>
-                </a:schemeClr>
-              </a:lnRef>
-              <a:fillRef idx="1">
-                <a:schemeClr val="accent1"/>
-              </a:fillRef>
-              <a:effectRef idx="0">
-                <a:schemeClr val="accent1"/>
-              </a:effectRef>
-              <a:fontRef idx="minor">
-                <a:schemeClr val="lt1"/>
-              </a:fontRef>
-            </p:style>
-            <p:txBody>
-              <a:bodyPr rtlCol="0" anchor="ctr"/>
-              <a:lstStyle/>
-              <a:p>
-                <a:pPr algn="ctr"/>
-                <a:endParaRPr lang="en-GB">
-                  <a:noFill/>
-                </a:endParaRPr>
-              </a:p>
-            </p:txBody>
-          </p:sp>
-          <p:sp>
-            <p:nvSpPr>
-              <p:cNvPr id="19" name="TextBox 18">
-                <a:extLst>
-                  <a:ext uri="{FF2B5EF4-FFF2-40B4-BE49-F238E27FC236}">
-                    <a16:creationId xmlns:a16="http://schemas.microsoft.com/office/drawing/2014/main" id="{F2B50850-B7B2-BF5A-6CB4-FEBF17E232D2}"/>
-                  </a:ext>
-                </a:extLst>
-              </p:cNvPr>
-              <p:cNvSpPr txBox="1"/>
-              <p:nvPr/>
-            </p:nvSpPr>
-            <p:spPr>
-              <a:xfrm>
-                <a:off x="1397477" y="2267258"/>
-                <a:ext cx="919226" cy="348118"/>
-              </a:xfrm>
-              <a:prstGeom prst="rect">
-                <a:avLst/>
-              </a:prstGeom>
-              <a:noFill/>
-            </p:spPr>
-            <p:txBody>
-              <a:bodyPr wrap="none" rtlCol="0">
-                <a:spAutoFit/>
-              </a:bodyPr>
-              <a:lstStyle/>
-              <a:p>
-                <a:r>
-                  <a:rPr lang="en-GB" sz="1400" dirty="0">
-                    <a:solidFill>
-                      <a:schemeClr val="bg1"/>
-                    </a:solidFill>
-                  </a:rPr>
-                  <a:t>Feedback</a:t>
-                </a:r>
-              </a:p>
-            </p:txBody>
-          </p:sp>
-        </p:grpSp>
-        <p:sp>
-          <p:nvSpPr>
-            <p:cNvPr id="24" name="TextBox 23">
-              <a:extLst>
-                <a:ext uri="{FF2B5EF4-FFF2-40B4-BE49-F238E27FC236}">
-                  <a16:creationId xmlns:a16="http://schemas.microsoft.com/office/drawing/2014/main" id="{3AE71413-2FD8-DD6F-D934-1418B4499E2E}"/>
-                </a:ext>
-              </a:extLst>
-            </p:cNvPr>
-            <p:cNvSpPr txBox="1"/>
-            <p:nvPr/>
-          </p:nvSpPr>
-          <p:spPr>
-            <a:xfrm>
-              <a:off x="5972354" y="3883059"/>
-              <a:ext cx="1726755" cy="261610"/>
-            </a:xfrm>
-            <a:prstGeom prst="rect">
-              <a:avLst/>
-            </a:prstGeom>
-            <a:noFill/>
-          </p:spPr>
-          <p:txBody>
-            <a:bodyPr wrap="none" rtlCol="0">
-              <a:spAutoFit/>
-            </a:bodyPr>
-            <a:lstStyle/>
-            <a:p>
-              <a:r>
-                <a:rPr lang="en-GB" sz="1100" dirty="0">
-                  <a:solidFill>
-                    <a:srgbClr val="00B050"/>
-                  </a:solidFill>
-                </a:rPr>
-                <a:t>All tests for Square passed.</a:t>
-              </a:r>
-            </a:p>
-          </p:txBody>
-        </p:sp>
-        <p:sp>
-          <p:nvSpPr>
-            <p:cNvPr id="35" name="TextBox 34">
-              <a:extLst>
-                <a:ext uri="{FF2B5EF4-FFF2-40B4-BE49-F238E27FC236}">
-                  <a16:creationId xmlns:a16="http://schemas.microsoft.com/office/drawing/2014/main" id="{F168DB02-2B09-04EB-5EB5-46E56D7A9BB8}"/>
-                </a:ext>
-              </a:extLst>
-            </p:cNvPr>
-            <p:cNvSpPr txBox="1"/>
-            <p:nvPr/>
-          </p:nvSpPr>
-          <p:spPr>
-            <a:xfrm>
-              <a:off x="9489056" y="5809707"/>
-              <a:ext cx="479618" cy="261610"/>
-            </a:xfrm>
-            <a:prstGeom prst="rect">
-              <a:avLst/>
-            </a:prstGeom>
-            <a:solidFill>
-              <a:schemeClr val="accent1">
-                <a:lumMod val="40000"/>
-                <a:lumOff val="60000"/>
-              </a:schemeClr>
-            </a:solidFill>
-          </p:spPr>
-          <p:txBody>
-            <a:bodyPr wrap="none" rtlCol="0">
-              <a:spAutoFit/>
-            </a:bodyPr>
-            <a:lstStyle/>
-            <a:p>
-              <a:r>
-                <a:rPr lang="en-GB" sz="1100" dirty="0"/>
-                <a:t>Clear</a:t>
-              </a:r>
-            </a:p>
-          </p:txBody>
-        </p:sp>
-      </p:grpSp>
-      <p:grpSp>
-        <p:nvGrpSpPr>
-          <p:cNvPr id="29" name="Group 28">
-            <a:extLst>
-              <a:ext uri="{FF2B5EF4-FFF2-40B4-BE49-F238E27FC236}">
-                <a16:creationId xmlns:a16="http://schemas.microsoft.com/office/drawing/2014/main" id="{3CD1CE6A-1641-453B-FBDE-ED6D4014AF68}"/>
-              </a:ext>
-            </a:extLst>
-          </p:cNvPr>
-          <p:cNvGrpSpPr/>
-          <p:nvPr/>
-        </p:nvGrpSpPr>
-        <p:grpSpPr>
-          <a:xfrm>
-            <a:off x="1442856" y="236964"/>
-            <a:ext cx="4216071" cy="307777"/>
-            <a:chOff x="1442856" y="210950"/>
-            <a:chExt cx="4216071" cy="307777"/>
-          </a:xfrm>
-        </p:grpSpPr>
-        <p:sp>
-          <p:nvSpPr>
-            <p:cNvPr id="41" name="Rectangle 40">
-              <a:extLst>
-                <a:ext uri="{FF2B5EF4-FFF2-40B4-BE49-F238E27FC236}">
-                  <a16:creationId xmlns:a16="http://schemas.microsoft.com/office/drawing/2014/main" id="{F024A6A3-3543-1FF4-2855-68A8C6E8B12B}"/>
-                </a:ext>
-              </a:extLst>
-            </p:cNvPr>
-            <p:cNvSpPr/>
-            <p:nvPr/>
-          </p:nvSpPr>
-          <p:spPr>
-            <a:xfrm>
-              <a:off x="1449236" y="253126"/>
-              <a:ext cx="4209691" cy="225034"/>
-            </a:xfrm>
-            <a:prstGeom prst="rect">
-              <a:avLst/>
-            </a:prstGeom>
-            <a:noFill/>
-            <a:ln w="28575">
-              <a:solidFill>
-                <a:schemeClr val="accent1">
-                  <a:lumMod val="20000"/>
-                  <a:lumOff val="80000"/>
-                </a:schemeClr>
-              </a:solidFill>
-            </a:ln>
-          </p:spPr>
-          <p:style>
-            <a:lnRef idx="2">
-              <a:schemeClr val="accent1">
-                <a:shade val="50000"/>
-              </a:schemeClr>
-            </a:lnRef>
-            <a:fillRef idx="1">
-              <a:schemeClr val="accent1"/>
-            </a:fillRef>
-            <a:effectRef idx="0">
-              <a:schemeClr val="accent1"/>
-            </a:effectRef>
-            <a:fontRef idx="minor">
-              <a:schemeClr val="lt1"/>
-            </a:fontRef>
-          </p:style>
-          <p:txBody>
-            <a:bodyPr rtlCol="0" anchor="ctr"/>
-            <a:lstStyle/>
-            <a:p>
-              <a:pPr algn="ctr"/>
-              <a:endParaRPr lang="en-GB">
-                <a:noFill/>
-              </a:endParaRPr>
-            </a:p>
-          </p:txBody>
-        </p:sp>
-        <p:sp>
-          <p:nvSpPr>
-            <p:cNvPr id="42" name="Rectangle 41">
-              <a:extLst>
-                <a:ext uri="{FF2B5EF4-FFF2-40B4-BE49-F238E27FC236}">
-                  <a16:creationId xmlns:a16="http://schemas.microsoft.com/office/drawing/2014/main" id="{7F957707-AECD-9FF4-0A58-5B2F548E156F}"/>
-                </a:ext>
-              </a:extLst>
-            </p:cNvPr>
-            <p:cNvSpPr/>
-            <p:nvPr/>
-          </p:nvSpPr>
-          <p:spPr>
-            <a:xfrm>
-              <a:off x="1463797" y="252322"/>
-              <a:ext cx="522900" cy="225034"/>
-            </a:xfrm>
-            <a:prstGeom prst="rect">
-              <a:avLst/>
-            </a:prstGeom>
-            <a:solidFill>
-              <a:schemeClr val="accent1">
-                <a:lumMod val="20000"/>
-                <a:lumOff val="80000"/>
-              </a:schemeClr>
-            </a:solidFill>
-            <a:ln w="28575">
-              <a:solidFill>
-                <a:schemeClr val="accent1">
-                  <a:lumMod val="20000"/>
-                  <a:lumOff val="80000"/>
-                </a:schemeClr>
-              </a:solidFill>
-            </a:ln>
-          </p:spPr>
-          <p:style>
-            <a:lnRef idx="2">
-              <a:schemeClr val="accent1">
-                <a:shade val="50000"/>
-              </a:schemeClr>
-            </a:lnRef>
-            <a:fillRef idx="1">
-              <a:schemeClr val="accent1"/>
-            </a:fillRef>
-            <a:effectRef idx="0">
-              <a:schemeClr val="accent1"/>
-            </a:effectRef>
-            <a:fontRef idx="minor">
-              <a:schemeClr val="lt1"/>
-            </a:fontRef>
-          </p:style>
-          <p:txBody>
-            <a:bodyPr rtlCol="0" anchor="ctr"/>
-            <a:lstStyle/>
-            <a:p>
-              <a:pPr algn="ctr"/>
-              <a:endParaRPr lang="en-GB">
-                <a:noFill/>
-              </a:endParaRPr>
-            </a:p>
-          </p:txBody>
-        </p:sp>
-        <p:sp>
-          <p:nvSpPr>
-            <p:cNvPr id="43" name="TextBox 42">
-              <a:extLst>
-                <a:ext uri="{FF2B5EF4-FFF2-40B4-BE49-F238E27FC236}">
-                  <a16:creationId xmlns:a16="http://schemas.microsoft.com/office/drawing/2014/main" id="{DF854F22-5998-436B-1678-74E65652DAC0}"/>
-                </a:ext>
-              </a:extLst>
-            </p:cNvPr>
-            <p:cNvSpPr txBox="1"/>
-            <p:nvPr/>
-          </p:nvSpPr>
-          <p:spPr>
-            <a:xfrm>
-              <a:off x="1442856" y="210950"/>
-              <a:ext cx="522900" cy="307777"/>
-            </a:xfrm>
-            <a:prstGeom prst="rect">
-              <a:avLst/>
-            </a:prstGeom>
-            <a:noFill/>
-          </p:spPr>
-          <p:txBody>
-            <a:bodyPr wrap="none" rtlCol="0">
-              <a:spAutoFit/>
-            </a:bodyPr>
-            <a:lstStyle/>
-            <a:p>
-              <a:r>
-                <a:rPr lang="en-GB" sz="1400" dirty="0">
-                  <a:solidFill>
-                    <a:schemeClr val="bg1"/>
-                  </a:solidFill>
-                </a:rPr>
-                <a:t>User</a:t>
-              </a:r>
-            </a:p>
-          </p:txBody>
-        </p:sp>
-      </p:grpSp>
-      <p:sp>
-        <p:nvSpPr>
-          <p:cNvPr id="45" name="Rectangle 44">
-            <a:extLst>
-              <a:ext uri="{FF2B5EF4-FFF2-40B4-BE49-F238E27FC236}">
-                <a16:creationId xmlns:a16="http://schemas.microsoft.com/office/drawing/2014/main" id="{488B4A62-A4C2-DD67-BA75-001D7A84DEB8}"/>
-              </a:ext>
-            </a:extLst>
-          </p:cNvPr>
-          <p:cNvSpPr/>
-          <p:nvPr/>
-        </p:nvSpPr>
-        <p:spPr>
-          <a:xfrm>
-            <a:off x="5880336" y="279140"/>
-            <a:ext cx="4209691" cy="225034"/>
-          </a:xfrm>
-          <a:prstGeom prst="rect">
-            <a:avLst/>
-          </a:prstGeom>
-          <a:noFill/>
-          <a:ln w="28575">
-            <a:solidFill>
-              <a:schemeClr val="accent1"/>
-            </a:solidFill>
-          </a:ln>
-        </p:spPr>
-        <p:style>
-          <a:lnRef idx="2">
-            <a:schemeClr val="accent1">
-              <a:shade val="50000"/>
-            </a:schemeClr>
-          </a:lnRef>
-          <a:fillRef idx="1">
-            <a:schemeClr val="accent1"/>
-          </a:fillRef>
-          <a:effectRef idx="0">
-            <a:schemeClr val="accent1"/>
-          </a:effectRef>
-          <a:fontRef idx="minor">
-            <a:schemeClr val="lt1"/>
-          </a:fontRef>
-        </p:style>
-        <p:txBody>
-          <a:bodyPr rtlCol="0" anchor="ctr"/>
-          <a:lstStyle/>
-          <a:p>
-            <a:pPr algn="ctr"/>
-            <a:endParaRPr lang="en-GB">
-              <a:noFill/>
-            </a:endParaRPr>
-          </a:p>
-        </p:txBody>
-      </p:sp>
-      <p:sp>
-        <p:nvSpPr>
-          <p:cNvPr id="46" name="Rectangle 45">
-            <a:extLst>
-              <a:ext uri="{FF2B5EF4-FFF2-40B4-BE49-F238E27FC236}">
-                <a16:creationId xmlns:a16="http://schemas.microsoft.com/office/drawing/2014/main" id="{28B90973-3A48-4478-D7D0-2BB4E2446DDC}"/>
-              </a:ext>
-            </a:extLst>
-          </p:cNvPr>
-          <p:cNvSpPr/>
-          <p:nvPr/>
-        </p:nvSpPr>
-        <p:spPr>
-          <a:xfrm>
-            <a:off x="5894896" y="278336"/>
-            <a:ext cx="1472062" cy="225034"/>
-          </a:xfrm>
-          <a:prstGeom prst="rect">
-            <a:avLst/>
-          </a:prstGeom>
-          <a:solidFill>
-            <a:schemeClr val="accent1"/>
-          </a:solidFill>
-          <a:ln w="28575">
-            <a:solidFill>
-              <a:schemeClr val="accent1"/>
-            </a:solidFill>
-          </a:ln>
-        </p:spPr>
-        <p:style>
-          <a:lnRef idx="2">
-            <a:schemeClr val="accent1">
-              <a:shade val="50000"/>
-            </a:schemeClr>
-          </a:lnRef>
-          <a:fillRef idx="1">
-            <a:schemeClr val="accent1"/>
-          </a:fillRef>
-          <a:effectRef idx="0">
-            <a:schemeClr val="accent1"/>
-          </a:effectRef>
-          <a:fontRef idx="minor">
-            <a:schemeClr val="lt1"/>
-          </a:fontRef>
-        </p:style>
-        <p:txBody>
-          <a:bodyPr rtlCol="0" anchor="ctr"/>
-          <a:lstStyle/>
-          <a:p>
-            <a:pPr algn="ctr"/>
-            <a:endParaRPr lang="en-GB">
-              <a:noFill/>
-            </a:endParaRPr>
-          </a:p>
-        </p:txBody>
-      </p:sp>
-      <p:sp>
-        <p:nvSpPr>
-          <p:cNvPr id="47" name="TextBox 46">
-            <a:extLst>
-              <a:ext uri="{FF2B5EF4-FFF2-40B4-BE49-F238E27FC236}">
-                <a16:creationId xmlns:a16="http://schemas.microsoft.com/office/drawing/2014/main" id="{411826B8-74A4-4191-3144-B6CD780D2D51}"/>
-              </a:ext>
-            </a:extLst>
-          </p:cNvPr>
-          <p:cNvSpPr txBox="1"/>
-          <p:nvPr/>
-        </p:nvSpPr>
-        <p:spPr>
-          <a:xfrm>
-            <a:off x="5880336" y="222955"/>
-            <a:ext cx="2375143" cy="307777"/>
-          </a:xfrm>
-          <a:prstGeom prst="rect">
-            <a:avLst/>
-          </a:prstGeom>
-          <a:noFill/>
-        </p:spPr>
-        <p:txBody>
-          <a:bodyPr wrap="square" rtlCol="0">
-            <a:spAutoFit/>
-          </a:bodyPr>
-          <a:lstStyle/>
-          <a:p>
-            <a:r>
-              <a:rPr lang="en-GB" sz="1400" dirty="0">
-                <a:solidFill>
-                  <a:schemeClr val="bg1"/>
-                </a:solidFill>
-              </a:rPr>
-              <a:t>Selected Language</a:t>
-            </a:r>
-          </a:p>
-        </p:txBody>
-      </p:sp>
-      <p:sp>
-        <p:nvSpPr>
-          <p:cNvPr id="48" name="TextBox 47">
-            <a:extLst>
-              <a:ext uri="{FF2B5EF4-FFF2-40B4-BE49-F238E27FC236}">
-                <a16:creationId xmlns:a16="http://schemas.microsoft.com/office/drawing/2014/main" id="{D3342CDC-29D2-7EBA-990C-404DFC687457}"/>
-              </a:ext>
-            </a:extLst>
-          </p:cNvPr>
-          <p:cNvSpPr txBox="1"/>
-          <p:nvPr/>
-        </p:nvSpPr>
-        <p:spPr>
-          <a:xfrm>
-            <a:off x="7381518" y="252352"/>
-            <a:ext cx="343364" cy="276999"/>
-          </a:xfrm>
-          <a:prstGeom prst="rect">
-            <a:avLst/>
-          </a:prstGeom>
-          <a:noFill/>
-        </p:spPr>
-        <p:txBody>
-          <a:bodyPr wrap="none" rtlCol="0">
-            <a:spAutoFit/>
-          </a:bodyPr>
-          <a:lstStyle/>
-          <a:p>
-            <a:r>
-              <a:rPr lang="en-GB" sz="1200" dirty="0"/>
-              <a:t>C#</a:t>
-            </a:r>
-          </a:p>
-        </p:txBody>
-      </p:sp>
-      <p:sp>
-        <p:nvSpPr>
-          <p:cNvPr id="40" name="TextBox 39">
-            <a:extLst>
-              <a:ext uri="{FF2B5EF4-FFF2-40B4-BE49-F238E27FC236}">
-                <a16:creationId xmlns:a16="http://schemas.microsoft.com/office/drawing/2014/main" id="{F360A7F2-590A-336A-205D-7B5F595EED78}"/>
-              </a:ext>
-            </a:extLst>
-          </p:cNvPr>
-          <p:cNvSpPr txBox="1"/>
-          <p:nvPr/>
-        </p:nvSpPr>
-        <p:spPr>
-          <a:xfrm>
-            <a:off x="4963652" y="2973282"/>
-            <a:ext cx="587020" cy="261610"/>
-          </a:xfrm>
-          <a:prstGeom prst="rect">
-            <a:avLst/>
-          </a:prstGeom>
-          <a:solidFill>
-            <a:schemeClr val="accent1">
-              <a:lumMod val="40000"/>
-              <a:lumOff val="60000"/>
-            </a:schemeClr>
-          </a:solidFill>
-        </p:spPr>
-        <p:txBody>
-          <a:bodyPr wrap="none" rtlCol="0">
-            <a:spAutoFit/>
-          </a:bodyPr>
-          <a:lstStyle/>
-          <a:p>
-            <a:r>
-              <a:rPr lang="en-GB" sz="1100" dirty="0">
-                <a:solidFill>
-                  <a:schemeClr val="bg2">
-                    <a:lumMod val="75000"/>
-                  </a:schemeClr>
-                </a:solidFill>
-              </a:rPr>
-              <a:t>Submit</a:t>
-            </a:r>
-          </a:p>
-        </p:txBody>
-      </p:sp>
-    </p:spTree>
-    <p:extLst>
-      <p:ext uri="{BB962C8B-B14F-4D97-AF65-F5344CB8AC3E}">
-        <p14:creationId xmlns:p14="http://schemas.microsoft.com/office/powerpoint/2010/main" val="1281376288"/>
-      </p:ext>
-    </p:extLst>
-  </p:cSld>
-  <p:clrMapOvr>
-    <a:masterClrMapping/>
-  </p:clrMapOvr>
-</p:sld>
-</file>
-
-<file path=ppt/slides/slide3.xml><?xml version="1.0" encoding="utf-8"?>
-<p:sld xmlns:a="http://schemas.openxmlformats.org/drawingml/2006/main" xmlns:r="http://schemas.openxmlformats.org/officeDocument/2006/relationships" xmlns:p="http://schemas.openxmlformats.org/presentationml/2006/main">
-  <p:cSld>
-    <p:spTree>
-      <p:nvGrpSpPr>
-        <p:cNvPr id="1" name=""/>
-        <p:cNvGrpSpPr/>
-        <p:nvPr/>
-      </p:nvGrpSpPr>
-      <p:grpSpPr>
-        <a:xfrm>
-          <a:off x="0" y="0"/>
-          <a:ext cx="0" cy="0"/>
-          <a:chOff x="0" y="0"/>
-          <a:chExt cx="0" cy="0"/>
-        </a:xfrm>
-      </p:grpSpPr>
-      <p:grpSp>
-        <p:nvGrpSpPr>
-          <p:cNvPr id="37" name="Group 36">
-            <a:extLst>
-              <a:ext uri="{FF2B5EF4-FFF2-40B4-BE49-F238E27FC236}">
-                <a16:creationId xmlns:a16="http://schemas.microsoft.com/office/drawing/2014/main" id="{9423F32F-E978-59B8-1121-3E8DFAD01120}"/>
-              </a:ext>
-            </a:extLst>
-          </p:cNvPr>
-          <p:cNvGrpSpPr/>
-          <p:nvPr/>
-        </p:nvGrpSpPr>
-        <p:grpSpPr>
-          <a:xfrm>
-            <a:off x="5880337" y="697250"/>
-            <a:ext cx="4209693" cy="2632546"/>
-            <a:chOff x="5880337" y="697250"/>
-            <a:chExt cx="4209693" cy="2632546"/>
-          </a:xfrm>
-        </p:grpSpPr>
-        <p:grpSp>
-          <p:nvGrpSpPr>
-            <p:cNvPr id="8" name="Group 7">
-              <a:extLst>
-                <a:ext uri="{FF2B5EF4-FFF2-40B4-BE49-F238E27FC236}">
-                  <a16:creationId xmlns:a16="http://schemas.microsoft.com/office/drawing/2014/main" id="{5AF624CD-11C8-9D53-2E6D-BE61C5D8F898}"/>
-                </a:ext>
-              </a:extLst>
-            </p:cNvPr>
-            <p:cNvGrpSpPr/>
-            <p:nvPr/>
-          </p:nvGrpSpPr>
-          <p:grpSpPr>
-            <a:xfrm>
-              <a:off x="5880337" y="697250"/>
-              <a:ext cx="4209693" cy="2632546"/>
-              <a:chOff x="1397477" y="2267258"/>
-              <a:chExt cx="4416727" cy="2977602"/>
-            </a:xfrm>
-          </p:grpSpPr>
-          <p:sp>
-            <p:nvSpPr>
-              <p:cNvPr id="9" name="Rectangle 8">
-                <a:extLst>
-                  <a:ext uri="{FF2B5EF4-FFF2-40B4-BE49-F238E27FC236}">
-                    <a16:creationId xmlns:a16="http://schemas.microsoft.com/office/drawing/2014/main" id="{A10DFA47-D84A-29A1-50A3-18033A4BDE57}"/>
-                  </a:ext>
-                </a:extLst>
-              </p:cNvPr>
-              <p:cNvSpPr/>
-              <p:nvPr/>
-            </p:nvSpPr>
-            <p:spPr>
-              <a:xfrm>
-                <a:off x="1397479" y="2320506"/>
-                <a:ext cx="4416725" cy="2924354"/>
-              </a:xfrm>
-              <a:prstGeom prst="rect">
-                <a:avLst/>
-              </a:prstGeom>
-              <a:noFill/>
-              <a:ln w="28575">
-                <a:solidFill>
-                  <a:schemeClr val="accent1"/>
-                </a:solidFill>
-              </a:ln>
-            </p:spPr>
-            <p:style>
-              <a:lnRef idx="2">
-                <a:schemeClr val="accent1">
-                  <a:shade val="50000"/>
-                </a:schemeClr>
-              </a:lnRef>
-              <a:fillRef idx="1">
-                <a:schemeClr val="accent1"/>
-              </a:fillRef>
-              <a:effectRef idx="0">
-                <a:schemeClr val="accent1"/>
-              </a:effectRef>
-              <a:fontRef idx="minor">
-                <a:schemeClr val="lt1"/>
-              </a:fontRef>
-            </p:style>
-            <p:txBody>
-              <a:bodyPr rtlCol="0" anchor="ctr"/>
-              <a:lstStyle/>
-              <a:p>
-                <a:pPr algn="ctr"/>
-                <a:endParaRPr lang="en-GB">
-                  <a:noFill/>
-                </a:endParaRPr>
-              </a:p>
-            </p:txBody>
-          </p:sp>
-          <p:sp>
-            <p:nvSpPr>
-              <p:cNvPr id="10" name="Rectangle 9">
-                <a:extLst>
-                  <a:ext uri="{FF2B5EF4-FFF2-40B4-BE49-F238E27FC236}">
-                    <a16:creationId xmlns:a16="http://schemas.microsoft.com/office/drawing/2014/main" id="{861DBE38-99AE-3F84-5C3D-D4BA64B35E4F}"/>
-                  </a:ext>
-                </a:extLst>
-              </p:cNvPr>
-              <p:cNvSpPr/>
-              <p:nvPr/>
-            </p:nvSpPr>
-            <p:spPr>
-              <a:xfrm>
-                <a:off x="1397478" y="2320506"/>
-                <a:ext cx="4416725" cy="201283"/>
-              </a:xfrm>
-              <a:prstGeom prst="rect">
-                <a:avLst/>
-              </a:prstGeom>
-              <a:solidFill>
-                <a:schemeClr val="accent1"/>
-              </a:solidFill>
-              <a:ln w="28575">
-                <a:solidFill>
-                  <a:schemeClr val="accent1"/>
-                </a:solidFill>
-              </a:ln>
-            </p:spPr>
-            <p:style>
-              <a:lnRef idx="2">
-                <a:schemeClr val="accent1">
-                  <a:shade val="50000"/>
-                </a:schemeClr>
-              </a:lnRef>
-              <a:fillRef idx="1">
-                <a:schemeClr val="accent1"/>
-              </a:fillRef>
-              <a:effectRef idx="0">
-                <a:schemeClr val="accent1"/>
-              </a:effectRef>
-              <a:fontRef idx="minor">
-                <a:schemeClr val="lt1"/>
-              </a:fontRef>
-            </p:style>
-            <p:txBody>
-              <a:bodyPr rtlCol="0" anchor="ctr"/>
-              <a:lstStyle/>
-              <a:p>
-                <a:pPr algn="ctr"/>
-                <a:endParaRPr lang="en-GB">
-                  <a:noFill/>
-                </a:endParaRPr>
-              </a:p>
-            </p:txBody>
-          </p:sp>
-          <p:sp>
-            <p:nvSpPr>
-              <p:cNvPr id="11" name="TextBox 10">
-                <a:extLst>
-                  <a:ext uri="{FF2B5EF4-FFF2-40B4-BE49-F238E27FC236}">
-                    <a16:creationId xmlns:a16="http://schemas.microsoft.com/office/drawing/2014/main" id="{8EB7C80D-1B7C-E7D1-3318-BB5A22EF7E87}"/>
-                  </a:ext>
-                </a:extLst>
-              </p:cNvPr>
-              <p:cNvSpPr txBox="1"/>
-              <p:nvPr/>
-            </p:nvSpPr>
-            <p:spPr>
-              <a:xfrm>
-                <a:off x="1397477" y="2267258"/>
-                <a:ext cx="1862604" cy="348118"/>
-              </a:xfrm>
-              <a:prstGeom prst="rect">
-                <a:avLst/>
-              </a:prstGeom>
-              <a:noFill/>
-            </p:spPr>
-            <p:txBody>
-              <a:bodyPr wrap="none" rtlCol="0">
-                <a:spAutoFit/>
-              </a:bodyPr>
-              <a:lstStyle/>
-              <a:p>
-                <a:r>
-                  <a:rPr lang="en-GB" sz="1400" dirty="0">
-                    <a:solidFill>
-                      <a:schemeClr val="bg1"/>
-                    </a:solidFill>
-                  </a:rPr>
-                  <a:t>Expression evaluation</a:t>
-                </a:r>
-              </a:p>
-            </p:txBody>
-          </p:sp>
-        </p:grpSp>
-        <p:sp>
-          <p:nvSpPr>
-            <p:cNvPr id="23" name="TextBox 22">
-              <a:extLst>
-                <a:ext uri="{FF2B5EF4-FFF2-40B4-BE49-F238E27FC236}">
-                  <a16:creationId xmlns:a16="http://schemas.microsoft.com/office/drawing/2014/main" id="{D8751398-2032-77D5-F7EF-FECC4CF9AF36}"/>
-                </a:ext>
-              </a:extLst>
-            </p:cNvPr>
-            <p:cNvSpPr txBox="1"/>
-            <p:nvPr/>
-          </p:nvSpPr>
-          <p:spPr>
-            <a:xfrm>
-              <a:off x="5972354" y="994086"/>
-              <a:ext cx="742511" cy="261610"/>
-            </a:xfrm>
-            <a:prstGeom prst="rect">
-              <a:avLst/>
-            </a:prstGeom>
-            <a:noFill/>
-          </p:spPr>
-          <p:txBody>
-            <a:bodyPr wrap="none" rtlCol="0">
-              <a:spAutoFit/>
-            </a:bodyPr>
-            <a:lstStyle/>
-            <a:p>
-              <a:pPr marL="171450" indent="-171450">
-                <a:buFont typeface="Wingdings" panose="05000000000000000000" pitchFamily="2" charset="2"/>
-                <a:buChar char="Ø"/>
-              </a:pPr>
-              <a:r>
-                <a:rPr lang="en-GB" sz="1100" dirty="0">
-                  <a:latin typeface="Consolas" panose="020B0609020204030204" pitchFamily="49" charset="0"/>
-                </a:rPr>
-                <a:t>a = 4</a:t>
-              </a:r>
-            </a:p>
-          </p:txBody>
-        </p:sp>
-        <p:sp>
-          <p:nvSpPr>
-            <p:cNvPr id="26" name="TextBox 25">
-              <a:extLst>
-                <a:ext uri="{FF2B5EF4-FFF2-40B4-BE49-F238E27FC236}">
-                  <a16:creationId xmlns:a16="http://schemas.microsoft.com/office/drawing/2014/main" id="{6E04CE6C-9CC9-B792-9BAC-DEDF3742F095}"/>
-                </a:ext>
-              </a:extLst>
-            </p:cNvPr>
-            <p:cNvSpPr txBox="1"/>
-            <p:nvPr/>
-          </p:nvSpPr>
-          <p:spPr>
-            <a:xfrm>
-              <a:off x="9489056" y="2973282"/>
-              <a:ext cx="479618" cy="261610"/>
-            </a:xfrm>
-            <a:prstGeom prst="rect">
-              <a:avLst/>
-            </a:prstGeom>
-            <a:solidFill>
-              <a:schemeClr val="accent1">
-                <a:lumMod val="40000"/>
-                <a:lumOff val="60000"/>
-              </a:schemeClr>
-            </a:solidFill>
-          </p:spPr>
-          <p:txBody>
-            <a:bodyPr wrap="none" rtlCol="0">
-              <a:spAutoFit/>
-            </a:bodyPr>
-            <a:lstStyle/>
-            <a:p>
-              <a:r>
-                <a:rPr lang="en-GB" sz="1100" dirty="0"/>
-                <a:t>Clear</a:t>
-              </a:r>
-            </a:p>
-          </p:txBody>
-        </p:sp>
-      </p:grpSp>
-      <p:sp>
-        <p:nvSpPr>
-          <p:cNvPr id="38" name="TextBox 37">
-            <a:extLst>
-              <a:ext uri="{FF2B5EF4-FFF2-40B4-BE49-F238E27FC236}">
-                <a16:creationId xmlns:a16="http://schemas.microsoft.com/office/drawing/2014/main" id="{F9B430F0-D559-099A-DCF8-57773F5E8D82}"/>
-              </a:ext>
-            </a:extLst>
-          </p:cNvPr>
-          <p:cNvSpPr txBox="1"/>
-          <p:nvPr/>
-        </p:nvSpPr>
-        <p:spPr>
-          <a:xfrm>
-            <a:off x="869964" y="657551"/>
-            <a:ext cx="4763085" cy="5165197"/>
-          </a:xfrm>
-          <a:prstGeom prst="rect">
-            <a:avLst/>
-          </a:prstGeom>
-          <a:noFill/>
-        </p:spPr>
-        <p:txBody>
-          <a:bodyPr wrap="square">
-            <a:spAutoFit/>
-          </a:bodyPr>
-          <a:lstStyle/>
-          <a:p>
-            <a:pPr>
-              <a:lnSpc>
-                <a:spcPct val="107000"/>
-              </a:lnSpc>
-              <a:spcAft>
-                <a:spcPts val="800"/>
-              </a:spcAft>
-            </a:pPr>
-            <a:r>
-              <a:rPr lang="en-US" sz="1400" b="1" dirty="0">
-                <a:effectLst/>
-                <a:latin typeface="Calibri" panose="020F0502020204030204" pitchFamily="34" charset="0"/>
-                <a:ea typeface="Calibri" panose="020F0502020204030204" pitchFamily="34" charset="0"/>
-                <a:cs typeface="Times New Roman" panose="02020603050405020304" pitchFamily="18" charset="0"/>
-              </a:rPr>
-              <a:t>Story 1 : Expression evaluation</a:t>
-            </a:r>
-          </a:p>
-          <a:p>
-            <a:pPr marL="514350" indent="-514350">
-              <a:buFont typeface="+mj-lt"/>
-              <a:buAutoNum type="arabicPeriod"/>
-            </a:pPr>
-            <a:r>
-              <a:rPr lang="en-GB" sz="1400" dirty="0"/>
-              <a:t>Simple expression, returns result</a:t>
-            </a:r>
-          </a:p>
-          <a:p>
-            <a:pPr marL="514350" indent="-514350">
-              <a:buFont typeface="+mj-lt"/>
-              <a:buAutoNum type="arabicPeriod"/>
-            </a:pPr>
-            <a:r>
-              <a:rPr lang="en-US" sz="1400" dirty="0">
-                <a:effectLst/>
-                <a:latin typeface="Calibri" panose="020F0502020204030204" pitchFamily="34" charset="0"/>
-                <a:ea typeface="Calibri" panose="020F0502020204030204" pitchFamily="34" charset="0"/>
-                <a:cs typeface="Times New Roman" panose="02020603050405020304" pitchFamily="18" charset="0"/>
-              </a:rPr>
-              <a:t>Scrolling window</a:t>
-            </a:r>
-          </a:p>
-          <a:p>
-            <a:pPr marL="971550" lvl="1" indent="-514350">
-              <a:buFont typeface="+mj-lt"/>
-              <a:buAutoNum type="alphaLcParenR"/>
-            </a:pPr>
-            <a:r>
-              <a:rPr lang="en-US" sz="1400" dirty="0">
-                <a:effectLst/>
-                <a:latin typeface="Calibri" panose="020F0502020204030204" pitchFamily="34" charset="0"/>
-                <a:ea typeface="Calibri" panose="020F0502020204030204" pitchFamily="34" charset="0"/>
-                <a:cs typeface="Times New Roman" panose="02020603050405020304" pitchFamily="18" charset="0"/>
-              </a:rPr>
-              <a:t>Entry may wrap onto multiple lines.</a:t>
-            </a:r>
-          </a:p>
-          <a:p>
-            <a:pPr marL="971550" lvl="1" indent="-514350">
-              <a:buFont typeface="+mj-lt"/>
-              <a:buAutoNum type="alphaLcParenR"/>
-            </a:pPr>
-            <a:r>
-              <a:rPr lang="en-US" sz="1400" dirty="0">
-                <a:latin typeface="Calibri" panose="020F0502020204030204" pitchFamily="34" charset="0"/>
-                <a:ea typeface="Calibri" panose="020F0502020204030204" pitchFamily="34" charset="0"/>
-                <a:cs typeface="Times New Roman" panose="02020603050405020304" pitchFamily="18" charset="0"/>
-              </a:rPr>
-              <a:t>C</a:t>
-            </a:r>
-            <a:r>
-              <a:rPr lang="en-US" sz="1400" dirty="0">
-                <a:effectLst/>
-                <a:latin typeface="Calibri" panose="020F0502020204030204" pitchFamily="34" charset="0"/>
-                <a:ea typeface="Calibri" panose="020F0502020204030204" pitchFamily="34" charset="0"/>
-                <a:cs typeface="Times New Roman" panose="02020603050405020304" pitchFamily="18" charset="0"/>
-              </a:rPr>
-              <a:t>an get back previous entries via cursor up</a:t>
-            </a:r>
-          </a:p>
-          <a:p>
-            <a:pPr marL="971550" lvl="1" indent="-514350">
-              <a:buFont typeface="+mj-lt"/>
-              <a:buAutoNum type="alphaLcParenR"/>
-            </a:pPr>
-            <a:r>
-              <a:rPr lang="en-US" sz="1400" dirty="0">
-                <a:effectLst/>
-                <a:latin typeface="Calibri" panose="020F0502020204030204" pitchFamily="34" charset="0"/>
-                <a:ea typeface="Calibri" panose="020F0502020204030204" pitchFamily="34" charset="0"/>
-                <a:cs typeface="Times New Roman" panose="02020603050405020304" pitchFamily="18" charset="0"/>
-              </a:rPr>
-              <a:t>Cannot edit anything other than current entry</a:t>
-            </a:r>
-          </a:p>
-          <a:p>
-            <a:pPr marL="971550" lvl="1" indent="-514350">
-              <a:buFont typeface="+mj-lt"/>
-              <a:buAutoNum type="alphaLcParenR"/>
-            </a:pPr>
-            <a:r>
-              <a:rPr lang="en-US" sz="1400" dirty="0">
-                <a:latin typeface="Calibri" panose="020F0502020204030204" pitchFamily="34" charset="0"/>
-                <a:cs typeface="Times New Roman" panose="02020603050405020304" pitchFamily="18" charset="0"/>
-              </a:rPr>
-              <a:t>Clear button</a:t>
-            </a:r>
-            <a:endParaRPr lang="en-GB" sz="1400" dirty="0"/>
-          </a:p>
-          <a:p>
-            <a:pPr marL="514350" indent="-514350">
-              <a:buFont typeface="+mj-lt"/>
-              <a:buAutoNum type="arabicPeriod"/>
-            </a:pPr>
-            <a:r>
-              <a:rPr lang="en-GB" sz="1400" dirty="0"/>
-              <a:t>Only functions/methods from approved list usable</a:t>
-            </a:r>
-          </a:p>
-          <a:p>
-            <a:pPr marL="514350" indent="-514350">
-              <a:buFont typeface="+mj-lt"/>
-              <a:buAutoNum type="arabicPeriod"/>
-            </a:pPr>
-            <a:r>
-              <a:rPr lang="en-GB" sz="1400" dirty="0"/>
-              <a:t>Separate errors into the </a:t>
-            </a:r>
-            <a:r>
-              <a:rPr lang="en-GB" sz="1400" b="1" dirty="0"/>
-              <a:t>System Feedback</a:t>
-            </a:r>
-            <a:r>
-              <a:rPr lang="en-GB" sz="1400" dirty="0"/>
-              <a:t>, and maximise </a:t>
-            </a:r>
-            <a:r>
-              <a:rPr lang="en-GB" sz="1400" i="1" dirty="0"/>
-              <a:t>clarity</a:t>
-            </a:r>
-            <a:r>
-              <a:rPr lang="en-GB" sz="1400" dirty="0"/>
-              <a:t>:</a:t>
-            </a:r>
-            <a:endParaRPr lang="en-GB" sz="1400" i="1" dirty="0"/>
-          </a:p>
-          <a:p>
-            <a:pPr marL="971550" lvl="1" indent="-514350">
-              <a:buFont typeface="+mj-lt"/>
-              <a:buAutoNum type="alphaLcParenR"/>
-            </a:pPr>
-            <a:r>
-              <a:rPr lang="en-GB" sz="1400" dirty="0"/>
-              <a:t>Syntax/parsing error</a:t>
-            </a:r>
-          </a:p>
-          <a:p>
-            <a:pPr marL="971550" lvl="1" indent="-514350">
-              <a:buFont typeface="+mj-lt"/>
-              <a:buAutoNum type="alphaLcParenR"/>
-            </a:pPr>
-            <a:r>
-              <a:rPr lang="en-GB" sz="1400" dirty="0"/>
-              <a:t>Not an expression (e.g. an assignment statement)</a:t>
-            </a:r>
-          </a:p>
-          <a:p>
-            <a:pPr marL="971550" lvl="1" indent="-514350">
-              <a:buFont typeface="+mj-lt"/>
-              <a:buAutoNum type="alphaLcParenR"/>
-            </a:pPr>
-            <a:r>
-              <a:rPr lang="en-GB" sz="1400" dirty="0"/>
-              <a:t>Calling an unrecognised or unapproved function, or variable</a:t>
-            </a:r>
-          </a:p>
-          <a:p>
-            <a:pPr marL="971550" lvl="1" indent="-514350">
-              <a:buFont typeface="+mj-lt"/>
-              <a:buAutoNum type="alphaLcParenR"/>
-            </a:pPr>
-            <a:r>
-              <a:rPr lang="en-GB" sz="1400" dirty="0"/>
-              <a:t>Runtime error e.g. division by zero, out-of-range, incompatible type</a:t>
-            </a:r>
-          </a:p>
-          <a:p>
-            <a:pPr marL="514350" indent="-514350">
-              <a:buFont typeface="+mj-lt"/>
-              <a:buAutoNum type="arabicPeriod"/>
-            </a:pPr>
-            <a:r>
-              <a:rPr lang="en-GB" sz="1400" dirty="0"/>
-              <a:t>Add pre-defined named data sets to list</a:t>
-            </a:r>
-          </a:p>
-          <a:p>
-            <a:pPr marL="514350" indent="-514350">
-              <a:buFont typeface="+mj-lt"/>
-              <a:buAutoNum type="arabicPeriod"/>
-            </a:pPr>
-            <a:r>
-              <a:rPr lang="en-GB" sz="1400" dirty="0"/>
-              <a:t>Ensure lists are returned in the format in which they are defined</a:t>
-            </a:r>
-          </a:p>
-          <a:p>
-            <a:pPr marL="514350" indent="-514350">
-              <a:buFont typeface="+mj-lt"/>
-              <a:buAutoNum type="arabicPeriod"/>
-            </a:pPr>
-            <a:r>
-              <a:rPr lang="en-GB" sz="1400" dirty="0"/>
-              <a:t>User-selectable option to display the type with the result</a:t>
-            </a:r>
-          </a:p>
-          <a:p>
-            <a:pPr marL="514350" indent="-514350">
-              <a:buFont typeface="+mj-lt"/>
-              <a:buAutoNum type="arabicPeriod"/>
-            </a:pPr>
-            <a:r>
-              <a:rPr lang="en-GB" sz="1400" dirty="0"/>
-              <a:t>Cannot paste into window</a:t>
-            </a:r>
-          </a:p>
-          <a:p>
-            <a:pPr marL="514350" indent="-514350">
-              <a:buFont typeface="+mj-lt"/>
-              <a:buAutoNum type="arabicPeriod"/>
-            </a:pPr>
-            <a:r>
-              <a:rPr lang="en-GB" sz="1400" dirty="0"/>
-              <a:t>Feedback is also scrolling window, with Clear button</a:t>
-            </a:r>
-          </a:p>
-        </p:txBody>
-      </p:sp>
-      <p:grpSp>
-        <p:nvGrpSpPr>
-          <p:cNvPr id="39" name="Group 38">
-            <a:extLst>
-              <a:ext uri="{FF2B5EF4-FFF2-40B4-BE49-F238E27FC236}">
-                <a16:creationId xmlns:a16="http://schemas.microsoft.com/office/drawing/2014/main" id="{44A2B45E-C837-54DD-877F-8A3A14EFA189}"/>
-              </a:ext>
-            </a:extLst>
-          </p:cNvPr>
-          <p:cNvGrpSpPr/>
-          <p:nvPr/>
-        </p:nvGrpSpPr>
-        <p:grpSpPr>
-          <a:xfrm>
-            <a:off x="5880336" y="3528205"/>
-            <a:ext cx="4209693" cy="2632546"/>
-            <a:chOff x="5880336" y="3528205"/>
-            <a:chExt cx="4209693" cy="2632546"/>
-          </a:xfrm>
-        </p:grpSpPr>
-        <p:grpSp>
-          <p:nvGrpSpPr>
-            <p:cNvPr id="40" name="Group 39">
-              <a:extLst>
-                <a:ext uri="{FF2B5EF4-FFF2-40B4-BE49-F238E27FC236}">
-                  <a16:creationId xmlns:a16="http://schemas.microsoft.com/office/drawing/2014/main" id="{6D3971B2-EB4F-1252-5153-5B2EDD3B0213}"/>
-                </a:ext>
-              </a:extLst>
-            </p:cNvPr>
-            <p:cNvGrpSpPr/>
-            <p:nvPr/>
-          </p:nvGrpSpPr>
-          <p:grpSpPr>
-            <a:xfrm>
-              <a:off x="5880336" y="3528205"/>
-              <a:ext cx="4209693" cy="2632546"/>
-              <a:chOff x="1397477" y="2267258"/>
-              <a:chExt cx="4416727" cy="2977602"/>
-            </a:xfrm>
-          </p:grpSpPr>
-          <p:sp>
-            <p:nvSpPr>
-              <p:cNvPr id="43" name="Rectangle 42">
-                <a:extLst>
-                  <a:ext uri="{FF2B5EF4-FFF2-40B4-BE49-F238E27FC236}">
-                    <a16:creationId xmlns:a16="http://schemas.microsoft.com/office/drawing/2014/main" id="{E398C769-21DF-AF1D-3120-36E9D4607096}"/>
-                  </a:ext>
-                </a:extLst>
-              </p:cNvPr>
-              <p:cNvSpPr/>
-              <p:nvPr/>
-            </p:nvSpPr>
-            <p:spPr>
-              <a:xfrm>
-                <a:off x="1397479" y="2320506"/>
-                <a:ext cx="4416725" cy="2924354"/>
-              </a:xfrm>
-              <a:prstGeom prst="rect">
-                <a:avLst/>
-              </a:prstGeom>
-              <a:noFill/>
-              <a:ln w="28575">
-                <a:solidFill>
-                  <a:schemeClr val="accent1"/>
-                </a:solidFill>
-              </a:ln>
-            </p:spPr>
-            <p:style>
-              <a:lnRef idx="2">
-                <a:schemeClr val="accent1">
-                  <a:shade val="50000"/>
-                </a:schemeClr>
-              </a:lnRef>
-              <a:fillRef idx="1">
-                <a:schemeClr val="accent1"/>
-              </a:fillRef>
-              <a:effectRef idx="0">
-                <a:schemeClr val="accent1"/>
-              </a:effectRef>
-              <a:fontRef idx="minor">
-                <a:schemeClr val="lt1"/>
-              </a:fontRef>
-            </p:style>
-            <p:txBody>
-              <a:bodyPr rtlCol="0" anchor="ctr"/>
-              <a:lstStyle/>
-              <a:p>
-                <a:pPr algn="ctr"/>
-                <a:endParaRPr lang="en-GB">
-                  <a:noFill/>
-                </a:endParaRPr>
-              </a:p>
-            </p:txBody>
-          </p:sp>
-          <p:sp>
-            <p:nvSpPr>
-              <p:cNvPr id="44" name="Rectangle 43">
-                <a:extLst>
-                  <a:ext uri="{FF2B5EF4-FFF2-40B4-BE49-F238E27FC236}">
-                    <a16:creationId xmlns:a16="http://schemas.microsoft.com/office/drawing/2014/main" id="{69F8E876-22F0-AA1A-F63D-07E591B2E4E0}"/>
-                  </a:ext>
-                </a:extLst>
-              </p:cNvPr>
-              <p:cNvSpPr/>
-              <p:nvPr/>
-            </p:nvSpPr>
-            <p:spPr>
-              <a:xfrm>
-                <a:off x="1397478" y="2320506"/>
-                <a:ext cx="4416725" cy="201283"/>
-              </a:xfrm>
-              <a:prstGeom prst="rect">
-                <a:avLst/>
-              </a:prstGeom>
-              <a:solidFill>
-                <a:schemeClr val="accent1"/>
-              </a:solidFill>
-              <a:ln w="28575">
-                <a:solidFill>
-                  <a:schemeClr val="accent1"/>
-                </a:solidFill>
-              </a:ln>
-            </p:spPr>
-            <p:style>
-              <a:lnRef idx="2">
-                <a:schemeClr val="accent1">
-                  <a:shade val="50000"/>
-                </a:schemeClr>
-              </a:lnRef>
-              <a:fillRef idx="1">
-                <a:schemeClr val="accent1"/>
-              </a:fillRef>
-              <a:effectRef idx="0">
-                <a:schemeClr val="accent1"/>
-              </a:effectRef>
-              <a:fontRef idx="minor">
-                <a:schemeClr val="lt1"/>
-              </a:fontRef>
-            </p:style>
-            <p:txBody>
-              <a:bodyPr rtlCol="0" anchor="ctr"/>
-              <a:lstStyle/>
-              <a:p>
-                <a:pPr algn="ctr"/>
-                <a:endParaRPr lang="en-GB">
-                  <a:noFill/>
-                </a:endParaRPr>
-              </a:p>
-            </p:txBody>
-          </p:sp>
-          <p:sp>
-            <p:nvSpPr>
-              <p:cNvPr id="45" name="TextBox 44">
-                <a:extLst>
-                  <a:ext uri="{FF2B5EF4-FFF2-40B4-BE49-F238E27FC236}">
-                    <a16:creationId xmlns:a16="http://schemas.microsoft.com/office/drawing/2014/main" id="{E3F6215A-2BDD-08D1-46BB-8B16D13BF6CA}"/>
-                  </a:ext>
-                </a:extLst>
-              </p:cNvPr>
-              <p:cNvSpPr txBox="1"/>
-              <p:nvPr/>
-            </p:nvSpPr>
-            <p:spPr>
-              <a:xfrm>
-                <a:off x="1397477" y="2267258"/>
-                <a:ext cx="919226" cy="348118"/>
-              </a:xfrm>
-              <a:prstGeom prst="rect">
-                <a:avLst/>
-              </a:prstGeom>
-              <a:noFill/>
-            </p:spPr>
-            <p:txBody>
-              <a:bodyPr wrap="none" rtlCol="0">
-                <a:spAutoFit/>
-              </a:bodyPr>
-              <a:lstStyle/>
-              <a:p>
-                <a:r>
-                  <a:rPr lang="en-GB" sz="1400" dirty="0">
-                    <a:solidFill>
-                      <a:schemeClr val="bg1"/>
-                    </a:solidFill>
-                  </a:rPr>
-                  <a:t>Feedback</a:t>
-                </a:r>
-              </a:p>
-            </p:txBody>
-          </p:sp>
-        </p:grpSp>
-        <p:sp>
-          <p:nvSpPr>
-            <p:cNvPr id="41" name="TextBox 40">
-              <a:extLst>
-                <a:ext uri="{FF2B5EF4-FFF2-40B4-BE49-F238E27FC236}">
-                  <a16:creationId xmlns:a16="http://schemas.microsoft.com/office/drawing/2014/main" id="{745D5E11-E082-5B5E-59D4-D2A033B453FB}"/>
-                </a:ext>
-              </a:extLst>
-            </p:cNvPr>
-            <p:cNvSpPr txBox="1"/>
-            <p:nvPr/>
-          </p:nvSpPr>
-          <p:spPr>
-            <a:xfrm>
-              <a:off x="5972354" y="3883059"/>
-              <a:ext cx="1693092" cy="261610"/>
-            </a:xfrm>
-            <a:prstGeom prst="rect">
-              <a:avLst/>
-            </a:prstGeom>
-            <a:noFill/>
-          </p:spPr>
-          <p:txBody>
-            <a:bodyPr wrap="none" rtlCol="0">
-              <a:spAutoFit/>
-            </a:bodyPr>
-            <a:lstStyle/>
-            <a:p>
-              <a:r>
-                <a:rPr lang="en-GB" sz="1100" dirty="0"/>
-                <a:t>‘a = 4’ is not an expression</a:t>
-              </a:r>
-            </a:p>
-          </p:txBody>
-        </p:sp>
-        <p:sp>
-          <p:nvSpPr>
-            <p:cNvPr id="42" name="TextBox 41">
-              <a:extLst>
-                <a:ext uri="{FF2B5EF4-FFF2-40B4-BE49-F238E27FC236}">
-                  <a16:creationId xmlns:a16="http://schemas.microsoft.com/office/drawing/2014/main" id="{1E49A427-30D1-4852-DFEB-CB02F47F0E11}"/>
-                </a:ext>
-              </a:extLst>
-            </p:cNvPr>
-            <p:cNvSpPr txBox="1"/>
-            <p:nvPr/>
-          </p:nvSpPr>
-          <p:spPr>
-            <a:xfrm>
-              <a:off x="9489056" y="5809707"/>
-              <a:ext cx="479618" cy="261610"/>
-            </a:xfrm>
-            <a:prstGeom prst="rect">
-              <a:avLst/>
-            </a:prstGeom>
-            <a:solidFill>
-              <a:schemeClr val="accent1">
-                <a:lumMod val="40000"/>
-                <a:lumOff val="60000"/>
-              </a:schemeClr>
-            </a:solidFill>
-          </p:spPr>
-          <p:txBody>
-            <a:bodyPr wrap="none" rtlCol="0">
-              <a:spAutoFit/>
-            </a:bodyPr>
-            <a:lstStyle/>
-            <a:p>
-              <a:r>
-                <a:rPr lang="en-GB" sz="1100" dirty="0"/>
-                <a:t>Clear</a:t>
-              </a:r>
-            </a:p>
-          </p:txBody>
-        </p:sp>
-      </p:grpSp>
-    </p:spTree>
-    <p:extLst>
-      <p:ext uri="{BB962C8B-B14F-4D97-AF65-F5344CB8AC3E}">
-        <p14:creationId xmlns:p14="http://schemas.microsoft.com/office/powerpoint/2010/main" val="3384186636"/>
-      </p:ext>
-    </p:extLst>
-  </p:cSld>
-  <p:clrMapOvr>
-    <a:masterClrMapping/>
-  </p:clrMapOvr>
-</p:sld>
-</file>
-
-<file path=ppt/slides/slide4.xml><?xml version="1.0" encoding="utf-8"?>
-<p:sld xmlns:a="http://schemas.openxmlformats.org/drawingml/2006/main" xmlns:r="http://schemas.openxmlformats.org/officeDocument/2006/relationships" xmlns:p="http://schemas.openxmlformats.org/presentationml/2006/main">
-  <p:cSld>
-    <p:spTree>
-      <p:nvGrpSpPr>
-        <p:cNvPr id="1" name=""/>
-        <p:cNvGrpSpPr/>
-        <p:nvPr/>
-      </p:nvGrpSpPr>
-      <p:grpSpPr>
-        <a:xfrm>
-          <a:off x="0" y="0"/>
-          <a:ext cx="0" cy="0"/>
-          <a:chOff x="0" y="0"/>
-          <a:chExt cx="0" cy="0"/>
-        </a:xfrm>
-      </p:grpSpPr>
-      <p:grpSp>
-        <p:nvGrpSpPr>
-          <p:cNvPr id="36" name="Group 35">
-            <a:extLst>
-              <a:ext uri="{FF2B5EF4-FFF2-40B4-BE49-F238E27FC236}">
-                <a16:creationId xmlns:a16="http://schemas.microsoft.com/office/drawing/2014/main" id="{EE9A3DFF-0602-72C1-4DC1-8103C699CC30}"/>
-              </a:ext>
-            </a:extLst>
-          </p:cNvPr>
-          <p:cNvGrpSpPr/>
-          <p:nvPr/>
-        </p:nvGrpSpPr>
-        <p:grpSpPr>
-          <a:xfrm>
-            <a:off x="1449236" y="697250"/>
-            <a:ext cx="4209693" cy="2632546"/>
-            <a:chOff x="1449236" y="697250"/>
-            <a:chExt cx="4209693" cy="2632546"/>
-          </a:xfrm>
-        </p:grpSpPr>
-        <p:grpSp>
-          <p:nvGrpSpPr>
-            <p:cNvPr id="7" name="Group 6">
-              <a:extLst>
-                <a:ext uri="{FF2B5EF4-FFF2-40B4-BE49-F238E27FC236}">
-                  <a16:creationId xmlns:a16="http://schemas.microsoft.com/office/drawing/2014/main" id="{97FB0461-A60F-3AF3-1109-58CF86A2D938}"/>
-                </a:ext>
-              </a:extLst>
-            </p:cNvPr>
-            <p:cNvGrpSpPr/>
-            <p:nvPr/>
-          </p:nvGrpSpPr>
-          <p:grpSpPr>
-            <a:xfrm>
-              <a:off x="1449236" y="697250"/>
-              <a:ext cx="4209693" cy="2632546"/>
-              <a:chOff x="1397477" y="2267258"/>
-              <a:chExt cx="4416727" cy="2977602"/>
-            </a:xfrm>
-          </p:grpSpPr>
-          <p:sp>
-            <p:nvSpPr>
-              <p:cNvPr id="4" name="Rectangle 3">
-                <a:extLst>
-                  <a:ext uri="{FF2B5EF4-FFF2-40B4-BE49-F238E27FC236}">
-                    <a16:creationId xmlns:a16="http://schemas.microsoft.com/office/drawing/2014/main" id="{E4A54570-2FE8-102B-5CBA-883C3D09B41D}"/>
-                  </a:ext>
-                </a:extLst>
-              </p:cNvPr>
-              <p:cNvSpPr/>
-              <p:nvPr/>
-            </p:nvSpPr>
-            <p:spPr>
-              <a:xfrm>
-                <a:off x="1397479" y="2320506"/>
-                <a:ext cx="4416725" cy="2924354"/>
-              </a:xfrm>
-              <a:prstGeom prst="rect">
-                <a:avLst/>
-              </a:prstGeom>
-              <a:noFill/>
-              <a:ln w="28575">
-                <a:solidFill>
-                  <a:schemeClr val="accent1"/>
-                </a:solidFill>
-              </a:ln>
-            </p:spPr>
-            <p:style>
-              <a:lnRef idx="2">
-                <a:schemeClr val="accent1">
-                  <a:shade val="50000"/>
-                </a:schemeClr>
-              </a:lnRef>
-              <a:fillRef idx="1">
-                <a:schemeClr val="accent1"/>
-              </a:fillRef>
-              <a:effectRef idx="0">
-                <a:schemeClr val="accent1"/>
-              </a:effectRef>
-              <a:fontRef idx="minor">
-                <a:schemeClr val="lt1"/>
-              </a:fontRef>
-            </p:style>
-            <p:txBody>
-              <a:bodyPr rtlCol="0" anchor="ctr"/>
-              <a:lstStyle/>
-              <a:p>
-                <a:pPr algn="ctr"/>
-                <a:endParaRPr lang="en-GB">
-                  <a:noFill/>
-                </a:endParaRPr>
-              </a:p>
-            </p:txBody>
-          </p:sp>
-          <p:sp>
-            <p:nvSpPr>
-              <p:cNvPr id="6" name="Rectangle 5">
-                <a:extLst>
-                  <a:ext uri="{FF2B5EF4-FFF2-40B4-BE49-F238E27FC236}">
-                    <a16:creationId xmlns:a16="http://schemas.microsoft.com/office/drawing/2014/main" id="{B768FF91-6136-C48B-649F-4B7585A74A67}"/>
-                  </a:ext>
-                </a:extLst>
-              </p:cNvPr>
-              <p:cNvSpPr/>
-              <p:nvPr/>
-            </p:nvSpPr>
-            <p:spPr>
-              <a:xfrm>
-                <a:off x="1397478" y="2320506"/>
-                <a:ext cx="4416725" cy="201283"/>
-              </a:xfrm>
-              <a:prstGeom prst="rect">
-                <a:avLst/>
-              </a:prstGeom>
-              <a:solidFill>
-                <a:schemeClr val="accent1"/>
-              </a:solidFill>
-              <a:ln w="28575">
-                <a:solidFill>
-                  <a:schemeClr val="accent1"/>
-                </a:solidFill>
-              </a:ln>
-            </p:spPr>
-            <p:style>
-              <a:lnRef idx="2">
-                <a:schemeClr val="accent1">
-                  <a:shade val="50000"/>
-                </a:schemeClr>
-              </a:lnRef>
-              <a:fillRef idx="1">
-                <a:schemeClr val="accent1"/>
-              </a:fillRef>
-              <a:effectRef idx="0">
-                <a:schemeClr val="accent1"/>
-              </a:effectRef>
-              <a:fontRef idx="minor">
-                <a:schemeClr val="lt1"/>
-              </a:fontRef>
-            </p:style>
-            <p:txBody>
-              <a:bodyPr rtlCol="0" anchor="ctr"/>
-              <a:lstStyle/>
-              <a:p>
-                <a:pPr algn="ctr"/>
-                <a:endParaRPr lang="en-GB">
-                  <a:noFill/>
-                </a:endParaRPr>
-              </a:p>
-            </p:txBody>
-          </p:sp>
-          <p:sp>
-            <p:nvSpPr>
-              <p:cNvPr id="5" name="TextBox 4">
-                <a:extLst>
-                  <a:ext uri="{FF2B5EF4-FFF2-40B4-BE49-F238E27FC236}">
-                    <a16:creationId xmlns:a16="http://schemas.microsoft.com/office/drawing/2014/main" id="{9FA1F2C8-D9EF-E181-5B57-292108BEE69B}"/>
-                  </a:ext>
-                </a:extLst>
-              </p:cNvPr>
-              <p:cNvSpPr txBox="1"/>
-              <p:nvPr/>
-            </p:nvSpPr>
-            <p:spPr>
-              <a:xfrm>
-                <a:off x="1397477" y="2267258"/>
-                <a:ext cx="1569660" cy="307777"/>
-              </a:xfrm>
-              <a:prstGeom prst="rect">
-                <a:avLst/>
-              </a:prstGeom>
-              <a:noFill/>
-            </p:spPr>
-            <p:txBody>
-              <a:bodyPr wrap="none" rtlCol="0">
-                <a:spAutoFit/>
-              </a:bodyPr>
-              <a:lstStyle/>
-              <a:p>
-                <a:r>
-                  <a:rPr lang="en-GB" sz="1400" dirty="0">
-                    <a:solidFill>
-                      <a:schemeClr val="bg1"/>
-                    </a:solidFill>
-                  </a:rPr>
-                  <a:t>Function definition</a:t>
-                </a:r>
-              </a:p>
-            </p:txBody>
-          </p:sp>
-        </p:grpSp>
-        <p:sp>
-          <p:nvSpPr>
-            <p:cNvPr id="22" name="TextBox 21">
-              <a:extLst>
-                <a:ext uri="{FF2B5EF4-FFF2-40B4-BE49-F238E27FC236}">
-                  <a16:creationId xmlns:a16="http://schemas.microsoft.com/office/drawing/2014/main" id="{25883A86-DF63-9811-90C5-752B1EFDD097}"/>
-                </a:ext>
-              </a:extLst>
-            </p:cNvPr>
-            <p:cNvSpPr txBox="1"/>
-            <p:nvPr/>
-          </p:nvSpPr>
-          <p:spPr>
-            <a:xfrm>
-              <a:off x="1498120" y="1023452"/>
-              <a:ext cx="2262158" cy="261610"/>
-            </a:xfrm>
-            <a:prstGeom prst="rect">
-              <a:avLst/>
-            </a:prstGeom>
-            <a:noFill/>
-          </p:spPr>
-          <p:txBody>
-            <a:bodyPr wrap="none" rtlCol="0">
-              <a:spAutoFit/>
-            </a:bodyPr>
-            <a:lstStyle/>
-            <a:p>
-              <a:r>
-                <a:rPr lang="en-GB" sz="1100" dirty="0">
-                  <a:latin typeface="Consolas" panose="020B0609020204030204" pitchFamily="49" charset="0"/>
-                </a:rPr>
-                <a:t>int Square(int n) =&gt; n * n;</a:t>
-              </a:r>
-            </a:p>
-          </p:txBody>
-        </p:sp>
-      </p:grpSp>
-      <p:sp>
-        <p:nvSpPr>
-          <p:cNvPr id="52" name="TextBox 51">
-            <a:extLst>
-              <a:ext uri="{FF2B5EF4-FFF2-40B4-BE49-F238E27FC236}">
-                <a16:creationId xmlns:a16="http://schemas.microsoft.com/office/drawing/2014/main" id="{0AEFAE92-D23E-B5B6-C9DC-7565CA4371A8}"/>
-              </a:ext>
-            </a:extLst>
-          </p:cNvPr>
-          <p:cNvSpPr txBox="1"/>
-          <p:nvPr/>
-        </p:nvSpPr>
-        <p:spPr>
-          <a:xfrm>
-            <a:off x="5971636" y="744327"/>
-            <a:ext cx="5665398" cy="3108543"/>
-          </a:xfrm>
-          <a:prstGeom prst="rect">
-            <a:avLst/>
-          </a:prstGeom>
-          <a:noFill/>
-        </p:spPr>
-        <p:txBody>
-          <a:bodyPr wrap="square">
-            <a:spAutoFit/>
-          </a:bodyPr>
-          <a:lstStyle/>
-          <a:p>
-            <a:r>
-              <a:rPr lang="en-GB" sz="1400" b="1" dirty="0"/>
-              <a:t>Story 2 : Function definition</a:t>
-            </a:r>
-          </a:p>
-          <a:p>
-            <a:pPr marL="342900" indent="-342900">
-              <a:buFont typeface="+mj-lt"/>
-              <a:buAutoNum type="arabicPeriod"/>
-            </a:pPr>
-            <a:r>
-              <a:rPr lang="en-GB" sz="1400" dirty="0"/>
-              <a:t>Happy case</a:t>
-            </a:r>
-          </a:p>
-          <a:p>
-            <a:pPr marL="342900" indent="-342900">
-              <a:buFont typeface="+mj-lt"/>
-              <a:buAutoNum type="arabicPeriod"/>
-            </a:pPr>
-            <a:r>
-              <a:rPr lang="en-GB" sz="1400" dirty="0"/>
-              <a:t>Ensure that successful function may be used in </a:t>
-            </a:r>
-            <a:r>
-              <a:rPr lang="en-GB" sz="1400" b="1" dirty="0"/>
-              <a:t>Expression Evaluation</a:t>
-            </a:r>
-          </a:p>
-          <a:p>
-            <a:pPr marL="342900" indent="-342900">
-              <a:buFont typeface="+mj-lt"/>
-              <a:buAutoNum type="arabicPeriod"/>
-            </a:pPr>
-            <a:r>
-              <a:rPr lang="en-GB" sz="1400" dirty="0"/>
-              <a:t>Handle errors in </a:t>
-            </a:r>
-            <a:r>
-              <a:rPr lang="en-GB" sz="1400" b="1" dirty="0"/>
-              <a:t>System Feedback </a:t>
-            </a:r>
-          </a:p>
-          <a:p>
-            <a:pPr marL="800100" lvl="1" indent="-342900">
-              <a:buFont typeface="+mj-lt"/>
-              <a:buAutoNum type="alphaLcParenR"/>
-            </a:pPr>
-            <a:r>
-              <a:rPr lang="en-GB" sz="1400" dirty="0"/>
-              <a:t>Syntax error</a:t>
-            </a:r>
-          </a:p>
-          <a:p>
-            <a:pPr marL="800100" lvl="1" indent="-342900">
-              <a:buFont typeface="+mj-lt"/>
-              <a:buAutoNum type="alphaLcParenR"/>
-            </a:pPr>
-            <a:r>
-              <a:rPr lang="en-GB" sz="1400" dirty="0"/>
-              <a:t>Other compilation error</a:t>
-            </a:r>
-          </a:p>
-          <a:p>
-            <a:pPr marL="800100" lvl="1" indent="-342900">
-              <a:buFont typeface="+mj-lt"/>
-              <a:buAutoNum type="alphaLcParenR"/>
-            </a:pPr>
-            <a:r>
-              <a:rPr lang="en-GB" sz="1400" dirty="0"/>
-              <a:t>(as with expressions – use of disallowed function)</a:t>
-            </a:r>
-          </a:p>
-          <a:p>
-            <a:pPr marL="800100" lvl="1" indent="-342900">
-              <a:buFont typeface="+mj-lt"/>
-              <a:buAutoNum type="alphaLcParenR"/>
-            </a:pPr>
-            <a:r>
-              <a:rPr lang="en-GB" sz="1400" dirty="0"/>
-              <a:t>Not a function definition (e.g. a statement)</a:t>
-            </a:r>
-          </a:p>
-          <a:p>
-            <a:pPr marL="800100" lvl="1" indent="-342900">
-              <a:buFont typeface="+mj-lt"/>
-              <a:buAutoNum type="alphaLcParenR"/>
-            </a:pPr>
-            <a:r>
-              <a:rPr lang="en-GB" sz="1400" dirty="0"/>
-              <a:t>Runtime error</a:t>
-            </a:r>
-          </a:p>
-          <a:p>
-            <a:pPr marL="342900" indent="-342900">
-              <a:buFont typeface="+mj-lt"/>
-              <a:buAutoNum type="arabicPeriod"/>
-            </a:pPr>
-            <a:r>
-              <a:rPr lang="en-GB" sz="1400" dirty="0"/>
-              <a:t>Option to enforce that body of function must be a single statement of the form </a:t>
-            </a:r>
-            <a:r>
-              <a:rPr lang="en-GB" sz="1400" dirty="0">
-                <a:solidFill>
-                  <a:schemeClr val="accent1"/>
-                </a:solidFill>
-                <a:latin typeface="Consolas" panose="020B0609020204030204" pitchFamily="49" charset="0"/>
-              </a:rPr>
-              <a:t>Return [expression] </a:t>
-            </a:r>
-            <a:r>
-              <a:rPr lang="en-GB" sz="1400" dirty="0"/>
-              <a:t>or, for C#, expression syntax</a:t>
-            </a:r>
-          </a:p>
-          <a:p>
-            <a:pPr marL="342900" indent="-342900">
-              <a:buFont typeface="+mj-lt"/>
-              <a:buAutoNum type="arabicPeriod"/>
-            </a:pPr>
-            <a:r>
-              <a:rPr lang="en-GB" sz="1400" dirty="0"/>
-              <a:t>Transparent handling of namespaces</a:t>
-            </a:r>
-          </a:p>
-          <a:p>
-            <a:pPr marL="342900" indent="-342900">
-              <a:buFont typeface="+mj-lt"/>
-              <a:buAutoNum type="arabicPeriod"/>
-            </a:pPr>
-            <a:r>
-              <a:rPr lang="en-GB" sz="1400" dirty="0"/>
-              <a:t>Definition of multiple functions that may call each other</a:t>
-            </a:r>
-          </a:p>
-          <a:p>
-            <a:pPr marL="342900" indent="-342900">
-              <a:buFont typeface="+mj-lt"/>
-              <a:buAutoNum type="arabicPeriod"/>
-            </a:pPr>
-            <a:r>
-              <a:rPr lang="en-US" sz="1400" dirty="0">
-                <a:effectLst/>
-                <a:latin typeface="Calibri" panose="020F0502020204030204" pitchFamily="34" charset="0"/>
-                <a:ea typeface="Calibri" panose="020F0502020204030204" pitchFamily="34" charset="0"/>
-                <a:cs typeface="Times New Roman" panose="02020603050405020304" pitchFamily="18" charset="0"/>
-              </a:rPr>
-              <a:t>Cannot paste into the function definition pane</a:t>
-            </a:r>
-            <a:endParaRPr lang="en-GB" sz="1400" dirty="0">
-              <a:effectLst/>
-              <a:latin typeface="Calibri" panose="020F0502020204030204" pitchFamily="34" charset="0"/>
-              <a:ea typeface="Calibri" panose="020F0502020204030204" pitchFamily="34" charset="0"/>
-              <a:cs typeface="Times New Roman" panose="02020603050405020304" pitchFamily="18" charset="0"/>
-            </a:endParaRPr>
-          </a:p>
-        </p:txBody>
-      </p:sp>
-      <p:sp>
-        <p:nvSpPr>
-          <p:cNvPr id="9" name="TextBox 8">
-            <a:extLst>
-              <a:ext uri="{FF2B5EF4-FFF2-40B4-BE49-F238E27FC236}">
-                <a16:creationId xmlns:a16="http://schemas.microsoft.com/office/drawing/2014/main" id="{8763FBB8-69FC-5A28-E0CE-4D5306E41491}"/>
-              </a:ext>
-            </a:extLst>
-          </p:cNvPr>
-          <p:cNvSpPr txBox="1"/>
-          <p:nvPr/>
-        </p:nvSpPr>
-        <p:spPr>
-          <a:xfrm>
-            <a:off x="4963652" y="2973282"/>
-            <a:ext cx="587020" cy="261610"/>
-          </a:xfrm>
-          <a:prstGeom prst="rect">
-            <a:avLst/>
-          </a:prstGeom>
-          <a:solidFill>
-            <a:schemeClr val="accent1">
-              <a:lumMod val="40000"/>
-              <a:lumOff val="60000"/>
-            </a:schemeClr>
-          </a:solidFill>
-        </p:spPr>
-        <p:txBody>
-          <a:bodyPr wrap="none" rtlCol="0">
-            <a:spAutoFit/>
-          </a:bodyPr>
-          <a:lstStyle/>
-          <a:p>
-            <a:r>
-              <a:rPr lang="en-GB" sz="1100" dirty="0"/>
-              <a:t>Submit</a:t>
-            </a:r>
-          </a:p>
-        </p:txBody>
-      </p:sp>
-    </p:spTree>
-    <p:extLst>
-      <p:ext uri="{BB962C8B-B14F-4D97-AF65-F5344CB8AC3E}">
-        <p14:creationId xmlns:p14="http://schemas.microsoft.com/office/powerpoint/2010/main" val="2376796282"/>
-      </p:ext>
-    </p:extLst>
-  </p:cSld>
-  <p:clrMapOvr>
-    <a:masterClrMapping/>
-  </p:clrMapOvr>
-</p:sld>
-</file>
-
-<file path=ppt/slides/slide5.xml><?xml version="1.0" encoding="utf-8"?>
-<p:sld xmlns:a="http://schemas.openxmlformats.org/drawingml/2006/main" xmlns:r="http://schemas.openxmlformats.org/officeDocument/2006/relationships" xmlns:p="http://schemas.openxmlformats.org/presentationml/2006/main">
-  <p:cSld>
-    <p:spTree>
-      <p:nvGrpSpPr>
-        <p:cNvPr id="1" name=""/>
-        <p:cNvGrpSpPr/>
-        <p:nvPr/>
-      </p:nvGrpSpPr>
-      <p:grpSpPr>
-        <a:xfrm>
-          <a:off x="0" y="0"/>
-          <a:ext cx="0" cy="0"/>
-          <a:chOff x="0" y="0"/>
-          <a:chExt cx="0" cy="0"/>
-        </a:xfrm>
-      </p:grpSpPr>
-      <p:grpSp>
-        <p:nvGrpSpPr>
-          <p:cNvPr id="2" name="Group 1">
-            <a:extLst>
-              <a:ext uri="{FF2B5EF4-FFF2-40B4-BE49-F238E27FC236}">
-                <a16:creationId xmlns:a16="http://schemas.microsoft.com/office/drawing/2014/main" id="{B1083898-9868-E1D8-1C5C-1EEB64A91BCB}"/>
-              </a:ext>
-            </a:extLst>
-          </p:cNvPr>
-          <p:cNvGrpSpPr/>
-          <p:nvPr/>
-        </p:nvGrpSpPr>
-        <p:grpSpPr>
-          <a:xfrm>
-            <a:off x="1449236" y="3528205"/>
-            <a:ext cx="4209693" cy="2632546"/>
-            <a:chOff x="1449236" y="3528205"/>
-            <a:chExt cx="4209693" cy="2632546"/>
-          </a:xfrm>
-        </p:grpSpPr>
-        <p:grpSp>
-          <p:nvGrpSpPr>
-            <p:cNvPr id="12" name="Group 11">
-              <a:extLst>
-                <a:ext uri="{FF2B5EF4-FFF2-40B4-BE49-F238E27FC236}">
-                  <a16:creationId xmlns:a16="http://schemas.microsoft.com/office/drawing/2014/main" id="{62C12198-93BB-DF69-55A5-6477F8A948B9}"/>
-                </a:ext>
-              </a:extLst>
-            </p:cNvPr>
-            <p:cNvGrpSpPr/>
-            <p:nvPr/>
-          </p:nvGrpSpPr>
-          <p:grpSpPr>
-            <a:xfrm>
-              <a:off x="1449236" y="3528205"/>
-              <a:ext cx="4209693" cy="2632546"/>
-              <a:chOff x="1397477" y="2267258"/>
-              <a:chExt cx="4416727" cy="2977602"/>
-            </a:xfrm>
-          </p:grpSpPr>
-          <p:sp>
-            <p:nvSpPr>
-              <p:cNvPr id="13" name="Rectangle 12">
-                <a:extLst>
-                  <a:ext uri="{FF2B5EF4-FFF2-40B4-BE49-F238E27FC236}">
-                    <a16:creationId xmlns:a16="http://schemas.microsoft.com/office/drawing/2014/main" id="{919DCA3C-E2C6-06A5-0DCD-D962994FAB09}"/>
-                  </a:ext>
-                </a:extLst>
-              </p:cNvPr>
-              <p:cNvSpPr/>
-              <p:nvPr/>
-            </p:nvSpPr>
-            <p:spPr>
-              <a:xfrm>
-                <a:off x="1397479" y="2320506"/>
-                <a:ext cx="4416725" cy="2924354"/>
-              </a:xfrm>
-              <a:prstGeom prst="rect">
-                <a:avLst/>
-              </a:prstGeom>
-              <a:noFill/>
-              <a:ln w="28575">
-                <a:solidFill>
-                  <a:schemeClr val="accent1"/>
-                </a:solidFill>
-              </a:ln>
-            </p:spPr>
-            <p:style>
-              <a:lnRef idx="2">
-                <a:schemeClr val="accent1">
-                  <a:shade val="50000"/>
-                </a:schemeClr>
-              </a:lnRef>
-              <a:fillRef idx="1">
-                <a:schemeClr val="accent1"/>
-              </a:fillRef>
-              <a:effectRef idx="0">
-                <a:schemeClr val="accent1"/>
-              </a:effectRef>
-              <a:fontRef idx="minor">
-                <a:schemeClr val="lt1"/>
-              </a:fontRef>
-            </p:style>
-            <p:txBody>
-              <a:bodyPr rtlCol="0" anchor="ctr"/>
-              <a:lstStyle/>
-              <a:p>
-                <a:pPr algn="ctr"/>
-                <a:endParaRPr lang="en-GB">
-                  <a:noFill/>
-                </a:endParaRPr>
-              </a:p>
-            </p:txBody>
-          </p:sp>
-          <p:sp>
-            <p:nvSpPr>
-              <p:cNvPr id="14" name="Rectangle 13">
-                <a:extLst>
-                  <a:ext uri="{FF2B5EF4-FFF2-40B4-BE49-F238E27FC236}">
-                    <a16:creationId xmlns:a16="http://schemas.microsoft.com/office/drawing/2014/main" id="{52ADCCBA-0B34-1AB1-CE76-578BD2A8639E}"/>
-                  </a:ext>
-                </a:extLst>
-              </p:cNvPr>
-              <p:cNvSpPr/>
-              <p:nvPr/>
-            </p:nvSpPr>
-            <p:spPr>
-              <a:xfrm>
-                <a:off x="1397478" y="2320506"/>
-                <a:ext cx="4416725" cy="201283"/>
+                <a:off x="1397478" y="2320505"/>
+                <a:ext cx="4416725" cy="201284"/>
               </a:xfrm>
               <a:prstGeom prst="rect">
                 <a:avLst/>
@@ -8350,10 +8574,10 @@
           </p:sp>
           <p:sp>
             <p:nvSpPr>
-              <p:cNvPr id="15" name="TextBox 14">
+              <p:cNvPr id="62" name="TextBox 61">
                 <a:extLst>
                   <a:ext uri="{FF2B5EF4-FFF2-40B4-BE49-F238E27FC236}">
-                    <a16:creationId xmlns:a16="http://schemas.microsoft.com/office/drawing/2014/main" id="{6C38BB48-B180-9C4B-CB6E-9EB4D9369B49}"/>
+                    <a16:creationId xmlns:a16="http://schemas.microsoft.com/office/drawing/2014/main" id="{0C9BBA1E-2889-B8FC-C3CF-377F11EE3757}"/>
                   </a:ext>
                 </a:extLst>
               </p:cNvPr>
@@ -8363,7 +8587,7 @@
             <p:spPr>
               <a:xfrm>
                 <a:off x="1397477" y="2267258"/>
-                <a:ext cx="2594944" cy="348118"/>
+                <a:ext cx="1862604" cy="348118"/>
               </a:xfrm>
               <a:prstGeom prst="rect">
                 <a:avLst/>
@@ -8382,153 +8606,72 @@
                       <a:schemeClr val="bg1"/>
                     </a:solidFill>
                   </a:rPr>
-                  <a:t>Task – 1372 – Marks available 4</a:t>
+                  <a:t>Expression evaluation</a:t>
                 </a:r>
               </a:p>
             </p:txBody>
           </p:sp>
         </p:grpSp>
-        <p:sp>
-          <p:nvSpPr>
-            <p:cNvPr id="25" name="TextBox 24">
-              <a:extLst>
-                <a:ext uri="{FF2B5EF4-FFF2-40B4-BE49-F238E27FC236}">
-                  <a16:creationId xmlns:a16="http://schemas.microsoft.com/office/drawing/2014/main" id="{A8E5BA4B-4B49-9D10-43BA-52360D3F87A2}"/>
-                </a:ext>
-              </a:extLst>
-            </p:cNvPr>
-            <p:cNvSpPr txBox="1"/>
-            <p:nvPr/>
-          </p:nvSpPr>
-          <p:spPr>
-            <a:xfrm>
-              <a:off x="1618937" y="3854598"/>
-              <a:ext cx="3953727" cy="938719"/>
-            </a:xfrm>
-            <a:prstGeom prst="rect">
-              <a:avLst/>
-            </a:prstGeom>
-            <a:noFill/>
-          </p:spPr>
-          <p:txBody>
-            <a:bodyPr wrap="square" rtlCol="0">
-              <a:spAutoFit/>
-            </a:bodyPr>
-            <a:lstStyle/>
-            <a:p>
-              <a:r>
-                <a:rPr lang="en-GB" sz="1100" dirty="0"/>
-                <a:t>Define a function named </a:t>
-              </a:r>
-              <a:r>
-                <a:rPr lang="en-GB" sz="1100" dirty="0">
-                  <a:latin typeface="Consolas" panose="020B0609020204030204" pitchFamily="49" charset="0"/>
-                </a:rPr>
-                <a:t>Square</a:t>
-              </a:r>
-              <a:r>
-                <a:rPr lang="en-GB" sz="1100" dirty="0"/>
-                <a:t> which takes in an integer number and returns the square of that number.</a:t>
-              </a:r>
-            </a:p>
-            <a:p>
-              <a:endParaRPr lang="en-GB" sz="1100" dirty="0"/>
-            </a:p>
-            <a:p>
-              <a:r>
-                <a:rPr lang="en-GB" sz="1100" dirty="0"/>
-                <a:t>For this task you may use any arithmetic operators, but no ready-made functions.</a:t>
-              </a:r>
-            </a:p>
-          </p:txBody>
-        </p:sp>
-        <p:sp>
-          <p:nvSpPr>
-            <p:cNvPr id="27" name="TextBox 26">
-              <a:extLst>
-                <a:ext uri="{FF2B5EF4-FFF2-40B4-BE49-F238E27FC236}">
-                  <a16:creationId xmlns:a16="http://schemas.microsoft.com/office/drawing/2014/main" id="{AE784E84-1915-CAF3-26CF-89662418C462}"/>
-                </a:ext>
-              </a:extLst>
-            </p:cNvPr>
-            <p:cNvSpPr txBox="1"/>
-            <p:nvPr/>
-          </p:nvSpPr>
-          <p:spPr>
-            <a:xfrm>
-              <a:off x="4076742" y="5809707"/>
-              <a:ext cx="1495922" cy="261610"/>
-            </a:xfrm>
-            <a:prstGeom prst="rect">
-              <a:avLst/>
-            </a:prstGeom>
-            <a:solidFill>
-              <a:schemeClr val="accent1">
-                <a:lumMod val="40000"/>
-                <a:lumOff val="60000"/>
-              </a:schemeClr>
-            </a:solidFill>
-          </p:spPr>
-          <p:txBody>
-            <a:bodyPr wrap="none" rtlCol="0">
-              <a:spAutoFit/>
-            </a:bodyPr>
-            <a:lstStyle/>
-            <a:p>
-              <a:r>
-                <a:rPr lang="en-GB" sz="1100" dirty="0"/>
-                <a:t>Submit completed task</a:t>
-              </a:r>
-            </a:p>
-          </p:txBody>
-        </p:sp>
-        <p:sp>
-          <p:nvSpPr>
-            <p:cNvPr id="28" name="TextBox 27">
-              <a:extLst>
-                <a:ext uri="{FF2B5EF4-FFF2-40B4-BE49-F238E27FC236}">
-                  <a16:creationId xmlns:a16="http://schemas.microsoft.com/office/drawing/2014/main" id="{880D4307-B7FD-C7AE-B0C1-8808709736D8}"/>
-                </a:ext>
-              </a:extLst>
-            </p:cNvPr>
-            <p:cNvSpPr txBox="1"/>
-            <p:nvPr/>
-          </p:nvSpPr>
-          <p:spPr>
-            <a:xfrm>
-              <a:off x="1618937" y="5809707"/>
-              <a:ext cx="1806905" cy="261610"/>
-            </a:xfrm>
-            <a:prstGeom prst="rect">
-              <a:avLst/>
-            </a:prstGeom>
-            <a:solidFill>
-              <a:schemeClr val="accent1">
-                <a:lumMod val="40000"/>
-                <a:lumOff val="60000"/>
-              </a:schemeClr>
-            </a:solidFill>
-          </p:spPr>
-          <p:txBody>
-            <a:bodyPr wrap="none" rtlCol="0">
-              <a:spAutoFit/>
-            </a:bodyPr>
-            <a:lstStyle/>
-            <a:p>
-              <a:r>
-                <a:rPr lang="en-GB" sz="1100" dirty="0"/>
-                <a:t>Request next hint (-1 mark)</a:t>
-              </a:r>
-            </a:p>
-          </p:txBody>
-        </p:sp>
       </p:grpSp>
       <p:sp>
         <p:nvSpPr>
-          <p:cNvPr id="38" name="TextBox 37">
-            <a:extLst>
-              <a:ext uri="{FF2B5EF4-FFF2-40B4-BE49-F238E27FC236}">
-                <a16:creationId xmlns:a16="http://schemas.microsoft.com/office/drawing/2014/main" id="{80507CC7-90FB-2AF2-640A-B02DB04789F3}"/>
+          <p:cNvPr id="3" name="Rectangle 2">
+            <a:extLst>
+              <a:ext uri="{FF2B5EF4-FFF2-40B4-BE49-F238E27FC236}">
+                <a16:creationId xmlns:a16="http://schemas.microsoft.com/office/drawing/2014/main" id="{78307728-7D39-81A6-04C7-F99D7CCF788E}"/>
+              </a:ext>
+            </a:extLst>
+          </p:cNvPr>
+          <p:cNvSpPr/>
+          <p:nvPr/>
+        </p:nvSpPr>
+        <p:spPr>
+          <a:xfrm>
+            <a:off x="6096000" y="2225615"/>
+            <a:ext cx="3725492" cy="3183147"/>
+          </a:xfrm>
+          <a:prstGeom prst="rect">
+            <a:avLst/>
+          </a:prstGeom>
+        </p:spPr>
+        <p:style>
+          <a:lnRef idx="2">
+            <a:schemeClr val="accent1">
+              <a:shade val="50000"/>
+            </a:schemeClr>
+          </a:lnRef>
+          <a:fillRef idx="1">
+            <a:schemeClr val="accent1"/>
+          </a:fillRef>
+          <a:effectRef idx="0">
+            <a:schemeClr val="accent1"/>
+          </a:effectRef>
+          <a:fontRef idx="minor">
+            <a:schemeClr val="lt1"/>
+          </a:fontRef>
+        </p:style>
+        <p:txBody>
+          <a:bodyPr rtlCol="0" anchor="ctr"/>
+          <a:lstStyle/>
+          <a:p>
+            <a:pPr algn="ctr"/>
+            <a:r>
+              <a:rPr lang="en-GB" dirty="0">
+                <a:solidFill>
+                  <a:schemeClr val="bg1"/>
+                </a:solidFill>
+              </a:rPr>
+              <a:t>[application screen]</a:t>
+            </a:r>
+          </a:p>
+        </p:txBody>
+      </p:sp>
+      <p:sp>
+        <p:nvSpPr>
+          <p:cNvPr id="52" name="TextBox 51">
+            <a:extLst>
+              <a:ext uri="{FF2B5EF4-FFF2-40B4-BE49-F238E27FC236}">
+                <a16:creationId xmlns:a16="http://schemas.microsoft.com/office/drawing/2014/main" id="{8BC9D6C4-DB10-5E4D-4095-7014C9E7F237}"/>
               </a:ext>
             </a:extLst>
           </p:cNvPr>
@@ -8537,1196 +8680,8 @@
         </p:nvSpPr>
         <p:spPr>
           <a:xfrm>
-            <a:off x="6096000" y="474454"/>
-            <a:ext cx="5608607" cy="5886868"/>
-          </a:xfrm>
-          <a:prstGeom prst="rect">
-            <a:avLst/>
-          </a:prstGeom>
-          <a:noFill/>
-        </p:spPr>
-        <p:txBody>
-          <a:bodyPr wrap="square">
-            <a:spAutoFit/>
-          </a:bodyPr>
-          <a:lstStyle/>
-          <a:p>
-            <a:r>
-              <a:rPr lang="en-GB" sz="1400" b="1" dirty="0"/>
-              <a:t>Story 3: Tasks</a:t>
-            </a:r>
-          </a:p>
-          <a:p>
-            <a:pPr marL="342900" indent="-342900">
-              <a:buFont typeface="+mj-lt"/>
-              <a:buAutoNum type="arabicPeriod"/>
-            </a:pPr>
-            <a:r>
-              <a:rPr lang="en-GB" sz="1400" dirty="0"/>
-              <a:t>Add Task pane containing HTML </a:t>
-            </a:r>
-          </a:p>
-          <a:p>
-            <a:pPr marL="342900" indent="-342900">
-              <a:buFont typeface="+mj-lt"/>
-              <a:buAutoNum type="arabicPeriod"/>
-            </a:pPr>
-            <a:r>
-              <a:rPr lang="en-GB" sz="1400" dirty="0"/>
-              <a:t>Specifies functions/methods/variables that may be used </a:t>
-            </a:r>
-            <a:r>
-              <a:rPr lang="en-GB" sz="1400" i="1" dirty="0"/>
-              <a:t>in this task</a:t>
-            </a:r>
-            <a:endParaRPr lang="en-GB" sz="1400" dirty="0"/>
-          </a:p>
-          <a:p>
-            <a:pPr marL="342900" indent="-342900">
-              <a:buFont typeface="+mj-lt"/>
-              <a:buAutoNum type="arabicPeriod"/>
-            </a:pPr>
-            <a:r>
-              <a:rPr lang="en-GB" sz="1400" dirty="0"/>
-              <a:t>Add ability to define and execute tests</a:t>
-            </a:r>
-          </a:p>
-          <a:p>
-            <a:pPr marL="800100" lvl="1" indent="-342900">
-              <a:buFont typeface="+mj-lt"/>
-              <a:buAutoNum type="alphaLcParenR"/>
-            </a:pPr>
-            <a:r>
-              <a:rPr lang="en-GB" sz="1400" dirty="0"/>
-              <a:t>Tests should be executed in defined order, designed for simplest case first</a:t>
-            </a:r>
-          </a:p>
-          <a:p>
-            <a:pPr marL="800100" lvl="1" indent="-342900">
-              <a:buFont typeface="+mj-lt"/>
-              <a:buAutoNum type="alphaLcParenR"/>
-            </a:pPr>
-            <a:r>
-              <a:rPr lang="en-GB" sz="1400" dirty="0"/>
-              <a:t>Feedback</a:t>
-            </a:r>
-            <a:r>
-              <a:rPr lang="en-GB" sz="1400" b="1" dirty="0"/>
-              <a:t> </a:t>
-            </a:r>
-            <a:r>
-              <a:rPr lang="en-GB" sz="1400" dirty="0"/>
-              <a:t>shows No. of tests passed and first failure only - with input values, expected result, actual result</a:t>
-            </a:r>
-          </a:p>
-          <a:p>
-            <a:pPr marL="800100" lvl="1" indent="-342900">
-              <a:buFont typeface="+mj-lt"/>
-              <a:buAutoNum type="alphaLcParenR"/>
-            </a:pPr>
-            <a:r>
-              <a:rPr lang="en-GB" sz="1400" dirty="0"/>
-              <a:t>Button to submit task available only when (hidden) tests all pass</a:t>
-            </a:r>
-          </a:p>
-          <a:p>
-            <a:pPr marL="342900" indent="-342900">
-              <a:buFont typeface="+mj-lt"/>
-              <a:buAutoNum type="arabicPeriod"/>
-            </a:pPr>
-            <a:r>
-              <a:rPr lang="en-GB" sz="1400" dirty="0"/>
-              <a:t>Get hints, in defined order, each one reducing the marks available</a:t>
-            </a:r>
-          </a:p>
-          <a:p>
-            <a:pPr marL="800100" lvl="1" indent="-342900">
-              <a:buFont typeface="+mj-lt"/>
-              <a:buAutoNum type="alphaLcParenR"/>
-            </a:pPr>
-            <a:r>
-              <a:rPr lang="en-GB" sz="1400" dirty="0"/>
-              <a:t>Option to specify time before next hint becomes available</a:t>
-            </a:r>
-          </a:p>
-          <a:p>
-            <a:pPr marL="342900" indent="-342900">
-              <a:buFont typeface="+mj-lt"/>
-              <a:buAutoNum type="arabicPeriod"/>
-            </a:pPr>
-            <a:r>
-              <a:rPr lang="en-GB" sz="1400" dirty="0"/>
-              <a:t>Task successfully completed message in Feedback, showing marks, time started, duration</a:t>
-            </a:r>
-          </a:p>
-          <a:p>
-            <a:pPr marL="342900" indent="-342900">
-              <a:buFont typeface="+mj-lt"/>
-              <a:buAutoNum type="arabicPeriod"/>
-            </a:pPr>
-            <a:r>
-              <a:rPr lang="en-GB" sz="1400" dirty="0"/>
-              <a:t>Decide how a task is set up e.g. as standalone URL? (Can then link to next task in the success message?)</a:t>
-            </a:r>
-          </a:p>
-          <a:p>
-            <a:pPr marL="285750" indent="-285750">
-              <a:buFont typeface="Arial" panose="020B0604020202020204" pitchFamily="34" charset="0"/>
-              <a:buChar char="•"/>
-            </a:pPr>
-            <a:endParaRPr lang="en-GB" sz="1400" dirty="0"/>
-          </a:p>
-          <a:p>
-            <a:pPr marL="285750" indent="-285750">
-              <a:buFont typeface="Arial" panose="020B0604020202020204" pitchFamily="34" charset="0"/>
-              <a:buChar char="•"/>
-            </a:pPr>
-            <a:endParaRPr lang="en-GB" sz="1400" dirty="0"/>
-          </a:p>
-          <a:p>
-            <a:pPr marL="285750" indent="-285750">
-              <a:buFont typeface="Arial" panose="020B0604020202020204" pitchFamily="34" charset="0"/>
-              <a:buChar char="•"/>
-            </a:pPr>
-            <a:r>
-              <a:rPr lang="en-GB" sz="1400" dirty="0"/>
-              <a:t>Example of levels of hints:</a:t>
-            </a:r>
-          </a:p>
-          <a:p>
-            <a:pPr marL="742950" lvl="1" indent="-285750">
-              <a:lnSpc>
-                <a:spcPct val="107000"/>
-              </a:lnSpc>
-              <a:buFont typeface="Arial" panose="020B0604020202020204" pitchFamily="34" charset="0"/>
-              <a:buChar char="•"/>
-            </a:pPr>
-            <a:r>
-              <a:rPr lang="en-US" sz="1400" dirty="0">
-                <a:effectLst/>
-                <a:latin typeface="Calibri" panose="020F0502020204030204" pitchFamily="34" charset="0"/>
-                <a:ea typeface="Calibri" panose="020F0502020204030204" pitchFamily="34" charset="0"/>
-                <a:cs typeface="Times New Roman" panose="02020603050405020304" pitchFamily="18" charset="0"/>
-              </a:rPr>
-              <a:t>Hint 1 describes algorithm in words</a:t>
-            </a:r>
-            <a:endParaRPr lang="en-GB" sz="1400" dirty="0">
-              <a:effectLst/>
-              <a:latin typeface="Calibri" panose="020F0502020204030204" pitchFamily="34" charset="0"/>
-              <a:ea typeface="Calibri" panose="020F0502020204030204" pitchFamily="34" charset="0"/>
-              <a:cs typeface="Times New Roman" panose="02020603050405020304" pitchFamily="18" charset="0"/>
-            </a:endParaRPr>
-          </a:p>
-          <a:p>
-            <a:pPr marL="742950" lvl="1" indent="-285750">
-              <a:lnSpc>
-                <a:spcPct val="107000"/>
-              </a:lnSpc>
-              <a:buFont typeface="Arial" panose="020B0604020202020204" pitchFamily="34" charset="0"/>
-              <a:buChar char="•"/>
-            </a:pPr>
-            <a:r>
-              <a:rPr lang="en-US" sz="1400" dirty="0">
-                <a:effectLst/>
-                <a:latin typeface="Calibri" panose="020F0502020204030204" pitchFamily="34" charset="0"/>
-                <a:ea typeface="Calibri" panose="020F0502020204030204" pitchFamily="34" charset="0"/>
-                <a:cs typeface="Times New Roman" panose="02020603050405020304" pitchFamily="18" charset="0"/>
-              </a:rPr>
-              <a:t>Hint 2 specifies which functions/data you need to use.</a:t>
-            </a:r>
-            <a:endParaRPr lang="en-GB" sz="1400" dirty="0">
-              <a:effectLst/>
-              <a:latin typeface="Calibri" panose="020F0502020204030204" pitchFamily="34" charset="0"/>
-              <a:ea typeface="Calibri" panose="020F0502020204030204" pitchFamily="34" charset="0"/>
-              <a:cs typeface="Times New Roman" panose="02020603050405020304" pitchFamily="18" charset="0"/>
-            </a:endParaRPr>
-          </a:p>
-          <a:p>
-            <a:pPr marL="742950" lvl="1" indent="-285750">
-              <a:lnSpc>
-                <a:spcPct val="107000"/>
-              </a:lnSpc>
-              <a:buFont typeface="Arial" panose="020B0604020202020204" pitchFamily="34" charset="0"/>
-              <a:buChar char="•"/>
-            </a:pPr>
-            <a:r>
-              <a:rPr lang="en-US" sz="1400" dirty="0">
-                <a:effectLst/>
-                <a:latin typeface="Calibri" panose="020F0502020204030204" pitchFamily="34" charset="0"/>
-                <a:ea typeface="Calibri" panose="020F0502020204030204" pitchFamily="34" charset="0"/>
-                <a:cs typeface="Times New Roman" panose="02020603050405020304" pitchFamily="18" charset="0"/>
-              </a:rPr>
-              <a:t>Hint 3 is partial code with fill-in-the-blanks</a:t>
-            </a:r>
-            <a:endParaRPr lang="en-GB" sz="1400" dirty="0">
-              <a:effectLst/>
-              <a:latin typeface="Calibri" panose="020F0502020204030204" pitchFamily="34" charset="0"/>
-              <a:ea typeface="Calibri" panose="020F0502020204030204" pitchFamily="34" charset="0"/>
-              <a:cs typeface="Times New Roman" panose="02020603050405020304" pitchFamily="18" charset="0"/>
-            </a:endParaRPr>
-          </a:p>
-          <a:p>
-            <a:pPr marL="742950" lvl="1" indent="-285750">
-              <a:lnSpc>
-                <a:spcPct val="107000"/>
-              </a:lnSpc>
-              <a:spcAft>
-                <a:spcPts val="800"/>
-              </a:spcAft>
-              <a:buFont typeface="Arial" panose="020B0604020202020204" pitchFamily="34" charset="0"/>
-              <a:buChar char="•"/>
-            </a:pPr>
-            <a:r>
-              <a:rPr lang="en-US" sz="1400" dirty="0">
-                <a:effectLst/>
-                <a:latin typeface="Calibri" panose="020F0502020204030204" pitchFamily="34" charset="0"/>
-                <a:ea typeface="Calibri" panose="020F0502020204030204" pitchFamily="34" charset="0"/>
-                <a:cs typeface="Times New Roman" panose="02020603050405020304" pitchFamily="18" charset="0"/>
-              </a:rPr>
-              <a:t>Hint four is complete code, but shown as image that cannot be cut/pasted – must still be copied into function definition area to get the minimum mark</a:t>
-            </a:r>
-            <a:endParaRPr lang="en-GB" sz="1400" dirty="0">
-              <a:effectLst/>
-              <a:latin typeface="Calibri" panose="020F0502020204030204" pitchFamily="34" charset="0"/>
-              <a:ea typeface="Calibri" panose="020F0502020204030204" pitchFamily="34" charset="0"/>
-              <a:cs typeface="Times New Roman" panose="02020603050405020304" pitchFamily="18" charset="0"/>
-            </a:endParaRPr>
-          </a:p>
-          <a:p>
-            <a:pPr marL="285750" indent="-285750">
-              <a:buFont typeface="Arial" panose="020B0604020202020204" pitchFamily="34" charset="0"/>
-              <a:buChar char="•"/>
-            </a:pPr>
-            <a:endParaRPr lang="en-GB" sz="1400" dirty="0"/>
-          </a:p>
-        </p:txBody>
-      </p:sp>
-    </p:spTree>
-    <p:extLst>
-      <p:ext uri="{BB962C8B-B14F-4D97-AF65-F5344CB8AC3E}">
-        <p14:creationId xmlns:p14="http://schemas.microsoft.com/office/powerpoint/2010/main" val="607607647"/>
-      </p:ext>
-    </p:extLst>
-  </p:cSld>
-  <p:clrMapOvr>
-    <a:masterClrMapping/>
-  </p:clrMapOvr>
-</p:sld>
-</file>
-
-<file path=ppt/slides/slide6.xml><?xml version="1.0" encoding="utf-8"?>
-<p:sld xmlns:a="http://schemas.openxmlformats.org/drawingml/2006/main" xmlns:r="http://schemas.openxmlformats.org/officeDocument/2006/relationships" xmlns:p="http://schemas.openxmlformats.org/presentationml/2006/main">
-  <p:cSld>
-    <p:spTree>
-      <p:nvGrpSpPr>
-        <p:cNvPr id="1" name=""/>
-        <p:cNvGrpSpPr/>
-        <p:nvPr/>
-      </p:nvGrpSpPr>
-      <p:grpSpPr>
-        <a:xfrm>
-          <a:off x="0" y="0"/>
-          <a:ext cx="0" cy="0"/>
-          <a:chOff x="0" y="0"/>
-          <a:chExt cx="0" cy="0"/>
-        </a:xfrm>
-      </p:grpSpPr>
-      <p:grpSp>
-        <p:nvGrpSpPr>
-          <p:cNvPr id="36" name="Group 35">
-            <a:extLst>
-              <a:ext uri="{FF2B5EF4-FFF2-40B4-BE49-F238E27FC236}">
-                <a16:creationId xmlns:a16="http://schemas.microsoft.com/office/drawing/2014/main" id="{EE9A3DFF-0602-72C1-4DC1-8103C699CC30}"/>
-              </a:ext>
-            </a:extLst>
-          </p:cNvPr>
-          <p:cNvGrpSpPr/>
-          <p:nvPr/>
-        </p:nvGrpSpPr>
-        <p:grpSpPr>
-          <a:xfrm>
-            <a:off x="1449236" y="697250"/>
-            <a:ext cx="4209693" cy="2632546"/>
-            <a:chOff x="1449236" y="697250"/>
-            <a:chExt cx="4209693" cy="2632546"/>
-          </a:xfrm>
-        </p:grpSpPr>
-        <p:grpSp>
-          <p:nvGrpSpPr>
-            <p:cNvPr id="7" name="Group 6">
-              <a:extLst>
-                <a:ext uri="{FF2B5EF4-FFF2-40B4-BE49-F238E27FC236}">
-                  <a16:creationId xmlns:a16="http://schemas.microsoft.com/office/drawing/2014/main" id="{97FB0461-A60F-3AF3-1109-58CF86A2D938}"/>
-                </a:ext>
-              </a:extLst>
-            </p:cNvPr>
-            <p:cNvGrpSpPr/>
-            <p:nvPr/>
-          </p:nvGrpSpPr>
-          <p:grpSpPr>
-            <a:xfrm>
-              <a:off x="1449236" y="697250"/>
-              <a:ext cx="4209693" cy="2632546"/>
-              <a:chOff x="1397477" y="2267258"/>
-              <a:chExt cx="4416727" cy="2977602"/>
-            </a:xfrm>
-          </p:grpSpPr>
-          <p:sp>
-            <p:nvSpPr>
-              <p:cNvPr id="4" name="Rectangle 3">
-                <a:extLst>
-                  <a:ext uri="{FF2B5EF4-FFF2-40B4-BE49-F238E27FC236}">
-                    <a16:creationId xmlns:a16="http://schemas.microsoft.com/office/drawing/2014/main" id="{E4A54570-2FE8-102B-5CBA-883C3D09B41D}"/>
-                  </a:ext>
-                </a:extLst>
-              </p:cNvPr>
-              <p:cNvSpPr/>
-              <p:nvPr/>
-            </p:nvSpPr>
-            <p:spPr>
-              <a:xfrm>
-                <a:off x="1397479" y="2320506"/>
-                <a:ext cx="4416725" cy="2924354"/>
-              </a:xfrm>
-              <a:prstGeom prst="rect">
-                <a:avLst/>
-              </a:prstGeom>
-              <a:noFill/>
-              <a:ln w="28575">
-                <a:solidFill>
-                  <a:schemeClr val="accent1"/>
-                </a:solidFill>
-              </a:ln>
-            </p:spPr>
-            <p:style>
-              <a:lnRef idx="2">
-                <a:schemeClr val="accent1">
-                  <a:shade val="50000"/>
-                </a:schemeClr>
-              </a:lnRef>
-              <a:fillRef idx="1">
-                <a:schemeClr val="accent1"/>
-              </a:fillRef>
-              <a:effectRef idx="0">
-                <a:schemeClr val="accent1"/>
-              </a:effectRef>
-              <a:fontRef idx="minor">
-                <a:schemeClr val="lt1"/>
-              </a:fontRef>
-            </p:style>
-            <p:txBody>
-              <a:bodyPr rtlCol="0" anchor="ctr"/>
-              <a:lstStyle/>
-              <a:p>
-                <a:pPr algn="ctr"/>
-                <a:endParaRPr lang="en-GB">
-                  <a:noFill/>
-                </a:endParaRPr>
-              </a:p>
-            </p:txBody>
-          </p:sp>
-          <p:sp>
-            <p:nvSpPr>
-              <p:cNvPr id="6" name="Rectangle 5">
-                <a:extLst>
-                  <a:ext uri="{FF2B5EF4-FFF2-40B4-BE49-F238E27FC236}">
-                    <a16:creationId xmlns:a16="http://schemas.microsoft.com/office/drawing/2014/main" id="{B768FF91-6136-C48B-649F-4B7585A74A67}"/>
-                  </a:ext>
-                </a:extLst>
-              </p:cNvPr>
-              <p:cNvSpPr/>
-              <p:nvPr/>
-            </p:nvSpPr>
-            <p:spPr>
-              <a:xfrm>
-                <a:off x="1397478" y="2320506"/>
-                <a:ext cx="4416725" cy="201283"/>
-              </a:xfrm>
-              <a:prstGeom prst="rect">
-                <a:avLst/>
-              </a:prstGeom>
-              <a:solidFill>
-                <a:schemeClr val="accent1"/>
-              </a:solidFill>
-              <a:ln w="28575">
-                <a:solidFill>
-                  <a:schemeClr val="accent1"/>
-                </a:solidFill>
-              </a:ln>
-            </p:spPr>
-            <p:style>
-              <a:lnRef idx="2">
-                <a:schemeClr val="accent1">
-                  <a:shade val="50000"/>
-                </a:schemeClr>
-              </a:lnRef>
-              <a:fillRef idx="1">
-                <a:schemeClr val="accent1"/>
-              </a:fillRef>
-              <a:effectRef idx="0">
-                <a:schemeClr val="accent1"/>
-              </a:effectRef>
-              <a:fontRef idx="minor">
-                <a:schemeClr val="lt1"/>
-              </a:fontRef>
-            </p:style>
-            <p:txBody>
-              <a:bodyPr rtlCol="0" anchor="ctr"/>
-              <a:lstStyle/>
-              <a:p>
-                <a:pPr algn="ctr"/>
-                <a:endParaRPr lang="en-GB">
-                  <a:noFill/>
-                </a:endParaRPr>
-              </a:p>
-            </p:txBody>
-          </p:sp>
-          <p:sp>
-            <p:nvSpPr>
-              <p:cNvPr id="5" name="TextBox 4">
-                <a:extLst>
-                  <a:ext uri="{FF2B5EF4-FFF2-40B4-BE49-F238E27FC236}">
-                    <a16:creationId xmlns:a16="http://schemas.microsoft.com/office/drawing/2014/main" id="{9FA1F2C8-D9EF-E181-5B57-292108BEE69B}"/>
-                  </a:ext>
-                </a:extLst>
-              </p:cNvPr>
-              <p:cNvSpPr txBox="1"/>
-              <p:nvPr/>
-            </p:nvSpPr>
-            <p:spPr>
-              <a:xfrm>
-                <a:off x="1397477" y="2267258"/>
-                <a:ext cx="1569660" cy="307777"/>
-              </a:xfrm>
-              <a:prstGeom prst="rect">
-                <a:avLst/>
-              </a:prstGeom>
-              <a:noFill/>
-            </p:spPr>
-            <p:txBody>
-              <a:bodyPr wrap="none" rtlCol="0">
-                <a:spAutoFit/>
-              </a:bodyPr>
-              <a:lstStyle/>
-              <a:p>
-                <a:r>
-                  <a:rPr lang="en-GB" sz="1400" dirty="0">
-                    <a:solidFill>
-                      <a:schemeClr val="bg1"/>
-                    </a:solidFill>
-                  </a:rPr>
-                  <a:t>Function definition</a:t>
-                </a:r>
-              </a:p>
-            </p:txBody>
-          </p:sp>
-        </p:grpSp>
-        <p:sp>
-          <p:nvSpPr>
-            <p:cNvPr id="22" name="TextBox 21">
-              <a:extLst>
-                <a:ext uri="{FF2B5EF4-FFF2-40B4-BE49-F238E27FC236}">
-                  <a16:creationId xmlns:a16="http://schemas.microsoft.com/office/drawing/2014/main" id="{25883A86-DF63-9811-90C5-752B1EFDD097}"/>
-                </a:ext>
-              </a:extLst>
-            </p:cNvPr>
-            <p:cNvSpPr txBox="1"/>
-            <p:nvPr/>
-          </p:nvSpPr>
-          <p:spPr>
-            <a:xfrm>
-              <a:off x="1498120" y="1023452"/>
-              <a:ext cx="2262158" cy="261610"/>
-            </a:xfrm>
-            <a:prstGeom prst="rect">
-              <a:avLst/>
-            </a:prstGeom>
-            <a:noFill/>
-          </p:spPr>
-          <p:txBody>
-            <a:bodyPr wrap="none" rtlCol="0">
-              <a:spAutoFit/>
-            </a:bodyPr>
-            <a:lstStyle/>
-            <a:p>
-              <a:r>
-                <a:rPr lang="en-GB" sz="1100" dirty="0">
-                  <a:latin typeface="Consolas" panose="020B0609020204030204" pitchFamily="49" charset="0"/>
-                </a:rPr>
-                <a:t>int Square(int n) =&gt; n * n;</a:t>
-              </a:r>
-            </a:p>
-          </p:txBody>
-        </p:sp>
-      </p:grpSp>
-      <p:grpSp>
-        <p:nvGrpSpPr>
-          <p:cNvPr id="8" name="Group 7">
-            <a:extLst>
-              <a:ext uri="{FF2B5EF4-FFF2-40B4-BE49-F238E27FC236}">
-                <a16:creationId xmlns:a16="http://schemas.microsoft.com/office/drawing/2014/main" id="{5AF624CD-11C8-9D53-2E6D-BE61C5D8F898}"/>
-              </a:ext>
-            </a:extLst>
-          </p:cNvPr>
-          <p:cNvGrpSpPr/>
-          <p:nvPr/>
-        </p:nvGrpSpPr>
-        <p:grpSpPr>
-          <a:xfrm>
-            <a:off x="5880337" y="697250"/>
-            <a:ext cx="4209693" cy="2632546"/>
-            <a:chOff x="1397477" y="2267258"/>
-            <a:chExt cx="4416727" cy="2977602"/>
-          </a:xfrm>
-        </p:grpSpPr>
-        <p:sp>
-          <p:nvSpPr>
-            <p:cNvPr id="9" name="Rectangle 8">
-              <a:extLst>
-                <a:ext uri="{FF2B5EF4-FFF2-40B4-BE49-F238E27FC236}">
-                  <a16:creationId xmlns:a16="http://schemas.microsoft.com/office/drawing/2014/main" id="{A10DFA47-D84A-29A1-50A3-18033A4BDE57}"/>
-                </a:ext>
-              </a:extLst>
-            </p:cNvPr>
-            <p:cNvSpPr/>
-            <p:nvPr/>
-          </p:nvSpPr>
-          <p:spPr>
-            <a:xfrm>
-              <a:off x="1397479" y="2320506"/>
-              <a:ext cx="4416725" cy="2924354"/>
-            </a:xfrm>
-            <a:prstGeom prst="rect">
-              <a:avLst/>
-            </a:prstGeom>
-            <a:noFill/>
-            <a:ln w="28575">
-              <a:solidFill>
-                <a:srgbClr val="00B050"/>
-              </a:solidFill>
-            </a:ln>
-          </p:spPr>
-          <p:style>
-            <a:lnRef idx="2">
-              <a:schemeClr val="accent1">
-                <a:shade val="50000"/>
-              </a:schemeClr>
-            </a:lnRef>
-            <a:fillRef idx="1">
-              <a:schemeClr val="accent1"/>
-            </a:fillRef>
-            <a:effectRef idx="0">
-              <a:schemeClr val="accent1"/>
-            </a:effectRef>
-            <a:fontRef idx="minor">
-              <a:schemeClr val="lt1"/>
-            </a:fontRef>
-          </p:style>
-          <p:txBody>
-            <a:bodyPr rtlCol="0" anchor="ctr"/>
-            <a:lstStyle/>
-            <a:p>
-              <a:pPr algn="ctr"/>
-              <a:endParaRPr lang="en-GB">
-                <a:noFill/>
-              </a:endParaRPr>
-            </a:p>
-          </p:txBody>
-        </p:sp>
-        <p:sp>
-          <p:nvSpPr>
-            <p:cNvPr id="10" name="Rectangle 9">
-              <a:extLst>
-                <a:ext uri="{FF2B5EF4-FFF2-40B4-BE49-F238E27FC236}">
-                  <a16:creationId xmlns:a16="http://schemas.microsoft.com/office/drawing/2014/main" id="{861DBE38-99AE-3F84-5C3D-D4BA64B35E4F}"/>
-                </a:ext>
-              </a:extLst>
-            </p:cNvPr>
-            <p:cNvSpPr/>
-            <p:nvPr/>
-          </p:nvSpPr>
-          <p:spPr>
-            <a:xfrm>
-              <a:off x="1397478" y="2320506"/>
-              <a:ext cx="4416725" cy="201283"/>
-            </a:xfrm>
-            <a:prstGeom prst="rect">
-              <a:avLst/>
-            </a:prstGeom>
-            <a:solidFill>
-              <a:srgbClr val="00B050"/>
-            </a:solidFill>
-            <a:ln w="28575">
-              <a:solidFill>
-                <a:srgbClr val="00B050"/>
-              </a:solidFill>
-            </a:ln>
-          </p:spPr>
-          <p:style>
-            <a:lnRef idx="2">
-              <a:schemeClr val="accent1">
-                <a:shade val="50000"/>
-              </a:schemeClr>
-            </a:lnRef>
-            <a:fillRef idx="1">
-              <a:schemeClr val="accent1"/>
-            </a:fillRef>
-            <a:effectRef idx="0">
-              <a:schemeClr val="accent1"/>
-            </a:effectRef>
-            <a:fontRef idx="minor">
-              <a:schemeClr val="lt1"/>
-            </a:fontRef>
-          </p:style>
-          <p:txBody>
-            <a:bodyPr rtlCol="0" anchor="ctr"/>
-            <a:lstStyle/>
-            <a:p>
-              <a:pPr algn="ctr"/>
-              <a:endParaRPr lang="en-GB">
-                <a:noFill/>
-              </a:endParaRPr>
-            </a:p>
-          </p:txBody>
-        </p:sp>
-        <p:sp>
-          <p:nvSpPr>
-            <p:cNvPr id="11" name="TextBox 10">
-              <a:extLst>
-                <a:ext uri="{FF2B5EF4-FFF2-40B4-BE49-F238E27FC236}">
-                  <a16:creationId xmlns:a16="http://schemas.microsoft.com/office/drawing/2014/main" id="{8EB7C80D-1B7C-E7D1-3318-BB5A22EF7E87}"/>
-                </a:ext>
-              </a:extLst>
-            </p:cNvPr>
-            <p:cNvSpPr txBox="1"/>
-            <p:nvPr/>
-          </p:nvSpPr>
-          <p:spPr>
-            <a:xfrm>
-              <a:off x="1397477" y="2267258"/>
-              <a:ext cx="1061645" cy="348118"/>
-            </a:xfrm>
-            <a:prstGeom prst="rect">
-              <a:avLst/>
-            </a:prstGeom>
-            <a:noFill/>
-            <a:ln>
-              <a:noFill/>
-            </a:ln>
-          </p:spPr>
-          <p:txBody>
-            <a:bodyPr wrap="none" rtlCol="0">
-              <a:spAutoFit/>
-            </a:bodyPr>
-            <a:lstStyle/>
-            <a:p>
-              <a:r>
-                <a:rPr lang="en-GB" sz="1400" dirty="0">
-                  <a:solidFill>
-                    <a:schemeClr val="bg1"/>
-                  </a:solidFill>
-                </a:rPr>
-                <a:t>Application</a:t>
-              </a:r>
-            </a:p>
-          </p:txBody>
-        </p:sp>
-      </p:grpSp>
-      <p:grpSp>
-        <p:nvGrpSpPr>
-          <p:cNvPr id="29" name="Group 28">
-            <a:extLst>
-              <a:ext uri="{FF2B5EF4-FFF2-40B4-BE49-F238E27FC236}">
-                <a16:creationId xmlns:a16="http://schemas.microsoft.com/office/drawing/2014/main" id="{3CD1CE6A-1641-453B-FBDE-ED6D4014AF68}"/>
-              </a:ext>
-            </a:extLst>
-          </p:cNvPr>
-          <p:cNvGrpSpPr/>
-          <p:nvPr/>
-        </p:nvGrpSpPr>
-        <p:grpSpPr>
-          <a:xfrm>
-            <a:off x="1442856" y="236964"/>
-            <a:ext cx="4216071" cy="307777"/>
-            <a:chOff x="1442856" y="210950"/>
-            <a:chExt cx="4216071" cy="307777"/>
-          </a:xfrm>
-        </p:grpSpPr>
-        <p:sp>
-          <p:nvSpPr>
-            <p:cNvPr id="41" name="Rectangle 40">
-              <a:extLst>
-                <a:ext uri="{FF2B5EF4-FFF2-40B4-BE49-F238E27FC236}">
-                  <a16:creationId xmlns:a16="http://schemas.microsoft.com/office/drawing/2014/main" id="{F024A6A3-3543-1FF4-2855-68A8C6E8B12B}"/>
-                </a:ext>
-              </a:extLst>
-            </p:cNvPr>
-            <p:cNvSpPr/>
-            <p:nvPr/>
-          </p:nvSpPr>
-          <p:spPr>
-            <a:xfrm>
-              <a:off x="1449236" y="253126"/>
-              <a:ext cx="4209691" cy="225034"/>
-            </a:xfrm>
-            <a:prstGeom prst="rect">
-              <a:avLst/>
-            </a:prstGeom>
-            <a:noFill/>
-            <a:ln w="28575">
-              <a:solidFill>
-                <a:schemeClr val="accent1">
-                  <a:lumMod val="20000"/>
-                  <a:lumOff val="80000"/>
-                </a:schemeClr>
-              </a:solidFill>
-            </a:ln>
-          </p:spPr>
-          <p:style>
-            <a:lnRef idx="2">
-              <a:schemeClr val="accent1">
-                <a:shade val="50000"/>
-              </a:schemeClr>
-            </a:lnRef>
-            <a:fillRef idx="1">
-              <a:schemeClr val="accent1"/>
-            </a:fillRef>
-            <a:effectRef idx="0">
-              <a:schemeClr val="accent1"/>
-            </a:effectRef>
-            <a:fontRef idx="minor">
-              <a:schemeClr val="lt1"/>
-            </a:fontRef>
-          </p:style>
-          <p:txBody>
-            <a:bodyPr rtlCol="0" anchor="ctr"/>
-            <a:lstStyle/>
-            <a:p>
-              <a:pPr algn="ctr"/>
-              <a:endParaRPr lang="en-GB">
-                <a:noFill/>
-              </a:endParaRPr>
-            </a:p>
-          </p:txBody>
-        </p:sp>
-        <p:sp>
-          <p:nvSpPr>
-            <p:cNvPr id="42" name="Rectangle 41">
-              <a:extLst>
-                <a:ext uri="{FF2B5EF4-FFF2-40B4-BE49-F238E27FC236}">
-                  <a16:creationId xmlns:a16="http://schemas.microsoft.com/office/drawing/2014/main" id="{7F957707-AECD-9FF4-0A58-5B2F548E156F}"/>
-                </a:ext>
-              </a:extLst>
-            </p:cNvPr>
-            <p:cNvSpPr/>
-            <p:nvPr/>
-          </p:nvSpPr>
-          <p:spPr>
-            <a:xfrm>
-              <a:off x="1463797" y="252322"/>
-              <a:ext cx="522900" cy="225034"/>
-            </a:xfrm>
-            <a:prstGeom prst="rect">
-              <a:avLst/>
-            </a:prstGeom>
-            <a:solidFill>
-              <a:schemeClr val="accent1">
-                <a:lumMod val="20000"/>
-                <a:lumOff val="80000"/>
-              </a:schemeClr>
-            </a:solidFill>
-            <a:ln w="28575">
-              <a:solidFill>
-                <a:schemeClr val="accent1">
-                  <a:lumMod val="20000"/>
-                  <a:lumOff val="80000"/>
-                </a:schemeClr>
-              </a:solidFill>
-            </a:ln>
-          </p:spPr>
-          <p:style>
-            <a:lnRef idx="2">
-              <a:schemeClr val="accent1">
-                <a:shade val="50000"/>
-              </a:schemeClr>
-            </a:lnRef>
-            <a:fillRef idx="1">
-              <a:schemeClr val="accent1"/>
-            </a:fillRef>
-            <a:effectRef idx="0">
-              <a:schemeClr val="accent1"/>
-            </a:effectRef>
-            <a:fontRef idx="minor">
-              <a:schemeClr val="lt1"/>
-            </a:fontRef>
-          </p:style>
-          <p:txBody>
-            <a:bodyPr rtlCol="0" anchor="ctr"/>
-            <a:lstStyle/>
-            <a:p>
-              <a:pPr algn="ctr"/>
-              <a:endParaRPr lang="en-GB">
-                <a:noFill/>
-              </a:endParaRPr>
-            </a:p>
-          </p:txBody>
-        </p:sp>
-        <p:sp>
-          <p:nvSpPr>
-            <p:cNvPr id="43" name="TextBox 42">
-              <a:extLst>
-                <a:ext uri="{FF2B5EF4-FFF2-40B4-BE49-F238E27FC236}">
-                  <a16:creationId xmlns:a16="http://schemas.microsoft.com/office/drawing/2014/main" id="{DF854F22-5998-436B-1678-74E65652DAC0}"/>
-                </a:ext>
-              </a:extLst>
-            </p:cNvPr>
-            <p:cNvSpPr txBox="1"/>
-            <p:nvPr/>
-          </p:nvSpPr>
-          <p:spPr>
-            <a:xfrm>
-              <a:off x="1442856" y="210950"/>
-              <a:ext cx="522900" cy="307777"/>
-            </a:xfrm>
-            <a:prstGeom prst="rect">
-              <a:avLst/>
-            </a:prstGeom>
-            <a:noFill/>
-          </p:spPr>
-          <p:txBody>
-            <a:bodyPr wrap="none" rtlCol="0">
-              <a:spAutoFit/>
-            </a:bodyPr>
-            <a:lstStyle/>
-            <a:p>
-              <a:r>
-                <a:rPr lang="en-GB" sz="1400" dirty="0">
-                  <a:solidFill>
-                    <a:schemeClr val="bg1"/>
-                  </a:solidFill>
-                </a:rPr>
-                <a:t>User</a:t>
-              </a:r>
-            </a:p>
-          </p:txBody>
-        </p:sp>
-      </p:grpSp>
-      <p:grpSp>
-        <p:nvGrpSpPr>
-          <p:cNvPr id="44" name="Group 43">
-            <a:extLst>
-              <a:ext uri="{FF2B5EF4-FFF2-40B4-BE49-F238E27FC236}">
-                <a16:creationId xmlns:a16="http://schemas.microsoft.com/office/drawing/2014/main" id="{22B88740-FD04-4376-59B1-C7CC2CACAD7B}"/>
-              </a:ext>
-            </a:extLst>
-          </p:cNvPr>
-          <p:cNvGrpSpPr/>
-          <p:nvPr/>
-        </p:nvGrpSpPr>
-        <p:grpSpPr>
-          <a:xfrm>
-            <a:off x="5880336" y="223558"/>
-            <a:ext cx="4209691" cy="308950"/>
-            <a:chOff x="1449236" y="197544"/>
-            <a:chExt cx="4209691" cy="308950"/>
-          </a:xfrm>
-        </p:grpSpPr>
-        <p:sp>
-          <p:nvSpPr>
-            <p:cNvPr id="45" name="Rectangle 44">
-              <a:extLst>
-                <a:ext uri="{FF2B5EF4-FFF2-40B4-BE49-F238E27FC236}">
-                  <a16:creationId xmlns:a16="http://schemas.microsoft.com/office/drawing/2014/main" id="{488B4A62-A4C2-DD67-BA75-001D7A84DEB8}"/>
-                </a:ext>
-              </a:extLst>
-            </p:cNvPr>
-            <p:cNvSpPr/>
-            <p:nvPr/>
-          </p:nvSpPr>
-          <p:spPr>
-            <a:xfrm>
-              <a:off x="1449236" y="253126"/>
-              <a:ext cx="4209691" cy="225034"/>
-            </a:xfrm>
-            <a:prstGeom prst="rect">
-              <a:avLst/>
-            </a:prstGeom>
-            <a:noFill/>
-            <a:ln w="28575">
-              <a:solidFill>
-                <a:schemeClr val="accent1"/>
-              </a:solidFill>
-            </a:ln>
-          </p:spPr>
-          <p:style>
-            <a:lnRef idx="2">
-              <a:schemeClr val="accent1">
-                <a:shade val="50000"/>
-              </a:schemeClr>
-            </a:lnRef>
-            <a:fillRef idx="1">
-              <a:schemeClr val="accent1"/>
-            </a:fillRef>
-            <a:effectRef idx="0">
-              <a:schemeClr val="accent1"/>
-            </a:effectRef>
-            <a:fontRef idx="minor">
-              <a:schemeClr val="lt1"/>
-            </a:fontRef>
-          </p:style>
-          <p:txBody>
-            <a:bodyPr rtlCol="0" anchor="ctr"/>
-            <a:lstStyle/>
-            <a:p>
-              <a:pPr algn="ctr"/>
-              <a:endParaRPr lang="en-GB">
-                <a:noFill/>
-              </a:endParaRPr>
-            </a:p>
-          </p:txBody>
-        </p:sp>
-        <p:sp>
-          <p:nvSpPr>
-            <p:cNvPr id="46" name="Rectangle 45">
-              <a:extLst>
-                <a:ext uri="{FF2B5EF4-FFF2-40B4-BE49-F238E27FC236}">
-                  <a16:creationId xmlns:a16="http://schemas.microsoft.com/office/drawing/2014/main" id="{28B90973-3A48-4478-D7D0-2BB4E2446DDC}"/>
-                </a:ext>
-              </a:extLst>
-            </p:cNvPr>
-            <p:cNvSpPr/>
-            <p:nvPr/>
-          </p:nvSpPr>
-          <p:spPr>
-            <a:xfrm>
-              <a:off x="1463796" y="252322"/>
-              <a:ext cx="880497" cy="225034"/>
-            </a:xfrm>
-            <a:prstGeom prst="rect">
-              <a:avLst/>
-            </a:prstGeom>
-            <a:solidFill>
-              <a:schemeClr val="accent1"/>
-            </a:solidFill>
-            <a:ln w="28575">
-              <a:solidFill>
-                <a:schemeClr val="accent1"/>
-              </a:solidFill>
-            </a:ln>
-          </p:spPr>
-          <p:style>
-            <a:lnRef idx="2">
-              <a:schemeClr val="accent1">
-                <a:shade val="50000"/>
-              </a:schemeClr>
-            </a:lnRef>
-            <a:fillRef idx="1">
-              <a:schemeClr val="accent1"/>
-            </a:fillRef>
-            <a:effectRef idx="0">
-              <a:schemeClr val="accent1"/>
-            </a:effectRef>
-            <a:fontRef idx="minor">
-              <a:schemeClr val="lt1"/>
-            </a:fontRef>
-          </p:style>
-          <p:txBody>
-            <a:bodyPr rtlCol="0" anchor="ctr"/>
-            <a:lstStyle/>
-            <a:p>
-              <a:pPr algn="ctr"/>
-              <a:endParaRPr lang="en-GB">
-                <a:noFill/>
-              </a:endParaRPr>
-            </a:p>
-          </p:txBody>
-        </p:sp>
-        <p:sp>
-          <p:nvSpPr>
-            <p:cNvPr id="47" name="TextBox 46">
-              <a:extLst>
-                <a:ext uri="{FF2B5EF4-FFF2-40B4-BE49-F238E27FC236}">
-                  <a16:creationId xmlns:a16="http://schemas.microsoft.com/office/drawing/2014/main" id="{411826B8-74A4-4191-3144-B6CD780D2D51}"/>
-                </a:ext>
-              </a:extLst>
-            </p:cNvPr>
-            <p:cNvSpPr txBox="1"/>
-            <p:nvPr/>
-          </p:nvSpPr>
-          <p:spPr>
-            <a:xfrm>
-              <a:off x="1449236" y="197544"/>
-              <a:ext cx="880497" cy="307777"/>
-            </a:xfrm>
-            <a:prstGeom prst="rect">
-              <a:avLst/>
-            </a:prstGeom>
-            <a:noFill/>
-          </p:spPr>
-          <p:txBody>
-            <a:bodyPr wrap="none" rtlCol="0">
-              <a:spAutoFit/>
-            </a:bodyPr>
-            <a:lstStyle/>
-            <a:p>
-              <a:r>
-                <a:rPr lang="en-GB" sz="1400" dirty="0">
-                  <a:solidFill>
-                    <a:schemeClr val="bg1"/>
-                  </a:solidFill>
-                </a:rPr>
-                <a:t>Language</a:t>
-              </a:r>
-            </a:p>
-          </p:txBody>
-        </p:sp>
-        <p:sp>
-          <p:nvSpPr>
-            <p:cNvPr id="48" name="TextBox 47">
-              <a:extLst>
-                <a:ext uri="{FF2B5EF4-FFF2-40B4-BE49-F238E27FC236}">
-                  <a16:creationId xmlns:a16="http://schemas.microsoft.com/office/drawing/2014/main" id="{D3342CDC-29D2-7EBA-990C-404DFC687457}"/>
-                </a:ext>
-              </a:extLst>
-            </p:cNvPr>
-            <p:cNvSpPr txBox="1"/>
-            <p:nvPr/>
-          </p:nvSpPr>
-          <p:spPr>
-            <a:xfrm>
-              <a:off x="2394020" y="229495"/>
-              <a:ext cx="343364" cy="276999"/>
-            </a:xfrm>
-            <a:prstGeom prst="rect">
-              <a:avLst/>
-            </a:prstGeom>
-            <a:noFill/>
-          </p:spPr>
-          <p:txBody>
-            <a:bodyPr wrap="none" rtlCol="0">
-              <a:spAutoFit/>
-            </a:bodyPr>
-            <a:lstStyle/>
-            <a:p>
-              <a:r>
-                <a:rPr lang="en-GB" sz="1200" dirty="0"/>
-                <a:t>C#</a:t>
-              </a:r>
-            </a:p>
-          </p:txBody>
-        </p:sp>
-      </p:grpSp>
-      <p:sp>
-        <p:nvSpPr>
-          <p:cNvPr id="40" name="TextBox 39">
-            <a:extLst>
-              <a:ext uri="{FF2B5EF4-FFF2-40B4-BE49-F238E27FC236}">
-                <a16:creationId xmlns:a16="http://schemas.microsoft.com/office/drawing/2014/main" id="{9F941A88-BB89-8072-27FF-E4C49024F2E3}"/>
-              </a:ext>
-            </a:extLst>
-          </p:cNvPr>
-          <p:cNvSpPr txBox="1"/>
-          <p:nvPr/>
-        </p:nvSpPr>
-        <p:spPr>
-          <a:xfrm>
-            <a:off x="1362902" y="3541615"/>
-            <a:ext cx="8765071" cy="2862322"/>
-          </a:xfrm>
-          <a:prstGeom prst="rect">
-            <a:avLst/>
-          </a:prstGeom>
-          <a:noFill/>
-        </p:spPr>
-        <p:txBody>
-          <a:bodyPr wrap="square">
-            <a:spAutoFit/>
-          </a:bodyPr>
-          <a:lstStyle/>
-          <a:p>
-            <a:r>
-              <a:rPr lang="en-GB" b="1" dirty="0"/>
-              <a:t>Story 4 : Context application</a:t>
-            </a:r>
-          </a:p>
-          <a:p>
-            <a:pPr marL="285750" indent="-285750">
-              <a:buFont typeface="Arial" panose="020B0604020202020204" pitchFamily="34" charset="0"/>
-              <a:buChar char="•"/>
-            </a:pPr>
-            <a:r>
-              <a:rPr lang="en-GB" dirty="0"/>
-              <a:t>The function(s) defined by the user as part of the task, when completed, are used within an application that the user may interact with</a:t>
-            </a:r>
-          </a:p>
-          <a:p>
-            <a:pPr marL="742950" lvl="1" indent="-285750">
-              <a:buFont typeface="Arial" panose="020B0604020202020204" pitchFamily="34" charset="0"/>
-              <a:buChar char="•"/>
-            </a:pPr>
-            <a:r>
-              <a:rPr lang="en-GB" dirty="0"/>
-              <a:t>Application might be console, or simple GUI</a:t>
-            </a:r>
-          </a:p>
-          <a:p>
-            <a:pPr marL="285750" indent="-285750">
-              <a:buFont typeface="Arial" panose="020B0604020202020204" pitchFamily="34" charset="0"/>
-              <a:buChar char="•"/>
-            </a:pPr>
-            <a:r>
-              <a:rPr lang="en-GB" dirty="0"/>
-              <a:t>All application code is hidden, written in TypeScript, and common to all user languages</a:t>
-            </a:r>
-          </a:p>
-          <a:p>
-            <a:pPr marL="742950" lvl="1" indent="-285750">
-              <a:buFont typeface="Arial" panose="020B0604020202020204" pitchFamily="34" charset="0"/>
-              <a:buChar char="•"/>
-            </a:pPr>
-            <a:r>
-              <a:rPr lang="en-GB" dirty="0"/>
-              <a:t>the user writes only the pure functions representing core domain logic </a:t>
-            </a:r>
-          </a:p>
-          <a:p>
-            <a:pPr marL="285750" indent="-285750">
-              <a:buFont typeface="Arial" panose="020B0604020202020204" pitchFamily="34" charset="0"/>
-              <a:buChar char="•"/>
-            </a:pPr>
-            <a:r>
-              <a:rPr lang="en-GB" dirty="0"/>
-              <a:t>A series of tasks results in the development of the complete core functionality of an application e.g. a game/simulation</a:t>
-            </a:r>
-          </a:p>
-          <a:p>
-            <a:pPr marL="742950" lvl="1" indent="-285750">
-              <a:buFont typeface="Arial" panose="020B0604020202020204" pitchFamily="34" charset="0"/>
-              <a:buChar char="•"/>
-            </a:pPr>
-            <a:r>
-              <a:rPr lang="en-GB" dirty="0"/>
-              <a:t>Each task uses only teacher-authored code in the background, to avoid compounding any subtle errors not trapped by tests </a:t>
-            </a:r>
-          </a:p>
-        </p:txBody>
-      </p:sp>
-      <p:sp>
-        <p:nvSpPr>
-          <p:cNvPr id="49" name="TextBox 48">
-            <a:extLst>
-              <a:ext uri="{FF2B5EF4-FFF2-40B4-BE49-F238E27FC236}">
-                <a16:creationId xmlns:a16="http://schemas.microsoft.com/office/drawing/2014/main" id="{B6EA3293-66EE-5B6F-F9DF-8957E1D0C9D5}"/>
-              </a:ext>
-            </a:extLst>
-          </p:cNvPr>
-          <p:cNvSpPr txBox="1"/>
-          <p:nvPr/>
-        </p:nvSpPr>
-        <p:spPr>
-          <a:xfrm>
-            <a:off x="4963652" y="2973282"/>
-            <a:ext cx="587020" cy="261610"/>
+            <a:off x="9234472" y="1639739"/>
+            <a:ext cx="409086" cy="261610"/>
           </a:xfrm>
           <a:prstGeom prst="rect">
             <a:avLst/>
@@ -9746,7 +8701,7 @@
           <a:p>
             <a:r>
               <a:rPr lang="en-GB" sz="1100" dirty="0"/>
-              <a:t>Submit</a:t>
+              <a:t>Run</a:t>
             </a:r>
           </a:p>
         </p:txBody>
@@ -9754,7 +8709,7 @@
     </p:spTree>
     <p:extLst>
       <p:ext uri="{BB962C8B-B14F-4D97-AF65-F5344CB8AC3E}">
-        <p14:creationId xmlns:p14="http://schemas.microsoft.com/office/powerpoint/2010/main" val="300617741"/>
+        <p14:creationId xmlns:p14="http://schemas.microsoft.com/office/powerpoint/2010/main" val="3323141506"/>
       </p:ext>
     </p:extLst>
   </p:cSld>
@@ -9764,7 +8719,7 @@
 </p:sld>
 </file>
 
-<file path=ppt/slides/slide7.xml><?xml version="1.0" encoding="utf-8"?>
+<file path=ppt/slides/slide4.xml><?xml version="1.0" encoding="utf-8"?>
 <p:sld xmlns:a="http://schemas.openxmlformats.org/drawingml/2006/main" xmlns:r="http://schemas.openxmlformats.org/officeDocument/2006/relationships" xmlns:p="http://schemas.openxmlformats.org/presentationml/2006/main">
   <p:cSld>
     <p:spTree>
@@ -10714,7 +9669,7 @@
 </p:sld>
 </file>
 
-<file path=ppt/slides/slide8.xml><?xml version="1.0" encoding="utf-8"?>
+<file path=ppt/slides/slide5.xml><?xml version="1.0" encoding="utf-8"?>
 <p:sld xmlns:a="http://schemas.openxmlformats.org/drawingml/2006/main" xmlns:r="http://schemas.openxmlformats.org/officeDocument/2006/relationships" xmlns:p="http://schemas.openxmlformats.org/presentationml/2006/main">
   <p:cSld>
     <p:spTree>
@@ -12522,7 +11477,7 @@
 </p:sld>
 </file>
 
-<file path=ppt/slides/slide9.xml><?xml version="1.0" encoding="utf-8"?>
+<file path=ppt/slides/slide6.xml><?xml version="1.0" encoding="utf-8"?>
 <p:sld xmlns:a="http://schemas.openxmlformats.org/drawingml/2006/main" xmlns:r="http://schemas.openxmlformats.org/officeDocument/2006/relationships" xmlns:p="http://schemas.openxmlformats.org/presentationml/2006/main">
   <p:cSld>
     <p:spTree>

--- a/ILE Design overview.pptx
+++ b/ILE Design overview.pptx
@@ -125,1883 +125,6 @@
 </p1510:revInfo>
 </file>
 
-<file path=ppt/changesInfos/changesInfo1.xml><?xml version="1.0" encoding="utf-8"?>
-<pc:chgInfo xmlns:a="http://schemas.openxmlformats.org/drawingml/2006/main" xmlns:r="http://schemas.openxmlformats.org/officeDocument/2006/relationships" xmlns:ac="http://schemas.microsoft.com/office/drawing/2013/main/command" xmlns:pc="http://schemas.microsoft.com/office/powerpoint/2013/main/command">
-  <pc:docChgLst>
-    <pc:chgData name="Richard Pawson" userId="fc4c175b57fd2e55" providerId="LiveId" clId="{DC824AAA-291B-431B-91F3-391E33F29BA7}"/>
-    <pc:docChg chg="undo custSel addSld delSld modSld sldOrd">
-      <pc:chgData name="Richard Pawson" userId="fc4c175b57fd2e55" providerId="LiveId" clId="{DC824AAA-291B-431B-91F3-391E33F29BA7}" dt="2022-07-11T07:58:26.763" v="10540" actId="2085"/>
-      <pc:docMkLst>
-        <pc:docMk/>
-      </pc:docMkLst>
-      <pc:sldChg chg="delSp modSp mod">
-        <pc:chgData name="Richard Pawson" userId="fc4c175b57fd2e55" providerId="LiveId" clId="{DC824AAA-291B-431B-91F3-391E33F29BA7}" dt="2022-07-06T15:57:57.064" v="5784" actId="255"/>
-        <pc:sldMkLst>
-          <pc:docMk/>
-          <pc:sldMk cId="2355344044" sldId="256"/>
-        </pc:sldMkLst>
-        <pc:spChg chg="mod">
-          <ac:chgData name="Richard Pawson" userId="fc4c175b57fd2e55" providerId="LiveId" clId="{DC824AAA-291B-431B-91F3-391E33F29BA7}" dt="2022-07-06T15:57:57.064" v="5784" actId="255"/>
-          <ac:spMkLst>
-            <pc:docMk/>
-            <pc:sldMk cId="2355344044" sldId="256"/>
-            <ac:spMk id="2" creationId="{3C0A147C-D5E2-F264-9662-C447AB73BF9C}"/>
-          </ac:spMkLst>
-        </pc:spChg>
-        <pc:spChg chg="del">
-          <ac:chgData name="Richard Pawson" userId="fc4c175b57fd2e55" providerId="LiveId" clId="{DC824AAA-291B-431B-91F3-391E33F29BA7}" dt="2022-07-06T15:56:03.054" v="5732" actId="478"/>
-          <ac:spMkLst>
-            <pc:docMk/>
-            <pc:sldMk cId="2355344044" sldId="256"/>
-            <ac:spMk id="3" creationId="{F34C52C6-F079-2949-CACF-BFCD8A31DE3F}"/>
-          </ac:spMkLst>
-        </pc:spChg>
-      </pc:sldChg>
-      <pc:sldChg chg="addSp delSp modSp mod ord">
-        <pc:chgData name="Richard Pawson" userId="fc4c175b57fd2e55" providerId="LiveId" clId="{DC824AAA-291B-431B-91F3-391E33F29BA7}" dt="2022-07-11T07:55:32.145" v="10510" actId="207"/>
-        <pc:sldMkLst>
-          <pc:docMk/>
-          <pc:sldMk cId="1281376288" sldId="257"/>
-        </pc:sldMkLst>
-        <pc:spChg chg="mod">
-          <ac:chgData name="Richard Pawson" userId="fc4c175b57fd2e55" providerId="LiveId" clId="{DC824AAA-291B-431B-91F3-391E33F29BA7}" dt="2022-07-11T07:53:48.308" v="10501" actId="165"/>
-          <ac:spMkLst>
-            <pc:docMk/>
-            <pc:sldMk cId="1281376288" sldId="257"/>
-            <ac:spMk id="4" creationId="{E4A54570-2FE8-102B-5CBA-883C3D09B41D}"/>
-          </ac:spMkLst>
-        </pc:spChg>
-        <pc:spChg chg="mod">
-          <ac:chgData name="Richard Pawson" userId="fc4c175b57fd2e55" providerId="LiveId" clId="{DC824AAA-291B-431B-91F3-391E33F29BA7}" dt="2022-07-11T07:53:48.308" v="10501" actId="165"/>
-          <ac:spMkLst>
-            <pc:docMk/>
-            <pc:sldMk cId="1281376288" sldId="257"/>
-            <ac:spMk id="5" creationId="{9FA1F2C8-D9EF-E181-5B57-292108BEE69B}"/>
-          </ac:spMkLst>
-        </pc:spChg>
-        <pc:spChg chg="mod">
-          <ac:chgData name="Richard Pawson" userId="fc4c175b57fd2e55" providerId="LiveId" clId="{DC824AAA-291B-431B-91F3-391E33F29BA7}" dt="2022-07-11T07:53:48.308" v="10501" actId="165"/>
-          <ac:spMkLst>
-            <pc:docMk/>
-            <pc:sldMk cId="1281376288" sldId="257"/>
-            <ac:spMk id="6" creationId="{B768FF91-6136-C48B-649F-4B7585A74A67}"/>
-          </ac:spMkLst>
-        </pc:spChg>
-        <pc:spChg chg="mod">
-          <ac:chgData name="Richard Pawson" userId="fc4c175b57fd2e55" providerId="LiveId" clId="{DC824AAA-291B-431B-91F3-391E33F29BA7}" dt="2022-07-11T07:53:48.308" v="10501" actId="165"/>
-          <ac:spMkLst>
-            <pc:docMk/>
-            <pc:sldMk cId="1281376288" sldId="257"/>
-            <ac:spMk id="9" creationId="{A10DFA47-D84A-29A1-50A3-18033A4BDE57}"/>
-          </ac:spMkLst>
-        </pc:spChg>
-        <pc:spChg chg="mod">
-          <ac:chgData name="Richard Pawson" userId="fc4c175b57fd2e55" providerId="LiveId" clId="{DC824AAA-291B-431B-91F3-391E33F29BA7}" dt="2022-07-11T07:53:48.308" v="10501" actId="165"/>
-          <ac:spMkLst>
-            <pc:docMk/>
-            <pc:sldMk cId="1281376288" sldId="257"/>
-            <ac:spMk id="10" creationId="{861DBE38-99AE-3F84-5C3D-D4BA64B35E4F}"/>
-          </ac:spMkLst>
-        </pc:spChg>
-        <pc:spChg chg="mod">
-          <ac:chgData name="Richard Pawson" userId="fc4c175b57fd2e55" providerId="LiveId" clId="{DC824AAA-291B-431B-91F3-391E33F29BA7}" dt="2022-07-11T07:53:48.308" v="10501" actId="165"/>
-          <ac:spMkLst>
-            <pc:docMk/>
-            <pc:sldMk cId="1281376288" sldId="257"/>
-            <ac:spMk id="11" creationId="{8EB7C80D-1B7C-E7D1-3318-BB5A22EF7E87}"/>
-          </ac:spMkLst>
-        </pc:spChg>
-        <pc:spChg chg="mod">
-          <ac:chgData name="Richard Pawson" userId="fc4c175b57fd2e55" providerId="LiveId" clId="{DC824AAA-291B-431B-91F3-391E33F29BA7}" dt="2022-07-11T07:53:48.308" v="10501" actId="165"/>
-          <ac:spMkLst>
-            <pc:docMk/>
-            <pc:sldMk cId="1281376288" sldId="257"/>
-            <ac:spMk id="13" creationId="{919DCA3C-E2C6-06A5-0DCD-D962994FAB09}"/>
-          </ac:spMkLst>
-        </pc:spChg>
-        <pc:spChg chg="mod">
-          <ac:chgData name="Richard Pawson" userId="fc4c175b57fd2e55" providerId="LiveId" clId="{DC824AAA-291B-431B-91F3-391E33F29BA7}" dt="2022-07-11T07:53:48.308" v="10501" actId="165"/>
-          <ac:spMkLst>
-            <pc:docMk/>
-            <pc:sldMk cId="1281376288" sldId="257"/>
-            <ac:spMk id="14" creationId="{52ADCCBA-0B34-1AB1-CE76-578BD2A8639E}"/>
-          </ac:spMkLst>
-        </pc:spChg>
-        <pc:spChg chg="mod">
-          <ac:chgData name="Richard Pawson" userId="fc4c175b57fd2e55" providerId="LiveId" clId="{DC824AAA-291B-431B-91F3-391E33F29BA7}" dt="2022-07-11T07:53:48.308" v="10501" actId="165"/>
-          <ac:spMkLst>
-            <pc:docMk/>
-            <pc:sldMk cId="1281376288" sldId="257"/>
-            <ac:spMk id="15" creationId="{6C38BB48-B180-9C4B-CB6E-9EB4D9369B49}"/>
-          </ac:spMkLst>
-        </pc:spChg>
-        <pc:spChg chg="mod">
-          <ac:chgData name="Richard Pawson" userId="fc4c175b57fd2e55" providerId="LiveId" clId="{DC824AAA-291B-431B-91F3-391E33F29BA7}" dt="2022-07-11T07:53:48.308" v="10501" actId="165"/>
-          <ac:spMkLst>
-            <pc:docMk/>
-            <pc:sldMk cId="1281376288" sldId="257"/>
-            <ac:spMk id="17" creationId="{D5CCCB07-2B74-1256-DCD9-C95314A9FEA2}"/>
-          </ac:spMkLst>
-        </pc:spChg>
-        <pc:spChg chg="mod">
-          <ac:chgData name="Richard Pawson" userId="fc4c175b57fd2e55" providerId="LiveId" clId="{DC824AAA-291B-431B-91F3-391E33F29BA7}" dt="2022-07-11T07:53:48.308" v="10501" actId="165"/>
-          <ac:spMkLst>
-            <pc:docMk/>
-            <pc:sldMk cId="1281376288" sldId="257"/>
-            <ac:spMk id="18" creationId="{1DA1CA72-D228-5B2B-B287-E79FD9D0453A}"/>
-          </ac:spMkLst>
-        </pc:spChg>
-        <pc:spChg chg="mod">
-          <ac:chgData name="Richard Pawson" userId="fc4c175b57fd2e55" providerId="LiveId" clId="{DC824AAA-291B-431B-91F3-391E33F29BA7}" dt="2022-07-11T07:53:48.308" v="10501" actId="165"/>
-          <ac:spMkLst>
-            <pc:docMk/>
-            <pc:sldMk cId="1281376288" sldId="257"/>
-            <ac:spMk id="19" creationId="{F2B50850-B7B2-BF5A-6CB4-FEBF17E232D2}"/>
-          </ac:spMkLst>
-        </pc:spChg>
-        <pc:spChg chg="add del mod">
-          <ac:chgData name="Richard Pawson" userId="fc4c175b57fd2e55" providerId="LiveId" clId="{DC824AAA-291B-431B-91F3-391E33F29BA7}" dt="2022-07-06T17:10:15.431" v="6904" actId="478"/>
-          <ac:spMkLst>
-            <pc:docMk/>
-            <pc:sldMk cId="1281376288" sldId="257"/>
-            <ac:spMk id="21" creationId="{BD314663-8CA5-47B2-2F50-02CFFC77E47C}"/>
-          </ac:spMkLst>
-        </pc:spChg>
-        <pc:spChg chg="mod">
-          <ac:chgData name="Richard Pawson" userId="fc4c175b57fd2e55" providerId="LiveId" clId="{DC824AAA-291B-431B-91F3-391E33F29BA7}" dt="2022-07-11T07:53:48.308" v="10501" actId="165"/>
-          <ac:spMkLst>
-            <pc:docMk/>
-            <pc:sldMk cId="1281376288" sldId="257"/>
-            <ac:spMk id="22" creationId="{25883A86-DF63-9811-90C5-752B1EFDD097}"/>
-          </ac:spMkLst>
-        </pc:spChg>
-        <pc:spChg chg="mod">
-          <ac:chgData name="Richard Pawson" userId="fc4c175b57fd2e55" providerId="LiveId" clId="{DC824AAA-291B-431B-91F3-391E33F29BA7}" dt="2022-07-11T07:53:48.308" v="10501" actId="165"/>
-          <ac:spMkLst>
-            <pc:docMk/>
-            <pc:sldMk cId="1281376288" sldId="257"/>
-            <ac:spMk id="23" creationId="{D8751398-2032-77D5-F7EF-FECC4CF9AF36}"/>
-          </ac:spMkLst>
-        </pc:spChg>
-        <pc:spChg chg="mod">
-          <ac:chgData name="Richard Pawson" userId="fc4c175b57fd2e55" providerId="LiveId" clId="{DC824AAA-291B-431B-91F3-391E33F29BA7}" dt="2022-07-11T07:53:48.308" v="10501" actId="165"/>
-          <ac:spMkLst>
-            <pc:docMk/>
-            <pc:sldMk cId="1281376288" sldId="257"/>
-            <ac:spMk id="24" creationId="{3AE71413-2FD8-DD6F-D934-1418B4499E2E}"/>
-          </ac:spMkLst>
-        </pc:spChg>
-        <pc:spChg chg="mod">
-          <ac:chgData name="Richard Pawson" userId="fc4c175b57fd2e55" providerId="LiveId" clId="{DC824AAA-291B-431B-91F3-391E33F29BA7}" dt="2022-07-11T07:53:48.308" v="10501" actId="165"/>
-          <ac:spMkLst>
-            <pc:docMk/>
-            <pc:sldMk cId="1281376288" sldId="257"/>
-            <ac:spMk id="25" creationId="{A8E5BA4B-4B49-9D10-43BA-52360D3F87A2}"/>
-          </ac:spMkLst>
-        </pc:spChg>
-        <pc:spChg chg="mod">
-          <ac:chgData name="Richard Pawson" userId="fc4c175b57fd2e55" providerId="LiveId" clId="{DC824AAA-291B-431B-91F3-391E33F29BA7}" dt="2022-07-11T07:53:48.308" v="10501" actId="165"/>
-          <ac:spMkLst>
-            <pc:docMk/>
-            <pc:sldMk cId="1281376288" sldId="257"/>
-            <ac:spMk id="26" creationId="{6E04CE6C-9CC9-B792-9BAC-DEDF3742F095}"/>
-          </ac:spMkLst>
-        </pc:spChg>
-        <pc:spChg chg="mod">
-          <ac:chgData name="Richard Pawson" userId="fc4c175b57fd2e55" providerId="LiveId" clId="{DC824AAA-291B-431B-91F3-391E33F29BA7}" dt="2022-07-11T07:53:48.308" v="10501" actId="165"/>
-          <ac:spMkLst>
-            <pc:docMk/>
-            <pc:sldMk cId="1281376288" sldId="257"/>
-            <ac:spMk id="27" creationId="{AE784E84-1915-CAF3-26CF-89662418C462}"/>
-          </ac:spMkLst>
-        </pc:spChg>
-        <pc:spChg chg="mod">
-          <ac:chgData name="Richard Pawson" userId="fc4c175b57fd2e55" providerId="LiveId" clId="{DC824AAA-291B-431B-91F3-391E33F29BA7}" dt="2022-07-11T07:55:25.228" v="10509" actId="207"/>
-          <ac:spMkLst>
-            <pc:docMk/>
-            <pc:sldMk cId="1281376288" sldId="257"/>
-            <ac:spMk id="28" creationId="{880D4307-B7FD-C7AE-B0C1-8808709736D8}"/>
-          </ac:spMkLst>
-        </pc:spChg>
-        <pc:spChg chg="del mod topLvl">
-          <ac:chgData name="Richard Pawson" userId="fc4c175b57fd2e55" providerId="LiveId" clId="{DC824AAA-291B-431B-91F3-391E33F29BA7}" dt="2022-07-06T16:52:54.303" v="6227" actId="478"/>
-          <ac:spMkLst>
-            <pc:docMk/>
-            <pc:sldMk cId="1281376288" sldId="257"/>
-            <ac:spMk id="33" creationId="{C39AB932-1F71-36FE-2F77-115EC2D5B205}"/>
-          </ac:spMkLst>
-        </pc:spChg>
-        <pc:spChg chg="del mod topLvl">
-          <ac:chgData name="Richard Pawson" userId="fc4c175b57fd2e55" providerId="LiveId" clId="{DC824AAA-291B-431B-91F3-391E33F29BA7}" dt="2022-07-06T16:52:56.909" v="6228" actId="478"/>
-          <ac:spMkLst>
-            <pc:docMk/>
-            <pc:sldMk cId="1281376288" sldId="257"/>
-            <ac:spMk id="34" creationId="{DC4AD2D2-3CE5-9CF9-C8DF-75540D8630AB}"/>
-          </ac:spMkLst>
-        </pc:spChg>
-        <pc:spChg chg="mod">
-          <ac:chgData name="Richard Pawson" userId="fc4c175b57fd2e55" providerId="LiveId" clId="{DC824AAA-291B-431B-91F3-391E33F29BA7}" dt="2022-07-11T07:53:48.308" v="10501" actId="165"/>
-          <ac:spMkLst>
-            <pc:docMk/>
-            <pc:sldMk cId="1281376288" sldId="257"/>
-            <ac:spMk id="35" creationId="{F168DB02-2B09-04EB-5EB5-46E56D7A9BB8}"/>
-          </ac:spMkLst>
-        </pc:spChg>
-        <pc:spChg chg="del mod topLvl">
-          <ac:chgData name="Richard Pawson" userId="fc4c175b57fd2e55" providerId="LiveId" clId="{DC824AAA-291B-431B-91F3-391E33F29BA7}" dt="2022-07-06T16:53:15.064" v="6232" actId="478"/>
-          <ac:spMkLst>
-            <pc:docMk/>
-            <pc:sldMk cId="1281376288" sldId="257"/>
-            <ac:spMk id="40" creationId="{C17C368E-5977-F32B-7789-11CEFED76C66}"/>
-          </ac:spMkLst>
-        </pc:spChg>
-        <pc:spChg chg="add mod">
-          <ac:chgData name="Richard Pawson" userId="fc4c175b57fd2e55" providerId="LiveId" clId="{DC824AAA-291B-431B-91F3-391E33F29BA7}" dt="2022-07-11T07:55:32.145" v="10510" actId="207"/>
-          <ac:spMkLst>
-            <pc:docMk/>
-            <pc:sldMk cId="1281376288" sldId="257"/>
-            <ac:spMk id="40" creationId="{F360A7F2-590A-336A-205D-7B5F595EED78}"/>
-          </ac:spMkLst>
-        </pc:spChg>
-        <pc:spChg chg="mod topLvl">
-          <ac:chgData name="Richard Pawson" userId="fc4c175b57fd2e55" providerId="LiveId" clId="{DC824AAA-291B-431B-91F3-391E33F29BA7}" dt="2022-07-11T07:53:48.308" v="10501" actId="165"/>
-          <ac:spMkLst>
-            <pc:docMk/>
-            <pc:sldMk cId="1281376288" sldId="257"/>
-            <ac:spMk id="41" creationId="{F024A6A3-3543-1FF4-2855-68A8C6E8B12B}"/>
-          </ac:spMkLst>
-        </pc:spChg>
-        <pc:spChg chg="add del mod topLvl">
-          <ac:chgData name="Richard Pawson" userId="fc4c175b57fd2e55" providerId="LiveId" clId="{DC824AAA-291B-431B-91F3-391E33F29BA7}" dt="2022-07-11T07:53:48.308" v="10501" actId="165"/>
-          <ac:spMkLst>
-            <pc:docMk/>
-            <pc:sldMk cId="1281376288" sldId="257"/>
-            <ac:spMk id="42" creationId="{7F957707-AECD-9FF4-0A58-5B2F548E156F}"/>
-          </ac:spMkLst>
-        </pc:spChg>
-        <pc:spChg chg="add del mod topLvl">
-          <ac:chgData name="Richard Pawson" userId="fc4c175b57fd2e55" providerId="LiveId" clId="{DC824AAA-291B-431B-91F3-391E33F29BA7}" dt="2022-07-11T07:53:48.308" v="10501" actId="165"/>
-          <ac:spMkLst>
-            <pc:docMk/>
-            <pc:sldMk cId="1281376288" sldId="257"/>
-            <ac:spMk id="43" creationId="{DF854F22-5998-436B-1678-74E65652DAC0}"/>
-          </ac:spMkLst>
-        </pc:spChg>
-        <pc:spChg chg="mod topLvl">
-          <ac:chgData name="Richard Pawson" userId="fc4c175b57fd2e55" providerId="LiveId" clId="{DC824AAA-291B-431B-91F3-391E33F29BA7}" dt="2022-07-11T07:53:53.484" v="10502" actId="165"/>
-          <ac:spMkLst>
-            <pc:docMk/>
-            <pc:sldMk cId="1281376288" sldId="257"/>
-            <ac:spMk id="45" creationId="{488B4A62-A4C2-DD67-BA75-001D7A84DEB8}"/>
-          </ac:spMkLst>
-        </pc:spChg>
-        <pc:spChg chg="mod topLvl">
-          <ac:chgData name="Richard Pawson" userId="fc4c175b57fd2e55" providerId="LiveId" clId="{DC824AAA-291B-431B-91F3-391E33F29BA7}" dt="2022-07-11T07:54:20.632" v="10505" actId="14100"/>
-          <ac:spMkLst>
-            <pc:docMk/>
-            <pc:sldMk cId="1281376288" sldId="257"/>
-            <ac:spMk id="46" creationId="{28B90973-3A48-4478-D7D0-2BB4E2446DDC}"/>
-          </ac:spMkLst>
-        </pc:spChg>
-        <pc:spChg chg="mod topLvl">
-          <ac:chgData name="Richard Pawson" userId="fc4c175b57fd2e55" providerId="LiveId" clId="{DC824AAA-291B-431B-91F3-391E33F29BA7}" dt="2022-07-11T07:54:28.936" v="10506" actId="1076"/>
-          <ac:spMkLst>
-            <pc:docMk/>
-            <pc:sldMk cId="1281376288" sldId="257"/>
-            <ac:spMk id="47" creationId="{411826B8-74A4-4191-3144-B6CD780D2D51}"/>
-          </ac:spMkLst>
-        </pc:spChg>
-        <pc:spChg chg="mod topLvl">
-          <ac:chgData name="Richard Pawson" userId="fc4c175b57fd2e55" providerId="LiveId" clId="{DC824AAA-291B-431B-91F3-391E33F29BA7}" dt="2022-07-11T07:54:38.320" v="10507" actId="1076"/>
-          <ac:spMkLst>
-            <pc:docMk/>
-            <pc:sldMk cId="1281376288" sldId="257"/>
-            <ac:spMk id="48" creationId="{D3342CDC-29D2-7EBA-990C-404DFC687457}"/>
-          </ac:spMkLst>
-        </pc:spChg>
-        <pc:grpChg chg="add mod topLvl">
-          <ac:chgData name="Richard Pawson" userId="fc4c175b57fd2e55" providerId="LiveId" clId="{DC824AAA-291B-431B-91F3-391E33F29BA7}" dt="2022-07-11T07:53:48.308" v="10501" actId="165"/>
-          <ac:grpSpMkLst>
-            <pc:docMk/>
-            <pc:sldMk cId="1281376288" sldId="257"/>
-            <ac:grpSpMk id="2" creationId="{B1083898-9868-E1D8-1C5C-1EEB64A91BCB}"/>
-          </ac:grpSpMkLst>
-        </pc:grpChg>
-        <pc:grpChg chg="add mod topLvl">
-          <ac:chgData name="Richard Pawson" userId="fc4c175b57fd2e55" providerId="LiveId" clId="{DC824AAA-291B-431B-91F3-391E33F29BA7}" dt="2022-07-11T07:53:48.308" v="10501" actId="165"/>
-          <ac:grpSpMkLst>
-            <pc:docMk/>
-            <pc:sldMk cId="1281376288" sldId="257"/>
-            <ac:grpSpMk id="3" creationId="{3E6F1A31-5B15-2285-700C-A42A19759AC0}"/>
-          </ac:grpSpMkLst>
-        </pc:grpChg>
-        <pc:grpChg chg="mod">
-          <ac:chgData name="Richard Pawson" userId="fc4c175b57fd2e55" providerId="LiveId" clId="{DC824AAA-291B-431B-91F3-391E33F29BA7}" dt="2022-07-11T07:53:48.308" v="10501" actId="165"/>
-          <ac:grpSpMkLst>
-            <pc:docMk/>
-            <pc:sldMk cId="1281376288" sldId="257"/>
-            <ac:grpSpMk id="7" creationId="{97FB0461-A60F-3AF3-1109-58CF86A2D938}"/>
-          </ac:grpSpMkLst>
-        </pc:grpChg>
-        <pc:grpChg chg="mod">
-          <ac:chgData name="Richard Pawson" userId="fc4c175b57fd2e55" providerId="LiveId" clId="{DC824AAA-291B-431B-91F3-391E33F29BA7}" dt="2022-07-11T07:53:48.308" v="10501" actId="165"/>
-          <ac:grpSpMkLst>
-            <pc:docMk/>
-            <pc:sldMk cId="1281376288" sldId="257"/>
-            <ac:grpSpMk id="8" creationId="{5AF624CD-11C8-9D53-2E6D-BE61C5D8F898}"/>
-          </ac:grpSpMkLst>
-        </pc:grpChg>
-        <pc:grpChg chg="mod">
-          <ac:chgData name="Richard Pawson" userId="fc4c175b57fd2e55" providerId="LiveId" clId="{DC824AAA-291B-431B-91F3-391E33F29BA7}" dt="2022-07-11T07:53:48.308" v="10501" actId="165"/>
-          <ac:grpSpMkLst>
-            <pc:docMk/>
-            <pc:sldMk cId="1281376288" sldId="257"/>
-            <ac:grpSpMk id="12" creationId="{62C12198-93BB-DF69-55A5-6477F8A948B9}"/>
-          </ac:grpSpMkLst>
-        </pc:grpChg>
-        <pc:grpChg chg="mod">
-          <ac:chgData name="Richard Pawson" userId="fc4c175b57fd2e55" providerId="LiveId" clId="{DC824AAA-291B-431B-91F3-391E33F29BA7}" dt="2022-07-11T07:53:48.308" v="10501" actId="165"/>
-          <ac:grpSpMkLst>
-            <pc:docMk/>
-            <pc:sldMk cId="1281376288" sldId="257"/>
-            <ac:grpSpMk id="16" creationId="{8E1C860A-DE8E-3446-EC24-845AFBA88E13}"/>
-          </ac:grpSpMkLst>
-        </pc:grpChg>
-        <pc:grpChg chg="add del mod">
-          <ac:chgData name="Richard Pawson" userId="fc4c175b57fd2e55" providerId="LiveId" clId="{DC824AAA-291B-431B-91F3-391E33F29BA7}" dt="2022-07-06T16:52:54.303" v="6227" actId="478"/>
-          <ac:grpSpMkLst>
-            <pc:docMk/>
-            <pc:sldMk cId="1281376288" sldId="257"/>
-            <ac:grpSpMk id="20" creationId="{3CC46FD1-101B-A683-94D6-89CE8C005798}"/>
-          </ac:grpSpMkLst>
-        </pc:grpChg>
-        <pc:grpChg chg="add del mod">
-          <ac:chgData name="Richard Pawson" userId="fc4c175b57fd2e55" providerId="LiveId" clId="{DC824AAA-291B-431B-91F3-391E33F29BA7}" dt="2022-07-11T07:53:48.308" v="10501" actId="165"/>
-          <ac:grpSpMkLst>
-            <pc:docMk/>
-            <pc:sldMk cId="1281376288" sldId="257"/>
-            <ac:grpSpMk id="20" creationId="{8A2D25CB-0839-951E-486A-A77F041A17C3}"/>
-          </ac:grpSpMkLst>
-        </pc:grpChg>
-        <pc:grpChg chg="add mod topLvl">
-          <ac:chgData name="Richard Pawson" userId="fc4c175b57fd2e55" providerId="LiveId" clId="{DC824AAA-291B-431B-91F3-391E33F29BA7}" dt="2022-07-11T07:53:48.308" v="10501" actId="165"/>
-          <ac:grpSpMkLst>
-            <pc:docMk/>
-            <pc:sldMk cId="1281376288" sldId="257"/>
-            <ac:grpSpMk id="29" creationId="{3CD1CE6A-1641-453B-FBDE-ED6D4014AF68}"/>
-          </ac:grpSpMkLst>
-        </pc:grpChg>
-        <pc:grpChg chg="mod topLvl">
-          <ac:chgData name="Richard Pawson" userId="fc4c175b57fd2e55" providerId="LiveId" clId="{DC824AAA-291B-431B-91F3-391E33F29BA7}" dt="2022-07-11T07:53:48.308" v="10501" actId="165"/>
-          <ac:grpSpMkLst>
-            <pc:docMk/>
-            <pc:sldMk cId="1281376288" sldId="257"/>
-            <ac:grpSpMk id="36" creationId="{EE9A3DFF-0602-72C1-4DC1-8103C699CC30}"/>
-          </ac:grpSpMkLst>
-        </pc:grpChg>
-        <pc:grpChg chg="mod topLvl">
-          <ac:chgData name="Richard Pawson" userId="fc4c175b57fd2e55" providerId="LiveId" clId="{DC824AAA-291B-431B-91F3-391E33F29BA7}" dt="2022-07-11T07:53:48.308" v="10501" actId="165"/>
-          <ac:grpSpMkLst>
-            <pc:docMk/>
-            <pc:sldMk cId="1281376288" sldId="257"/>
-            <ac:grpSpMk id="37" creationId="{9423F32F-E978-59B8-1121-3E8DFAD01120}"/>
-          </ac:grpSpMkLst>
-        </pc:grpChg>
-        <pc:grpChg chg="add del mod">
-          <ac:chgData name="Richard Pawson" userId="fc4c175b57fd2e55" providerId="LiveId" clId="{DC824AAA-291B-431B-91F3-391E33F29BA7}" dt="2022-07-06T16:53:09.523" v="6231" actId="165"/>
-          <ac:grpSpMkLst>
-            <pc:docMk/>
-            <pc:sldMk cId="1281376288" sldId="257"/>
-            <ac:grpSpMk id="38" creationId="{BF4F9659-7F9C-C737-441A-F48EEA7F4589}"/>
-          </ac:grpSpMkLst>
-        </pc:grpChg>
-        <pc:grpChg chg="del mod topLvl">
-          <ac:chgData name="Richard Pawson" userId="fc4c175b57fd2e55" providerId="LiveId" clId="{DC824AAA-291B-431B-91F3-391E33F29BA7}" dt="2022-07-06T16:53:23.540" v="6233" actId="165"/>
-          <ac:grpSpMkLst>
-            <pc:docMk/>
-            <pc:sldMk cId="1281376288" sldId="257"/>
-            <ac:grpSpMk id="39" creationId="{112AFD67-DB72-4A90-EBDF-57F3443AC776}"/>
-          </ac:grpSpMkLst>
-        </pc:grpChg>
-        <pc:grpChg chg="add del mod topLvl">
-          <ac:chgData name="Richard Pawson" userId="fc4c175b57fd2e55" providerId="LiveId" clId="{DC824AAA-291B-431B-91F3-391E33F29BA7}" dt="2022-07-11T07:53:53.484" v="10502" actId="165"/>
-          <ac:grpSpMkLst>
-            <pc:docMk/>
-            <pc:sldMk cId="1281376288" sldId="257"/>
-            <ac:grpSpMk id="44" creationId="{22B88740-FD04-4376-59B1-C7CC2CACAD7B}"/>
-          </ac:grpSpMkLst>
-        </pc:grpChg>
-      </pc:sldChg>
-      <pc:sldChg chg="del">
-        <pc:chgData name="Richard Pawson" userId="fc4c175b57fd2e55" providerId="LiveId" clId="{DC824AAA-291B-431B-91F3-391E33F29BA7}" dt="2022-07-06T15:52:59.803" v="5564" actId="47"/>
-        <pc:sldMkLst>
-          <pc:docMk/>
-          <pc:sldMk cId="2780476066" sldId="258"/>
-        </pc:sldMkLst>
-      </pc:sldChg>
-      <pc:sldChg chg="del">
-        <pc:chgData name="Richard Pawson" userId="fc4c175b57fd2e55" providerId="LiveId" clId="{DC824AAA-291B-431B-91F3-391E33F29BA7}" dt="2022-07-06T15:46:33.081" v="5458" actId="47"/>
-        <pc:sldMkLst>
-          <pc:docMk/>
-          <pc:sldMk cId="630585965" sldId="259"/>
-        </pc:sldMkLst>
-      </pc:sldChg>
-      <pc:sldChg chg="modSp del mod">
-        <pc:chgData name="Richard Pawson" userId="fc4c175b57fd2e55" providerId="LiveId" clId="{DC824AAA-291B-431B-91F3-391E33F29BA7}" dt="2022-07-06T15:48:40.007" v="5508" actId="47"/>
-        <pc:sldMkLst>
-          <pc:docMk/>
-          <pc:sldMk cId="2991067062" sldId="260"/>
-        </pc:sldMkLst>
-        <pc:spChg chg="mod">
-          <ac:chgData name="Richard Pawson" userId="fc4c175b57fd2e55" providerId="LiveId" clId="{DC824AAA-291B-431B-91F3-391E33F29BA7}" dt="2022-07-06T12:03:02.162" v="1551" actId="20577"/>
-          <ac:spMkLst>
-            <pc:docMk/>
-            <pc:sldMk cId="2991067062" sldId="260"/>
-            <ac:spMk id="3" creationId="{7B747DBD-96FF-35EA-F733-2865A5210748}"/>
-          </ac:spMkLst>
-        </pc:spChg>
-      </pc:sldChg>
-      <pc:sldChg chg="modSp del mod">
-        <pc:chgData name="Richard Pawson" userId="fc4c175b57fd2e55" providerId="LiveId" clId="{DC824AAA-291B-431B-91F3-391E33F29BA7}" dt="2022-07-06T15:49:50.098" v="5521" actId="47"/>
-        <pc:sldMkLst>
-          <pc:docMk/>
-          <pc:sldMk cId="2932382228" sldId="261"/>
-        </pc:sldMkLst>
-        <pc:spChg chg="mod">
-          <ac:chgData name="Richard Pawson" userId="fc4c175b57fd2e55" providerId="LiveId" clId="{DC824AAA-291B-431B-91F3-391E33F29BA7}" dt="2022-07-06T11:59:09.496" v="1094" actId="20577"/>
-          <ac:spMkLst>
-            <pc:docMk/>
-            <pc:sldMk cId="2932382228" sldId="261"/>
-            <ac:spMk id="3" creationId="{B056D69A-9681-591E-6436-24CA39D6DFD0}"/>
-          </ac:spMkLst>
-        </pc:spChg>
-      </pc:sldChg>
-      <pc:sldChg chg="del">
-        <pc:chgData name="Richard Pawson" userId="fc4c175b57fd2e55" providerId="LiveId" clId="{DC824AAA-291B-431B-91F3-391E33F29BA7}" dt="2022-07-06T15:53:03.283" v="5565" actId="47"/>
-        <pc:sldMkLst>
-          <pc:docMk/>
-          <pc:sldMk cId="4047980154" sldId="262"/>
-        </pc:sldMkLst>
-      </pc:sldChg>
-      <pc:sldChg chg="modSp new del mod">
-        <pc:chgData name="Richard Pawson" userId="fc4c175b57fd2e55" providerId="LiveId" clId="{DC824AAA-291B-431B-91F3-391E33F29BA7}" dt="2022-07-06T15:54:49.560" v="5633" actId="47"/>
-        <pc:sldMkLst>
-          <pc:docMk/>
-          <pc:sldMk cId="1416072277" sldId="263"/>
-        </pc:sldMkLst>
-        <pc:spChg chg="mod">
-          <ac:chgData name="Richard Pawson" userId="fc4c175b57fd2e55" providerId="LiveId" clId="{DC824AAA-291B-431B-91F3-391E33F29BA7}" dt="2022-07-06T11:52:46.364" v="41" actId="20577"/>
-          <ac:spMkLst>
-            <pc:docMk/>
-            <pc:sldMk cId="1416072277" sldId="263"/>
-            <ac:spMk id="2" creationId="{2BB58BA7-6AF2-CEF0-874A-6A77AC86F994}"/>
-          </ac:spMkLst>
-        </pc:spChg>
-        <pc:spChg chg="mod">
-          <ac:chgData name="Richard Pawson" userId="fc4c175b57fd2e55" providerId="LiveId" clId="{DC824AAA-291B-431B-91F3-391E33F29BA7}" dt="2022-07-06T11:53:50.491" v="111" actId="20577"/>
-          <ac:spMkLst>
-            <pc:docMk/>
-            <pc:sldMk cId="1416072277" sldId="263"/>
-            <ac:spMk id="3" creationId="{5786FE42-4DA8-D125-286C-570259745570}"/>
-          </ac:spMkLst>
-        </pc:spChg>
-      </pc:sldChg>
-      <pc:sldChg chg="modSp new del mod ord">
-        <pc:chgData name="Richard Pawson" userId="fc4c175b57fd2e55" providerId="LiveId" clId="{DC824AAA-291B-431B-91F3-391E33F29BA7}" dt="2022-07-06T15:55:18.410" v="5639" actId="47"/>
-        <pc:sldMkLst>
-          <pc:docMk/>
-          <pc:sldMk cId="2492691794" sldId="264"/>
-        </pc:sldMkLst>
-        <pc:spChg chg="mod">
-          <ac:chgData name="Richard Pawson" userId="fc4c175b57fd2e55" providerId="LiveId" clId="{DC824AAA-291B-431B-91F3-391E33F29BA7}" dt="2022-07-06T11:54:15.287" v="156" actId="20577"/>
-          <ac:spMkLst>
-            <pc:docMk/>
-            <pc:sldMk cId="2492691794" sldId="264"/>
-            <ac:spMk id="2" creationId="{A2034727-4132-9924-B65E-B3796C291D56}"/>
-          </ac:spMkLst>
-        </pc:spChg>
-        <pc:spChg chg="mod">
-          <ac:chgData name="Richard Pawson" userId="fc4c175b57fd2e55" providerId="LiveId" clId="{DC824AAA-291B-431B-91F3-391E33F29BA7}" dt="2022-07-06T15:55:09.213" v="5636" actId="21"/>
-          <ac:spMkLst>
-            <pc:docMk/>
-            <pc:sldMk cId="2492691794" sldId="264"/>
-            <ac:spMk id="3" creationId="{4DEB0C26-859E-4662-FB20-C03B2DF9E5BE}"/>
-          </ac:spMkLst>
-        </pc:spChg>
-      </pc:sldChg>
-      <pc:sldChg chg="modSp new del mod">
-        <pc:chgData name="Richard Pawson" userId="fc4c175b57fd2e55" providerId="LiveId" clId="{DC824AAA-291B-431B-91F3-391E33F29BA7}" dt="2022-07-06T16:46:11.574" v="5957" actId="47"/>
-        <pc:sldMkLst>
-          <pc:docMk/>
-          <pc:sldMk cId="1168323647" sldId="265"/>
-        </pc:sldMkLst>
-        <pc:spChg chg="mod">
-          <ac:chgData name="Richard Pawson" userId="fc4c175b57fd2e55" providerId="LiveId" clId="{DC824AAA-291B-431B-91F3-391E33F29BA7}" dt="2022-07-06T15:06:17.003" v="2019" actId="20577"/>
-          <ac:spMkLst>
-            <pc:docMk/>
-            <pc:sldMk cId="1168323647" sldId="265"/>
-            <ac:spMk id="2" creationId="{F4B02003-B289-BBC3-7D65-4BBA30A96D43}"/>
-          </ac:spMkLst>
-        </pc:spChg>
-        <pc:spChg chg="mod">
-          <ac:chgData name="Richard Pawson" userId="fc4c175b57fd2e55" providerId="LiveId" clId="{DC824AAA-291B-431B-91F3-391E33F29BA7}" dt="2022-07-06T15:29:13.934" v="4076" actId="114"/>
-          <ac:spMkLst>
-            <pc:docMk/>
-            <pc:sldMk cId="1168323647" sldId="265"/>
-            <ac:spMk id="3" creationId="{89DFCED0-5ACE-9AE5-8588-091C547EBA8D}"/>
-          </ac:spMkLst>
-        </pc:spChg>
-      </pc:sldChg>
-      <pc:sldChg chg="modSp new del mod">
-        <pc:chgData name="Richard Pawson" userId="fc4c175b57fd2e55" providerId="LiveId" clId="{DC824AAA-291B-431B-91F3-391E33F29BA7}" dt="2022-07-06T16:50:18.934" v="6213" actId="47"/>
-        <pc:sldMkLst>
-          <pc:docMk/>
-          <pc:sldMk cId="637354193" sldId="266"/>
-        </pc:sldMkLst>
-        <pc:spChg chg="mod">
-          <ac:chgData name="Richard Pawson" userId="fc4c175b57fd2e55" providerId="LiveId" clId="{DC824AAA-291B-431B-91F3-391E33F29BA7}" dt="2022-07-06T15:20:27.319" v="3200" actId="20577"/>
-          <ac:spMkLst>
-            <pc:docMk/>
-            <pc:sldMk cId="637354193" sldId="266"/>
-            <ac:spMk id="2" creationId="{6AA12826-F270-4BC5-5025-7464A8481D58}"/>
-          </ac:spMkLst>
-        </pc:spChg>
-        <pc:spChg chg="mod">
-          <ac:chgData name="Richard Pawson" userId="fc4c175b57fd2e55" providerId="LiveId" clId="{DC824AAA-291B-431B-91F3-391E33F29BA7}" dt="2022-07-06T16:46:16.535" v="5959" actId="27636"/>
-          <ac:spMkLst>
-            <pc:docMk/>
-            <pc:sldMk cId="637354193" sldId="266"/>
-            <ac:spMk id="3" creationId="{8C386FF1-2E5C-A8CE-2F91-2CE8E55FB4B5}"/>
-          </ac:spMkLst>
-        </pc:spChg>
-      </pc:sldChg>
-      <pc:sldChg chg="modSp new del mod">
-        <pc:chgData name="Richard Pawson" userId="fc4c175b57fd2e55" providerId="LiveId" clId="{DC824AAA-291B-431B-91F3-391E33F29BA7}" dt="2022-07-06T17:12:50.529" v="6984" actId="47"/>
-        <pc:sldMkLst>
-          <pc:docMk/>
-          <pc:sldMk cId="1898471159" sldId="267"/>
-        </pc:sldMkLst>
-        <pc:spChg chg="mod">
-          <ac:chgData name="Richard Pawson" userId="fc4c175b57fd2e55" providerId="LiveId" clId="{DC824AAA-291B-431B-91F3-391E33F29BA7}" dt="2022-07-06T15:29:59.411" v="4131" actId="20577"/>
-          <ac:spMkLst>
-            <pc:docMk/>
-            <pc:sldMk cId="1898471159" sldId="267"/>
-            <ac:spMk id="2" creationId="{AFABFB91-CA4A-254A-8F62-54E459F9DAE3}"/>
-          </ac:spMkLst>
-        </pc:spChg>
-        <pc:spChg chg="mod">
-          <ac:chgData name="Richard Pawson" userId="fc4c175b57fd2e55" providerId="LiveId" clId="{DC824AAA-291B-431B-91F3-391E33F29BA7}" dt="2022-07-06T15:37:24.531" v="5140" actId="20577"/>
-          <ac:spMkLst>
-            <pc:docMk/>
-            <pc:sldMk cId="1898471159" sldId="267"/>
-            <ac:spMk id="3" creationId="{75ADEE26-04B7-3DDA-B2C6-450AED44E75C}"/>
-          </ac:spMkLst>
-        </pc:spChg>
-      </pc:sldChg>
-      <pc:sldChg chg="modSp new del mod">
-        <pc:chgData name="Richard Pawson" userId="fc4c175b57fd2e55" providerId="LiveId" clId="{DC824AAA-291B-431B-91F3-391E33F29BA7}" dt="2022-07-06T17:15:18.421" v="7109" actId="47"/>
-        <pc:sldMkLst>
-          <pc:docMk/>
-          <pc:sldMk cId="2655154688" sldId="268"/>
-        </pc:sldMkLst>
-        <pc:spChg chg="mod">
-          <ac:chgData name="Richard Pawson" userId="fc4c175b57fd2e55" providerId="LiveId" clId="{DC824AAA-291B-431B-91F3-391E33F29BA7}" dt="2022-07-06T15:36:23.666" v="5001" actId="20577"/>
-          <ac:spMkLst>
-            <pc:docMk/>
-            <pc:sldMk cId="2655154688" sldId="268"/>
-            <ac:spMk id="2" creationId="{FDC67FA6-F259-A194-88DB-0384B205A683}"/>
-          </ac:spMkLst>
-        </pc:spChg>
-        <pc:spChg chg="mod">
-          <ac:chgData name="Richard Pawson" userId="fc4c175b57fd2e55" providerId="LiveId" clId="{DC824AAA-291B-431B-91F3-391E33F29BA7}" dt="2022-07-06T17:04:51.172" v="6686" actId="20577"/>
-          <ac:spMkLst>
-            <pc:docMk/>
-            <pc:sldMk cId="2655154688" sldId="268"/>
-            <ac:spMk id="3" creationId="{0206BD68-23D6-069B-F69B-E4D79F07DDBB}"/>
-          </ac:spMkLst>
-        </pc:spChg>
-      </pc:sldChg>
-      <pc:sldChg chg="modSp new del mod">
-        <pc:chgData name="Richard Pawson" userId="fc4c175b57fd2e55" providerId="LiveId" clId="{DC824AAA-291B-431B-91F3-391E33F29BA7}" dt="2022-07-09T08:58:04.901" v="7280" actId="47"/>
-        <pc:sldMkLst>
-          <pc:docMk/>
-          <pc:sldMk cId="509559972" sldId="269"/>
-        </pc:sldMkLst>
-        <pc:spChg chg="mod">
-          <ac:chgData name="Richard Pawson" userId="fc4c175b57fd2e55" providerId="LiveId" clId="{DC824AAA-291B-431B-91F3-391E33F29BA7}" dt="2022-07-06T15:42:50.066" v="5427" actId="20577"/>
-          <ac:spMkLst>
-            <pc:docMk/>
-            <pc:sldMk cId="509559972" sldId="269"/>
-            <ac:spMk id="2" creationId="{9D706F8D-4556-7A51-C61B-85D2DBF93BBC}"/>
-          </ac:spMkLst>
-        </pc:spChg>
-        <pc:spChg chg="mod">
-          <ac:chgData name="Richard Pawson" userId="fc4c175b57fd2e55" providerId="LiveId" clId="{DC824AAA-291B-431B-91F3-391E33F29BA7}" dt="2022-07-06T15:55:15.820" v="5638" actId="5793"/>
-          <ac:spMkLst>
-            <pc:docMk/>
-            <pc:sldMk cId="509559972" sldId="269"/>
-            <ac:spMk id="3" creationId="{17D47532-CB74-3454-92C1-C0D17267F770}"/>
-          </ac:spMkLst>
-        </pc:spChg>
-      </pc:sldChg>
-      <pc:sldChg chg="add del">
-        <pc:chgData name="Richard Pawson" userId="fc4c175b57fd2e55" providerId="LiveId" clId="{DC824AAA-291B-431B-91F3-391E33F29BA7}" dt="2022-07-06T15:43:30.193" v="5429" actId="2890"/>
-        <pc:sldMkLst>
-          <pc:docMk/>
-          <pc:sldMk cId="801923285" sldId="270"/>
-        </pc:sldMkLst>
-      </pc:sldChg>
-      <pc:sldChg chg="addSp delSp modSp add mod">
-        <pc:chgData name="Richard Pawson" userId="fc4c175b57fd2e55" providerId="LiveId" clId="{DC824AAA-291B-431B-91F3-391E33F29BA7}" dt="2022-07-09T08:58:42.121" v="7336" actId="20577"/>
-        <pc:sldMkLst>
-          <pc:docMk/>
-          <pc:sldMk cId="3384186636" sldId="270"/>
-        </pc:sldMkLst>
-        <pc:spChg chg="mod">
-          <ac:chgData name="Richard Pawson" userId="fc4c175b57fd2e55" providerId="LiveId" clId="{DC824AAA-291B-431B-91F3-391E33F29BA7}" dt="2022-07-06T17:14:08.836" v="7014" actId="20577"/>
-          <ac:spMkLst>
-            <pc:docMk/>
-            <pc:sldMk cId="3384186636" sldId="270"/>
-            <ac:spMk id="23" creationId="{D8751398-2032-77D5-F7EF-FECC4CF9AF36}"/>
-          </ac:spMkLst>
-        </pc:spChg>
-        <pc:spChg chg="add mod">
-          <ac:chgData name="Richard Pawson" userId="fc4c175b57fd2e55" providerId="LiveId" clId="{DC824AAA-291B-431B-91F3-391E33F29BA7}" dt="2022-07-09T08:58:42.121" v="7336" actId="20577"/>
-          <ac:spMkLst>
-            <pc:docMk/>
-            <pc:sldMk cId="3384186636" sldId="270"/>
-            <ac:spMk id="38" creationId="{F9B430F0-D559-099A-DCF8-57773F5E8D82}"/>
-          </ac:spMkLst>
-        </pc:spChg>
-        <pc:spChg chg="mod">
-          <ac:chgData name="Richard Pawson" userId="fc4c175b57fd2e55" providerId="LiveId" clId="{DC824AAA-291B-431B-91F3-391E33F29BA7}" dt="2022-07-06T17:14:21.051" v="7046" actId="20577"/>
-          <ac:spMkLst>
-            <pc:docMk/>
-            <pc:sldMk cId="3384186636" sldId="270"/>
-            <ac:spMk id="41" creationId="{745D5E11-E082-5B5E-59D4-D2A033B453FB}"/>
-          </ac:spMkLst>
-        </pc:spChg>
-        <pc:spChg chg="mod">
-          <ac:chgData name="Richard Pawson" userId="fc4c175b57fd2e55" providerId="LiveId" clId="{DC824AAA-291B-431B-91F3-391E33F29BA7}" dt="2022-07-06T17:13:25.263" v="6999"/>
-          <ac:spMkLst>
-            <pc:docMk/>
-            <pc:sldMk cId="3384186636" sldId="270"/>
-            <ac:spMk id="42" creationId="{1E49A427-30D1-4852-DFEB-CB02F47F0E11}"/>
-          </ac:spMkLst>
-        </pc:spChg>
-        <pc:spChg chg="mod">
-          <ac:chgData name="Richard Pawson" userId="fc4c175b57fd2e55" providerId="LiveId" clId="{DC824AAA-291B-431B-91F3-391E33F29BA7}" dt="2022-07-06T17:13:25.263" v="6999"/>
-          <ac:spMkLst>
-            <pc:docMk/>
-            <pc:sldMk cId="3384186636" sldId="270"/>
-            <ac:spMk id="43" creationId="{E398C769-21DF-AF1D-3120-36E9D4607096}"/>
-          </ac:spMkLst>
-        </pc:spChg>
-        <pc:spChg chg="mod">
-          <ac:chgData name="Richard Pawson" userId="fc4c175b57fd2e55" providerId="LiveId" clId="{DC824AAA-291B-431B-91F3-391E33F29BA7}" dt="2022-07-06T17:13:25.263" v="6999"/>
-          <ac:spMkLst>
-            <pc:docMk/>
-            <pc:sldMk cId="3384186636" sldId="270"/>
-            <ac:spMk id="44" creationId="{69F8E876-22F0-AA1A-F63D-07E591B2E4E0}"/>
-          </ac:spMkLst>
-        </pc:spChg>
-        <pc:spChg chg="mod">
-          <ac:chgData name="Richard Pawson" userId="fc4c175b57fd2e55" providerId="LiveId" clId="{DC824AAA-291B-431B-91F3-391E33F29BA7}" dt="2022-07-06T17:13:25.263" v="6999"/>
-          <ac:spMkLst>
-            <pc:docMk/>
-            <pc:sldMk cId="3384186636" sldId="270"/>
-            <ac:spMk id="45" creationId="{E3F6215A-2BDD-08D1-46BB-8B16D13BF6CA}"/>
-          </ac:spMkLst>
-        </pc:spChg>
-        <pc:grpChg chg="del">
-          <ac:chgData name="Richard Pawson" userId="fc4c175b57fd2e55" providerId="LiveId" clId="{DC824AAA-291B-431B-91F3-391E33F29BA7}" dt="2022-07-06T15:44:52.650" v="5434" actId="478"/>
-          <ac:grpSpMkLst>
-            <pc:docMk/>
-            <pc:sldMk cId="3384186636" sldId="270"/>
-            <ac:grpSpMk id="2" creationId="{B1083898-9868-E1D8-1C5C-1EEB64A91BCB}"/>
-          </ac:grpSpMkLst>
-        </pc:grpChg>
-        <pc:grpChg chg="del">
-          <ac:chgData name="Richard Pawson" userId="fc4c175b57fd2e55" providerId="LiveId" clId="{DC824AAA-291B-431B-91F3-391E33F29BA7}" dt="2022-07-06T15:44:52.650" v="5434" actId="478"/>
-          <ac:grpSpMkLst>
-            <pc:docMk/>
-            <pc:sldMk cId="3384186636" sldId="270"/>
-            <ac:grpSpMk id="3" creationId="{3E6F1A31-5B15-2285-700C-A42A19759AC0}"/>
-          </ac:grpSpMkLst>
-        </pc:grpChg>
-        <pc:grpChg chg="del">
-          <ac:chgData name="Richard Pawson" userId="fc4c175b57fd2e55" providerId="LiveId" clId="{DC824AAA-291B-431B-91F3-391E33F29BA7}" dt="2022-07-06T15:44:52.650" v="5434" actId="478"/>
-          <ac:grpSpMkLst>
-            <pc:docMk/>
-            <pc:sldMk cId="3384186636" sldId="270"/>
-            <ac:grpSpMk id="20" creationId="{3CC46FD1-101B-A683-94D6-89CE8C005798}"/>
-          </ac:grpSpMkLst>
-        </pc:grpChg>
-        <pc:grpChg chg="del">
-          <ac:chgData name="Richard Pawson" userId="fc4c175b57fd2e55" providerId="LiveId" clId="{DC824AAA-291B-431B-91F3-391E33F29BA7}" dt="2022-07-06T15:44:52.650" v="5434" actId="478"/>
-          <ac:grpSpMkLst>
-            <pc:docMk/>
-            <pc:sldMk cId="3384186636" sldId="270"/>
-            <ac:grpSpMk id="36" creationId="{EE9A3DFF-0602-72C1-4DC1-8103C699CC30}"/>
-          </ac:grpSpMkLst>
-        </pc:grpChg>
-        <pc:grpChg chg="add mod">
-          <ac:chgData name="Richard Pawson" userId="fc4c175b57fd2e55" providerId="LiveId" clId="{DC824AAA-291B-431B-91F3-391E33F29BA7}" dt="2022-07-06T17:13:25.263" v="6999"/>
-          <ac:grpSpMkLst>
-            <pc:docMk/>
-            <pc:sldMk cId="3384186636" sldId="270"/>
-            <ac:grpSpMk id="39" creationId="{44A2B45E-C837-54DD-877F-8A3A14EFA189}"/>
-          </ac:grpSpMkLst>
-        </pc:grpChg>
-        <pc:grpChg chg="mod">
-          <ac:chgData name="Richard Pawson" userId="fc4c175b57fd2e55" providerId="LiveId" clId="{DC824AAA-291B-431B-91F3-391E33F29BA7}" dt="2022-07-06T17:13:25.263" v="6999"/>
-          <ac:grpSpMkLst>
-            <pc:docMk/>
-            <pc:sldMk cId="3384186636" sldId="270"/>
-            <ac:grpSpMk id="40" creationId="{6D3971B2-EB4F-1252-5153-5B2EDD3B0213}"/>
-          </ac:grpSpMkLst>
-        </pc:grpChg>
-      </pc:sldChg>
-      <pc:sldChg chg="addSp delSp modSp add mod ord">
-        <pc:chgData name="Richard Pawson" userId="fc4c175b57fd2e55" providerId="LiveId" clId="{DC824AAA-291B-431B-91F3-391E33F29BA7}" dt="2022-07-11T07:47:38.963" v="10406"/>
-        <pc:sldMkLst>
-          <pc:docMk/>
-          <pc:sldMk cId="2376796282" sldId="271"/>
-        </pc:sldMkLst>
-        <pc:spChg chg="add mod">
-          <ac:chgData name="Richard Pawson" userId="fc4c175b57fd2e55" providerId="LiveId" clId="{DC824AAA-291B-431B-91F3-391E33F29BA7}" dt="2022-07-11T07:47:38.963" v="10406"/>
-          <ac:spMkLst>
-            <pc:docMk/>
-            <pc:sldMk cId="2376796282" sldId="271"/>
-            <ac:spMk id="9" creationId="{8763FBB8-69FC-5A28-E0CE-4D5306E41491}"/>
-          </ac:spMkLst>
-        </pc:spChg>
-        <pc:spChg chg="mod">
-          <ac:chgData name="Richard Pawson" userId="fc4c175b57fd2e55" providerId="LiveId" clId="{DC824AAA-291B-431B-91F3-391E33F29BA7}" dt="2022-07-06T15:46:44.711" v="5459" actId="571"/>
-          <ac:spMkLst>
-            <pc:docMk/>
-            <pc:sldMk cId="2376796282" sldId="271"/>
-            <ac:spMk id="40" creationId="{C0229930-6DE2-3A31-2281-E07A40B0AF60}"/>
-          </ac:spMkLst>
-        </pc:spChg>
-        <pc:spChg chg="mod">
-          <ac:chgData name="Richard Pawson" userId="fc4c175b57fd2e55" providerId="LiveId" clId="{DC824AAA-291B-431B-91F3-391E33F29BA7}" dt="2022-07-06T15:46:44.711" v="5459" actId="571"/>
-          <ac:spMkLst>
-            <pc:docMk/>
-            <pc:sldMk cId="2376796282" sldId="271"/>
-            <ac:spMk id="41" creationId="{8FFD9804-7705-53C1-B967-F163FB5403DF}"/>
-          </ac:spMkLst>
-        </pc:spChg>
-        <pc:spChg chg="mod">
-          <ac:chgData name="Richard Pawson" userId="fc4c175b57fd2e55" providerId="LiveId" clId="{DC824AAA-291B-431B-91F3-391E33F29BA7}" dt="2022-07-06T15:46:44.711" v="5459" actId="571"/>
-          <ac:spMkLst>
-            <pc:docMk/>
-            <pc:sldMk cId="2376796282" sldId="271"/>
-            <ac:spMk id="42" creationId="{58FEA772-BB6A-B0DA-A4D6-406133E7038B}"/>
-          </ac:spMkLst>
-        </pc:spChg>
-        <pc:spChg chg="mod">
-          <ac:chgData name="Richard Pawson" userId="fc4c175b57fd2e55" providerId="LiveId" clId="{DC824AAA-291B-431B-91F3-391E33F29BA7}" dt="2022-07-06T15:46:44.711" v="5459" actId="571"/>
-          <ac:spMkLst>
-            <pc:docMk/>
-            <pc:sldMk cId="2376796282" sldId="271"/>
-            <ac:spMk id="43" creationId="{404EEC61-3694-300A-2230-7BB45A694E3D}"/>
-          </ac:spMkLst>
-        </pc:spChg>
-        <pc:spChg chg="mod">
-          <ac:chgData name="Richard Pawson" userId="fc4c175b57fd2e55" providerId="LiveId" clId="{DC824AAA-291B-431B-91F3-391E33F29BA7}" dt="2022-07-06T15:46:44.711" v="5459" actId="571"/>
-          <ac:spMkLst>
-            <pc:docMk/>
-            <pc:sldMk cId="2376796282" sldId="271"/>
-            <ac:spMk id="44" creationId="{EBBF0031-4286-B0CC-8D0D-01C409DE8A19}"/>
-          </ac:spMkLst>
-        </pc:spChg>
-        <pc:spChg chg="mod">
-          <ac:chgData name="Richard Pawson" userId="fc4c175b57fd2e55" providerId="LiveId" clId="{DC824AAA-291B-431B-91F3-391E33F29BA7}" dt="2022-07-06T15:46:44.711" v="5459" actId="571"/>
-          <ac:spMkLst>
-            <pc:docMk/>
-            <pc:sldMk cId="2376796282" sldId="271"/>
-            <ac:spMk id="47" creationId="{D5E4BD35-0E55-4BF1-26FD-181F3252AB24}"/>
-          </ac:spMkLst>
-        </pc:spChg>
-        <pc:spChg chg="mod">
-          <ac:chgData name="Richard Pawson" userId="fc4c175b57fd2e55" providerId="LiveId" clId="{DC824AAA-291B-431B-91F3-391E33F29BA7}" dt="2022-07-06T15:46:44.711" v="5459" actId="571"/>
-          <ac:spMkLst>
-            <pc:docMk/>
-            <pc:sldMk cId="2376796282" sldId="271"/>
-            <ac:spMk id="48" creationId="{6B1746E6-A60B-04ED-6D51-D8896AD59C18}"/>
-          </ac:spMkLst>
-        </pc:spChg>
-        <pc:spChg chg="mod">
-          <ac:chgData name="Richard Pawson" userId="fc4c175b57fd2e55" providerId="LiveId" clId="{DC824AAA-291B-431B-91F3-391E33F29BA7}" dt="2022-07-06T15:46:44.711" v="5459" actId="571"/>
-          <ac:spMkLst>
-            <pc:docMk/>
-            <pc:sldMk cId="2376796282" sldId="271"/>
-            <ac:spMk id="49" creationId="{D4BEA6F8-3B05-7654-8D21-F4D6F9AF04D1}"/>
-          </ac:spMkLst>
-        </pc:spChg>
-        <pc:spChg chg="mod">
-          <ac:chgData name="Richard Pawson" userId="fc4c175b57fd2e55" providerId="LiveId" clId="{DC824AAA-291B-431B-91F3-391E33F29BA7}" dt="2022-07-06T15:46:44.711" v="5459" actId="571"/>
-          <ac:spMkLst>
-            <pc:docMk/>
-            <pc:sldMk cId="2376796282" sldId="271"/>
-            <ac:spMk id="50" creationId="{0D2DFDF7-454F-73D0-BA9F-014CC7F6E742}"/>
-          </ac:spMkLst>
-        </pc:spChg>
-        <pc:spChg chg="mod">
-          <ac:chgData name="Richard Pawson" userId="fc4c175b57fd2e55" providerId="LiveId" clId="{DC824AAA-291B-431B-91F3-391E33F29BA7}" dt="2022-07-06T15:46:44.711" v="5459" actId="571"/>
-          <ac:spMkLst>
-            <pc:docMk/>
-            <pc:sldMk cId="2376796282" sldId="271"/>
-            <ac:spMk id="51" creationId="{15C4936C-0E4D-CAE7-DF43-9EC0D682282E}"/>
-          </ac:spMkLst>
-        </pc:spChg>
-        <pc:spChg chg="add mod">
-          <ac:chgData name="Richard Pawson" userId="fc4c175b57fd2e55" providerId="LiveId" clId="{DC824AAA-291B-431B-91F3-391E33F29BA7}" dt="2022-07-09T08:58:52.759" v="7358" actId="20577"/>
-          <ac:spMkLst>
-            <pc:docMk/>
-            <pc:sldMk cId="2376796282" sldId="271"/>
-            <ac:spMk id="52" creationId="{0AEFAE92-D23E-B5B6-C9DC-7565CA4371A8}"/>
-          </ac:spMkLst>
-        </pc:spChg>
-        <pc:grpChg chg="del">
-          <ac:chgData name="Richard Pawson" userId="fc4c175b57fd2e55" providerId="LiveId" clId="{DC824AAA-291B-431B-91F3-391E33F29BA7}" dt="2022-07-06T15:46:46.681" v="5460" actId="478"/>
-          <ac:grpSpMkLst>
-            <pc:docMk/>
-            <pc:sldMk cId="2376796282" sldId="271"/>
-            <ac:grpSpMk id="2" creationId="{B1083898-9868-E1D8-1C5C-1EEB64A91BCB}"/>
-          </ac:grpSpMkLst>
-        </pc:grpChg>
-        <pc:grpChg chg="del">
-          <ac:chgData name="Richard Pawson" userId="fc4c175b57fd2e55" providerId="LiveId" clId="{DC824AAA-291B-431B-91F3-391E33F29BA7}" dt="2022-07-06T15:46:54.082" v="5461" actId="478"/>
-          <ac:grpSpMkLst>
-            <pc:docMk/>
-            <pc:sldMk cId="2376796282" sldId="271"/>
-            <ac:grpSpMk id="3" creationId="{3E6F1A31-5B15-2285-700C-A42A19759AC0}"/>
-          </ac:grpSpMkLst>
-        </pc:grpChg>
-        <pc:grpChg chg="del">
-          <ac:chgData name="Richard Pawson" userId="fc4c175b57fd2e55" providerId="LiveId" clId="{DC824AAA-291B-431B-91F3-391E33F29BA7}" dt="2022-07-06T15:46:54.082" v="5461" actId="478"/>
-          <ac:grpSpMkLst>
-            <pc:docMk/>
-            <pc:sldMk cId="2376796282" sldId="271"/>
-            <ac:grpSpMk id="20" creationId="{3CC46FD1-101B-A683-94D6-89CE8C005798}"/>
-          </ac:grpSpMkLst>
-        </pc:grpChg>
-        <pc:grpChg chg="del">
-          <ac:chgData name="Richard Pawson" userId="fc4c175b57fd2e55" providerId="LiveId" clId="{DC824AAA-291B-431B-91F3-391E33F29BA7}" dt="2022-07-06T15:46:54.082" v="5461" actId="478"/>
-          <ac:grpSpMkLst>
-            <pc:docMk/>
-            <pc:sldMk cId="2376796282" sldId="271"/>
-            <ac:grpSpMk id="37" creationId="{9423F32F-E978-59B8-1121-3E8DFAD01120}"/>
-          </ac:grpSpMkLst>
-        </pc:grpChg>
-        <pc:grpChg chg="add del mod">
-          <ac:chgData name="Richard Pawson" userId="fc4c175b57fd2e55" providerId="LiveId" clId="{DC824AAA-291B-431B-91F3-391E33F29BA7}" dt="2022-07-06T15:46:46.681" v="5460" actId="478"/>
-          <ac:grpSpMkLst>
-            <pc:docMk/>
-            <pc:sldMk cId="2376796282" sldId="271"/>
-            <ac:grpSpMk id="38" creationId="{2CBCA615-368E-A5E4-AB59-7958319B511D}"/>
-          </ac:grpSpMkLst>
-        </pc:grpChg>
-        <pc:grpChg chg="mod">
-          <ac:chgData name="Richard Pawson" userId="fc4c175b57fd2e55" providerId="LiveId" clId="{DC824AAA-291B-431B-91F3-391E33F29BA7}" dt="2022-07-06T15:46:44.711" v="5459" actId="571"/>
-          <ac:grpSpMkLst>
-            <pc:docMk/>
-            <pc:sldMk cId="2376796282" sldId="271"/>
-            <ac:grpSpMk id="39" creationId="{CD5FFAA0-2EB9-914F-BC02-85C1A65FC6D6}"/>
-          </ac:grpSpMkLst>
-        </pc:grpChg>
-        <pc:grpChg chg="add del mod">
-          <ac:chgData name="Richard Pawson" userId="fc4c175b57fd2e55" providerId="LiveId" clId="{DC824AAA-291B-431B-91F3-391E33F29BA7}" dt="2022-07-06T15:46:46.681" v="5460" actId="478"/>
-          <ac:grpSpMkLst>
-            <pc:docMk/>
-            <pc:sldMk cId="2376796282" sldId="271"/>
-            <ac:grpSpMk id="45" creationId="{81B7BB3E-8763-D66C-13A8-A985234B556E}"/>
-          </ac:grpSpMkLst>
-        </pc:grpChg>
-        <pc:grpChg chg="mod">
-          <ac:chgData name="Richard Pawson" userId="fc4c175b57fd2e55" providerId="LiveId" clId="{DC824AAA-291B-431B-91F3-391E33F29BA7}" dt="2022-07-06T15:46:44.711" v="5459" actId="571"/>
-          <ac:grpSpMkLst>
-            <pc:docMk/>
-            <pc:sldMk cId="2376796282" sldId="271"/>
-            <ac:grpSpMk id="46" creationId="{7B1929E9-2735-93E4-17A2-3D64D241FDA7}"/>
-          </ac:grpSpMkLst>
-        </pc:grpChg>
-      </pc:sldChg>
-      <pc:sldChg chg="addSp delSp modSp add del mod ord">
-        <pc:chgData name="Richard Pawson" userId="fc4c175b57fd2e55" providerId="LiveId" clId="{DC824AAA-291B-431B-91F3-391E33F29BA7}" dt="2022-07-06T17:15:13.454" v="7108" actId="47"/>
-        <pc:sldMkLst>
-          <pc:docMk/>
-          <pc:sldMk cId="4235214039" sldId="272"/>
-        </pc:sldMkLst>
-        <pc:spChg chg="mod">
-          <ac:chgData name="Richard Pawson" userId="fc4c175b57fd2e55" providerId="LiveId" clId="{DC824AAA-291B-431B-91F3-391E33F29BA7}" dt="2022-07-06T17:00:05.361" v="6413" actId="20577"/>
-          <ac:spMkLst>
-            <pc:docMk/>
-            <pc:sldMk cId="4235214039" sldId="272"/>
-            <ac:spMk id="19" creationId="{F2B50850-B7B2-BF5A-6CB4-FEBF17E232D2}"/>
-          </ac:spMkLst>
-        </pc:spChg>
-        <pc:spChg chg="add del mod">
-          <ac:chgData name="Richard Pawson" userId="fc4c175b57fd2e55" providerId="LiveId" clId="{DC824AAA-291B-431B-91F3-391E33F29BA7}" dt="2022-07-06T17:14:47.942" v="7048" actId="478"/>
-          <ac:spMkLst>
-            <pc:docMk/>
-            <pc:sldMk cId="4235214039" sldId="272"/>
-            <ac:spMk id="38" creationId="{DE6B0A90-AD8D-1300-EC95-737382C275C5}"/>
-          </ac:spMkLst>
-        </pc:spChg>
-        <pc:grpChg chg="del">
-          <ac:chgData name="Richard Pawson" userId="fc4c175b57fd2e55" providerId="LiveId" clId="{DC824AAA-291B-431B-91F3-391E33F29BA7}" dt="2022-07-06T15:49:10.678" v="5514" actId="478"/>
-          <ac:grpSpMkLst>
-            <pc:docMk/>
-            <pc:sldMk cId="4235214039" sldId="272"/>
-            <ac:grpSpMk id="2" creationId="{B1083898-9868-E1D8-1C5C-1EEB64A91BCB}"/>
-          </ac:grpSpMkLst>
-        </pc:grpChg>
-        <pc:grpChg chg="del mod">
-          <ac:chgData name="Richard Pawson" userId="fc4c175b57fd2e55" providerId="LiveId" clId="{DC824AAA-291B-431B-91F3-391E33F29BA7}" dt="2022-07-06T17:13:21.754" v="6998" actId="21"/>
-          <ac:grpSpMkLst>
-            <pc:docMk/>
-            <pc:sldMk cId="4235214039" sldId="272"/>
-            <ac:grpSpMk id="3" creationId="{3E6F1A31-5B15-2285-700C-A42A19759AC0}"/>
-          </ac:grpSpMkLst>
-        </pc:grpChg>
-        <pc:grpChg chg="del">
-          <ac:chgData name="Richard Pawson" userId="fc4c175b57fd2e55" providerId="LiveId" clId="{DC824AAA-291B-431B-91F3-391E33F29BA7}" dt="2022-07-06T15:49:10.678" v="5514" actId="478"/>
-          <ac:grpSpMkLst>
-            <pc:docMk/>
-            <pc:sldMk cId="4235214039" sldId="272"/>
-            <ac:grpSpMk id="20" creationId="{3CC46FD1-101B-A683-94D6-89CE8C005798}"/>
-          </ac:grpSpMkLst>
-        </pc:grpChg>
-        <pc:grpChg chg="del">
-          <ac:chgData name="Richard Pawson" userId="fc4c175b57fd2e55" providerId="LiveId" clId="{DC824AAA-291B-431B-91F3-391E33F29BA7}" dt="2022-07-06T15:49:10.678" v="5514" actId="478"/>
-          <ac:grpSpMkLst>
-            <pc:docMk/>
-            <pc:sldMk cId="4235214039" sldId="272"/>
-            <ac:grpSpMk id="36" creationId="{EE9A3DFF-0602-72C1-4DC1-8103C699CC30}"/>
-          </ac:grpSpMkLst>
-        </pc:grpChg>
-        <pc:grpChg chg="del">
-          <ac:chgData name="Richard Pawson" userId="fc4c175b57fd2e55" providerId="LiveId" clId="{DC824AAA-291B-431B-91F3-391E33F29BA7}" dt="2022-07-06T15:49:10.678" v="5514" actId="478"/>
-          <ac:grpSpMkLst>
-            <pc:docMk/>
-            <pc:sldMk cId="4235214039" sldId="272"/>
-            <ac:grpSpMk id="37" creationId="{9423F32F-E978-59B8-1121-3E8DFAD01120}"/>
-          </ac:grpSpMkLst>
-        </pc:grpChg>
-      </pc:sldChg>
-      <pc:sldChg chg="addSp delSp modSp add mod ord">
-        <pc:chgData name="Richard Pawson" userId="fc4c175b57fd2e55" providerId="LiveId" clId="{DC824AAA-291B-431B-91F3-391E33F29BA7}" dt="2022-07-09T08:59:10.852" v="7389" actId="20577"/>
-        <pc:sldMkLst>
-          <pc:docMk/>
-          <pc:sldMk cId="607607647" sldId="273"/>
-        </pc:sldMkLst>
-        <pc:spChg chg="mod">
-          <ac:chgData name="Richard Pawson" userId="fc4c175b57fd2e55" providerId="LiveId" clId="{DC824AAA-291B-431B-91F3-391E33F29BA7}" dt="2022-07-06T17:02:18.464" v="6487" actId="20577"/>
-          <ac:spMkLst>
-            <pc:docMk/>
-            <pc:sldMk cId="607607647" sldId="273"/>
-            <ac:spMk id="15" creationId="{6C38BB48-B180-9C4B-CB6E-9EB4D9369B49}"/>
-          </ac:spMkLst>
-        </pc:spChg>
-        <pc:spChg chg="mod">
-          <ac:chgData name="Richard Pawson" userId="fc4c175b57fd2e55" providerId="LiveId" clId="{DC824AAA-291B-431B-91F3-391E33F29BA7}" dt="2022-07-06T17:02:21.013" v="6488" actId="20577"/>
-          <ac:spMkLst>
-            <pc:docMk/>
-            <pc:sldMk cId="607607647" sldId="273"/>
-            <ac:spMk id="25" creationId="{A8E5BA4B-4B49-9D10-43BA-52360D3F87A2}"/>
-          </ac:spMkLst>
-        </pc:spChg>
-        <pc:spChg chg="add mod">
-          <ac:chgData name="Richard Pawson" userId="fc4c175b57fd2e55" providerId="LiveId" clId="{DC824AAA-291B-431B-91F3-391E33F29BA7}" dt="2022-07-09T08:59:10.852" v="7389" actId="20577"/>
-          <ac:spMkLst>
-            <pc:docMk/>
-            <pc:sldMk cId="607607647" sldId="273"/>
-            <ac:spMk id="38" creationId="{80507CC7-90FB-2AF2-640A-B02DB04789F3}"/>
-          </ac:spMkLst>
-        </pc:spChg>
-        <pc:grpChg chg="del">
-          <ac:chgData name="Richard Pawson" userId="fc4c175b57fd2e55" providerId="LiveId" clId="{DC824AAA-291B-431B-91F3-391E33F29BA7}" dt="2022-07-06T15:50:20.466" v="5525" actId="478"/>
-          <ac:grpSpMkLst>
-            <pc:docMk/>
-            <pc:sldMk cId="607607647" sldId="273"/>
-            <ac:grpSpMk id="3" creationId="{3E6F1A31-5B15-2285-700C-A42A19759AC0}"/>
-          </ac:grpSpMkLst>
-        </pc:grpChg>
-        <pc:grpChg chg="del">
-          <ac:chgData name="Richard Pawson" userId="fc4c175b57fd2e55" providerId="LiveId" clId="{DC824AAA-291B-431B-91F3-391E33F29BA7}" dt="2022-07-06T15:50:20.466" v="5525" actId="478"/>
-          <ac:grpSpMkLst>
-            <pc:docMk/>
-            <pc:sldMk cId="607607647" sldId="273"/>
-            <ac:grpSpMk id="20" creationId="{3CC46FD1-101B-A683-94D6-89CE8C005798}"/>
-          </ac:grpSpMkLst>
-        </pc:grpChg>
-        <pc:grpChg chg="del">
-          <ac:chgData name="Richard Pawson" userId="fc4c175b57fd2e55" providerId="LiveId" clId="{DC824AAA-291B-431B-91F3-391E33F29BA7}" dt="2022-07-06T15:50:20.466" v="5525" actId="478"/>
-          <ac:grpSpMkLst>
-            <pc:docMk/>
-            <pc:sldMk cId="607607647" sldId="273"/>
-            <ac:grpSpMk id="36" creationId="{EE9A3DFF-0602-72C1-4DC1-8103C699CC30}"/>
-          </ac:grpSpMkLst>
-        </pc:grpChg>
-        <pc:grpChg chg="del">
-          <ac:chgData name="Richard Pawson" userId="fc4c175b57fd2e55" providerId="LiveId" clId="{DC824AAA-291B-431B-91F3-391E33F29BA7}" dt="2022-07-06T15:50:20.466" v="5525" actId="478"/>
-          <ac:grpSpMkLst>
-            <pc:docMk/>
-            <pc:sldMk cId="607607647" sldId="273"/>
-            <ac:grpSpMk id="37" creationId="{9423F32F-E978-59B8-1121-3E8DFAD01120}"/>
-          </ac:grpSpMkLst>
-        </pc:grpChg>
-      </pc:sldChg>
-      <pc:sldChg chg="addSp delSp modSp add mod">
-        <pc:chgData name="Richard Pawson" userId="fc4c175b57fd2e55" providerId="LiveId" clId="{DC824AAA-291B-431B-91F3-391E33F29BA7}" dt="2022-07-11T07:58:26.763" v="10540" actId="2085"/>
-        <pc:sldMkLst>
-          <pc:docMk/>
-          <pc:sldMk cId="300617741" sldId="274"/>
-        </pc:sldMkLst>
-        <pc:spChg chg="mod">
-          <ac:chgData name="Richard Pawson" userId="fc4c175b57fd2e55" providerId="LiveId" clId="{DC824AAA-291B-431B-91F3-391E33F29BA7}" dt="2022-07-09T08:57:21.856" v="7219" actId="208"/>
-          <ac:spMkLst>
-            <pc:docMk/>
-            <pc:sldMk cId="300617741" sldId="274"/>
-            <ac:spMk id="9" creationId="{A10DFA47-D84A-29A1-50A3-18033A4BDE57}"/>
-          </ac:spMkLst>
-        </pc:spChg>
-        <pc:spChg chg="mod">
-          <ac:chgData name="Richard Pawson" userId="fc4c175b57fd2e55" providerId="LiveId" clId="{DC824AAA-291B-431B-91F3-391E33F29BA7}" dt="2022-07-09T08:57:26.074" v="7220" actId="207"/>
-          <ac:spMkLst>
-            <pc:docMk/>
-            <pc:sldMk cId="300617741" sldId="274"/>
-            <ac:spMk id="10" creationId="{861DBE38-99AE-3F84-5C3D-D4BA64B35E4F}"/>
-          </ac:spMkLst>
-        </pc:spChg>
-        <pc:spChg chg="mod">
-          <ac:chgData name="Richard Pawson" userId="fc4c175b57fd2e55" providerId="LiveId" clId="{DC824AAA-291B-431B-91F3-391E33F29BA7}" dt="2022-07-11T07:58:26.763" v="10540" actId="2085"/>
-          <ac:spMkLst>
-            <pc:docMk/>
-            <pc:sldMk cId="300617741" sldId="274"/>
-            <ac:spMk id="11" creationId="{8EB7C80D-1B7C-E7D1-3318-BB5A22EF7E87}"/>
-          </ac:spMkLst>
-        </pc:spChg>
-        <pc:spChg chg="del">
-          <ac:chgData name="Richard Pawson" userId="fc4c175b57fd2e55" providerId="LiveId" clId="{DC824AAA-291B-431B-91F3-391E33F29BA7}" dt="2022-07-09T08:56:27.636" v="7139" actId="478"/>
-          <ac:spMkLst>
-            <pc:docMk/>
-            <pc:sldMk cId="300617741" sldId="274"/>
-            <ac:spMk id="23" creationId="{D8751398-2032-77D5-F7EF-FECC4CF9AF36}"/>
-          </ac:spMkLst>
-        </pc:spChg>
-        <pc:spChg chg="del mod topLvl">
-          <ac:chgData name="Richard Pawson" userId="fc4c175b57fd2e55" providerId="LiveId" clId="{DC824AAA-291B-431B-91F3-391E33F29BA7}" dt="2022-07-11T07:47:49.293" v="10408" actId="478"/>
-          <ac:spMkLst>
-            <pc:docMk/>
-            <pc:sldMk cId="300617741" sldId="274"/>
-            <ac:spMk id="26" creationId="{6E04CE6C-9CC9-B792-9BAC-DEDF3742F095}"/>
-          </ac:spMkLst>
-        </pc:spChg>
-        <pc:spChg chg="add mod">
-          <ac:chgData name="Richard Pawson" userId="fc4c175b57fd2e55" providerId="LiveId" clId="{DC824AAA-291B-431B-91F3-391E33F29BA7}" dt="2022-07-11T07:57:48.702" v="10539" actId="20577"/>
-          <ac:spMkLst>
-            <pc:docMk/>
-            <pc:sldMk cId="300617741" sldId="274"/>
-            <ac:spMk id="40" creationId="{9F941A88-BB89-8072-27FF-E4C49024F2E3}"/>
-          </ac:spMkLst>
-        </pc:spChg>
-        <pc:spChg chg="add mod">
-          <ac:chgData name="Richard Pawson" userId="fc4c175b57fd2e55" providerId="LiveId" clId="{DC824AAA-291B-431B-91F3-391E33F29BA7}" dt="2022-07-11T07:47:42.935" v="10407"/>
-          <ac:spMkLst>
-            <pc:docMk/>
-            <pc:sldMk cId="300617741" sldId="274"/>
-            <ac:spMk id="49" creationId="{B6EA3293-66EE-5B6F-F9DF-8957E1D0C9D5}"/>
-          </ac:spMkLst>
-        </pc:spChg>
-        <pc:grpChg chg="del">
-          <ac:chgData name="Richard Pawson" userId="fc4c175b57fd2e55" providerId="LiveId" clId="{DC824AAA-291B-431B-91F3-391E33F29BA7}" dt="2022-07-09T08:55:45.157" v="7123" actId="478"/>
-          <ac:grpSpMkLst>
-            <pc:docMk/>
-            <pc:sldMk cId="300617741" sldId="274"/>
-            <ac:grpSpMk id="2" creationId="{B1083898-9868-E1D8-1C5C-1EEB64A91BCB}"/>
-          </ac:grpSpMkLst>
-        </pc:grpChg>
-        <pc:grpChg chg="del">
-          <ac:chgData name="Richard Pawson" userId="fc4c175b57fd2e55" providerId="LiveId" clId="{DC824AAA-291B-431B-91F3-391E33F29BA7}" dt="2022-07-09T08:55:45.157" v="7123" actId="478"/>
-          <ac:grpSpMkLst>
-            <pc:docMk/>
-            <pc:sldMk cId="300617741" sldId="274"/>
-            <ac:grpSpMk id="3" creationId="{3E6F1A31-5B15-2285-700C-A42A19759AC0}"/>
-          </ac:grpSpMkLst>
-        </pc:grpChg>
-        <pc:grpChg chg="topLvl">
-          <ac:chgData name="Richard Pawson" userId="fc4c175b57fd2e55" providerId="LiveId" clId="{DC824AAA-291B-431B-91F3-391E33F29BA7}" dt="2022-07-11T07:47:49.293" v="10408" actId="478"/>
-          <ac:grpSpMkLst>
-            <pc:docMk/>
-            <pc:sldMk cId="300617741" sldId="274"/>
-            <ac:grpSpMk id="8" creationId="{5AF624CD-11C8-9D53-2E6D-BE61C5D8F898}"/>
-          </ac:grpSpMkLst>
-        </pc:grpChg>
-        <pc:grpChg chg="del">
-          <ac:chgData name="Richard Pawson" userId="fc4c175b57fd2e55" providerId="LiveId" clId="{DC824AAA-291B-431B-91F3-391E33F29BA7}" dt="2022-07-11T07:47:49.293" v="10408" actId="478"/>
-          <ac:grpSpMkLst>
-            <pc:docMk/>
-            <pc:sldMk cId="300617741" sldId="274"/>
-            <ac:grpSpMk id="37" creationId="{9423F32F-E978-59B8-1121-3E8DFAD01120}"/>
-          </ac:grpSpMkLst>
-        </pc:grpChg>
-      </pc:sldChg>
-      <pc:sldChg chg="addSp delSp modSp add del mod ord">
-        <pc:chgData name="Richard Pawson" userId="fc4c175b57fd2e55" providerId="LiveId" clId="{DC824AAA-291B-431B-91F3-391E33F29BA7}" dt="2022-07-06T17:09:58.701" v="6903" actId="47"/>
-        <pc:sldMkLst>
-          <pc:docMk/>
-          <pc:sldMk cId="1137125913" sldId="274"/>
-        </pc:sldMkLst>
-        <pc:spChg chg="add mod">
-          <ac:chgData name="Richard Pawson" userId="fc4c175b57fd2e55" providerId="LiveId" clId="{DC824AAA-291B-431B-91F3-391E33F29BA7}" dt="2022-07-06T17:09:18.085" v="6902" actId="20577"/>
-          <ac:spMkLst>
-            <pc:docMk/>
-            <pc:sldMk cId="1137125913" sldId="274"/>
-            <ac:spMk id="38" creationId="{80D915B6-72FB-B0AC-6D04-5DB096541FB6}"/>
-          </ac:spMkLst>
-        </pc:spChg>
-        <pc:grpChg chg="del">
-          <ac:chgData name="Richard Pawson" userId="fc4c175b57fd2e55" providerId="LiveId" clId="{DC824AAA-291B-431B-91F3-391E33F29BA7}" dt="2022-07-06T15:51:14.539" v="5535" actId="478"/>
-          <ac:grpSpMkLst>
-            <pc:docMk/>
-            <pc:sldMk cId="1137125913" sldId="274"/>
-            <ac:grpSpMk id="2" creationId="{B1083898-9868-E1D8-1C5C-1EEB64A91BCB}"/>
-          </ac:grpSpMkLst>
-        </pc:grpChg>
-        <pc:grpChg chg="del">
-          <ac:chgData name="Richard Pawson" userId="fc4c175b57fd2e55" providerId="LiveId" clId="{DC824AAA-291B-431B-91F3-391E33F29BA7}" dt="2022-07-06T15:51:14.539" v="5535" actId="478"/>
-          <ac:grpSpMkLst>
-            <pc:docMk/>
-            <pc:sldMk cId="1137125913" sldId="274"/>
-            <ac:grpSpMk id="3" creationId="{3E6F1A31-5B15-2285-700C-A42A19759AC0}"/>
-          </ac:grpSpMkLst>
-        </pc:grpChg>
-        <pc:grpChg chg="del">
-          <ac:chgData name="Richard Pawson" userId="fc4c175b57fd2e55" providerId="LiveId" clId="{DC824AAA-291B-431B-91F3-391E33F29BA7}" dt="2022-07-06T15:51:14.539" v="5535" actId="478"/>
-          <ac:grpSpMkLst>
-            <pc:docMk/>
-            <pc:sldMk cId="1137125913" sldId="274"/>
-            <ac:grpSpMk id="36" creationId="{EE9A3DFF-0602-72C1-4DC1-8103C699CC30}"/>
-          </ac:grpSpMkLst>
-        </pc:grpChg>
-        <pc:grpChg chg="del">
-          <ac:chgData name="Richard Pawson" userId="fc4c175b57fd2e55" providerId="LiveId" clId="{DC824AAA-291B-431B-91F3-391E33F29BA7}" dt="2022-07-06T15:51:14.539" v="5535" actId="478"/>
-          <ac:grpSpMkLst>
-            <pc:docMk/>
-            <pc:sldMk cId="1137125913" sldId="274"/>
-            <ac:grpSpMk id="37" creationId="{9423F32F-E978-59B8-1121-3E8DFAD01120}"/>
-          </ac:grpSpMkLst>
-        </pc:grpChg>
-      </pc:sldChg>
-      <pc:sldChg chg="addSp delSp modSp new del mod ord">
-        <pc:chgData name="Richard Pawson" userId="fc4c175b57fd2e55" providerId="LiveId" clId="{DC824AAA-291B-431B-91F3-391E33F29BA7}" dt="2022-07-10T09:05:02.269" v="10063" actId="47"/>
-        <pc:sldMkLst>
-          <pc:docMk/>
-          <pc:sldMk cId="34456547" sldId="275"/>
-        </pc:sldMkLst>
-        <pc:spChg chg="del">
-          <ac:chgData name="Richard Pawson" userId="fc4c175b57fd2e55" providerId="LiveId" clId="{DC824AAA-291B-431B-91F3-391E33F29BA7}" dt="2022-07-09T08:59:28.177" v="7393" actId="478"/>
-          <ac:spMkLst>
-            <pc:docMk/>
-            <pc:sldMk cId="34456547" sldId="275"/>
-            <ac:spMk id="2" creationId="{DC0A7819-89BD-D06E-4D75-79BF903FDB77}"/>
-          </ac:spMkLst>
-        </pc:spChg>
-        <pc:spChg chg="del">
-          <ac:chgData name="Richard Pawson" userId="fc4c175b57fd2e55" providerId="LiveId" clId="{DC824AAA-291B-431B-91F3-391E33F29BA7}" dt="2022-07-09T08:59:28.177" v="7393" actId="478"/>
-          <ac:spMkLst>
-            <pc:docMk/>
-            <pc:sldMk cId="34456547" sldId="275"/>
-            <ac:spMk id="3" creationId="{295F9E86-2808-F103-E03C-20E6F3898B39}"/>
-          </ac:spMkLst>
-        </pc:spChg>
-        <pc:spChg chg="mod">
-          <ac:chgData name="Richard Pawson" userId="fc4c175b57fd2e55" providerId="LiveId" clId="{DC824AAA-291B-431B-91F3-391E33F29BA7}" dt="2022-07-09T09:00:26.243" v="7395"/>
-          <ac:spMkLst>
-            <pc:docMk/>
-            <pc:sldMk cId="34456547" sldId="275"/>
-            <ac:spMk id="11" creationId="{078A6E7F-9FE7-4689-32A6-21B07E080860}"/>
-          </ac:spMkLst>
-        </pc:spChg>
-        <pc:spChg chg="mod">
-          <ac:chgData name="Richard Pawson" userId="fc4c175b57fd2e55" providerId="LiveId" clId="{DC824AAA-291B-431B-91F3-391E33F29BA7}" dt="2022-07-09T09:00:26.243" v="7395"/>
-          <ac:spMkLst>
-            <pc:docMk/>
-            <pc:sldMk cId="34456547" sldId="275"/>
-            <ac:spMk id="12" creationId="{730CAABD-780C-63B1-2A49-A9D72319D192}"/>
-          </ac:spMkLst>
-        </pc:spChg>
-        <pc:spChg chg="mod">
-          <ac:chgData name="Richard Pawson" userId="fc4c175b57fd2e55" providerId="LiveId" clId="{DC824AAA-291B-431B-91F3-391E33F29BA7}" dt="2022-07-09T09:00:26.243" v="7395"/>
-          <ac:spMkLst>
-            <pc:docMk/>
-            <pc:sldMk cId="34456547" sldId="275"/>
-            <ac:spMk id="13" creationId="{E7A106E2-EB9F-3595-49EC-DDE0F1EE30E8}"/>
-          </ac:spMkLst>
-        </pc:spChg>
-        <pc:spChg chg="mod">
-          <ac:chgData name="Richard Pawson" userId="fc4c175b57fd2e55" providerId="LiveId" clId="{DC824AAA-291B-431B-91F3-391E33F29BA7}" dt="2022-07-09T09:00:26.243" v="7395"/>
-          <ac:spMkLst>
-            <pc:docMk/>
-            <pc:sldMk cId="34456547" sldId="275"/>
-            <ac:spMk id="14" creationId="{26B8DA9D-5466-1BD1-EDFC-EEB2C051F817}"/>
-          </ac:spMkLst>
-        </pc:spChg>
-        <pc:spChg chg="mod">
-          <ac:chgData name="Richard Pawson" userId="fc4c175b57fd2e55" providerId="LiveId" clId="{DC824AAA-291B-431B-91F3-391E33F29BA7}" dt="2022-07-09T09:00:26.243" v="7395"/>
-          <ac:spMkLst>
-            <pc:docMk/>
-            <pc:sldMk cId="34456547" sldId="275"/>
-            <ac:spMk id="15" creationId="{AC07FA8D-B3D0-627B-9F5E-7AB285B8277E}"/>
-          </ac:spMkLst>
-        </pc:spChg>
-        <pc:spChg chg="mod">
-          <ac:chgData name="Richard Pawson" userId="fc4c175b57fd2e55" providerId="LiveId" clId="{DC824AAA-291B-431B-91F3-391E33F29BA7}" dt="2022-07-09T09:00:26.243" v="7395"/>
-          <ac:spMkLst>
-            <pc:docMk/>
-            <pc:sldMk cId="34456547" sldId="275"/>
-            <ac:spMk id="16" creationId="{4EA6447C-178F-1E7A-B8C6-B517DFB0905B}"/>
-          </ac:spMkLst>
-        </pc:spChg>
-        <pc:spChg chg="mod">
-          <ac:chgData name="Richard Pawson" userId="fc4c175b57fd2e55" providerId="LiveId" clId="{DC824AAA-291B-431B-91F3-391E33F29BA7}" dt="2022-07-09T09:00:26.243" v="7395"/>
-          <ac:spMkLst>
-            <pc:docMk/>
-            <pc:sldMk cId="34456547" sldId="275"/>
-            <ac:spMk id="17" creationId="{DE2D4DFE-C8A2-AC06-FD51-5892971E6C6D}"/>
-          </ac:spMkLst>
-        </pc:spChg>
-        <pc:spChg chg="mod">
-          <ac:chgData name="Richard Pawson" userId="fc4c175b57fd2e55" providerId="LiveId" clId="{DC824AAA-291B-431B-91F3-391E33F29BA7}" dt="2022-07-09T09:00:26.243" v="7395"/>
-          <ac:spMkLst>
-            <pc:docMk/>
-            <pc:sldMk cId="34456547" sldId="275"/>
-            <ac:spMk id="19" creationId="{8F8FE406-B040-F149-D496-37FF22B67DCA}"/>
-          </ac:spMkLst>
-        </pc:spChg>
-        <pc:spChg chg="mod">
-          <ac:chgData name="Richard Pawson" userId="fc4c175b57fd2e55" providerId="LiveId" clId="{DC824AAA-291B-431B-91F3-391E33F29BA7}" dt="2022-07-09T09:00:26.243" v="7395"/>
-          <ac:spMkLst>
-            <pc:docMk/>
-            <pc:sldMk cId="34456547" sldId="275"/>
-            <ac:spMk id="20" creationId="{D84A5EF9-CDA5-56AD-BC13-65BB572F24B0}"/>
-          </ac:spMkLst>
-        </pc:spChg>
-        <pc:spChg chg="mod">
-          <ac:chgData name="Richard Pawson" userId="fc4c175b57fd2e55" providerId="LiveId" clId="{DC824AAA-291B-431B-91F3-391E33F29BA7}" dt="2022-07-09T09:00:26.243" v="7395"/>
-          <ac:spMkLst>
-            <pc:docMk/>
-            <pc:sldMk cId="34456547" sldId="275"/>
-            <ac:spMk id="21" creationId="{13BE58CF-0D91-3A03-A83B-F20805EE2981}"/>
-          </ac:spMkLst>
-        </pc:spChg>
-        <pc:spChg chg="mod">
-          <ac:chgData name="Richard Pawson" userId="fc4c175b57fd2e55" providerId="LiveId" clId="{DC824AAA-291B-431B-91F3-391E33F29BA7}" dt="2022-07-09T09:00:26.243" v="7395"/>
-          <ac:spMkLst>
-            <pc:docMk/>
-            <pc:sldMk cId="34456547" sldId="275"/>
-            <ac:spMk id="22" creationId="{EA339F0F-2DD5-318B-F39A-9033E55A3162}"/>
-          </ac:spMkLst>
-        </pc:spChg>
-        <pc:spChg chg="mod">
-          <ac:chgData name="Richard Pawson" userId="fc4c175b57fd2e55" providerId="LiveId" clId="{DC824AAA-291B-431B-91F3-391E33F29BA7}" dt="2022-07-09T09:00:26.243" v="7395"/>
-          <ac:spMkLst>
-            <pc:docMk/>
-            <pc:sldMk cId="34456547" sldId="275"/>
-            <ac:spMk id="23" creationId="{02DD1B20-B583-7EF0-22F8-99CE96D24F2E}"/>
-          </ac:spMkLst>
-        </pc:spChg>
-        <pc:spChg chg="mod">
-          <ac:chgData name="Richard Pawson" userId="fc4c175b57fd2e55" providerId="LiveId" clId="{DC824AAA-291B-431B-91F3-391E33F29BA7}" dt="2022-07-09T09:00:26.243" v="7395"/>
-          <ac:spMkLst>
-            <pc:docMk/>
-            <pc:sldMk cId="34456547" sldId="275"/>
-            <ac:spMk id="25" creationId="{3B82E082-CD17-B62A-04AB-FA722E7CA318}"/>
-          </ac:spMkLst>
-        </pc:spChg>
-        <pc:spChg chg="mod">
-          <ac:chgData name="Richard Pawson" userId="fc4c175b57fd2e55" providerId="LiveId" clId="{DC824AAA-291B-431B-91F3-391E33F29BA7}" dt="2022-07-09T09:00:26.243" v="7395"/>
-          <ac:spMkLst>
-            <pc:docMk/>
-            <pc:sldMk cId="34456547" sldId="275"/>
-            <ac:spMk id="26" creationId="{002A3C1B-F62E-8C37-DDA2-8D59EBE6DC1E}"/>
-          </ac:spMkLst>
-        </pc:spChg>
-        <pc:spChg chg="mod">
-          <ac:chgData name="Richard Pawson" userId="fc4c175b57fd2e55" providerId="LiveId" clId="{DC824AAA-291B-431B-91F3-391E33F29BA7}" dt="2022-07-09T09:00:26.243" v="7395"/>
-          <ac:spMkLst>
-            <pc:docMk/>
-            <pc:sldMk cId="34456547" sldId="275"/>
-            <ac:spMk id="27" creationId="{FF2338D9-23ED-69E8-5DD7-53A3EBB36B45}"/>
-          </ac:spMkLst>
-        </pc:spChg>
-        <pc:spChg chg="mod">
-          <ac:chgData name="Richard Pawson" userId="fc4c175b57fd2e55" providerId="LiveId" clId="{DC824AAA-291B-431B-91F3-391E33F29BA7}" dt="2022-07-09T09:00:26.243" v="7395"/>
-          <ac:spMkLst>
-            <pc:docMk/>
-            <pc:sldMk cId="34456547" sldId="275"/>
-            <ac:spMk id="28" creationId="{FF14D6C6-1D4E-AD56-6787-866FE135D53F}"/>
-          </ac:spMkLst>
-        </pc:spChg>
-        <pc:spChg chg="mod">
-          <ac:chgData name="Richard Pawson" userId="fc4c175b57fd2e55" providerId="LiveId" clId="{DC824AAA-291B-431B-91F3-391E33F29BA7}" dt="2022-07-09T09:00:26.243" v="7395"/>
-          <ac:spMkLst>
-            <pc:docMk/>
-            <pc:sldMk cId="34456547" sldId="275"/>
-            <ac:spMk id="29" creationId="{665903CB-6C9F-FA76-583E-D0F0F8A62D7D}"/>
-          </ac:spMkLst>
-        </pc:spChg>
-        <pc:spChg chg="mod">
-          <ac:chgData name="Richard Pawson" userId="fc4c175b57fd2e55" providerId="LiveId" clId="{DC824AAA-291B-431B-91F3-391E33F29BA7}" dt="2022-07-09T09:00:26.243" v="7395"/>
-          <ac:spMkLst>
-            <pc:docMk/>
-            <pc:sldMk cId="34456547" sldId="275"/>
-            <ac:spMk id="30" creationId="{807D49AD-10BA-C0B8-70AF-E012F03E6A89}"/>
-          </ac:spMkLst>
-        </pc:spChg>
-        <pc:spChg chg="mod">
-          <ac:chgData name="Richard Pawson" userId="fc4c175b57fd2e55" providerId="LiveId" clId="{DC824AAA-291B-431B-91F3-391E33F29BA7}" dt="2022-07-09T09:00:26.243" v="7395"/>
-          <ac:spMkLst>
-            <pc:docMk/>
-            <pc:sldMk cId="34456547" sldId="275"/>
-            <ac:spMk id="32" creationId="{0FBE41A6-DC71-9880-CE2F-60DBBB1C985E}"/>
-          </ac:spMkLst>
-        </pc:spChg>
-        <pc:spChg chg="mod">
-          <ac:chgData name="Richard Pawson" userId="fc4c175b57fd2e55" providerId="LiveId" clId="{DC824AAA-291B-431B-91F3-391E33F29BA7}" dt="2022-07-09T09:00:26.243" v="7395"/>
-          <ac:spMkLst>
-            <pc:docMk/>
-            <pc:sldMk cId="34456547" sldId="275"/>
-            <ac:spMk id="33" creationId="{58D2DA78-E779-35D2-BB79-324728BC5357}"/>
-          </ac:spMkLst>
-        </pc:spChg>
-        <pc:spChg chg="mod">
-          <ac:chgData name="Richard Pawson" userId="fc4c175b57fd2e55" providerId="LiveId" clId="{DC824AAA-291B-431B-91F3-391E33F29BA7}" dt="2022-07-09T09:00:26.243" v="7395"/>
-          <ac:spMkLst>
-            <pc:docMk/>
-            <pc:sldMk cId="34456547" sldId="275"/>
-            <ac:spMk id="34" creationId="{2B138D07-89AB-6A36-AF66-624D985DF548}"/>
-          </ac:spMkLst>
-        </pc:spChg>
-        <pc:spChg chg="mod">
-          <ac:chgData name="Richard Pawson" userId="fc4c175b57fd2e55" providerId="LiveId" clId="{DC824AAA-291B-431B-91F3-391E33F29BA7}" dt="2022-07-09T09:00:26.243" v="7395"/>
-          <ac:spMkLst>
-            <pc:docMk/>
-            <pc:sldMk cId="34456547" sldId="275"/>
-            <ac:spMk id="35" creationId="{263A7A18-916C-7BC2-39BD-A1CD3F151029}"/>
-          </ac:spMkLst>
-        </pc:spChg>
-        <pc:spChg chg="mod">
-          <ac:chgData name="Richard Pawson" userId="fc4c175b57fd2e55" providerId="LiveId" clId="{DC824AAA-291B-431B-91F3-391E33F29BA7}" dt="2022-07-09T09:00:26.243" v="7395"/>
-          <ac:spMkLst>
-            <pc:docMk/>
-            <pc:sldMk cId="34456547" sldId="275"/>
-            <ac:spMk id="36" creationId="{B184B9D1-B17B-B482-D3D0-E218E3AA38FC}"/>
-          </ac:spMkLst>
-        </pc:spChg>
-        <pc:spChg chg="mod">
-          <ac:chgData name="Richard Pawson" userId="fc4c175b57fd2e55" providerId="LiveId" clId="{DC824AAA-291B-431B-91F3-391E33F29BA7}" dt="2022-07-09T09:00:26.243" v="7395"/>
-          <ac:spMkLst>
-            <pc:docMk/>
-            <pc:sldMk cId="34456547" sldId="275"/>
-            <ac:spMk id="38" creationId="{4C30638A-E96A-D589-429C-20B89B43D21D}"/>
-          </ac:spMkLst>
-        </pc:spChg>
-        <pc:spChg chg="mod">
-          <ac:chgData name="Richard Pawson" userId="fc4c175b57fd2e55" providerId="LiveId" clId="{DC824AAA-291B-431B-91F3-391E33F29BA7}" dt="2022-07-09T09:00:26.243" v="7395"/>
-          <ac:spMkLst>
-            <pc:docMk/>
-            <pc:sldMk cId="34456547" sldId="275"/>
-            <ac:spMk id="39" creationId="{3123AEEE-990D-D95B-EA87-B06242D2D7D1}"/>
-          </ac:spMkLst>
-        </pc:spChg>
-        <pc:spChg chg="mod">
-          <ac:chgData name="Richard Pawson" userId="fc4c175b57fd2e55" providerId="LiveId" clId="{DC824AAA-291B-431B-91F3-391E33F29BA7}" dt="2022-07-09T09:00:26.243" v="7395"/>
-          <ac:spMkLst>
-            <pc:docMk/>
-            <pc:sldMk cId="34456547" sldId="275"/>
-            <ac:spMk id="40" creationId="{58F6960B-FEAB-EADA-FCF8-A81ADB71BB74}"/>
-          </ac:spMkLst>
-        </pc:spChg>
-        <pc:spChg chg="mod">
-          <ac:chgData name="Richard Pawson" userId="fc4c175b57fd2e55" providerId="LiveId" clId="{DC824AAA-291B-431B-91F3-391E33F29BA7}" dt="2022-07-09T09:00:26.243" v="7395"/>
-          <ac:spMkLst>
-            <pc:docMk/>
-            <pc:sldMk cId="34456547" sldId="275"/>
-            <ac:spMk id="41" creationId="{8E31A6E4-1733-C2CD-8132-01DE4CC4F7AC}"/>
-          </ac:spMkLst>
-        </pc:spChg>
-        <pc:spChg chg="add mod">
-          <ac:chgData name="Richard Pawson" userId="fc4c175b57fd2e55" providerId="LiveId" clId="{DC824AAA-291B-431B-91F3-391E33F29BA7}" dt="2022-07-09T10:56:04.914" v="8477" actId="14100"/>
-          <ac:spMkLst>
-            <pc:docMk/>
-            <pc:sldMk cId="34456547" sldId="275"/>
-            <ac:spMk id="44" creationId="{002E2671-8C76-B028-9492-D95B5DABFD07}"/>
-          </ac:spMkLst>
-        </pc:spChg>
-        <pc:spChg chg="add mod">
-          <ac:chgData name="Richard Pawson" userId="fc4c175b57fd2e55" providerId="LiveId" clId="{DC824AAA-291B-431B-91F3-391E33F29BA7}" dt="2022-07-09T10:54:49.930" v="8407" actId="1076"/>
-          <ac:spMkLst>
-            <pc:docMk/>
-            <pc:sldMk cId="34456547" sldId="275"/>
-            <ac:spMk id="45" creationId="{E7B1D1DF-0107-B927-2CD9-4956D8E4DE38}"/>
-          </ac:spMkLst>
-        </pc:spChg>
-        <pc:spChg chg="add mod">
-          <ac:chgData name="Richard Pawson" userId="fc4c175b57fd2e55" providerId="LiveId" clId="{DC824AAA-291B-431B-91F3-391E33F29BA7}" dt="2022-07-09T10:58:42.691" v="8679" actId="20577"/>
-          <ac:spMkLst>
-            <pc:docMk/>
-            <pc:sldMk cId="34456547" sldId="275"/>
-            <ac:spMk id="46" creationId="{D49ACB8A-8F63-72C4-5089-10E385D47F5F}"/>
-          </ac:spMkLst>
-        </pc:spChg>
-        <pc:spChg chg="add mod">
-          <ac:chgData name="Richard Pawson" userId="fc4c175b57fd2e55" providerId="LiveId" clId="{DC824AAA-291B-431B-91F3-391E33F29BA7}" dt="2022-07-09T10:55:33.227" v="8473" actId="1076"/>
-          <ac:spMkLst>
-            <pc:docMk/>
-            <pc:sldMk cId="34456547" sldId="275"/>
-            <ac:spMk id="47" creationId="{7B5CD55B-EF9D-9330-E340-4DB0BD940F7F}"/>
-          </ac:spMkLst>
-        </pc:spChg>
-        <pc:spChg chg="add mod">
-          <ac:chgData name="Richard Pawson" userId="fc4c175b57fd2e55" providerId="LiveId" clId="{DC824AAA-291B-431B-91F3-391E33F29BA7}" dt="2022-07-09T10:55:37.290" v="8474" actId="1076"/>
-          <ac:spMkLst>
-            <pc:docMk/>
-            <pc:sldMk cId="34456547" sldId="275"/>
-            <ac:spMk id="48" creationId="{C99C18B2-F6A6-DE5A-89B9-1026CECE24C0}"/>
-          </ac:spMkLst>
-        </pc:spChg>
-        <pc:spChg chg="add del mod">
-          <ac:chgData name="Richard Pawson" userId="fc4c175b57fd2e55" providerId="LiveId" clId="{DC824AAA-291B-431B-91F3-391E33F29BA7}" dt="2022-07-09T09:31:47.797" v="8398" actId="478"/>
-          <ac:spMkLst>
-            <pc:docMk/>
-            <pc:sldMk cId="34456547" sldId="275"/>
-            <ac:spMk id="49" creationId="{CCB8B27F-12AC-DE10-B10E-B775251F628A}"/>
-          </ac:spMkLst>
-        </pc:spChg>
-        <pc:spChg chg="add del mod">
-          <ac:chgData name="Richard Pawson" userId="fc4c175b57fd2e55" providerId="LiveId" clId="{DC824AAA-291B-431B-91F3-391E33F29BA7}" dt="2022-07-10T09:04:44.586" v="10061" actId="21"/>
-          <ac:spMkLst>
-            <pc:docMk/>
-            <pc:sldMk cId="34456547" sldId="275"/>
-            <ac:spMk id="50" creationId="{73AA0B92-4E84-92F4-EF50-AB939B7E1527}"/>
-          </ac:spMkLst>
-        </pc:spChg>
-        <pc:spChg chg="add del mod">
-          <ac:chgData name="Richard Pawson" userId="fc4c175b57fd2e55" providerId="LiveId" clId="{DC824AAA-291B-431B-91F3-391E33F29BA7}" dt="2022-07-09T09:31:40.357" v="8396" actId="478"/>
-          <ac:spMkLst>
-            <pc:docMk/>
-            <pc:sldMk cId="34456547" sldId="275"/>
-            <ac:spMk id="51" creationId="{CFFCC1BA-3027-5CEE-3CEB-3C7B3C0DC868}"/>
-          </ac:spMkLst>
-        </pc:spChg>
-        <pc:spChg chg="add del mod">
-          <ac:chgData name="Richard Pawson" userId="fc4c175b57fd2e55" providerId="LiveId" clId="{DC824AAA-291B-431B-91F3-391E33F29BA7}" dt="2022-07-09T09:30:00.249" v="8381"/>
-          <ac:spMkLst>
-            <pc:docMk/>
-            <pc:sldMk cId="34456547" sldId="275"/>
-            <ac:spMk id="52" creationId="{9176C550-86B9-B4CA-0920-085ED662220B}"/>
-          </ac:spMkLst>
-        </pc:spChg>
-        <pc:spChg chg="add mod">
-          <ac:chgData name="Richard Pawson" userId="fc4c175b57fd2e55" providerId="LiveId" clId="{DC824AAA-291B-431B-91F3-391E33F29BA7}" dt="2022-07-09T09:30:56.297" v="8390" actId="20577"/>
-          <ac:spMkLst>
-            <pc:docMk/>
-            <pc:sldMk cId="34456547" sldId="275"/>
-            <ac:spMk id="53" creationId="{2E035EF9-5A82-F60A-B8ED-938DBD241EA4}"/>
-          </ac:spMkLst>
-        </pc:spChg>
-        <pc:spChg chg="add mod">
-          <ac:chgData name="Richard Pawson" userId="fc4c175b57fd2e55" providerId="LiveId" clId="{DC824AAA-291B-431B-91F3-391E33F29BA7}" dt="2022-07-09T10:56:41.322" v="8531" actId="20577"/>
-          <ac:spMkLst>
-            <pc:docMk/>
-            <pc:sldMk cId="34456547" sldId="275"/>
-            <ac:spMk id="54" creationId="{51412499-3DA2-BC03-5277-9890DB2F67F6}"/>
-          </ac:spMkLst>
-        </pc:spChg>
-        <pc:grpChg chg="add del mod">
-          <ac:chgData name="Richard Pawson" userId="fc4c175b57fd2e55" providerId="LiveId" clId="{DC824AAA-291B-431B-91F3-391E33F29BA7}" dt="2022-07-09T09:00:55.073" v="7397" actId="478"/>
-          <ac:grpSpMkLst>
-            <pc:docMk/>
-            <pc:sldMk cId="34456547" sldId="275"/>
-            <ac:grpSpMk id="4" creationId="{955F8C76-C359-4E45-305A-6FEEBA0CBD8C}"/>
-          </ac:grpSpMkLst>
-        </pc:grpChg>
-        <pc:grpChg chg="mod">
-          <ac:chgData name="Richard Pawson" userId="fc4c175b57fd2e55" providerId="LiveId" clId="{DC824AAA-291B-431B-91F3-391E33F29BA7}" dt="2022-07-09T09:00:26.243" v="7395"/>
-          <ac:grpSpMkLst>
-            <pc:docMk/>
-            <pc:sldMk cId="34456547" sldId="275"/>
-            <ac:grpSpMk id="5" creationId="{D3AFF64D-04FD-7A39-0372-1B0C35D1CC7F}"/>
-          </ac:grpSpMkLst>
-        </pc:grpChg>
-        <pc:grpChg chg="mod">
-          <ac:chgData name="Richard Pawson" userId="fc4c175b57fd2e55" providerId="LiveId" clId="{DC824AAA-291B-431B-91F3-391E33F29BA7}" dt="2022-07-09T09:00:26.243" v="7395"/>
-          <ac:grpSpMkLst>
-            <pc:docMk/>
-            <pc:sldMk cId="34456547" sldId="275"/>
-            <ac:grpSpMk id="6" creationId="{02AC7C4B-72CB-0CC8-971E-E356F6B9CA79}"/>
-          </ac:grpSpMkLst>
-        </pc:grpChg>
-        <pc:grpChg chg="mod">
-          <ac:chgData name="Richard Pawson" userId="fc4c175b57fd2e55" providerId="LiveId" clId="{DC824AAA-291B-431B-91F3-391E33F29BA7}" dt="2022-07-09T09:00:26.243" v="7395"/>
-          <ac:grpSpMkLst>
-            <pc:docMk/>
-            <pc:sldMk cId="34456547" sldId="275"/>
-            <ac:grpSpMk id="7" creationId="{BBB9D24F-0A4B-E192-742C-960B59C7EA33}"/>
-          </ac:grpSpMkLst>
-        </pc:grpChg>
-        <pc:grpChg chg="mod">
-          <ac:chgData name="Richard Pawson" userId="fc4c175b57fd2e55" providerId="LiveId" clId="{DC824AAA-291B-431B-91F3-391E33F29BA7}" dt="2022-07-09T09:00:26.243" v="7395"/>
-          <ac:grpSpMkLst>
-            <pc:docMk/>
-            <pc:sldMk cId="34456547" sldId="275"/>
-            <ac:grpSpMk id="8" creationId="{946F1ACD-E803-B8D5-EEAC-048EC70CA62E}"/>
-          </ac:grpSpMkLst>
-        </pc:grpChg>
-        <pc:grpChg chg="mod">
-          <ac:chgData name="Richard Pawson" userId="fc4c175b57fd2e55" providerId="LiveId" clId="{DC824AAA-291B-431B-91F3-391E33F29BA7}" dt="2022-07-09T09:00:26.243" v="7395"/>
-          <ac:grpSpMkLst>
-            <pc:docMk/>
-            <pc:sldMk cId="34456547" sldId="275"/>
-            <ac:grpSpMk id="9" creationId="{995F4799-2EB7-E161-D9F3-A8A592746F65}"/>
-          </ac:grpSpMkLst>
-        </pc:grpChg>
-        <pc:grpChg chg="mod">
-          <ac:chgData name="Richard Pawson" userId="fc4c175b57fd2e55" providerId="LiveId" clId="{DC824AAA-291B-431B-91F3-391E33F29BA7}" dt="2022-07-09T09:00:26.243" v="7395"/>
-          <ac:grpSpMkLst>
-            <pc:docMk/>
-            <pc:sldMk cId="34456547" sldId="275"/>
-            <ac:grpSpMk id="10" creationId="{B52F2313-946A-6C5B-9162-A3EE851C7222}"/>
-          </ac:grpSpMkLst>
-        </pc:grpChg>
-        <pc:grpChg chg="mod">
-          <ac:chgData name="Richard Pawson" userId="fc4c175b57fd2e55" providerId="LiveId" clId="{DC824AAA-291B-431B-91F3-391E33F29BA7}" dt="2022-07-09T09:00:26.243" v="7395"/>
-          <ac:grpSpMkLst>
-            <pc:docMk/>
-            <pc:sldMk cId="34456547" sldId="275"/>
-            <ac:grpSpMk id="18" creationId="{53519FA6-05CD-0D62-05E4-1E18B539265D}"/>
-          </ac:grpSpMkLst>
-        </pc:grpChg>
-        <pc:grpChg chg="mod">
-          <ac:chgData name="Richard Pawson" userId="fc4c175b57fd2e55" providerId="LiveId" clId="{DC824AAA-291B-431B-91F3-391E33F29BA7}" dt="2022-07-09T09:00:26.243" v="7395"/>
-          <ac:grpSpMkLst>
-            <pc:docMk/>
-            <pc:sldMk cId="34456547" sldId="275"/>
-            <ac:grpSpMk id="24" creationId="{A0C1FF01-F09F-D5F1-C8DA-E46A47D903BC}"/>
-          </ac:grpSpMkLst>
-        </pc:grpChg>
-        <pc:grpChg chg="mod">
-          <ac:chgData name="Richard Pawson" userId="fc4c175b57fd2e55" providerId="LiveId" clId="{DC824AAA-291B-431B-91F3-391E33F29BA7}" dt="2022-07-09T09:00:26.243" v="7395"/>
-          <ac:grpSpMkLst>
-            <pc:docMk/>
-            <pc:sldMk cId="34456547" sldId="275"/>
-            <ac:grpSpMk id="31" creationId="{9BB2B52E-854F-E848-BDF1-A071A70E731A}"/>
-          </ac:grpSpMkLst>
-        </pc:grpChg>
-        <pc:grpChg chg="mod">
-          <ac:chgData name="Richard Pawson" userId="fc4c175b57fd2e55" providerId="LiveId" clId="{DC824AAA-291B-431B-91F3-391E33F29BA7}" dt="2022-07-09T09:00:26.243" v="7395"/>
-          <ac:grpSpMkLst>
-            <pc:docMk/>
-            <pc:sldMk cId="34456547" sldId="275"/>
-            <ac:grpSpMk id="37" creationId="{8816503B-475D-C46B-AECE-356F8589E9D6}"/>
-          </ac:grpSpMkLst>
-        </pc:grpChg>
-        <pc:picChg chg="add mod">
-          <ac:chgData name="Richard Pawson" userId="fc4c175b57fd2e55" providerId="LiveId" clId="{DC824AAA-291B-431B-91F3-391E33F29BA7}" dt="2022-07-09T09:29:59.207" v="8379" actId="1076"/>
-          <ac:picMkLst>
-            <pc:docMk/>
-            <pc:sldMk cId="34456547" sldId="275"/>
-            <ac:picMk id="43" creationId="{252D5801-8DDE-3D62-4E52-3AB56C7E1523}"/>
-          </ac:picMkLst>
-        </pc:picChg>
-      </pc:sldChg>
-      <pc:sldChg chg="add del ord">
-        <pc:chgData name="Richard Pawson" userId="fc4c175b57fd2e55" providerId="LiveId" clId="{DC824AAA-291B-431B-91F3-391E33F29BA7}" dt="2022-07-09T10:56:16.289" v="8478" actId="47"/>
-        <pc:sldMkLst>
-          <pc:docMk/>
-          <pc:sldMk cId="184105656" sldId="276"/>
-        </pc:sldMkLst>
-      </pc:sldChg>
-      <pc:sldChg chg="addSp delSp modSp add mod ord">
-        <pc:chgData name="Richard Pawson" userId="fc4c175b57fd2e55" providerId="LiveId" clId="{DC824AAA-291B-431B-91F3-391E33F29BA7}" dt="2022-07-11T07:53:05.148" v="10488" actId="20577"/>
-        <pc:sldMkLst>
-          <pc:docMk/>
-          <pc:sldMk cId="3143952641" sldId="276"/>
-        </pc:sldMkLst>
-        <pc:spChg chg="add mod ord">
-          <ac:chgData name="Richard Pawson" userId="fc4c175b57fd2e55" providerId="LiveId" clId="{DC824AAA-291B-431B-91F3-391E33F29BA7}" dt="2022-07-10T09:11:26.866" v="10385" actId="1076"/>
-          <ac:spMkLst>
-            <pc:docMk/>
-            <pc:sldMk cId="3143952641" sldId="276"/>
-            <ac:spMk id="2" creationId="{0DF0CDA3-D0F7-8574-C7CE-FA1B6D0D944B}"/>
-          </ac:spMkLst>
-        </pc:spChg>
-        <pc:spChg chg="add mod">
-          <ac:chgData name="Richard Pawson" userId="fc4c175b57fd2e55" providerId="LiveId" clId="{DC824AAA-291B-431B-91F3-391E33F29BA7}" dt="2022-07-10T09:11:34.625" v="10386" actId="1076"/>
-          <ac:spMkLst>
-            <pc:docMk/>
-            <pc:sldMk cId="3143952641" sldId="276"/>
-            <ac:spMk id="3" creationId="{97F1A407-E74F-45EF-B887-9A9D5E331010}"/>
-          </ac:spMkLst>
-        </pc:spChg>
-        <pc:spChg chg="add mod">
-          <ac:chgData name="Richard Pawson" userId="fc4c175b57fd2e55" providerId="LiveId" clId="{DC824AAA-291B-431B-91F3-391E33F29BA7}" dt="2022-07-11T07:51:48.702" v="10434" actId="20577"/>
-          <ac:spMkLst>
-            <pc:docMk/>
-            <pc:sldMk cId="3143952641" sldId="276"/>
-            <ac:spMk id="11" creationId="{7B7FCF95-13B7-7557-5402-49D100BF9AC8}"/>
-          </ac:spMkLst>
-        </pc:spChg>
-        <pc:spChg chg="add del mod">
-          <ac:chgData name="Richard Pawson" userId="fc4c175b57fd2e55" providerId="LiveId" clId="{DC824AAA-291B-431B-91F3-391E33F29BA7}" dt="2022-07-11T07:51:32.264" v="10426" actId="478"/>
-          <ac:spMkLst>
-            <pc:docMk/>
-            <pc:sldMk cId="3143952641" sldId="276"/>
-            <ac:spMk id="12" creationId="{E1858099-75CF-825A-6770-95EDB6BD839D}"/>
-          </ac:spMkLst>
-        </pc:spChg>
-        <pc:spChg chg="add mod">
-          <ac:chgData name="Richard Pawson" userId="fc4c175b57fd2e55" providerId="LiveId" clId="{DC824AAA-291B-431B-91F3-391E33F29BA7}" dt="2022-07-11T07:52:12.169" v="10447" actId="20577"/>
-          <ac:spMkLst>
-            <pc:docMk/>
-            <pc:sldMk cId="3143952641" sldId="276"/>
-            <ac:spMk id="13" creationId="{8629446A-C155-1EE9-C980-F24357839F52}"/>
-          </ac:spMkLst>
-        </pc:spChg>
-        <pc:spChg chg="add del mod">
-          <ac:chgData name="Richard Pawson" userId="fc4c175b57fd2e55" providerId="LiveId" clId="{DC824AAA-291B-431B-91F3-391E33F29BA7}" dt="2022-07-11T07:51:28.233" v="10425" actId="478"/>
-          <ac:spMkLst>
-            <pc:docMk/>
-            <pc:sldMk cId="3143952641" sldId="276"/>
-            <ac:spMk id="14" creationId="{F7A739E7-AA90-7E3E-1CE4-462AADE12FB5}"/>
-          </ac:spMkLst>
-        </pc:spChg>
-        <pc:spChg chg="add mod">
-          <ac:chgData name="Richard Pawson" userId="fc4c175b57fd2e55" providerId="LiveId" clId="{DC824AAA-291B-431B-91F3-391E33F29BA7}" dt="2022-07-11T07:52:29.041" v="10449" actId="404"/>
-          <ac:spMkLst>
-            <pc:docMk/>
-            <pc:sldMk cId="3143952641" sldId="276"/>
-            <ac:spMk id="15" creationId="{222D5AC7-6575-37F8-36CF-DF86DC67715E}"/>
-          </ac:spMkLst>
-        </pc:spChg>
-        <pc:spChg chg="add del mod">
-          <ac:chgData name="Richard Pawson" userId="fc4c175b57fd2e55" providerId="LiveId" clId="{DC824AAA-291B-431B-91F3-391E33F29BA7}" dt="2022-07-10T08:57:07.617" v="9704" actId="478"/>
-          <ac:spMkLst>
-            <pc:docMk/>
-            <pc:sldMk cId="3143952641" sldId="276"/>
-            <ac:spMk id="16" creationId="{E0E1EEB7-FB66-B7E3-2BE5-D5DD809E91DB}"/>
-          </ac:spMkLst>
-        </pc:spChg>
-        <pc:spChg chg="add mod">
-          <ac:chgData name="Richard Pawson" userId="fc4c175b57fd2e55" providerId="LiveId" clId="{DC824AAA-291B-431B-91F3-391E33F29BA7}" dt="2022-07-10T09:11:04.786" v="10381" actId="1076"/>
-          <ac:spMkLst>
-            <pc:docMk/>
-            <pc:sldMk cId="3143952641" sldId="276"/>
-            <ac:spMk id="17" creationId="{ABE37AB1-2147-4652-FC58-EF81AAD67BD5}"/>
-          </ac:spMkLst>
-        </pc:spChg>
-        <pc:spChg chg="add mod">
-          <ac:chgData name="Richard Pawson" userId="fc4c175b57fd2e55" providerId="LiveId" clId="{DC824AAA-291B-431B-91F3-391E33F29BA7}" dt="2022-07-10T09:11:04.786" v="10381" actId="1076"/>
-          <ac:spMkLst>
-            <pc:docMk/>
-            <pc:sldMk cId="3143952641" sldId="276"/>
-            <ac:spMk id="18" creationId="{7CF897B8-B58C-E8FB-11F0-B29855F41DE9}"/>
-          </ac:spMkLst>
-        </pc:spChg>
-        <pc:spChg chg="add mod">
-          <ac:chgData name="Richard Pawson" userId="fc4c175b57fd2e55" providerId="LiveId" clId="{DC824AAA-291B-431B-91F3-391E33F29BA7}" dt="2022-07-10T09:11:04.786" v="10381" actId="1076"/>
-          <ac:spMkLst>
-            <pc:docMk/>
-            <pc:sldMk cId="3143952641" sldId="276"/>
-            <ac:spMk id="20" creationId="{319C14E6-E8D9-CF4A-73B6-EBA99E315922}"/>
-          </ac:spMkLst>
-        </pc:spChg>
-        <pc:spChg chg="add mod">
-          <ac:chgData name="Richard Pawson" userId="fc4c175b57fd2e55" providerId="LiveId" clId="{DC824AAA-291B-431B-91F3-391E33F29BA7}" dt="2022-07-11T07:48:11.017" v="10410" actId="1076"/>
-          <ac:spMkLst>
-            <pc:docMk/>
-            <pc:sldMk cId="3143952641" sldId="276"/>
-            <ac:spMk id="21" creationId="{26AB5C2D-7AD1-69A2-84D4-5204EF4B7565}"/>
-          </ac:spMkLst>
-        </pc:spChg>
-        <pc:spChg chg="add mod">
-          <ac:chgData name="Richard Pawson" userId="fc4c175b57fd2e55" providerId="LiveId" clId="{DC824AAA-291B-431B-91F3-391E33F29BA7}" dt="2022-07-10T09:11:26.866" v="10385" actId="1076"/>
-          <ac:spMkLst>
-            <pc:docMk/>
-            <pc:sldMk cId="3143952641" sldId="276"/>
-            <ac:spMk id="23" creationId="{EA259C81-96B9-B94C-8C4B-661268C37198}"/>
-          </ac:spMkLst>
-        </pc:spChg>
-        <pc:spChg chg="add del mod">
-          <ac:chgData name="Richard Pawson" userId="fc4c175b57fd2e55" providerId="LiveId" clId="{DC824AAA-291B-431B-91F3-391E33F29BA7}" dt="2022-07-10T09:04:40.098" v="10060" actId="478"/>
-          <ac:spMkLst>
-            <pc:docMk/>
-            <pc:sldMk cId="3143952641" sldId="276"/>
-            <ac:spMk id="31" creationId="{8A0DD185-5A9D-7869-B647-3BDA18B0D596}"/>
-          </ac:spMkLst>
-        </pc:spChg>
-        <pc:spChg chg="add mod">
-          <ac:chgData name="Richard Pawson" userId="fc4c175b57fd2e55" providerId="LiveId" clId="{DC824AAA-291B-431B-91F3-391E33F29BA7}" dt="2022-07-11T07:53:05.148" v="10488" actId="20577"/>
-          <ac:spMkLst>
-            <pc:docMk/>
-            <pc:sldMk cId="3143952641" sldId="276"/>
-            <ac:spMk id="40" creationId="{5072BDD6-D429-9491-644E-2FCE2CE23A56}"/>
-          </ac:spMkLst>
-        </pc:spChg>
-        <pc:spChg chg="add del mod">
-          <ac:chgData name="Richard Pawson" userId="fc4c175b57fd2e55" providerId="LiveId" clId="{DC824AAA-291B-431B-91F3-391E33F29BA7}" dt="2022-07-10T09:08:23.777" v="10220" actId="478"/>
-          <ac:spMkLst>
-            <pc:docMk/>
-            <pc:sldMk cId="3143952641" sldId="276"/>
-            <ac:spMk id="41" creationId="{090A4BED-8D5D-3A13-9B43-3EA9A688710A}"/>
-          </ac:spMkLst>
-        </pc:spChg>
-        <pc:spChg chg="add mod">
-          <ac:chgData name="Richard Pawson" userId="fc4c175b57fd2e55" providerId="LiveId" clId="{DC824AAA-291B-431B-91F3-391E33F29BA7}" dt="2022-07-11T07:49:37.140" v="10422" actId="20577"/>
-          <ac:spMkLst>
-            <pc:docMk/>
-            <pc:sldMk cId="3143952641" sldId="276"/>
-            <ac:spMk id="42" creationId="{A5ACEE52-7624-ABEC-4971-64EE653C5988}"/>
-          </ac:spMkLst>
-        </pc:spChg>
-        <pc:spChg chg="del">
-          <ac:chgData name="Richard Pawson" userId="fc4c175b57fd2e55" providerId="LiveId" clId="{DC824AAA-291B-431B-91F3-391E33F29BA7}" dt="2022-07-09T10:59:14.296" v="8683" actId="478"/>
-          <ac:spMkLst>
-            <pc:docMk/>
-            <pc:sldMk cId="3143952641" sldId="276"/>
-            <ac:spMk id="44" creationId="{002E2671-8C76-B028-9492-D95B5DABFD07}"/>
-          </ac:spMkLst>
-        </pc:spChg>
-        <pc:spChg chg="del mod">
-          <ac:chgData name="Richard Pawson" userId="fc4c175b57fd2e55" providerId="LiveId" clId="{DC824AAA-291B-431B-91F3-391E33F29BA7}" dt="2022-07-11T07:51:23.121" v="10424" actId="478"/>
-          <ac:spMkLst>
-            <pc:docMk/>
-            <pc:sldMk cId="3143952641" sldId="276"/>
-            <ac:spMk id="45" creationId="{E7B1D1DF-0107-B927-2CD9-4956D8E4DE38}"/>
-          </ac:spMkLst>
-        </pc:spChg>
-        <pc:spChg chg="del">
-          <ac:chgData name="Richard Pawson" userId="fc4c175b57fd2e55" providerId="LiveId" clId="{DC824AAA-291B-431B-91F3-391E33F29BA7}" dt="2022-07-09T10:59:14.296" v="8683" actId="478"/>
-          <ac:spMkLst>
-            <pc:docMk/>
-            <pc:sldMk cId="3143952641" sldId="276"/>
-            <ac:spMk id="46" creationId="{D49ACB8A-8F63-72C4-5089-10E385D47F5F}"/>
-          </ac:spMkLst>
-        </pc:spChg>
-        <pc:spChg chg="del">
-          <ac:chgData name="Richard Pawson" userId="fc4c175b57fd2e55" providerId="LiveId" clId="{DC824AAA-291B-431B-91F3-391E33F29BA7}" dt="2022-07-09T10:59:14.296" v="8683" actId="478"/>
-          <ac:spMkLst>
-            <pc:docMk/>
-            <pc:sldMk cId="3143952641" sldId="276"/>
-            <ac:spMk id="47" creationId="{7B5CD55B-EF9D-9330-E340-4DB0BD940F7F}"/>
-          </ac:spMkLst>
-        </pc:spChg>
-        <pc:spChg chg="del">
-          <ac:chgData name="Richard Pawson" userId="fc4c175b57fd2e55" providerId="LiveId" clId="{DC824AAA-291B-431B-91F3-391E33F29BA7}" dt="2022-07-09T10:59:14.296" v="8683" actId="478"/>
-          <ac:spMkLst>
-            <pc:docMk/>
-            <pc:sldMk cId="3143952641" sldId="276"/>
-            <ac:spMk id="48" creationId="{C99C18B2-F6A6-DE5A-89B9-1026CECE24C0}"/>
-          </ac:spMkLst>
-        </pc:spChg>
-        <pc:spChg chg="add del mod">
-          <ac:chgData name="Richard Pawson" userId="fc4c175b57fd2e55" providerId="LiveId" clId="{DC824AAA-291B-431B-91F3-391E33F29BA7}" dt="2022-07-10T09:06:24.650" v="10118"/>
-          <ac:spMkLst>
-            <pc:docMk/>
-            <pc:sldMk cId="3143952641" sldId="276"/>
-            <ac:spMk id="49" creationId="{8FE60D1A-D419-7DEB-DDFF-8AE0340CECAF}"/>
-          </ac:spMkLst>
-        </pc:spChg>
-        <pc:spChg chg="del">
-          <ac:chgData name="Richard Pawson" userId="fc4c175b57fd2e55" providerId="LiveId" clId="{DC824AAA-291B-431B-91F3-391E33F29BA7}" dt="2022-07-09T10:59:14.296" v="8683" actId="478"/>
-          <ac:spMkLst>
-            <pc:docMk/>
-            <pc:sldMk cId="3143952641" sldId="276"/>
-            <ac:spMk id="50" creationId="{73AA0B92-4E84-92F4-EF50-AB939B7E1527}"/>
-          </ac:spMkLst>
-        </pc:spChg>
-        <pc:spChg chg="del">
-          <ac:chgData name="Richard Pawson" userId="fc4c175b57fd2e55" providerId="LiveId" clId="{DC824AAA-291B-431B-91F3-391E33F29BA7}" dt="2022-07-09T10:59:14.296" v="8683" actId="478"/>
-          <ac:spMkLst>
-            <pc:docMk/>
-            <pc:sldMk cId="3143952641" sldId="276"/>
-            <ac:spMk id="53" creationId="{2E035EF9-5A82-F60A-B8ED-938DBD241EA4}"/>
-          </ac:spMkLst>
-        </pc:spChg>
-        <pc:spChg chg="del">
-          <ac:chgData name="Richard Pawson" userId="fc4c175b57fd2e55" providerId="LiveId" clId="{DC824AAA-291B-431B-91F3-391E33F29BA7}" dt="2022-07-09T10:59:14.296" v="8683" actId="478"/>
-          <ac:spMkLst>
-            <pc:docMk/>
-            <pc:sldMk cId="3143952641" sldId="276"/>
-            <ac:spMk id="54" creationId="{51412499-3DA2-BC03-5277-9890DB2F67F6}"/>
-          </ac:spMkLst>
-        </pc:spChg>
-        <pc:picChg chg="add mod">
-          <ac:chgData name="Richard Pawson" userId="fc4c175b57fd2e55" providerId="LiveId" clId="{DC824AAA-291B-431B-91F3-391E33F29BA7}" dt="2022-07-09T11:06:36.826" v="9170" actId="1076"/>
-          <ac:picMkLst>
-            <pc:docMk/>
-            <pc:sldMk cId="3143952641" sldId="276"/>
-            <ac:picMk id="19" creationId="{B29980A5-C269-BCC5-A188-448019603CB2}"/>
-          </ac:picMkLst>
-        </pc:picChg>
-        <pc:picChg chg="add del">
-          <ac:chgData name="Richard Pawson" userId="fc4c175b57fd2e55" providerId="LiveId" clId="{DC824AAA-291B-431B-91F3-391E33F29BA7}" dt="2022-07-10T09:02:08.685" v="9965" actId="22"/>
-          <ac:picMkLst>
-            <pc:docMk/>
-            <pc:sldMk cId="3143952641" sldId="276"/>
-            <ac:picMk id="29" creationId="{3FDBE93C-343F-B7D0-176A-7179F0A4201D}"/>
-          </ac:picMkLst>
-        </pc:picChg>
-        <pc:picChg chg="del">
-          <ac:chgData name="Richard Pawson" userId="fc4c175b57fd2e55" providerId="LiveId" clId="{DC824AAA-291B-431B-91F3-391E33F29BA7}" dt="2022-07-09T10:59:14.296" v="8683" actId="478"/>
-          <ac:picMkLst>
-            <pc:docMk/>
-            <pc:sldMk cId="3143952641" sldId="276"/>
-            <ac:picMk id="43" creationId="{252D5801-8DDE-3D62-4E52-3AB56C7E1523}"/>
-          </ac:picMkLst>
-        </pc:picChg>
-        <pc:cxnChg chg="add mod">
-          <ac:chgData name="Richard Pawson" userId="fc4c175b57fd2e55" providerId="LiveId" clId="{DC824AAA-291B-431B-91F3-391E33F29BA7}" dt="2022-07-10T09:11:15.381" v="10384" actId="14100"/>
-          <ac:cxnSpMkLst>
-            <pc:docMk/>
-            <pc:sldMk cId="3143952641" sldId="276"/>
-            <ac:cxnSpMk id="5" creationId="{B70FDF38-2C6C-6F76-4963-FC3B2E45BA71}"/>
-          </ac:cxnSpMkLst>
-        </pc:cxnChg>
-        <pc:cxnChg chg="add mod">
-          <ac:chgData name="Richard Pawson" userId="fc4c175b57fd2e55" providerId="LiveId" clId="{DC824AAA-291B-431B-91F3-391E33F29BA7}" dt="2022-07-10T09:11:11.482" v="10383" actId="14100"/>
-          <ac:cxnSpMkLst>
-            <pc:docMk/>
-            <pc:sldMk cId="3143952641" sldId="276"/>
-            <ac:cxnSpMk id="24" creationId="{68E0D3E8-0719-51ED-266C-718274538EBD}"/>
-          </ac:cxnSpMkLst>
-        </pc:cxnChg>
-        <pc:cxnChg chg="add mod">
-          <ac:chgData name="Richard Pawson" userId="fc4c175b57fd2e55" providerId="LiveId" clId="{DC824AAA-291B-431B-91F3-391E33F29BA7}" dt="2022-07-10T09:11:08.417" v="10382" actId="14100"/>
-          <ac:cxnSpMkLst>
-            <pc:docMk/>
-            <pc:sldMk cId="3143952641" sldId="276"/>
-            <ac:cxnSpMk id="27" creationId="{9888A4B9-258D-FDCF-A19F-AA3863067BD6}"/>
-          </ac:cxnSpMkLst>
-        </pc:cxnChg>
-      </pc:sldChg>
-      <pc:sldChg chg="add del">
-        <pc:chgData name="Richard Pawson" userId="fc4c175b57fd2e55" providerId="LiveId" clId="{DC824AAA-291B-431B-91F3-391E33F29BA7}" dt="2022-07-09T09:31:28.927" v="8395" actId="47"/>
-        <pc:sldMkLst>
-          <pc:docMk/>
-          <pc:sldMk cId="2872818702" sldId="277"/>
-        </pc:sldMkLst>
-      </pc:sldChg>
-    </pc:docChg>
-  </pc:docChgLst>
-</pc:chgInfo>
-</file>
-
 <file path=ppt/slideLayouts/slideLayout1.xml><?xml version="1.0" encoding="utf-8"?>
 <p:sldLayout xmlns:a="http://schemas.openxmlformats.org/drawingml/2006/main" xmlns:r="http://schemas.openxmlformats.org/officeDocument/2006/relationships" xmlns:p="http://schemas.openxmlformats.org/presentationml/2006/main" type="title" preserve="1">
   <p:cSld name="Title Slide">
@@ -2149,7 +272,7 @@
           <a:p>
             <a:fld id="{D295580B-757C-48FD-B0DC-1213978BC34C}" type="datetimeFigureOut">
               <a:rPr lang="en-GB" smtClean="0"/>
-              <a:t>20/07/2022</a:t>
+              <a:t>23/07/2022</a:t>
             </a:fld>
             <a:endParaRPr lang="en-GB"/>
           </a:p>
@@ -2347,7 +470,7 @@
           <a:p>
             <a:fld id="{D295580B-757C-48FD-B0DC-1213978BC34C}" type="datetimeFigureOut">
               <a:rPr lang="en-GB" smtClean="0"/>
-              <a:t>20/07/2022</a:t>
+              <a:t>23/07/2022</a:t>
             </a:fld>
             <a:endParaRPr lang="en-GB"/>
           </a:p>
@@ -2555,7 +678,7 @@
           <a:p>
             <a:fld id="{D295580B-757C-48FD-B0DC-1213978BC34C}" type="datetimeFigureOut">
               <a:rPr lang="en-GB" smtClean="0"/>
-              <a:t>20/07/2022</a:t>
+              <a:t>23/07/2022</a:t>
             </a:fld>
             <a:endParaRPr lang="en-GB"/>
           </a:p>
@@ -2753,7 +876,7 @@
           <a:p>
             <a:fld id="{D295580B-757C-48FD-B0DC-1213978BC34C}" type="datetimeFigureOut">
               <a:rPr lang="en-GB" smtClean="0"/>
-              <a:t>20/07/2022</a:t>
+              <a:t>23/07/2022</a:t>
             </a:fld>
             <a:endParaRPr lang="en-GB"/>
           </a:p>
@@ -3028,7 +1151,7 @@
           <a:p>
             <a:fld id="{D295580B-757C-48FD-B0DC-1213978BC34C}" type="datetimeFigureOut">
               <a:rPr lang="en-GB" smtClean="0"/>
-              <a:t>20/07/2022</a:t>
+              <a:t>23/07/2022</a:t>
             </a:fld>
             <a:endParaRPr lang="en-GB"/>
           </a:p>
@@ -3293,7 +1416,7 @@
           <a:p>
             <a:fld id="{D295580B-757C-48FD-B0DC-1213978BC34C}" type="datetimeFigureOut">
               <a:rPr lang="en-GB" smtClean="0"/>
-              <a:t>20/07/2022</a:t>
+              <a:t>23/07/2022</a:t>
             </a:fld>
             <a:endParaRPr lang="en-GB"/>
           </a:p>
@@ -3705,7 +1828,7 @@
           <a:p>
             <a:fld id="{D295580B-757C-48FD-B0DC-1213978BC34C}" type="datetimeFigureOut">
               <a:rPr lang="en-GB" smtClean="0"/>
-              <a:t>20/07/2022</a:t>
+              <a:t>23/07/2022</a:t>
             </a:fld>
             <a:endParaRPr lang="en-GB"/>
           </a:p>
@@ -3846,7 +1969,7 @@
           <a:p>
             <a:fld id="{D295580B-757C-48FD-B0DC-1213978BC34C}" type="datetimeFigureOut">
               <a:rPr lang="en-GB" smtClean="0"/>
-              <a:t>20/07/2022</a:t>
+              <a:t>23/07/2022</a:t>
             </a:fld>
             <a:endParaRPr lang="en-GB"/>
           </a:p>
@@ -3959,7 +2082,7 @@
           <a:p>
             <a:fld id="{D295580B-757C-48FD-B0DC-1213978BC34C}" type="datetimeFigureOut">
               <a:rPr lang="en-GB" smtClean="0"/>
-              <a:t>20/07/2022</a:t>
+              <a:t>23/07/2022</a:t>
             </a:fld>
             <a:endParaRPr lang="en-GB"/>
           </a:p>
@@ -4270,7 +2393,7 @@
           <a:p>
             <a:fld id="{D295580B-757C-48FD-B0DC-1213978BC34C}" type="datetimeFigureOut">
               <a:rPr lang="en-GB" smtClean="0"/>
-              <a:t>20/07/2022</a:t>
+              <a:t>23/07/2022</a:t>
             </a:fld>
             <a:endParaRPr lang="en-GB"/>
           </a:p>
@@ -4558,7 +2681,7 @@
           <a:p>
             <a:fld id="{D295580B-757C-48FD-B0DC-1213978BC34C}" type="datetimeFigureOut">
               <a:rPr lang="en-GB" smtClean="0"/>
-              <a:t>20/07/2022</a:t>
+              <a:t>23/07/2022</a:t>
             </a:fld>
             <a:endParaRPr lang="en-GB"/>
           </a:p>
@@ -4799,7 +2922,7 @@
           <a:p>
             <a:fld id="{D295580B-757C-48FD-B0DC-1213978BC34C}" type="datetimeFigureOut">
               <a:rPr lang="en-GB" smtClean="0"/>
-              <a:t>20/07/2022</a:t>
+              <a:t>23/07/2022</a:t>
             </a:fld>
             <a:endParaRPr lang="en-GB"/>
           </a:p>
@@ -8221,6 +6344,11 @@
             <a:p>
               <a:r>
                 <a:rPr lang="en-GB" sz="1100" dirty="0">
+                  <a:solidFill>
+                    <a:schemeClr val="bg1">
+                      <a:lumMod val="85000"/>
+                    </a:schemeClr>
+                  </a:solidFill>
                   <a:latin typeface="Consolas" panose="020B0609020204030204" pitchFamily="49" charset="0"/>
                 </a:rPr>
                 <a:t>int Square(int n) =&gt; n * n;</a:t>
@@ -8633,6 +6761,16 @@
           <a:prstGeom prst="rect">
             <a:avLst/>
           </a:prstGeom>
+          <a:solidFill>
+            <a:schemeClr val="bg1">
+              <a:lumMod val="85000"/>
+            </a:schemeClr>
+          </a:solidFill>
+          <a:ln>
+            <a:solidFill>
+              <a:schemeClr val="accent2"/>
+            </a:solidFill>
+          </a:ln>
         </p:spPr>
         <p:style>
           <a:lnRef idx="2">
